--- a/Audit/Präsentation audit edit finale.pptx
+++ b/Audit/Präsentation audit edit finale.pptx
@@ -29,11 +29,15 @@
     <p:sldId id="268" r:id="rId23"/>
     <p:sldId id="269" r:id="rId24"/>
     <p:sldId id="270" r:id="rId25"/>
-    <p:sldId id="262" r:id="rId26"/>
-    <p:sldId id="263" r:id="rId27"/>
-    <p:sldId id="264" r:id="rId28"/>
-    <p:sldId id="265" r:id="rId29"/>
-    <p:sldId id="266" r:id="rId30"/>
+    <p:sldId id="287" r:id="rId26"/>
+    <p:sldId id="288" r:id="rId27"/>
+    <p:sldId id="289" r:id="rId28"/>
+    <p:sldId id="290" r:id="rId29"/>
+    <p:sldId id="262" r:id="rId30"/>
+    <p:sldId id="263" r:id="rId31"/>
+    <p:sldId id="264" r:id="rId32"/>
+    <p:sldId id="265" r:id="rId33"/>
+    <p:sldId id="266" r:id="rId34"/>
   </p:sldIdLst>
   <p:sldSz cx="12192000" cy="6858000"/>
   <p:notesSz cx="6858000" cy="9144000"/>
@@ -377,7 +381,7 @@
           <a:p>
             <a:fld id="{1160EA64-D806-43AC-9DF2-F8C432F32B4C}" type="datetimeFigureOut">
               <a:rPr lang="en-US" dirty="0"/>
-              <a:t>1/18/24</a:t>
+              <a:t>1/19/24</a:t>
             </a:fld>
             <a:endParaRPr lang="en-US" dirty="0"/>
           </a:p>
@@ -543,7 +547,7 @@
           <a:p>
             <a:fld id="{E9F9C37B-1D36-470B-8223-D6C91242EC14}" type="datetimeFigureOut">
               <a:rPr lang="en-US" dirty="0"/>
-              <a:t>1/18/24</a:t>
+              <a:t>1/19/24</a:t>
             </a:fld>
             <a:endParaRPr lang="en-US" dirty="0"/>
           </a:p>
@@ -718,7 +722,7 @@
           <a:p>
             <a:fld id="{67C6F52A-A82B-47A2-A83A-8C4C91F2D59F}" type="datetimeFigureOut">
               <a:rPr lang="en-US" dirty="0"/>
-              <a:t>1/18/24</a:t>
+              <a:t>1/19/24</a:t>
             </a:fld>
             <a:endParaRPr lang="en-US" dirty="0"/>
           </a:p>
@@ -883,7 +887,7 @@
           <a:p>
             <a:fld id="{F070A7B3-6521-4DCA-87E5-044747A908C1}" type="datetimeFigureOut">
               <a:rPr lang="en-US" dirty="0"/>
-              <a:t>1/18/24</a:t>
+              <a:t>1/19/24</a:t>
             </a:fld>
             <a:endParaRPr lang="en-US" dirty="0"/>
           </a:p>
@@ -1147,7 +1151,7 @@
           <a:p>
             <a:fld id="{1160EA64-D806-43AC-9DF2-F8C432F32B4C}" type="datetimeFigureOut">
               <a:rPr lang="en-US" dirty="0"/>
-              <a:t>1/18/24</a:t>
+              <a:t>1/19/24</a:t>
             </a:fld>
             <a:endParaRPr lang="en-US" dirty="0"/>
           </a:p>
@@ -1375,7 +1379,7 @@
           <a:p>
             <a:fld id="{AB134690-1557-4C89-A502-4959FE7FAD70}" type="datetimeFigureOut">
               <a:rPr lang="en-US" dirty="0"/>
-              <a:t>1/18/24</a:t>
+              <a:t>1/19/24</a:t>
             </a:fld>
             <a:endParaRPr lang="en-US" dirty="0"/>
           </a:p>
@@ -1729,7 +1733,7 @@
           <a:p>
             <a:fld id="{4F7D4976-E339-4826-83B7-FBD03F55ECF8}" type="datetimeFigureOut">
               <a:rPr lang="en-US" dirty="0"/>
-              <a:t>1/18/24</a:t>
+              <a:t>1/19/24</a:t>
             </a:fld>
             <a:endParaRPr lang="en-US" dirty="0"/>
           </a:p>
@@ -1865,7 +1869,7 @@
           <a:p>
             <a:fld id="{E1037C31-9E7A-4F99-8774-A0E530DE1A42}" type="datetimeFigureOut">
               <a:rPr lang="en-US" dirty="0"/>
-              <a:t>1/18/24</a:t>
+              <a:t>1/19/24</a:t>
             </a:fld>
             <a:endParaRPr lang="en-US" dirty="0"/>
           </a:p>
@@ -1955,7 +1959,7 @@
           <a:p>
             <a:fld id="{C278504F-A551-4DE0-9316-4DCD1D8CC752}" type="datetimeFigureOut">
               <a:rPr lang="en-US" dirty="0"/>
-              <a:t>1/18/24</a:t>
+              <a:t>1/19/24</a:t>
             </a:fld>
             <a:endParaRPr lang="en-US" dirty="0"/>
           </a:p>
@@ -2307,7 +2311,7 @@
           <a:p>
             <a:fld id="{D1BE4249-C0D0-4B06-8692-E8BB871AF643}" type="datetimeFigureOut">
               <a:rPr lang="en-US" dirty="0"/>
-              <a:t>1/18/24</a:t>
+              <a:t>1/19/24</a:t>
             </a:fld>
             <a:endParaRPr lang="en-US" dirty="0"/>
           </a:p>
@@ -2659,7 +2663,7 @@
           <a:p>
             <a:fld id="{042B0DB6-F5C7-45FB-8CF3-31B45F9C2DAC}" type="datetimeFigureOut">
               <a:rPr lang="en-US" dirty="0"/>
-              <a:t>1/18/24</a:t>
+              <a:t>1/19/24</a:t>
             </a:fld>
             <a:endParaRPr lang="en-US" dirty="0"/>
           </a:p>
@@ -2896,7 +2900,7 @@
           <a:p>
             <a:fld id="{1160EA64-D806-43AC-9DF2-F8C432F32B4C}" type="datetimeFigureOut">
               <a:rPr lang="en-US" dirty="0"/>
-              <a:t>1/18/24</a:t>
+              <a:t>1/19/24</a:t>
             </a:fld>
             <a:endParaRPr lang="en-US" dirty="0"/>
           </a:p>
@@ -4735,7 +4739,7 @@
                 <a:ea typeface="Calibri" panose="020F0502020204030204" pitchFamily="34" charset="0"/>
                 <a:cs typeface="Times New Roman" panose="02020603050405020304" pitchFamily="18" charset="0"/>
               </a:rPr>
-              <a:t>6. Sicherheitslücken: Technische Schwächen in der Systemarchitektur könnten zu Datenschutz- und Sicherheitsproblemen führen.</a:t>
+              <a:t> Sicherheitslücken: Technische Schwächen in der Systemarchitektur könnten zu Datenschutz- und Sicherheitsproblemen führen.</a:t>
             </a:r>
           </a:p>
           <a:p>
@@ -4746,7 +4750,7 @@
                 <a:ea typeface="Calibri" panose="020F0502020204030204" pitchFamily="34" charset="0"/>
                 <a:cs typeface="Times New Roman" panose="02020603050405020304" pitchFamily="18" charset="0"/>
               </a:rPr>
-              <a:t>7. Fehlende Fachkenntnisse: Unzureichende Kompetenzen des Entwicklerteams im Bereich intelligenter Parkplatzlösungen könnten zu Entwicklungsverzögerungen oder Qualitätsproblemen führen.</a:t>
+              <a:t> Fehlende Fachkenntnisse: Unzureichende Kompetenzen des Entwicklerteams im Bereich intelligenter Parkplatzlösungen könnten zu Entwicklungsverzögerungen oder Qualitätsproblemen führen.</a:t>
             </a:r>
           </a:p>
           <a:p>
@@ -4757,7 +4761,7 @@
                 <a:ea typeface="Calibri" panose="020F0502020204030204" pitchFamily="34" charset="0"/>
                 <a:cs typeface="Times New Roman" panose="02020603050405020304" pitchFamily="18" charset="0"/>
               </a:rPr>
-              <a:t>8. Unzureichende Schulung: Mangelnde Schulung der Benutzer und Betreiber könnte zu ineffizienter Nutzung und Betriebsproblemen führen.</a:t>
+              <a:t>.Unzureichende Schulung: Mangelnde Schulung der Benutzer und Betreiber könnte zu ineffizienter Nutzung und Betriebsproblemen führen.</a:t>
             </a:r>
           </a:p>
           <a:p>
@@ -5228,6 +5232,15 @@
             </a:r>
           </a:p>
           <a:p>
+            <a:r>
+              <a:rPr lang="de-DE" sz="1400" dirty="0">
+                <a:latin typeface="Calibri" panose="020F0502020204030204" pitchFamily="34" charset="0"/>
+                <a:cs typeface="Calibri" panose="020F0502020204030204" pitchFamily="34" charset="0"/>
+              </a:rPr>
+              <a:t>Risiken</a:t>
+            </a:r>
+          </a:p>
+          <a:p>
             <a:pPr marL="0" indent="0">
               <a:buNone/>
             </a:pPr>
@@ -5402,6 +5415,14 @@
 <file path=ppt/slides/slide21.xml><?xml version="1.0" encoding="utf-8"?>
 <p:sld xmlns:a="http://schemas.openxmlformats.org/drawingml/2006/main" xmlns:r="http://schemas.openxmlformats.org/officeDocument/2006/relationships" xmlns:p="http://schemas.openxmlformats.org/presentationml/2006/main">
   <p:cSld>
+    <p:bg>
+      <p:bgPr>
+        <a:solidFill>
+          <a:schemeClr val="bg1"/>
+        </a:solidFill>
+        <a:effectLst/>
+      </p:bgPr>
+    </p:bg>
     <p:spTree>
       <p:nvGrpSpPr>
         <p:cNvPr id="1" name=""/>
@@ -5416,6 +5437,129 @@
           <a:chExt cx="0" cy="0"/>
         </a:xfrm>
       </p:grpSpPr>
+      <p:sp useBgFill="1">
+        <p:nvSpPr>
+          <p:cNvPr id="10" name="Rectangle 9">
+            <a:extLst>
+              <a:ext uri="{FF2B5EF4-FFF2-40B4-BE49-F238E27FC236}">
+                <a16:creationId xmlns:a16="http://schemas.microsoft.com/office/drawing/2014/main" id="{EC7FF834-B204-4967-8D47-8BB36EAF0EF5}"/>
+              </a:ext>
+              <a:ext uri="{C183D7F6-B498-43B3-948B-1728B52AA6E4}">
+                <adec:decorative xmlns:adec="http://schemas.microsoft.com/office/drawing/2017/decorative" val="1"/>
+              </a:ext>
+            </a:extLst>
+          </p:cNvPr>
+          <p:cNvSpPr>
+            <a:spLocks noGrp="1" noRot="1" noChangeAspect="1" noMove="1" noResize="1" noEditPoints="1" noAdjustHandles="1" noChangeArrowheads="1" noChangeShapeType="1" noTextEdit="1"/>
+          </p:cNvSpPr>
+          <p:nvPr>
+            <p:extLst>
+              <p:ext uri="{386F3935-93C4-4BCD-93E2-E3B085C9AB24}">
+                <p16:designElem xmlns:p16="http://schemas.microsoft.com/office/powerpoint/2015/main" val="1"/>
+              </p:ext>
+            </p:extLst>
+          </p:nvPr>
+        </p:nvSpPr>
+        <p:spPr>
+          <a:xfrm>
+            <a:off x="0" y="-2"/>
+            <a:ext cx="12192000" cy="6858002"/>
+          </a:xfrm>
+          <a:prstGeom prst="rect">
+            <a:avLst/>
+          </a:prstGeom>
+          <a:ln>
+            <a:noFill/>
+          </a:ln>
+        </p:spPr>
+        <p:style>
+          <a:lnRef idx="2">
+            <a:schemeClr val="accent1">
+              <a:shade val="50000"/>
+            </a:schemeClr>
+          </a:lnRef>
+          <a:fillRef idx="1">
+            <a:schemeClr val="accent1"/>
+          </a:fillRef>
+          <a:effectRef idx="0">
+            <a:schemeClr val="accent1"/>
+          </a:effectRef>
+          <a:fontRef idx="minor">
+            <a:schemeClr val="lt1"/>
+          </a:fontRef>
+        </p:style>
+        <p:txBody>
+          <a:bodyPr rtlCol="0" anchor="ctr"/>
+          <a:lstStyle/>
+          <a:p>
+            <a:pPr algn="ctr"/>
+            <a:endParaRPr lang="en-US"/>
+          </a:p>
+        </p:txBody>
+      </p:sp>
+      <p:sp>
+        <p:nvSpPr>
+          <p:cNvPr id="12" name="Rectangle 11">
+            <a:extLst>
+              <a:ext uri="{FF2B5EF4-FFF2-40B4-BE49-F238E27FC236}">
+                <a16:creationId xmlns:a16="http://schemas.microsoft.com/office/drawing/2014/main" id="{F780A22D-61EA-43E3-BD94-3E39CF902160}"/>
+              </a:ext>
+              <a:ext uri="{C183D7F6-B498-43B3-948B-1728B52AA6E4}">
+                <adec:decorative xmlns:adec="http://schemas.microsoft.com/office/drawing/2017/decorative" val="1"/>
+              </a:ext>
+            </a:extLst>
+          </p:cNvPr>
+          <p:cNvSpPr>
+            <a:spLocks noGrp="1" noRot="1" noChangeAspect="1" noMove="1" noResize="1" noEditPoints="1" noAdjustHandles="1" noChangeArrowheads="1" noChangeShapeType="1" noTextEdit="1"/>
+          </p:cNvSpPr>
+          <p:nvPr>
+            <p:extLst>
+              <p:ext uri="{386F3935-93C4-4BCD-93E2-E3B085C9AB24}">
+                <p16:designElem xmlns:p16="http://schemas.microsoft.com/office/powerpoint/2015/main" val="1"/>
+              </p:ext>
+            </p:extLst>
+          </p:nvPr>
+        </p:nvSpPr>
+        <p:spPr>
+          <a:xfrm>
+            <a:off x="0" y="4918509"/>
+            <a:ext cx="12192000" cy="1939491"/>
+          </a:xfrm>
+          <a:prstGeom prst="rect">
+            <a:avLst/>
+          </a:prstGeom>
+          <a:solidFill>
+            <a:schemeClr val="accent2"/>
+          </a:solidFill>
+          <a:ln>
+            <a:noFill/>
+          </a:ln>
+        </p:spPr>
+        <p:style>
+          <a:lnRef idx="2">
+            <a:schemeClr val="accent1">
+              <a:shade val="50000"/>
+            </a:schemeClr>
+          </a:lnRef>
+          <a:fillRef idx="1">
+            <a:schemeClr val="accent1"/>
+          </a:fillRef>
+          <a:effectRef idx="0">
+            <a:schemeClr val="accent1"/>
+          </a:effectRef>
+          <a:fontRef idx="minor">
+            <a:schemeClr val="lt1"/>
+          </a:fontRef>
+        </p:style>
+        <p:txBody>
+          <a:bodyPr rtlCol="0" anchor="ctr"/>
+          <a:lstStyle/>
+          <a:p>
+            <a:pPr algn="ctr"/>
+            <a:endParaRPr lang="en-US"/>
+          </a:p>
+        </p:txBody>
+      </p:sp>
       <p:sp>
         <p:nvSpPr>
           <p:cNvPr id="2" name="Titel 1">
@@ -5432,101 +5576,57 @@
             <p:ph type="title"/>
           </p:nvPr>
         </p:nvSpPr>
-        <p:spPr/>
-        <p:txBody>
-          <a:bodyPr/>
+        <p:spPr>
+          <a:xfrm>
+            <a:off x="1600200" y="4269282"/>
+            <a:ext cx="8991600" cy="1264762"/>
+          </a:xfrm>
+        </p:spPr>
+        <p:txBody>
+          <a:bodyPr vert="horz" lIns="274320" tIns="182880" rIns="274320" bIns="182880" rtlCol="0" anchor="ctr" anchorCtr="1">
+            <a:normAutofit/>
+          </a:bodyPr>
           <a:lstStyle/>
           <a:p>
             <a:r>
-              <a:rPr lang="de-DE" dirty="0"/>
+              <a:rPr lang="en-US" sz="3200"/>
               <a:t>Stakeholder</a:t>
             </a:r>
           </a:p>
         </p:txBody>
       </p:sp>
-      <p:sp>
-        <p:nvSpPr>
-          <p:cNvPr id="3" name="Inhaltsplatzhalter 2">
+      <p:pic>
+        <p:nvPicPr>
+          <p:cNvPr id="5" name="Inhaltsplatzhalter 4" descr="Ein Bild, das Text, Screenshot, Schrift, Zahl enthält.&#10;&#10;Automatisch generierte Beschreibung">
             <a:extLst>
               <a:ext uri="{FF2B5EF4-FFF2-40B4-BE49-F238E27FC236}">
-                <a16:creationId xmlns:a16="http://schemas.microsoft.com/office/drawing/2014/main" id="{663FDC9F-2014-CFB7-9696-F044F6550833}"/>
+                <a16:creationId xmlns:a16="http://schemas.microsoft.com/office/drawing/2014/main" id="{B26BA071-CFC5-A6A6-6099-D97B395A6C96}"/>
               </a:ext>
             </a:extLst>
           </p:cNvPr>
-          <p:cNvSpPr>
-            <a:spLocks noGrp="1"/>
-          </p:cNvSpPr>
+          <p:cNvPicPr>
+            <a:picLocks noGrp="1" noChangeAspect="1"/>
+          </p:cNvPicPr>
           <p:nvPr>
             <p:ph idx="1"/>
           </p:nvPr>
-        </p:nvSpPr>
-        <p:spPr/>
-        <p:txBody>
-          <a:bodyPr/>
-          <a:lstStyle/>
-          <a:p>
-            <a:r>
-              <a:rPr lang="de-DE" sz="1800" dirty="0">
-                <a:effectLst/>
-                <a:latin typeface="Calibri" panose="020F0502020204030204" pitchFamily="34" charset="0"/>
-                <a:ea typeface="Calibri" panose="020F0502020204030204" pitchFamily="34" charset="0"/>
-                <a:cs typeface="Times New Roman" panose="02020603050405020304" pitchFamily="18" charset="0"/>
-              </a:rPr>
-              <a:t>Autofahrer</a:t>
-            </a:r>
-          </a:p>
-          <a:p>
-            <a:r>
-              <a:rPr lang="de-DE" sz="1800" dirty="0">
-                <a:effectLst/>
-                <a:latin typeface="Calibri" panose="020F0502020204030204" pitchFamily="34" charset="0"/>
-                <a:ea typeface="Calibri" panose="020F0502020204030204" pitchFamily="34" charset="0"/>
-                <a:cs typeface="Times New Roman" panose="02020603050405020304" pitchFamily="18" charset="0"/>
-              </a:rPr>
-              <a:t>Parkhaus und Parkgaragenbetreiber</a:t>
-            </a:r>
-          </a:p>
-          <a:p>
-            <a:r>
-              <a:rPr lang="de-DE" sz="1800" dirty="0">
-                <a:effectLst/>
-                <a:latin typeface="Calibri" panose="020F0502020204030204" pitchFamily="34" charset="0"/>
-                <a:ea typeface="Calibri" panose="020F0502020204030204" pitchFamily="34" charset="0"/>
-                <a:cs typeface="Times New Roman" panose="02020603050405020304" pitchFamily="18" charset="0"/>
-              </a:rPr>
-              <a:t>Umweltschützer</a:t>
-            </a:r>
-            <a:r>
-              <a:rPr lang="de-DE" dirty="0">
-                <a:effectLst/>
-              </a:rPr>
-              <a:t> </a:t>
-            </a:r>
-            <a:endParaRPr lang="de-DE" dirty="0">
-              <a:latin typeface="Calibri" panose="020F0502020204030204" pitchFamily="34" charset="0"/>
-              <a:cs typeface="Times New Roman" panose="02020603050405020304" pitchFamily="18" charset="0"/>
-            </a:endParaRPr>
-          </a:p>
-          <a:p>
-            <a:r>
-              <a:rPr lang="de-DE" sz="1800" dirty="0">
-                <a:effectLst/>
-                <a:latin typeface="Calibri" panose="020F0502020204030204" pitchFamily="34" charset="0"/>
-                <a:ea typeface="Calibri" panose="020F0502020204030204" pitchFamily="34" charset="0"/>
-                <a:cs typeface="Times New Roman" panose="02020603050405020304" pitchFamily="18" charset="0"/>
-              </a:rPr>
-              <a:t>Versicherungsunternehmen</a:t>
-            </a:r>
-            <a:r>
-              <a:rPr lang="de-DE" dirty="0">
-                <a:effectLst/>
-              </a:rPr>
-              <a:t> </a:t>
-            </a:r>
-            <a:endParaRPr lang="de-DE" dirty="0"/>
-          </a:p>
-        </p:txBody>
-      </p:sp>
+        </p:nvPicPr>
+        <p:blipFill>
+          <a:blip r:embed="rId2"/>
+          <a:stretch>
+            <a:fillRect/>
+          </a:stretch>
+        </p:blipFill>
+        <p:spPr>
+          <a:xfrm>
+            <a:off x="635267" y="1498925"/>
+            <a:ext cx="10921466" cy="1583612"/>
+          </a:xfrm>
+          <a:prstGeom prst="rect">
+            <a:avLst/>
+          </a:prstGeom>
+        </p:spPr>
+      </p:pic>
     </p:spTree>
     <p:extLst>
       <p:ext uri="{BB962C8B-B14F-4D97-AF65-F5344CB8AC3E}">
@@ -6255,9 +6355,7 @@
     <p:bg>
       <p:bgPr>
         <a:solidFill>
-          <a:schemeClr val="bg1">
-            <a:lumMod val="95000"/>
-          </a:schemeClr>
+          <a:schemeClr val="bg1"/>
         </a:solidFill>
         <a:effectLst/>
       </p:bgPr>
@@ -6278,10 +6376,73 @@
       </p:grpSpPr>
       <p:sp>
         <p:nvSpPr>
+          <p:cNvPr id="11" name="Rectangle 10">
+            <a:extLst>
+              <a:ext uri="{FF2B5EF4-FFF2-40B4-BE49-F238E27FC236}">
+                <a16:creationId xmlns:a16="http://schemas.microsoft.com/office/drawing/2014/main" id="{23D9B6CF-87DD-47C7-B38D-7C5353D4DC9D}"/>
+              </a:ext>
+              <a:ext uri="{C183D7F6-B498-43B3-948B-1728B52AA6E4}">
+                <adec:decorative xmlns:adec="http://schemas.microsoft.com/office/drawing/2017/decorative" val="1"/>
+              </a:ext>
+            </a:extLst>
+          </p:cNvPr>
+          <p:cNvSpPr>
+            <a:spLocks noGrp="1" noRot="1" noChangeAspect="1" noMove="1" noResize="1" noEditPoints="1" noAdjustHandles="1" noChangeArrowheads="1" noChangeShapeType="1" noTextEdit="1"/>
+          </p:cNvSpPr>
+          <p:nvPr>
+            <p:extLst>
+              <p:ext uri="{386F3935-93C4-4BCD-93E2-E3B085C9AB24}">
+                <p16:designElem xmlns:p16="http://schemas.microsoft.com/office/powerpoint/2015/main" val="1"/>
+              </p:ext>
+            </p:extLst>
+          </p:nvPr>
+        </p:nvSpPr>
+        <p:spPr>
+          <a:xfrm>
+            <a:off x="0" y="-2"/>
+            <a:ext cx="12192000" cy="6858002"/>
+          </a:xfrm>
+          <a:prstGeom prst="rect">
+            <a:avLst/>
+          </a:prstGeom>
+          <a:solidFill>
+            <a:schemeClr val="accent2"/>
+          </a:solidFill>
+          <a:ln>
+            <a:noFill/>
+          </a:ln>
+        </p:spPr>
+        <p:style>
+          <a:lnRef idx="2">
+            <a:schemeClr val="accent1">
+              <a:shade val="50000"/>
+            </a:schemeClr>
+          </a:lnRef>
+          <a:fillRef idx="1">
+            <a:schemeClr val="accent1"/>
+          </a:fillRef>
+          <a:effectRef idx="0">
+            <a:schemeClr val="accent1"/>
+          </a:effectRef>
+          <a:fontRef idx="minor">
+            <a:schemeClr val="lt1"/>
+          </a:fontRef>
+        </p:style>
+        <p:txBody>
+          <a:bodyPr rtlCol="0" anchor="ctr"/>
+          <a:lstStyle/>
+          <a:p>
+            <a:pPr algn="ctr"/>
+            <a:endParaRPr lang="en-US"/>
+          </a:p>
+        </p:txBody>
+      </p:sp>
+      <p:sp>
+        <p:nvSpPr>
           <p:cNvPr id="2" name="Titel 1">
             <a:extLst>
               <a:ext uri="{FF2B5EF4-FFF2-40B4-BE49-F238E27FC236}">
-                <a16:creationId xmlns:a16="http://schemas.microsoft.com/office/drawing/2014/main" id="{997E42DD-356A-1EA1-E3C4-B21371A48D84}"/>
+                <a16:creationId xmlns:a16="http://schemas.microsoft.com/office/drawing/2014/main" id="{61DFA64D-5888-D196-DF20-C8476D294B12}"/>
               </a:ext>
             </a:extLst>
           </p:cNvPr>
@@ -6294,865 +6455,156 @@
         </p:nvSpPr>
         <p:spPr>
           <a:xfrm>
-            <a:off x="804670" y="978776"/>
-            <a:ext cx="3044953" cy="1174991"/>
+            <a:off x="804673" y="2133600"/>
+            <a:ext cx="3044952" cy="1898904"/>
           </a:xfrm>
         </p:spPr>
         <p:txBody>
-          <a:bodyPr vert="horz" lIns="182880" tIns="182880" rIns="182880" bIns="182880" rtlCol="0" anchor="ctr">
+          <a:bodyPr vert="horz" lIns="274320" tIns="182880" rIns="274320" bIns="182880" rtlCol="0" anchor="ctr" anchorCtr="1">
             <a:normAutofit/>
           </a:bodyPr>
           <a:lstStyle/>
           <a:p>
             <a:r>
-              <a:rPr lang="en-US" sz="1800" dirty="0" err="1"/>
-              <a:t>Verfügbarkeiten</a:t>
-            </a:r>
-            <a:endParaRPr lang="en-US" sz="1800" dirty="0"/>
-          </a:p>
-        </p:txBody>
-      </p:sp>
-      <p:sp>
-        <p:nvSpPr>
-          <p:cNvPr id="4" name="Textplatzhalter 3">
+              <a:rPr lang="en-US" sz="2800"/>
+              <a:t>Quellcode</a:t>
+            </a:r>
+          </a:p>
+        </p:txBody>
+      </p:sp>
+      <p:sp>
+        <p:nvSpPr>
+          <p:cNvPr id="13" name="Rectangle 12">
             <a:extLst>
               <a:ext uri="{FF2B5EF4-FFF2-40B4-BE49-F238E27FC236}">
-                <a16:creationId xmlns:a16="http://schemas.microsoft.com/office/drawing/2014/main" id="{4C0DC6BB-86F9-562F-DCC2-4987DA3944E6}"/>
+                <a16:creationId xmlns:a16="http://schemas.microsoft.com/office/drawing/2014/main" id="{EFE2328B-DA12-4B90-BD82-3CCF13AF6C83}"/>
+              </a:ext>
+              <a:ext uri="{C183D7F6-B498-43B3-948B-1728B52AA6E4}">
+                <adec:decorative xmlns:adec="http://schemas.microsoft.com/office/drawing/2017/decorative" val="1"/>
               </a:ext>
             </a:extLst>
           </p:cNvPr>
           <p:cNvSpPr>
-            <a:spLocks noGrp="1"/>
-          </p:cNvSpPr>
-          <p:nvPr>
-            <p:ph type="body" sz="half" idx="2"/>
+            <a:spLocks noGrp="1" noRot="1" noChangeAspect="1" noMove="1" noResize="1" noEditPoints="1" noAdjustHandles="1" noChangeArrowheads="1" noChangeShapeType="1" noTextEdit="1"/>
+          </p:cNvSpPr>
+          <p:nvPr>
+            <p:extLst>
+              <p:ext uri="{386F3935-93C4-4BCD-93E2-E3B085C9AB24}">
+                <p16:designElem xmlns:p16="http://schemas.microsoft.com/office/powerpoint/2015/main" val="1"/>
+              </p:ext>
+            </p:extLst>
           </p:nvPr>
         </p:nvSpPr>
         <p:spPr>
           <a:xfrm>
-            <a:off x="804670" y="2640692"/>
-            <a:ext cx="3044952" cy="3255252"/>
+            <a:off x="4654296" y="640080"/>
+            <a:ext cx="6897625" cy="5263134"/>
           </a:xfrm>
+          <a:prstGeom prst="rect">
+            <a:avLst/>
+          </a:prstGeom>
+          <a:noFill/>
+          <a:ln w="31750" cap="sq">
+            <a:solidFill>
+              <a:srgbClr val="FFFFFF"/>
+            </a:solidFill>
+            <a:miter lim="800000"/>
+          </a:ln>
         </p:spPr>
-        <p:txBody>
-          <a:bodyPr vert="horz" lIns="91440" tIns="45720" rIns="91440" bIns="45720" rtlCol="0">
-            <a:noAutofit/>
-          </a:bodyPr>
+        <p:style>
+          <a:lnRef idx="2">
+            <a:schemeClr val="accent1">
+              <a:shade val="50000"/>
+            </a:schemeClr>
+          </a:lnRef>
+          <a:fillRef idx="1">
+            <a:schemeClr val="accent1"/>
+          </a:fillRef>
+          <a:effectRef idx="0">
+            <a:schemeClr val="accent1"/>
+          </a:effectRef>
+          <a:fontRef idx="minor">
+            <a:schemeClr val="lt1"/>
+          </a:fontRef>
+        </p:style>
+        <p:txBody>
+          <a:bodyPr rtlCol="0" anchor="ctr"/>
           <a:lstStyle/>
           <a:p>
-            <a:pPr algn="l">
-              <a:lnSpc>
-                <a:spcPct val="90000"/>
-              </a:lnSpc>
-            </a:pPr>
-            <a:r>
-              <a:rPr lang="en-US" sz="1400" dirty="0">
-                <a:solidFill>
-                  <a:schemeClr val="tx1"/>
-                </a:solidFill>
-                <a:latin typeface="Calibri" panose="020F0502020204030204" pitchFamily="34" charset="0"/>
-                <a:cs typeface="Calibri" panose="020F0502020204030204" pitchFamily="34" charset="0"/>
-              </a:rPr>
-              <a:t>Die </a:t>
-            </a:r>
-            <a:r>
-              <a:rPr lang="en-US" sz="1400" dirty="0" err="1">
-                <a:solidFill>
-                  <a:schemeClr val="tx1"/>
-                </a:solidFill>
-                <a:latin typeface="Calibri" panose="020F0502020204030204" pitchFamily="34" charset="0"/>
-                <a:cs typeface="Calibri" panose="020F0502020204030204" pitchFamily="34" charset="0"/>
-              </a:rPr>
-              <a:t>Verfügbarkeitsanzeige</a:t>
-            </a:r>
-            <a:r>
-              <a:rPr lang="en-US" sz="1400" dirty="0">
-                <a:solidFill>
-                  <a:schemeClr val="tx1"/>
-                </a:solidFill>
-                <a:latin typeface="Calibri" panose="020F0502020204030204" pitchFamily="34" charset="0"/>
-                <a:cs typeface="Calibri" panose="020F0502020204030204" pitchFamily="34" charset="0"/>
-              </a:rPr>
-              <a:t> </a:t>
-            </a:r>
-            <a:r>
-              <a:rPr lang="en-US" sz="1400" dirty="0" err="1">
-                <a:solidFill>
-                  <a:schemeClr val="tx1"/>
-                </a:solidFill>
-                <a:latin typeface="Calibri" panose="020F0502020204030204" pitchFamily="34" charset="0"/>
-                <a:cs typeface="Calibri" panose="020F0502020204030204" pitchFamily="34" charset="0"/>
-              </a:rPr>
-              <a:t>informiert</a:t>
-            </a:r>
-            <a:r>
-              <a:rPr lang="en-US" sz="1400" dirty="0">
-                <a:solidFill>
-                  <a:schemeClr val="tx1"/>
-                </a:solidFill>
-                <a:latin typeface="Calibri" panose="020F0502020204030204" pitchFamily="34" charset="0"/>
-                <a:cs typeface="Calibri" panose="020F0502020204030204" pitchFamily="34" charset="0"/>
-              </a:rPr>
-              <a:t> die </a:t>
-            </a:r>
-            <a:r>
-              <a:rPr lang="en-US" sz="1400" dirty="0" err="1">
-                <a:solidFill>
-                  <a:schemeClr val="tx1"/>
-                </a:solidFill>
-                <a:latin typeface="Calibri" panose="020F0502020204030204" pitchFamily="34" charset="0"/>
-                <a:cs typeface="Calibri" panose="020F0502020204030204" pitchFamily="34" charset="0"/>
-              </a:rPr>
-              <a:t>Nutzer</a:t>
-            </a:r>
-            <a:r>
-              <a:rPr lang="en-US" sz="1400" dirty="0">
-                <a:solidFill>
-                  <a:schemeClr val="tx1"/>
-                </a:solidFill>
-                <a:latin typeface="Calibri" panose="020F0502020204030204" pitchFamily="34" charset="0"/>
-                <a:cs typeface="Calibri" panose="020F0502020204030204" pitchFamily="34" charset="0"/>
-              </a:rPr>
-              <a:t> </a:t>
-            </a:r>
-            <a:r>
-              <a:rPr lang="en-US" sz="1400" dirty="0" err="1">
-                <a:solidFill>
-                  <a:schemeClr val="tx1"/>
-                </a:solidFill>
-                <a:latin typeface="Calibri" panose="020F0502020204030204" pitchFamily="34" charset="0"/>
-                <a:cs typeface="Calibri" panose="020F0502020204030204" pitchFamily="34" charset="0"/>
-              </a:rPr>
-              <a:t>darüber</a:t>
-            </a:r>
-            <a:r>
-              <a:rPr lang="en-US" sz="1400" dirty="0">
-                <a:solidFill>
-                  <a:schemeClr val="tx1"/>
-                </a:solidFill>
-                <a:latin typeface="Calibri" panose="020F0502020204030204" pitchFamily="34" charset="0"/>
-                <a:cs typeface="Calibri" panose="020F0502020204030204" pitchFamily="34" charset="0"/>
-              </a:rPr>
-              <a:t>, </a:t>
-            </a:r>
-            <a:r>
-              <a:rPr lang="en-US" sz="1400" dirty="0" err="1">
-                <a:solidFill>
-                  <a:schemeClr val="tx1"/>
-                </a:solidFill>
-                <a:latin typeface="Calibri" panose="020F0502020204030204" pitchFamily="34" charset="0"/>
-                <a:cs typeface="Calibri" panose="020F0502020204030204" pitchFamily="34" charset="0"/>
-              </a:rPr>
-              <a:t>wann</a:t>
-            </a:r>
-            <a:r>
-              <a:rPr lang="en-US" sz="1400" dirty="0">
-                <a:solidFill>
-                  <a:schemeClr val="tx1"/>
-                </a:solidFill>
-                <a:latin typeface="Calibri" panose="020F0502020204030204" pitchFamily="34" charset="0"/>
-                <a:cs typeface="Calibri" panose="020F0502020204030204" pitchFamily="34" charset="0"/>
-              </a:rPr>
-              <a:t> der </a:t>
-            </a:r>
-            <a:r>
-              <a:rPr lang="en-US" sz="1400" dirty="0" err="1">
-                <a:solidFill>
-                  <a:schemeClr val="tx1"/>
-                </a:solidFill>
-                <a:latin typeface="Calibri" panose="020F0502020204030204" pitchFamily="34" charset="0"/>
-                <a:cs typeface="Calibri" panose="020F0502020204030204" pitchFamily="34" charset="0"/>
-              </a:rPr>
-              <a:t>nächste</a:t>
-            </a:r>
-            <a:r>
-              <a:rPr lang="en-US" sz="1400" dirty="0">
-                <a:solidFill>
-                  <a:schemeClr val="tx1"/>
-                </a:solidFill>
-                <a:latin typeface="Calibri" panose="020F0502020204030204" pitchFamily="34" charset="0"/>
-                <a:cs typeface="Calibri" panose="020F0502020204030204" pitchFamily="34" charset="0"/>
-              </a:rPr>
-              <a:t> </a:t>
-            </a:r>
-            <a:r>
-              <a:rPr lang="en-US" sz="1400" dirty="0" err="1">
-                <a:solidFill>
-                  <a:schemeClr val="tx1"/>
-                </a:solidFill>
-                <a:latin typeface="Calibri" panose="020F0502020204030204" pitchFamily="34" charset="0"/>
-                <a:cs typeface="Calibri" panose="020F0502020204030204" pitchFamily="34" charset="0"/>
-              </a:rPr>
-              <a:t>freie</a:t>
-            </a:r>
-            <a:r>
-              <a:rPr lang="en-US" sz="1400" dirty="0">
-                <a:solidFill>
-                  <a:schemeClr val="tx1"/>
-                </a:solidFill>
-                <a:latin typeface="Calibri" panose="020F0502020204030204" pitchFamily="34" charset="0"/>
-                <a:cs typeface="Calibri" panose="020F0502020204030204" pitchFamily="34" charset="0"/>
-              </a:rPr>
-              <a:t> </a:t>
-            </a:r>
-            <a:r>
-              <a:rPr lang="en-US" sz="1400" dirty="0" err="1">
-                <a:solidFill>
-                  <a:schemeClr val="tx1"/>
-                </a:solidFill>
-                <a:latin typeface="Calibri" panose="020F0502020204030204" pitchFamily="34" charset="0"/>
-                <a:cs typeface="Calibri" panose="020F0502020204030204" pitchFamily="34" charset="0"/>
-              </a:rPr>
-              <a:t>Parkplatz</a:t>
-            </a:r>
-            <a:r>
-              <a:rPr lang="en-US" sz="1400" dirty="0">
-                <a:solidFill>
-                  <a:schemeClr val="tx1"/>
-                </a:solidFill>
-                <a:latin typeface="Calibri" panose="020F0502020204030204" pitchFamily="34" charset="0"/>
-                <a:cs typeface="Calibri" panose="020F0502020204030204" pitchFamily="34" charset="0"/>
-              </a:rPr>
-              <a:t> </a:t>
-            </a:r>
-            <a:r>
-              <a:rPr lang="en-US" sz="1400" dirty="0" err="1">
-                <a:solidFill>
-                  <a:schemeClr val="tx1"/>
-                </a:solidFill>
-                <a:latin typeface="Calibri" panose="020F0502020204030204" pitchFamily="34" charset="0"/>
-                <a:cs typeface="Calibri" panose="020F0502020204030204" pitchFamily="34" charset="0"/>
-              </a:rPr>
-              <a:t>voraussichtlich</a:t>
-            </a:r>
-            <a:r>
-              <a:rPr lang="en-US" sz="1400" dirty="0">
-                <a:solidFill>
-                  <a:schemeClr val="tx1"/>
-                </a:solidFill>
-                <a:latin typeface="Calibri" panose="020F0502020204030204" pitchFamily="34" charset="0"/>
-                <a:cs typeface="Calibri" panose="020F0502020204030204" pitchFamily="34" charset="0"/>
-              </a:rPr>
-              <a:t> </a:t>
-            </a:r>
-            <a:r>
-              <a:rPr lang="en-US" sz="1400" dirty="0" err="1">
-                <a:solidFill>
-                  <a:schemeClr val="tx1"/>
-                </a:solidFill>
-                <a:latin typeface="Calibri" panose="020F0502020204030204" pitchFamily="34" charset="0"/>
-                <a:cs typeface="Calibri" panose="020F0502020204030204" pitchFamily="34" charset="0"/>
-              </a:rPr>
-              <a:t>verfügbar</a:t>
-            </a:r>
-            <a:r>
-              <a:rPr lang="en-US" sz="1400" dirty="0">
-                <a:solidFill>
-                  <a:schemeClr val="tx1"/>
-                </a:solidFill>
-                <a:latin typeface="Calibri" panose="020F0502020204030204" pitchFamily="34" charset="0"/>
-                <a:cs typeface="Calibri" panose="020F0502020204030204" pitchFamily="34" charset="0"/>
-              </a:rPr>
-              <a:t> </a:t>
-            </a:r>
-            <a:r>
-              <a:rPr lang="en-US" sz="1400" dirty="0" err="1">
-                <a:solidFill>
-                  <a:schemeClr val="tx1"/>
-                </a:solidFill>
-                <a:latin typeface="Calibri" panose="020F0502020204030204" pitchFamily="34" charset="0"/>
-                <a:cs typeface="Calibri" panose="020F0502020204030204" pitchFamily="34" charset="0"/>
-              </a:rPr>
-              <a:t>ist</a:t>
-            </a:r>
-            <a:r>
-              <a:rPr lang="en-US" sz="1400" dirty="0">
-                <a:solidFill>
-                  <a:schemeClr val="tx1"/>
-                </a:solidFill>
-                <a:latin typeface="Calibri" panose="020F0502020204030204" pitchFamily="34" charset="0"/>
-                <a:cs typeface="Calibri" panose="020F0502020204030204" pitchFamily="34" charset="0"/>
-              </a:rPr>
-              <a:t>. </a:t>
-            </a:r>
-          </a:p>
-          <a:p>
-            <a:pPr algn="l">
-              <a:lnSpc>
-                <a:spcPct val="90000"/>
-              </a:lnSpc>
-            </a:pPr>
-            <a:r>
-              <a:rPr lang="en-US" sz="1400" dirty="0">
-                <a:solidFill>
-                  <a:schemeClr val="tx1">
-                    <a:lumMod val="85000"/>
-                    <a:lumOff val="15000"/>
-                  </a:schemeClr>
-                </a:solidFill>
-                <a:latin typeface="Calibri" panose="020F0502020204030204" pitchFamily="34" charset="0"/>
-                <a:cs typeface="Calibri" panose="020F0502020204030204" pitchFamily="34" charset="0"/>
-              </a:rPr>
-              <a:t>Dies </a:t>
-            </a:r>
-            <a:r>
-              <a:rPr lang="en-US" sz="1400" dirty="0" err="1">
-                <a:solidFill>
-                  <a:schemeClr val="tx1">
-                    <a:lumMod val="85000"/>
-                    <a:lumOff val="15000"/>
-                  </a:schemeClr>
-                </a:solidFill>
-                <a:latin typeface="Calibri" panose="020F0502020204030204" pitchFamily="34" charset="0"/>
-                <a:cs typeface="Calibri" panose="020F0502020204030204" pitchFamily="34" charset="0"/>
-              </a:rPr>
-              <a:t>ermöglich</a:t>
-            </a:r>
-            <a:r>
-              <a:rPr lang="en-US" sz="1400" dirty="0">
-                <a:solidFill>
-                  <a:schemeClr val="tx1">
-                    <a:lumMod val="85000"/>
-                    <a:lumOff val="15000"/>
-                  </a:schemeClr>
-                </a:solidFill>
-                <a:latin typeface="Calibri" panose="020F0502020204030204" pitchFamily="34" charset="0"/>
-                <a:cs typeface="Calibri" panose="020F0502020204030204" pitchFamily="34" charset="0"/>
-              </a:rPr>
-              <a:t> es den </a:t>
-            </a:r>
-            <a:r>
-              <a:rPr lang="en-US" sz="1400" dirty="0" err="1">
-                <a:solidFill>
-                  <a:schemeClr val="tx1">
-                    <a:lumMod val="85000"/>
-                    <a:lumOff val="15000"/>
-                  </a:schemeClr>
-                </a:solidFill>
-                <a:latin typeface="Calibri" panose="020F0502020204030204" pitchFamily="34" charset="0"/>
-                <a:cs typeface="Calibri" panose="020F0502020204030204" pitchFamily="34" charset="0"/>
-              </a:rPr>
-              <a:t>Fahrern</a:t>
-            </a:r>
-            <a:r>
-              <a:rPr lang="en-US" sz="1400" dirty="0">
-                <a:solidFill>
-                  <a:schemeClr val="tx1">
-                    <a:lumMod val="85000"/>
-                    <a:lumOff val="15000"/>
-                  </a:schemeClr>
-                </a:solidFill>
-                <a:latin typeface="Calibri" panose="020F0502020204030204" pitchFamily="34" charset="0"/>
-                <a:cs typeface="Calibri" panose="020F0502020204030204" pitchFamily="34" charset="0"/>
-              </a:rPr>
-              <a:t> , </a:t>
-            </a:r>
-            <a:r>
-              <a:rPr lang="en-US" sz="1400" dirty="0" err="1">
-                <a:solidFill>
-                  <a:schemeClr val="tx1">
-                    <a:lumMod val="85000"/>
-                    <a:lumOff val="15000"/>
-                  </a:schemeClr>
-                </a:solidFill>
-                <a:latin typeface="Calibri" panose="020F0502020204030204" pitchFamily="34" charset="0"/>
-                <a:cs typeface="Calibri" panose="020F0502020204030204" pitchFamily="34" charset="0"/>
-              </a:rPr>
-              <a:t>ihre</a:t>
-            </a:r>
-            <a:r>
-              <a:rPr lang="en-US" sz="1400" dirty="0">
-                <a:solidFill>
-                  <a:schemeClr val="tx1">
-                    <a:lumMod val="85000"/>
-                    <a:lumOff val="15000"/>
-                  </a:schemeClr>
-                </a:solidFill>
-                <a:latin typeface="Calibri" panose="020F0502020204030204" pitchFamily="34" charset="0"/>
-                <a:cs typeface="Calibri" panose="020F0502020204030204" pitchFamily="34" charset="0"/>
-              </a:rPr>
-              <a:t> </a:t>
-            </a:r>
-            <a:r>
-              <a:rPr lang="en-US" sz="1400" dirty="0" err="1">
-                <a:solidFill>
-                  <a:schemeClr val="tx1">
-                    <a:lumMod val="85000"/>
-                    <a:lumOff val="15000"/>
-                  </a:schemeClr>
-                </a:solidFill>
-                <a:latin typeface="Calibri" panose="020F0502020204030204" pitchFamily="34" charset="0"/>
-                <a:cs typeface="Calibri" panose="020F0502020204030204" pitchFamily="34" charset="0"/>
-              </a:rPr>
-              <a:t>Ankunft</a:t>
-            </a:r>
-            <a:r>
-              <a:rPr lang="en-US" sz="1400" dirty="0">
-                <a:solidFill>
-                  <a:schemeClr val="tx1">
-                    <a:lumMod val="85000"/>
-                    <a:lumOff val="15000"/>
-                  </a:schemeClr>
-                </a:solidFill>
-                <a:latin typeface="Calibri" panose="020F0502020204030204" pitchFamily="34" charset="0"/>
-                <a:cs typeface="Calibri" panose="020F0502020204030204" pitchFamily="34" charset="0"/>
-              </a:rPr>
-              <a:t> </a:t>
-            </a:r>
-            <a:r>
-              <a:rPr lang="en-US" sz="1400" dirty="0" err="1">
-                <a:solidFill>
-                  <a:schemeClr val="tx1">
-                    <a:lumMod val="85000"/>
-                    <a:lumOff val="15000"/>
-                  </a:schemeClr>
-                </a:solidFill>
-                <a:latin typeface="Calibri" panose="020F0502020204030204" pitchFamily="34" charset="0"/>
-                <a:cs typeface="Calibri" panose="020F0502020204030204" pitchFamily="34" charset="0"/>
-              </a:rPr>
-              <a:t>zu</a:t>
-            </a:r>
-            <a:r>
-              <a:rPr lang="en-US" sz="1400" dirty="0">
-                <a:solidFill>
-                  <a:schemeClr val="tx1">
-                    <a:lumMod val="85000"/>
-                    <a:lumOff val="15000"/>
-                  </a:schemeClr>
-                </a:solidFill>
-                <a:latin typeface="Calibri" panose="020F0502020204030204" pitchFamily="34" charset="0"/>
-                <a:cs typeface="Calibri" panose="020F0502020204030204" pitchFamily="34" charset="0"/>
-              </a:rPr>
-              <a:t> </a:t>
-            </a:r>
-            <a:r>
-              <a:rPr lang="en-US" sz="1400" dirty="0" err="1">
-                <a:solidFill>
-                  <a:schemeClr val="tx1">
-                    <a:lumMod val="85000"/>
-                    <a:lumOff val="15000"/>
-                  </a:schemeClr>
-                </a:solidFill>
-                <a:latin typeface="Calibri" panose="020F0502020204030204" pitchFamily="34" charset="0"/>
-                <a:cs typeface="Calibri" panose="020F0502020204030204" pitchFamily="34" charset="0"/>
-              </a:rPr>
-              <a:t>planen</a:t>
-            </a:r>
-            <a:r>
-              <a:rPr lang="en-US" sz="1400" dirty="0">
-                <a:solidFill>
-                  <a:schemeClr val="tx1">
-                    <a:lumMod val="85000"/>
-                    <a:lumOff val="15000"/>
-                  </a:schemeClr>
-                </a:solidFill>
-                <a:latin typeface="Calibri" panose="020F0502020204030204" pitchFamily="34" charset="0"/>
-                <a:cs typeface="Calibri" panose="020F0502020204030204" pitchFamily="34" charset="0"/>
-              </a:rPr>
-              <a:t> und </a:t>
-            </a:r>
-            <a:r>
-              <a:rPr lang="en-US" sz="1400" dirty="0" err="1">
-                <a:solidFill>
-                  <a:schemeClr val="tx1">
-                    <a:lumMod val="85000"/>
-                    <a:lumOff val="15000"/>
-                  </a:schemeClr>
-                </a:solidFill>
-                <a:latin typeface="Calibri" panose="020F0502020204030204" pitchFamily="34" charset="0"/>
-                <a:cs typeface="Calibri" panose="020F0502020204030204" pitchFamily="34" charset="0"/>
-              </a:rPr>
-              <a:t>nicht</a:t>
-            </a:r>
-            <a:r>
-              <a:rPr lang="en-US" sz="1400" dirty="0">
-                <a:solidFill>
-                  <a:schemeClr val="tx1">
-                    <a:lumMod val="85000"/>
-                    <a:lumOff val="15000"/>
-                  </a:schemeClr>
-                </a:solidFill>
-                <a:latin typeface="Calibri" panose="020F0502020204030204" pitchFamily="34" charset="0"/>
-                <a:cs typeface="Calibri" panose="020F0502020204030204" pitchFamily="34" charset="0"/>
-              </a:rPr>
-              <a:t> </a:t>
-            </a:r>
-            <a:r>
-              <a:rPr lang="en-US" sz="1400" dirty="0" err="1">
-                <a:solidFill>
-                  <a:schemeClr val="tx1">
-                    <a:lumMod val="85000"/>
-                    <a:lumOff val="15000"/>
-                  </a:schemeClr>
-                </a:solidFill>
-                <a:latin typeface="Calibri" panose="020F0502020204030204" pitchFamily="34" charset="0"/>
-                <a:cs typeface="Calibri" panose="020F0502020204030204" pitchFamily="34" charset="0"/>
-              </a:rPr>
-              <a:t>unnötig</a:t>
-            </a:r>
-            <a:r>
-              <a:rPr lang="en-US" sz="1400" dirty="0">
-                <a:solidFill>
-                  <a:schemeClr val="tx1">
-                    <a:lumMod val="85000"/>
-                    <a:lumOff val="15000"/>
-                  </a:schemeClr>
-                </a:solidFill>
-                <a:latin typeface="Calibri" panose="020F0502020204030204" pitchFamily="34" charset="0"/>
-                <a:cs typeface="Calibri" panose="020F0502020204030204" pitchFamily="34" charset="0"/>
-              </a:rPr>
-              <a:t> </a:t>
-            </a:r>
-            <a:r>
-              <a:rPr lang="en-US" sz="1400" dirty="0" err="1">
-                <a:solidFill>
-                  <a:schemeClr val="tx1">
-                    <a:lumMod val="85000"/>
-                    <a:lumOff val="15000"/>
-                  </a:schemeClr>
-                </a:solidFill>
-                <a:latin typeface="Calibri" panose="020F0502020204030204" pitchFamily="34" charset="0"/>
-                <a:cs typeface="Calibri" panose="020F0502020204030204" pitchFamily="34" charset="0"/>
-              </a:rPr>
-              <a:t>im</a:t>
-            </a:r>
-            <a:r>
-              <a:rPr lang="en-US" sz="1400" dirty="0">
-                <a:solidFill>
-                  <a:schemeClr val="tx1">
-                    <a:lumMod val="85000"/>
-                    <a:lumOff val="15000"/>
-                  </a:schemeClr>
-                </a:solidFill>
-                <a:latin typeface="Calibri" panose="020F0502020204030204" pitchFamily="34" charset="0"/>
-                <a:cs typeface="Calibri" panose="020F0502020204030204" pitchFamily="34" charset="0"/>
-              </a:rPr>
-              <a:t> </a:t>
-            </a:r>
-            <a:r>
-              <a:rPr lang="en-US" sz="1400" dirty="0" err="1">
-                <a:solidFill>
-                  <a:schemeClr val="tx1">
-                    <a:lumMod val="85000"/>
-                    <a:lumOff val="15000"/>
-                  </a:schemeClr>
-                </a:solidFill>
-                <a:latin typeface="Calibri" panose="020F0502020204030204" pitchFamily="34" charset="0"/>
-                <a:cs typeface="Calibri" panose="020F0502020204030204" pitchFamily="34" charset="0"/>
-              </a:rPr>
-              <a:t>Verkehr</a:t>
-            </a:r>
-            <a:r>
-              <a:rPr lang="en-US" sz="1400" dirty="0">
-                <a:solidFill>
-                  <a:schemeClr val="tx1">
-                    <a:lumMod val="85000"/>
-                    <a:lumOff val="15000"/>
-                  </a:schemeClr>
-                </a:solidFill>
-                <a:latin typeface="Calibri" panose="020F0502020204030204" pitchFamily="34" charset="0"/>
-                <a:cs typeface="Calibri" panose="020F0502020204030204" pitchFamily="34" charset="0"/>
-              </a:rPr>
-              <a:t> </a:t>
-            </a:r>
-            <a:r>
-              <a:rPr lang="en-US" sz="1400" dirty="0" err="1">
-                <a:solidFill>
-                  <a:schemeClr val="tx1">
-                    <a:lumMod val="85000"/>
-                    <a:lumOff val="15000"/>
-                  </a:schemeClr>
-                </a:solidFill>
-                <a:latin typeface="Calibri" panose="020F0502020204030204" pitchFamily="34" charset="0"/>
-                <a:cs typeface="Calibri" panose="020F0502020204030204" pitchFamily="34" charset="0"/>
-              </a:rPr>
-              <a:t>herumzufahren</a:t>
-            </a:r>
-            <a:r>
-              <a:rPr lang="en-US" sz="1400" dirty="0">
-                <a:solidFill>
-                  <a:schemeClr val="tx1">
-                    <a:lumMod val="85000"/>
-                    <a:lumOff val="15000"/>
-                  </a:schemeClr>
-                </a:solidFill>
-                <a:latin typeface="Calibri" panose="020F0502020204030204" pitchFamily="34" charset="0"/>
-                <a:cs typeface="Calibri" panose="020F0502020204030204" pitchFamily="34" charset="0"/>
-              </a:rPr>
-              <a:t>.</a:t>
-            </a:r>
-          </a:p>
-          <a:p>
-            <a:pPr algn="l">
-              <a:lnSpc>
-                <a:spcPct val="90000"/>
-              </a:lnSpc>
-            </a:pPr>
-            <a:br>
-              <a:rPr lang="en-US" sz="1400" dirty="0">
-                <a:solidFill>
-                  <a:schemeClr val="tx1">
-                    <a:lumMod val="85000"/>
-                    <a:lumOff val="15000"/>
-                  </a:schemeClr>
-                </a:solidFill>
-                <a:latin typeface="Calibri" panose="020F0502020204030204" pitchFamily="34" charset="0"/>
-                <a:cs typeface="Calibri" panose="020F0502020204030204" pitchFamily="34" charset="0"/>
-              </a:rPr>
-            </a:br>
-            <a:r>
-              <a:rPr lang="en-US" sz="1400" dirty="0">
-                <a:solidFill>
-                  <a:schemeClr val="tx1">
-                    <a:lumMod val="85000"/>
-                    <a:lumOff val="15000"/>
-                  </a:schemeClr>
-                </a:solidFill>
-                <a:latin typeface="Calibri" panose="020F0502020204030204" pitchFamily="34" charset="0"/>
-                <a:cs typeface="Calibri" panose="020F0502020204030204" pitchFamily="34" charset="0"/>
-              </a:rPr>
-              <a:t>Die </a:t>
-            </a:r>
-            <a:r>
-              <a:rPr lang="en-US" sz="1400" dirty="0" err="1">
-                <a:solidFill>
-                  <a:schemeClr val="tx1">
-                    <a:lumMod val="85000"/>
-                    <a:lumOff val="15000"/>
-                  </a:schemeClr>
-                </a:solidFill>
-                <a:latin typeface="Calibri" panose="020F0502020204030204" pitchFamily="34" charset="0"/>
-                <a:cs typeface="Calibri" panose="020F0502020204030204" pitchFamily="34" charset="0"/>
-              </a:rPr>
-              <a:t>Transparenz</a:t>
-            </a:r>
-            <a:r>
-              <a:rPr lang="en-US" sz="1400" dirty="0">
-                <a:solidFill>
-                  <a:schemeClr val="tx1">
-                    <a:lumMod val="85000"/>
-                    <a:lumOff val="15000"/>
-                  </a:schemeClr>
-                </a:solidFill>
-                <a:latin typeface="Calibri" panose="020F0502020204030204" pitchFamily="34" charset="0"/>
-                <a:cs typeface="Calibri" panose="020F0502020204030204" pitchFamily="34" charset="0"/>
-              </a:rPr>
-              <a:t> in </a:t>
-            </a:r>
-            <a:r>
-              <a:rPr lang="en-US" sz="1400" dirty="0" err="1">
-                <a:solidFill>
-                  <a:schemeClr val="tx1">
-                    <a:lumMod val="85000"/>
-                    <a:lumOff val="15000"/>
-                  </a:schemeClr>
-                </a:solidFill>
-                <a:latin typeface="Calibri" panose="020F0502020204030204" pitchFamily="34" charset="0"/>
-                <a:cs typeface="Calibri" panose="020F0502020204030204" pitchFamily="34" charset="0"/>
-              </a:rPr>
-              <a:t>Bezug</a:t>
-            </a:r>
-            <a:r>
-              <a:rPr lang="en-US" sz="1400" dirty="0">
-                <a:solidFill>
-                  <a:schemeClr val="tx1">
-                    <a:lumMod val="85000"/>
-                    <a:lumOff val="15000"/>
-                  </a:schemeClr>
-                </a:solidFill>
-                <a:latin typeface="Calibri" panose="020F0502020204030204" pitchFamily="34" charset="0"/>
-                <a:cs typeface="Calibri" panose="020F0502020204030204" pitchFamily="34" charset="0"/>
-              </a:rPr>
-              <a:t> auf die </a:t>
-            </a:r>
-            <a:r>
-              <a:rPr lang="en-US" sz="1400" dirty="0" err="1">
-                <a:solidFill>
-                  <a:schemeClr val="tx1">
-                    <a:lumMod val="85000"/>
-                    <a:lumOff val="15000"/>
-                  </a:schemeClr>
-                </a:solidFill>
-                <a:latin typeface="Calibri" panose="020F0502020204030204" pitchFamily="34" charset="0"/>
-                <a:cs typeface="Calibri" panose="020F0502020204030204" pitchFamily="34" charset="0"/>
-              </a:rPr>
-              <a:t>Parkplatzverfügbarkeit</a:t>
-            </a:r>
-            <a:r>
-              <a:rPr lang="en-US" sz="1400" dirty="0">
-                <a:solidFill>
-                  <a:schemeClr val="tx1">
-                    <a:lumMod val="85000"/>
-                    <a:lumOff val="15000"/>
-                  </a:schemeClr>
-                </a:solidFill>
-                <a:latin typeface="Calibri" panose="020F0502020204030204" pitchFamily="34" charset="0"/>
-                <a:cs typeface="Calibri" panose="020F0502020204030204" pitchFamily="34" charset="0"/>
-              </a:rPr>
-              <a:t> </a:t>
-            </a:r>
-            <a:r>
-              <a:rPr lang="en-US" sz="1400" dirty="0" err="1">
-                <a:solidFill>
-                  <a:schemeClr val="tx1">
-                    <a:lumMod val="85000"/>
-                    <a:lumOff val="15000"/>
-                  </a:schemeClr>
-                </a:solidFill>
-                <a:latin typeface="Calibri" panose="020F0502020204030204" pitchFamily="34" charset="0"/>
-                <a:cs typeface="Calibri" panose="020F0502020204030204" pitchFamily="34" charset="0"/>
-              </a:rPr>
-              <a:t>fördert</a:t>
-            </a:r>
-            <a:r>
-              <a:rPr lang="en-US" sz="1400" dirty="0">
-                <a:solidFill>
-                  <a:schemeClr val="tx1">
-                    <a:lumMod val="85000"/>
-                    <a:lumOff val="15000"/>
-                  </a:schemeClr>
-                </a:solidFill>
-                <a:latin typeface="Calibri" panose="020F0502020204030204" pitchFamily="34" charset="0"/>
-                <a:cs typeface="Calibri" panose="020F0502020204030204" pitchFamily="34" charset="0"/>
-              </a:rPr>
-              <a:t> </a:t>
-            </a:r>
-            <a:r>
-              <a:rPr lang="en-US" sz="1400" dirty="0" err="1">
-                <a:solidFill>
-                  <a:schemeClr val="tx1">
-                    <a:lumMod val="85000"/>
-                    <a:lumOff val="15000"/>
-                  </a:schemeClr>
-                </a:solidFill>
-                <a:latin typeface="Calibri" panose="020F0502020204030204" pitchFamily="34" charset="0"/>
-                <a:cs typeface="Calibri" panose="020F0502020204030204" pitchFamily="34" charset="0"/>
-              </a:rPr>
-              <a:t>eine</a:t>
-            </a:r>
-            <a:r>
-              <a:rPr lang="en-US" sz="1400" dirty="0">
-                <a:solidFill>
-                  <a:schemeClr val="tx1">
-                    <a:lumMod val="85000"/>
-                    <a:lumOff val="15000"/>
-                  </a:schemeClr>
-                </a:solidFill>
-                <a:latin typeface="Calibri" panose="020F0502020204030204" pitchFamily="34" charset="0"/>
-                <a:cs typeface="Calibri" panose="020F0502020204030204" pitchFamily="34" charset="0"/>
-              </a:rPr>
-              <a:t> </a:t>
-            </a:r>
-            <a:r>
-              <a:rPr lang="en-US" sz="1400" dirty="0" err="1">
-                <a:solidFill>
-                  <a:schemeClr val="tx1">
-                    <a:lumMod val="85000"/>
-                    <a:lumOff val="15000"/>
-                  </a:schemeClr>
-                </a:solidFill>
-                <a:latin typeface="Calibri" panose="020F0502020204030204" pitchFamily="34" charset="0"/>
-                <a:cs typeface="Calibri" panose="020F0502020204030204" pitchFamily="34" charset="0"/>
-              </a:rPr>
-              <a:t>effizientere</a:t>
-            </a:r>
-            <a:r>
-              <a:rPr lang="en-US" sz="1400" dirty="0">
-                <a:solidFill>
-                  <a:schemeClr val="tx1">
-                    <a:lumMod val="85000"/>
-                    <a:lumOff val="15000"/>
-                  </a:schemeClr>
-                </a:solidFill>
-                <a:latin typeface="Calibri" panose="020F0502020204030204" pitchFamily="34" charset="0"/>
-                <a:cs typeface="Calibri" panose="020F0502020204030204" pitchFamily="34" charset="0"/>
-              </a:rPr>
-              <a:t> </a:t>
-            </a:r>
-            <a:r>
-              <a:rPr lang="en-US" sz="1400" dirty="0" err="1">
-                <a:solidFill>
-                  <a:schemeClr val="tx1">
-                    <a:lumMod val="85000"/>
-                    <a:lumOff val="15000"/>
-                  </a:schemeClr>
-                </a:solidFill>
-                <a:latin typeface="Calibri" panose="020F0502020204030204" pitchFamily="34" charset="0"/>
-                <a:cs typeface="Calibri" panose="020F0502020204030204" pitchFamily="34" charset="0"/>
-              </a:rPr>
-              <a:t>Nutzung</a:t>
-            </a:r>
-            <a:r>
-              <a:rPr lang="en-US" sz="1400" dirty="0">
-                <a:solidFill>
-                  <a:schemeClr val="tx1">
-                    <a:lumMod val="85000"/>
-                    <a:lumOff val="15000"/>
-                  </a:schemeClr>
-                </a:solidFill>
-                <a:latin typeface="Calibri" panose="020F0502020204030204" pitchFamily="34" charset="0"/>
-                <a:cs typeface="Calibri" panose="020F0502020204030204" pitchFamily="34" charset="0"/>
-              </a:rPr>
-              <a:t> der </a:t>
-            </a:r>
-            <a:r>
-              <a:rPr lang="en-US" sz="1400" dirty="0" err="1">
-                <a:solidFill>
-                  <a:schemeClr val="tx1">
-                    <a:lumMod val="85000"/>
-                    <a:lumOff val="15000"/>
-                  </a:schemeClr>
-                </a:solidFill>
-                <a:latin typeface="Calibri" panose="020F0502020204030204" pitchFamily="34" charset="0"/>
-                <a:cs typeface="Calibri" panose="020F0502020204030204" pitchFamily="34" charset="0"/>
-              </a:rPr>
-              <a:t>vorhandenen</a:t>
-            </a:r>
-            <a:r>
-              <a:rPr lang="en-US" sz="1400" dirty="0">
-                <a:solidFill>
-                  <a:schemeClr val="tx1">
-                    <a:lumMod val="85000"/>
-                    <a:lumOff val="15000"/>
-                  </a:schemeClr>
-                </a:solidFill>
-                <a:latin typeface="Calibri" panose="020F0502020204030204" pitchFamily="34" charset="0"/>
-                <a:cs typeface="Calibri" panose="020F0502020204030204" pitchFamily="34" charset="0"/>
-              </a:rPr>
-              <a:t> </a:t>
-            </a:r>
-            <a:r>
-              <a:rPr lang="en-US" sz="1400" dirty="0" err="1">
-                <a:solidFill>
-                  <a:schemeClr val="tx1">
-                    <a:lumMod val="85000"/>
-                    <a:lumOff val="15000"/>
-                  </a:schemeClr>
-                </a:solidFill>
-                <a:latin typeface="Calibri" panose="020F0502020204030204" pitchFamily="34" charset="0"/>
-                <a:cs typeface="Calibri" panose="020F0502020204030204" pitchFamily="34" charset="0"/>
-              </a:rPr>
-              <a:t>Parkflächen</a:t>
-            </a:r>
-            <a:endParaRPr lang="en-US" sz="1400" dirty="0">
-              <a:solidFill>
-                <a:schemeClr val="tx1">
-                  <a:lumMod val="85000"/>
-                  <a:lumOff val="15000"/>
-                </a:schemeClr>
-              </a:solidFill>
-              <a:latin typeface="Calibri" panose="020F0502020204030204" pitchFamily="34" charset="0"/>
-              <a:cs typeface="Calibri" panose="020F0502020204030204" pitchFamily="34" charset="0"/>
-            </a:endParaRPr>
+            <a:pPr algn="ctr"/>
+            <a:endParaRPr lang="en-US" dirty="0"/>
+          </a:p>
+        </p:txBody>
+      </p:sp>
+      <p:sp>
+        <p:nvSpPr>
+          <p:cNvPr id="15" name="Rectangle 14">
+            <a:extLst>
+              <a:ext uri="{FF2B5EF4-FFF2-40B4-BE49-F238E27FC236}">
+                <a16:creationId xmlns:a16="http://schemas.microsoft.com/office/drawing/2014/main" id="{F77FF0B6-332F-4842-A5F8-EA360BD5FF84}"/>
+              </a:ext>
+              <a:ext uri="{C183D7F6-B498-43B3-948B-1728B52AA6E4}">
+                <adec:decorative xmlns:adec="http://schemas.microsoft.com/office/drawing/2017/decorative" val="1"/>
+              </a:ext>
+            </a:extLst>
+          </p:cNvPr>
+          <p:cNvSpPr>
+            <a:spLocks noGrp="1" noRot="1" noChangeAspect="1" noMove="1" noResize="1" noEditPoints="1" noAdjustHandles="1" noChangeArrowheads="1" noChangeShapeType="1" noTextEdit="1"/>
+          </p:cNvSpPr>
+          <p:nvPr>
+            <p:extLst>
+              <p:ext uri="{386F3935-93C4-4BCD-93E2-E3B085C9AB24}">
+                <p16:designElem xmlns:p16="http://schemas.microsoft.com/office/powerpoint/2015/main" val="1"/>
+              </p:ext>
+            </p:extLst>
+          </p:nvPr>
+        </p:nvSpPr>
+        <p:spPr>
+          <a:xfrm>
+            <a:off x="4820412" y="802767"/>
+            <a:ext cx="6565392" cy="4937760"/>
+          </a:xfrm>
+          <a:prstGeom prst="rect">
+            <a:avLst/>
+          </a:prstGeom>
+          <a:solidFill>
+            <a:schemeClr val="bg1"/>
+          </a:solidFill>
+          <a:ln>
+            <a:noFill/>
+          </a:ln>
+        </p:spPr>
+        <p:style>
+          <a:lnRef idx="2">
+            <a:schemeClr val="accent1">
+              <a:shade val="50000"/>
+            </a:schemeClr>
+          </a:lnRef>
+          <a:fillRef idx="1">
+            <a:schemeClr val="accent1"/>
+          </a:fillRef>
+          <a:effectRef idx="0">
+            <a:schemeClr val="accent1"/>
+          </a:effectRef>
+          <a:fontRef idx="minor">
+            <a:schemeClr val="lt1"/>
+          </a:fontRef>
+        </p:style>
+        <p:txBody>
+          <a:bodyPr rtlCol="0" anchor="ctr"/>
+          <a:lstStyle/>
+          <a:p>
+            <a:pPr algn="ctr"/>
+            <a:endParaRPr lang="en-US"/>
           </a:p>
         </p:txBody>
       </p:sp>
       <p:pic>
         <p:nvPicPr>
-          <p:cNvPr id="6" name="Bildplatzhalter 5" descr="Ein Bild, das Rad, Fahrzeug, Landfahrzeug, Reifen enthält.&#10;&#10;Automatisch generierte Beschreibung">
+          <p:cNvPr id="6" name="Inhaltsplatzhalter 5" descr="Ein Bild, das Text, Screenshot, Software enthält.&#10;&#10;Automatisch generierte Beschreibung">
             <a:extLst>
               <a:ext uri="{FF2B5EF4-FFF2-40B4-BE49-F238E27FC236}">
-                <a16:creationId xmlns:a16="http://schemas.microsoft.com/office/drawing/2014/main" id="{0E4A950C-65BE-8B45-2702-9350261E349B}"/>
+                <a16:creationId xmlns:a16="http://schemas.microsoft.com/office/drawing/2014/main" id="{23E64B24-5A8B-FA42-1B19-9D1EE5586412}"/>
               </a:ext>
             </a:extLst>
           </p:cNvPr>
@@ -7160,18 +6612,19 @@
             <a:picLocks noGrp="1" noChangeAspect="1"/>
           </p:cNvPicPr>
           <p:nvPr>
-            <p:ph type="pic" idx="1"/>
+            <p:ph idx="1"/>
           </p:nvPr>
         </p:nvPicPr>
-        <p:blipFill rotWithShape="1">
+        <p:blipFill>
           <a:blip r:embed="rId2"/>
-          <a:srcRect l="9341" r="17292" b="-1"/>
-          <a:stretch/>
+          <a:stretch>
+            <a:fillRect/>
+          </a:stretch>
         </p:blipFill>
         <p:spPr>
           <a:xfrm>
-            <a:off x="4654296" y="10"/>
-            <a:ext cx="7537704" cy="6857990"/>
+            <a:off x="4848507" y="1258407"/>
+            <a:ext cx="6509202" cy="3857700"/>
           </a:xfrm>
           <a:prstGeom prst="rect">
             <a:avLst/>
@@ -7181,7 +6634,7 @@
     </p:spTree>
     <p:extLst>
       <p:ext uri="{BB962C8B-B14F-4D97-AF65-F5344CB8AC3E}">
-        <p14:creationId xmlns:p14="http://schemas.microsoft.com/office/powerpoint/2010/main" val="1577006244"/>
+        <p14:creationId xmlns:p14="http://schemas.microsoft.com/office/powerpoint/2010/main" val="3521579100"/>
       </p:ext>
     </p:extLst>
   </p:cSld>
@@ -7197,9 +6650,7 @@
     <p:bg>
       <p:bgPr>
         <a:solidFill>
-          <a:schemeClr val="bg1">
-            <a:lumMod val="95000"/>
-          </a:schemeClr>
+          <a:schemeClr val="bg1"/>
         </a:solidFill>
         <a:effectLst/>
       </p:bgPr>
@@ -7220,10 +6671,73 @@
       </p:grpSpPr>
       <p:sp>
         <p:nvSpPr>
+          <p:cNvPr id="20" name="Rectangle 19">
+            <a:extLst>
+              <a:ext uri="{FF2B5EF4-FFF2-40B4-BE49-F238E27FC236}">
+                <a16:creationId xmlns:a16="http://schemas.microsoft.com/office/drawing/2014/main" id="{23D9B6CF-87DD-47C7-B38D-7C5353D4DC9D}"/>
+              </a:ext>
+              <a:ext uri="{C183D7F6-B498-43B3-948B-1728B52AA6E4}">
+                <adec:decorative xmlns:adec="http://schemas.microsoft.com/office/drawing/2017/decorative" val="1"/>
+              </a:ext>
+            </a:extLst>
+          </p:cNvPr>
+          <p:cNvSpPr>
+            <a:spLocks noGrp="1" noRot="1" noChangeAspect="1" noMove="1" noResize="1" noEditPoints="1" noAdjustHandles="1" noChangeArrowheads="1" noChangeShapeType="1" noTextEdit="1"/>
+          </p:cNvSpPr>
+          <p:nvPr>
+            <p:extLst>
+              <p:ext uri="{386F3935-93C4-4BCD-93E2-E3B085C9AB24}">
+                <p16:designElem xmlns:p16="http://schemas.microsoft.com/office/powerpoint/2015/main" val="1"/>
+              </p:ext>
+            </p:extLst>
+          </p:nvPr>
+        </p:nvSpPr>
+        <p:spPr>
+          <a:xfrm>
+            <a:off x="0" y="-2"/>
+            <a:ext cx="12192000" cy="6858002"/>
+          </a:xfrm>
+          <a:prstGeom prst="rect">
+            <a:avLst/>
+          </a:prstGeom>
+          <a:solidFill>
+            <a:schemeClr val="accent2"/>
+          </a:solidFill>
+          <a:ln>
+            <a:noFill/>
+          </a:ln>
+        </p:spPr>
+        <p:style>
+          <a:lnRef idx="2">
+            <a:schemeClr val="accent1">
+              <a:shade val="50000"/>
+            </a:schemeClr>
+          </a:lnRef>
+          <a:fillRef idx="1">
+            <a:schemeClr val="accent1"/>
+          </a:fillRef>
+          <a:effectRef idx="0">
+            <a:schemeClr val="accent1"/>
+          </a:effectRef>
+          <a:fontRef idx="minor">
+            <a:schemeClr val="lt1"/>
+          </a:fontRef>
+        </p:style>
+        <p:txBody>
+          <a:bodyPr rtlCol="0" anchor="ctr"/>
+          <a:lstStyle/>
+          <a:p>
+            <a:pPr algn="ctr"/>
+            <a:endParaRPr lang="en-US"/>
+          </a:p>
+        </p:txBody>
+      </p:sp>
+      <p:sp>
+        <p:nvSpPr>
           <p:cNvPr id="2" name="Titel 1">
             <a:extLst>
               <a:ext uri="{FF2B5EF4-FFF2-40B4-BE49-F238E27FC236}">
-                <a16:creationId xmlns:a16="http://schemas.microsoft.com/office/drawing/2014/main" id="{0EF8A343-07AF-C813-02C1-B110E6219EC3}"/>
+                <a16:creationId xmlns:a16="http://schemas.microsoft.com/office/drawing/2014/main" id="{61DFA64D-5888-D196-DF20-C8476D294B12}"/>
               </a:ext>
             </a:extLst>
           </p:cNvPr>
@@ -7236,868 +6750,156 @@
         </p:nvSpPr>
         <p:spPr>
           <a:xfrm>
-            <a:off x="804670" y="978776"/>
-            <a:ext cx="3044953" cy="1174991"/>
+            <a:off x="804673" y="2133600"/>
+            <a:ext cx="3044952" cy="1898904"/>
           </a:xfrm>
         </p:spPr>
         <p:txBody>
-          <a:bodyPr vert="horz" lIns="182880" tIns="182880" rIns="182880" bIns="182880" rtlCol="0" anchor="ctr">
-            <a:normAutofit fontScale="90000"/>
+          <a:bodyPr vert="horz" lIns="274320" tIns="182880" rIns="274320" bIns="182880" rtlCol="0" anchor="ctr" anchorCtr="1">
+            <a:normAutofit/>
           </a:bodyPr>
           <a:lstStyle/>
           <a:p>
-            <a:br>
-              <a:rPr lang="en-US" sz="2000" dirty="0"/>
-            </a:br>
-            <a:r>
-              <a:rPr lang="en-US" sz="2000" dirty="0" err="1"/>
-              <a:t>Zuweisung</a:t>
-            </a:r>
-            <a:r>
-              <a:rPr lang="en-US" sz="2000" dirty="0"/>
-              <a:t> </a:t>
-            </a:r>
-            <a:br>
-              <a:rPr lang="en-US" sz="2000" dirty="0"/>
-            </a:br>
-            <a:endParaRPr lang="en-US" sz="2000" dirty="0"/>
-          </a:p>
-        </p:txBody>
-      </p:sp>
-      <p:sp>
-        <p:nvSpPr>
-          <p:cNvPr id="4" name="Textplatzhalter 3">
+            <a:r>
+              <a:rPr lang="en-US" sz="2800"/>
+              <a:t>Quellcode</a:t>
+            </a:r>
+          </a:p>
+        </p:txBody>
+      </p:sp>
+      <p:sp>
+        <p:nvSpPr>
+          <p:cNvPr id="22" name="Rectangle 21">
             <a:extLst>
               <a:ext uri="{FF2B5EF4-FFF2-40B4-BE49-F238E27FC236}">
-                <a16:creationId xmlns:a16="http://schemas.microsoft.com/office/drawing/2014/main" id="{35F9B340-9151-7134-1174-2A4411F0AD7A}"/>
+                <a16:creationId xmlns:a16="http://schemas.microsoft.com/office/drawing/2014/main" id="{EFE2328B-DA12-4B90-BD82-3CCF13AF6C83}"/>
+              </a:ext>
+              <a:ext uri="{C183D7F6-B498-43B3-948B-1728B52AA6E4}">
+                <adec:decorative xmlns:adec="http://schemas.microsoft.com/office/drawing/2017/decorative" val="1"/>
               </a:ext>
             </a:extLst>
           </p:cNvPr>
           <p:cNvSpPr>
-            <a:spLocks noGrp="1"/>
-          </p:cNvSpPr>
-          <p:nvPr>
-            <p:ph type="body" sz="half" idx="2"/>
+            <a:spLocks noGrp="1" noRot="1" noChangeAspect="1" noMove="1" noResize="1" noEditPoints="1" noAdjustHandles="1" noChangeArrowheads="1" noChangeShapeType="1" noTextEdit="1"/>
+          </p:cNvSpPr>
+          <p:nvPr>
+            <p:extLst>
+              <p:ext uri="{386F3935-93C4-4BCD-93E2-E3B085C9AB24}">
+                <p16:designElem xmlns:p16="http://schemas.microsoft.com/office/powerpoint/2015/main" val="1"/>
+              </p:ext>
+            </p:extLst>
           </p:nvPr>
         </p:nvSpPr>
         <p:spPr>
           <a:xfrm>
-            <a:off x="804670" y="2640692"/>
-            <a:ext cx="3044952" cy="3255252"/>
+            <a:off x="4654296" y="640080"/>
+            <a:ext cx="6897625" cy="5263134"/>
           </a:xfrm>
+          <a:prstGeom prst="rect">
+            <a:avLst/>
+          </a:prstGeom>
+          <a:noFill/>
+          <a:ln w="31750" cap="sq">
+            <a:solidFill>
+              <a:srgbClr val="FFFFFF"/>
+            </a:solidFill>
+            <a:miter lim="800000"/>
+          </a:ln>
         </p:spPr>
-        <p:txBody>
-          <a:bodyPr vert="horz" lIns="91440" tIns="45720" rIns="91440" bIns="45720" rtlCol="0">
-            <a:normAutofit/>
-          </a:bodyPr>
+        <p:style>
+          <a:lnRef idx="2">
+            <a:schemeClr val="accent1">
+              <a:shade val="50000"/>
+            </a:schemeClr>
+          </a:lnRef>
+          <a:fillRef idx="1">
+            <a:schemeClr val="accent1"/>
+          </a:fillRef>
+          <a:effectRef idx="0">
+            <a:schemeClr val="accent1"/>
+          </a:effectRef>
+          <a:fontRef idx="minor">
+            <a:schemeClr val="lt1"/>
+          </a:fontRef>
+        </p:style>
+        <p:txBody>
+          <a:bodyPr rtlCol="0" anchor="ctr"/>
           <a:lstStyle/>
           <a:p>
-            <a:pPr algn="l">
-              <a:lnSpc>
-                <a:spcPct val="90000"/>
-              </a:lnSpc>
-            </a:pPr>
-            <a:r>
-              <a:rPr lang="en-US" sz="1400" dirty="0" err="1">
-                <a:solidFill>
-                  <a:schemeClr val="tx1">
-                    <a:lumMod val="85000"/>
-                    <a:lumOff val="15000"/>
-                  </a:schemeClr>
-                </a:solidFill>
-                <a:latin typeface="Calibri" panose="020F0502020204030204" pitchFamily="34" charset="0"/>
-                <a:cs typeface="Calibri" panose="020F0502020204030204" pitchFamily="34" charset="0"/>
-              </a:rPr>
-              <a:t>Unsere</a:t>
-            </a:r>
-            <a:r>
-              <a:rPr lang="en-US" sz="1400" dirty="0">
-                <a:solidFill>
-                  <a:schemeClr val="tx1">
-                    <a:lumMod val="85000"/>
-                    <a:lumOff val="15000"/>
-                  </a:schemeClr>
-                </a:solidFill>
-                <a:latin typeface="Calibri" panose="020F0502020204030204" pitchFamily="34" charset="0"/>
-                <a:cs typeface="Calibri" panose="020F0502020204030204" pitchFamily="34" charset="0"/>
-              </a:rPr>
-              <a:t> </a:t>
-            </a:r>
-            <a:r>
-              <a:rPr lang="en-US" sz="1400" dirty="0" err="1">
-                <a:solidFill>
-                  <a:schemeClr val="tx1">
-                    <a:lumMod val="85000"/>
-                    <a:lumOff val="15000"/>
-                  </a:schemeClr>
-                </a:solidFill>
-                <a:latin typeface="Calibri" panose="020F0502020204030204" pitchFamily="34" charset="0"/>
-                <a:cs typeface="Calibri" panose="020F0502020204030204" pitchFamily="34" charset="0"/>
-              </a:rPr>
-              <a:t>Lösung</a:t>
-            </a:r>
-            <a:r>
-              <a:rPr lang="en-US" sz="1400" dirty="0">
-                <a:solidFill>
-                  <a:schemeClr val="tx1">
-                    <a:lumMod val="85000"/>
-                    <a:lumOff val="15000"/>
-                  </a:schemeClr>
-                </a:solidFill>
-                <a:latin typeface="Calibri" panose="020F0502020204030204" pitchFamily="34" charset="0"/>
-                <a:cs typeface="Calibri" panose="020F0502020204030204" pitchFamily="34" charset="0"/>
-              </a:rPr>
-              <a:t> </a:t>
-            </a:r>
-            <a:r>
-              <a:rPr lang="en-US" sz="1400" dirty="0" err="1">
-                <a:solidFill>
-                  <a:schemeClr val="tx1">
-                    <a:lumMod val="85000"/>
-                    <a:lumOff val="15000"/>
-                  </a:schemeClr>
-                </a:solidFill>
-                <a:latin typeface="Calibri" panose="020F0502020204030204" pitchFamily="34" charset="0"/>
-                <a:cs typeface="Calibri" panose="020F0502020204030204" pitchFamily="34" charset="0"/>
-              </a:rPr>
-              <a:t>basiert</a:t>
-            </a:r>
-            <a:r>
-              <a:rPr lang="en-US" sz="1400" dirty="0">
-                <a:solidFill>
-                  <a:schemeClr val="tx1">
-                    <a:lumMod val="85000"/>
-                    <a:lumOff val="15000"/>
-                  </a:schemeClr>
-                </a:solidFill>
-                <a:latin typeface="Calibri" panose="020F0502020204030204" pitchFamily="34" charset="0"/>
-                <a:cs typeface="Calibri" panose="020F0502020204030204" pitchFamily="34" charset="0"/>
-              </a:rPr>
-              <a:t> auf </a:t>
-            </a:r>
-            <a:r>
-              <a:rPr lang="en-US" sz="1400" dirty="0" err="1">
-                <a:solidFill>
-                  <a:schemeClr val="tx1">
-                    <a:lumMod val="85000"/>
-                    <a:lumOff val="15000"/>
-                  </a:schemeClr>
-                </a:solidFill>
-                <a:latin typeface="Calibri" panose="020F0502020204030204" pitchFamily="34" charset="0"/>
-                <a:cs typeface="Calibri" panose="020F0502020204030204" pitchFamily="34" charset="0"/>
-              </a:rPr>
-              <a:t>intelligenten</a:t>
-            </a:r>
-            <a:r>
-              <a:rPr lang="en-US" sz="1400" dirty="0">
-                <a:solidFill>
-                  <a:schemeClr val="tx1">
-                    <a:lumMod val="85000"/>
-                    <a:lumOff val="15000"/>
-                  </a:schemeClr>
-                </a:solidFill>
-                <a:latin typeface="Calibri" panose="020F0502020204030204" pitchFamily="34" charset="0"/>
-                <a:cs typeface="Calibri" panose="020F0502020204030204" pitchFamily="34" charset="0"/>
-              </a:rPr>
-              <a:t> </a:t>
-            </a:r>
-            <a:r>
-              <a:rPr lang="en-US" sz="1400" dirty="0" err="1">
-                <a:solidFill>
-                  <a:schemeClr val="tx1">
-                    <a:lumMod val="85000"/>
-                    <a:lumOff val="15000"/>
-                  </a:schemeClr>
-                </a:solidFill>
-                <a:latin typeface="Calibri" panose="020F0502020204030204" pitchFamily="34" charset="0"/>
-                <a:cs typeface="Calibri" panose="020F0502020204030204" pitchFamily="34" charset="0"/>
-              </a:rPr>
-              <a:t>Algorithmen</a:t>
-            </a:r>
-            <a:r>
-              <a:rPr lang="en-US" sz="1400" dirty="0">
-                <a:solidFill>
-                  <a:schemeClr val="tx1">
-                    <a:lumMod val="85000"/>
-                    <a:lumOff val="15000"/>
-                  </a:schemeClr>
-                </a:solidFill>
-                <a:latin typeface="Calibri" panose="020F0502020204030204" pitchFamily="34" charset="0"/>
-                <a:cs typeface="Calibri" panose="020F0502020204030204" pitchFamily="34" charset="0"/>
-              </a:rPr>
-              <a:t> und </a:t>
-            </a:r>
-            <a:r>
-              <a:rPr lang="en-US" sz="1400" dirty="0" err="1">
-                <a:solidFill>
-                  <a:schemeClr val="tx1">
-                    <a:lumMod val="85000"/>
-                    <a:lumOff val="15000"/>
-                  </a:schemeClr>
-                </a:solidFill>
-                <a:latin typeface="Calibri" panose="020F0502020204030204" pitchFamily="34" charset="0"/>
-                <a:cs typeface="Calibri" panose="020F0502020204030204" pitchFamily="34" charset="0"/>
-              </a:rPr>
-              <a:t>Sensoren</a:t>
-            </a:r>
-            <a:r>
-              <a:rPr lang="en-US" sz="1400" dirty="0">
-                <a:solidFill>
-                  <a:schemeClr val="tx1">
-                    <a:lumMod val="85000"/>
-                    <a:lumOff val="15000"/>
-                  </a:schemeClr>
-                </a:solidFill>
-                <a:latin typeface="Calibri" panose="020F0502020204030204" pitchFamily="34" charset="0"/>
-                <a:cs typeface="Calibri" panose="020F0502020204030204" pitchFamily="34" charset="0"/>
-              </a:rPr>
-              <a:t>, die die </a:t>
-            </a:r>
-            <a:r>
-              <a:rPr lang="en-US" sz="1400" dirty="0" err="1">
-                <a:solidFill>
-                  <a:schemeClr val="tx1">
-                    <a:lumMod val="85000"/>
-                    <a:lumOff val="15000"/>
-                  </a:schemeClr>
-                </a:solidFill>
-                <a:latin typeface="Calibri" panose="020F0502020204030204" pitchFamily="34" charset="0"/>
-                <a:cs typeface="Calibri" panose="020F0502020204030204" pitchFamily="34" charset="0"/>
-              </a:rPr>
-              <a:t>Parkplätze</a:t>
-            </a:r>
-            <a:r>
-              <a:rPr lang="en-US" sz="1400" dirty="0">
-                <a:solidFill>
-                  <a:schemeClr val="tx1">
-                    <a:lumMod val="85000"/>
-                    <a:lumOff val="15000"/>
-                  </a:schemeClr>
-                </a:solidFill>
-                <a:latin typeface="Calibri" panose="020F0502020204030204" pitchFamily="34" charset="0"/>
-                <a:cs typeface="Calibri" panose="020F0502020204030204" pitchFamily="34" charset="0"/>
-              </a:rPr>
-              <a:t> in </a:t>
-            </a:r>
-            <a:r>
-              <a:rPr lang="en-US" sz="1400" dirty="0" err="1">
-                <a:solidFill>
-                  <a:schemeClr val="tx1">
-                    <a:lumMod val="85000"/>
-                    <a:lumOff val="15000"/>
-                  </a:schemeClr>
-                </a:solidFill>
-                <a:latin typeface="Calibri" panose="020F0502020204030204" pitchFamily="34" charset="0"/>
-                <a:cs typeface="Calibri" panose="020F0502020204030204" pitchFamily="34" charset="0"/>
-              </a:rPr>
-              <a:t>Echzeit</a:t>
-            </a:r>
-            <a:r>
-              <a:rPr lang="en-US" sz="1400" dirty="0">
-                <a:solidFill>
-                  <a:schemeClr val="tx1">
-                    <a:lumMod val="85000"/>
-                    <a:lumOff val="15000"/>
-                  </a:schemeClr>
-                </a:solidFill>
-                <a:latin typeface="Calibri" panose="020F0502020204030204" pitchFamily="34" charset="0"/>
-                <a:cs typeface="Calibri" panose="020F0502020204030204" pitchFamily="34" charset="0"/>
-              </a:rPr>
-              <a:t> </a:t>
-            </a:r>
-            <a:r>
-              <a:rPr lang="en-US" sz="1400" dirty="0" err="1">
-                <a:solidFill>
-                  <a:schemeClr val="tx1">
-                    <a:lumMod val="85000"/>
-                    <a:lumOff val="15000"/>
-                  </a:schemeClr>
-                </a:solidFill>
-                <a:latin typeface="Calibri" panose="020F0502020204030204" pitchFamily="34" charset="0"/>
-                <a:cs typeface="Calibri" panose="020F0502020204030204" pitchFamily="34" charset="0"/>
-              </a:rPr>
-              <a:t>überwachen</a:t>
-            </a:r>
-            <a:r>
-              <a:rPr lang="en-US" sz="1400" dirty="0">
-                <a:solidFill>
-                  <a:schemeClr val="tx1">
-                    <a:lumMod val="85000"/>
-                    <a:lumOff val="15000"/>
-                  </a:schemeClr>
-                </a:solidFill>
-                <a:latin typeface="Calibri" panose="020F0502020204030204" pitchFamily="34" charset="0"/>
-                <a:cs typeface="Calibri" panose="020F0502020204030204" pitchFamily="34" charset="0"/>
-              </a:rPr>
-              <a:t> . Dies </a:t>
-            </a:r>
-            <a:r>
-              <a:rPr lang="en-US" sz="1400" dirty="0" err="1">
-                <a:solidFill>
-                  <a:schemeClr val="tx1">
-                    <a:lumMod val="85000"/>
-                    <a:lumOff val="15000"/>
-                  </a:schemeClr>
-                </a:solidFill>
-                <a:latin typeface="Calibri" panose="020F0502020204030204" pitchFamily="34" charset="0"/>
-                <a:cs typeface="Calibri" panose="020F0502020204030204" pitchFamily="34" charset="0"/>
-              </a:rPr>
-              <a:t>ermöglicht</a:t>
-            </a:r>
-            <a:r>
-              <a:rPr lang="en-US" sz="1400" dirty="0">
-                <a:solidFill>
-                  <a:schemeClr val="tx1">
-                    <a:lumMod val="85000"/>
-                    <a:lumOff val="15000"/>
-                  </a:schemeClr>
-                </a:solidFill>
-                <a:latin typeface="Calibri" panose="020F0502020204030204" pitchFamily="34" charset="0"/>
-                <a:cs typeface="Calibri" panose="020F0502020204030204" pitchFamily="34" charset="0"/>
-              </a:rPr>
-              <a:t> </a:t>
-            </a:r>
-            <a:r>
-              <a:rPr lang="en-US" sz="1400" dirty="0" err="1">
-                <a:solidFill>
-                  <a:schemeClr val="tx1">
-                    <a:lumMod val="85000"/>
-                    <a:lumOff val="15000"/>
-                  </a:schemeClr>
-                </a:solidFill>
-                <a:latin typeface="Calibri" panose="020F0502020204030204" pitchFamily="34" charset="0"/>
-                <a:cs typeface="Calibri" panose="020F0502020204030204" pitchFamily="34" charset="0"/>
-              </a:rPr>
-              <a:t>eine</a:t>
-            </a:r>
-            <a:r>
-              <a:rPr lang="en-US" sz="1400" dirty="0">
-                <a:solidFill>
-                  <a:schemeClr val="tx1">
-                    <a:lumMod val="85000"/>
-                    <a:lumOff val="15000"/>
-                  </a:schemeClr>
-                </a:solidFill>
-                <a:latin typeface="Calibri" panose="020F0502020204030204" pitchFamily="34" charset="0"/>
-                <a:cs typeface="Calibri" panose="020F0502020204030204" pitchFamily="34" charset="0"/>
-              </a:rPr>
-              <a:t> </a:t>
-            </a:r>
-            <a:r>
-              <a:rPr lang="en-US" sz="1400" dirty="0" err="1">
-                <a:solidFill>
-                  <a:schemeClr val="tx1">
-                    <a:lumMod val="85000"/>
-                    <a:lumOff val="15000"/>
-                  </a:schemeClr>
-                </a:solidFill>
-                <a:latin typeface="Calibri" panose="020F0502020204030204" pitchFamily="34" charset="0"/>
-                <a:cs typeface="Calibri" panose="020F0502020204030204" pitchFamily="34" charset="0"/>
-              </a:rPr>
-              <a:t>effiziente</a:t>
-            </a:r>
-            <a:r>
-              <a:rPr lang="en-US" sz="1400" dirty="0">
-                <a:solidFill>
-                  <a:schemeClr val="tx1">
-                    <a:lumMod val="85000"/>
-                    <a:lumOff val="15000"/>
-                  </a:schemeClr>
-                </a:solidFill>
-                <a:latin typeface="Calibri" panose="020F0502020204030204" pitchFamily="34" charset="0"/>
-                <a:cs typeface="Calibri" panose="020F0502020204030204" pitchFamily="34" charset="0"/>
-              </a:rPr>
-              <a:t> </a:t>
-            </a:r>
-            <a:r>
-              <a:rPr lang="en-US" sz="1400" dirty="0" err="1">
-                <a:solidFill>
-                  <a:schemeClr val="tx1">
-                    <a:lumMod val="85000"/>
-                    <a:lumOff val="15000"/>
-                  </a:schemeClr>
-                </a:solidFill>
-                <a:latin typeface="Calibri" panose="020F0502020204030204" pitchFamily="34" charset="0"/>
-                <a:cs typeface="Calibri" panose="020F0502020204030204" pitchFamily="34" charset="0"/>
-              </a:rPr>
-              <a:t>Zuweisung</a:t>
-            </a:r>
-            <a:r>
-              <a:rPr lang="en-US" sz="1400" dirty="0">
-                <a:solidFill>
-                  <a:schemeClr val="tx1">
-                    <a:lumMod val="85000"/>
-                    <a:lumOff val="15000"/>
-                  </a:schemeClr>
-                </a:solidFill>
-                <a:latin typeface="Calibri" panose="020F0502020204030204" pitchFamily="34" charset="0"/>
-                <a:cs typeface="Calibri" panose="020F0502020204030204" pitchFamily="34" charset="0"/>
-              </a:rPr>
-              <a:t> von </a:t>
-            </a:r>
-            <a:r>
-              <a:rPr lang="en-US" sz="1400" dirty="0" err="1">
-                <a:solidFill>
-                  <a:schemeClr val="tx1">
-                    <a:lumMod val="85000"/>
-                    <a:lumOff val="15000"/>
-                  </a:schemeClr>
-                </a:solidFill>
-                <a:latin typeface="Calibri" panose="020F0502020204030204" pitchFamily="34" charset="0"/>
-                <a:cs typeface="Calibri" panose="020F0502020204030204" pitchFamily="34" charset="0"/>
-              </a:rPr>
-              <a:t>Parkplätzen</a:t>
-            </a:r>
-            <a:r>
-              <a:rPr lang="en-US" sz="1400" dirty="0">
-                <a:solidFill>
-                  <a:schemeClr val="tx1">
-                    <a:lumMod val="85000"/>
-                    <a:lumOff val="15000"/>
-                  </a:schemeClr>
-                </a:solidFill>
-                <a:latin typeface="Calibri" panose="020F0502020204030204" pitchFamily="34" charset="0"/>
-                <a:cs typeface="Calibri" panose="020F0502020204030204" pitchFamily="34" charset="0"/>
-              </a:rPr>
-              <a:t> , </a:t>
-            </a:r>
-            <a:r>
-              <a:rPr lang="en-US" sz="1400" dirty="0" err="1">
-                <a:solidFill>
-                  <a:schemeClr val="tx1">
-                    <a:lumMod val="85000"/>
-                    <a:lumOff val="15000"/>
-                  </a:schemeClr>
-                </a:solidFill>
-                <a:latin typeface="Calibri" panose="020F0502020204030204" pitchFamily="34" charset="0"/>
-                <a:cs typeface="Calibri" panose="020F0502020204030204" pitchFamily="34" charset="0"/>
-              </a:rPr>
-              <a:t>wodurch</a:t>
-            </a:r>
-            <a:r>
-              <a:rPr lang="en-US" sz="1400" dirty="0">
-                <a:solidFill>
-                  <a:schemeClr val="tx1">
-                    <a:lumMod val="85000"/>
-                    <a:lumOff val="15000"/>
-                  </a:schemeClr>
-                </a:solidFill>
-                <a:latin typeface="Calibri" panose="020F0502020204030204" pitchFamily="34" charset="0"/>
-                <a:cs typeface="Calibri" panose="020F0502020204030204" pitchFamily="34" charset="0"/>
-              </a:rPr>
-              <a:t> </a:t>
-            </a:r>
-            <a:r>
-              <a:rPr lang="en-US" sz="1400" dirty="0" err="1">
-                <a:solidFill>
-                  <a:schemeClr val="tx1">
-                    <a:lumMod val="85000"/>
-                    <a:lumOff val="15000"/>
-                  </a:schemeClr>
-                </a:solidFill>
-                <a:latin typeface="Calibri" panose="020F0502020204030204" pitchFamily="34" charset="0"/>
-                <a:cs typeface="Calibri" panose="020F0502020204030204" pitchFamily="34" charset="0"/>
-              </a:rPr>
-              <a:t>Leerstände</a:t>
-            </a:r>
-            <a:r>
-              <a:rPr lang="en-US" sz="1400" dirty="0">
-                <a:solidFill>
-                  <a:schemeClr val="tx1">
-                    <a:lumMod val="85000"/>
-                    <a:lumOff val="15000"/>
-                  </a:schemeClr>
-                </a:solidFill>
-                <a:latin typeface="Calibri" panose="020F0502020204030204" pitchFamily="34" charset="0"/>
-                <a:cs typeface="Calibri" panose="020F0502020204030204" pitchFamily="34" charset="0"/>
-              </a:rPr>
-              <a:t> </a:t>
-            </a:r>
-            <a:r>
-              <a:rPr lang="en-US" sz="1400" dirty="0" err="1">
-                <a:solidFill>
-                  <a:schemeClr val="tx1">
-                    <a:lumMod val="85000"/>
-                    <a:lumOff val="15000"/>
-                  </a:schemeClr>
-                </a:solidFill>
-                <a:latin typeface="Calibri" panose="020F0502020204030204" pitchFamily="34" charset="0"/>
-                <a:cs typeface="Calibri" panose="020F0502020204030204" pitchFamily="34" charset="0"/>
-              </a:rPr>
-              <a:t>minimiert</a:t>
-            </a:r>
-            <a:r>
-              <a:rPr lang="en-US" sz="1400" dirty="0">
-                <a:solidFill>
-                  <a:schemeClr val="tx1">
-                    <a:lumMod val="85000"/>
-                    <a:lumOff val="15000"/>
-                  </a:schemeClr>
-                </a:solidFill>
-                <a:latin typeface="Calibri" panose="020F0502020204030204" pitchFamily="34" charset="0"/>
-                <a:cs typeface="Calibri" panose="020F0502020204030204" pitchFamily="34" charset="0"/>
-              </a:rPr>
-              <a:t> und die </a:t>
-            </a:r>
-            <a:r>
-              <a:rPr lang="en-US" sz="1400" dirty="0" err="1">
-                <a:solidFill>
-                  <a:schemeClr val="tx1">
-                    <a:lumMod val="85000"/>
-                    <a:lumOff val="15000"/>
-                  </a:schemeClr>
-                </a:solidFill>
-                <a:latin typeface="Calibri" panose="020F0502020204030204" pitchFamily="34" charset="0"/>
-                <a:cs typeface="Calibri" panose="020F0502020204030204" pitchFamily="34" charset="0"/>
-              </a:rPr>
-              <a:t>Auslastung</a:t>
-            </a:r>
-            <a:r>
-              <a:rPr lang="en-US" sz="1400" dirty="0">
-                <a:solidFill>
-                  <a:schemeClr val="tx1">
-                    <a:lumMod val="85000"/>
-                    <a:lumOff val="15000"/>
-                  </a:schemeClr>
-                </a:solidFill>
-                <a:latin typeface="Calibri" panose="020F0502020204030204" pitchFamily="34" charset="0"/>
-                <a:cs typeface="Calibri" panose="020F0502020204030204" pitchFamily="34" charset="0"/>
-              </a:rPr>
-              <a:t> </a:t>
-            </a:r>
-            <a:r>
-              <a:rPr lang="en-US" sz="1400" dirty="0" err="1">
-                <a:solidFill>
-                  <a:schemeClr val="tx1">
-                    <a:lumMod val="85000"/>
-                    <a:lumOff val="15000"/>
-                  </a:schemeClr>
-                </a:solidFill>
-                <a:latin typeface="Calibri" panose="020F0502020204030204" pitchFamily="34" charset="0"/>
-                <a:cs typeface="Calibri" panose="020F0502020204030204" pitchFamily="34" charset="0"/>
-              </a:rPr>
-              <a:t>optimiert</a:t>
-            </a:r>
-            <a:r>
-              <a:rPr lang="en-US" sz="1400" dirty="0">
-                <a:solidFill>
-                  <a:schemeClr val="tx1">
-                    <a:lumMod val="85000"/>
-                    <a:lumOff val="15000"/>
-                  </a:schemeClr>
-                </a:solidFill>
-                <a:latin typeface="Calibri" panose="020F0502020204030204" pitchFamily="34" charset="0"/>
-                <a:cs typeface="Calibri" panose="020F0502020204030204" pitchFamily="34" charset="0"/>
-              </a:rPr>
-              <a:t> </a:t>
-            </a:r>
-            <a:r>
-              <a:rPr lang="en-US" sz="1400" dirty="0" err="1">
-                <a:solidFill>
-                  <a:schemeClr val="tx1">
-                    <a:lumMod val="85000"/>
-                    <a:lumOff val="15000"/>
-                  </a:schemeClr>
-                </a:solidFill>
-                <a:latin typeface="Calibri" panose="020F0502020204030204" pitchFamily="34" charset="0"/>
-                <a:cs typeface="Calibri" panose="020F0502020204030204" pitchFamily="34" charset="0"/>
-              </a:rPr>
-              <a:t>wird</a:t>
-            </a:r>
-            <a:r>
-              <a:rPr lang="en-US" sz="1400" dirty="0">
-                <a:solidFill>
-                  <a:schemeClr val="tx1">
-                    <a:lumMod val="85000"/>
-                    <a:lumOff val="15000"/>
-                  </a:schemeClr>
-                </a:solidFill>
-                <a:latin typeface="Calibri" panose="020F0502020204030204" pitchFamily="34" charset="0"/>
-                <a:cs typeface="Calibri" panose="020F0502020204030204" pitchFamily="34" charset="0"/>
-              </a:rPr>
-              <a:t>. </a:t>
-            </a:r>
-          </a:p>
-          <a:p>
-            <a:pPr algn="l">
-              <a:lnSpc>
-                <a:spcPct val="90000"/>
-              </a:lnSpc>
-            </a:pPr>
-            <a:r>
-              <a:rPr lang="en-US" sz="1400" dirty="0">
-                <a:solidFill>
-                  <a:schemeClr val="tx1">
-                    <a:lumMod val="85000"/>
-                    <a:lumOff val="15000"/>
-                  </a:schemeClr>
-                </a:solidFill>
-                <a:latin typeface="Calibri" panose="020F0502020204030204" pitchFamily="34" charset="0"/>
-                <a:cs typeface="Calibri" panose="020F0502020204030204" pitchFamily="34" charset="0"/>
-              </a:rPr>
-              <a:t>Die Zeit , in </a:t>
-            </a:r>
-            <a:r>
-              <a:rPr lang="en-US" sz="1400" dirty="0" err="1">
-                <a:solidFill>
-                  <a:schemeClr val="tx1">
-                    <a:lumMod val="85000"/>
-                    <a:lumOff val="15000"/>
-                  </a:schemeClr>
-                </a:solidFill>
-                <a:latin typeface="Calibri" panose="020F0502020204030204" pitchFamily="34" charset="0"/>
-                <a:cs typeface="Calibri" panose="020F0502020204030204" pitchFamily="34" charset="0"/>
-              </a:rPr>
-              <a:t>denen</a:t>
-            </a:r>
-            <a:r>
-              <a:rPr lang="en-US" sz="1400" dirty="0">
-                <a:solidFill>
-                  <a:schemeClr val="tx1">
-                    <a:lumMod val="85000"/>
-                    <a:lumOff val="15000"/>
-                  </a:schemeClr>
-                </a:solidFill>
-                <a:latin typeface="Calibri" panose="020F0502020204030204" pitchFamily="34" charset="0"/>
-                <a:cs typeface="Calibri" panose="020F0502020204030204" pitchFamily="34" charset="0"/>
-              </a:rPr>
-              <a:t> </a:t>
-            </a:r>
-            <a:r>
-              <a:rPr lang="en-US" sz="1400" dirty="0" err="1">
-                <a:solidFill>
-                  <a:schemeClr val="tx1">
-                    <a:lumMod val="85000"/>
-                    <a:lumOff val="15000"/>
-                  </a:schemeClr>
-                </a:solidFill>
-                <a:latin typeface="Calibri" panose="020F0502020204030204" pitchFamily="34" charset="0"/>
-                <a:cs typeface="Calibri" panose="020F0502020204030204" pitchFamily="34" charset="0"/>
-              </a:rPr>
-              <a:t>Fahrer</a:t>
-            </a:r>
-            <a:r>
-              <a:rPr lang="en-US" sz="1400" dirty="0">
-                <a:solidFill>
-                  <a:schemeClr val="tx1">
-                    <a:lumMod val="85000"/>
-                    <a:lumOff val="15000"/>
-                  </a:schemeClr>
-                </a:solidFill>
-                <a:latin typeface="Calibri" panose="020F0502020204030204" pitchFamily="34" charset="0"/>
-                <a:cs typeface="Calibri" panose="020F0502020204030204" pitchFamily="34" charset="0"/>
-              </a:rPr>
-              <a:t> </a:t>
-            </a:r>
-            <a:r>
-              <a:rPr lang="en-US" sz="1400" dirty="0" err="1">
-                <a:solidFill>
-                  <a:schemeClr val="tx1">
-                    <a:lumMod val="85000"/>
-                    <a:lumOff val="15000"/>
-                  </a:schemeClr>
-                </a:solidFill>
-                <a:latin typeface="Calibri" panose="020F0502020204030204" pitchFamily="34" charset="0"/>
-                <a:cs typeface="Calibri" panose="020F0502020204030204" pitchFamily="34" charset="0"/>
-              </a:rPr>
-              <a:t>endlose</a:t>
-            </a:r>
-            <a:r>
-              <a:rPr lang="en-US" sz="1400" dirty="0">
-                <a:solidFill>
-                  <a:schemeClr val="tx1">
-                    <a:lumMod val="85000"/>
-                    <a:lumOff val="15000"/>
-                  </a:schemeClr>
-                </a:solidFill>
-                <a:latin typeface="Calibri" panose="020F0502020204030204" pitchFamily="34" charset="0"/>
-                <a:cs typeface="Calibri" panose="020F0502020204030204" pitchFamily="34" charset="0"/>
-              </a:rPr>
-              <a:t> </a:t>
-            </a:r>
-            <a:r>
-              <a:rPr lang="en-US" sz="1400" dirty="0" err="1">
-                <a:solidFill>
-                  <a:schemeClr val="tx1">
-                    <a:lumMod val="85000"/>
-                    <a:lumOff val="15000"/>
-                  </a:schemeClr>
-                </a:solidFill>
-                <a:latin typeface="Calibri" panose="020F0502020204030204" pitchFamily="34" charset="0"/>
-                <a:cs typeface="Calibri" panose="020F0502020204030204" pitchFamily="34" charset="0"/>
-              </a:rPr>
-              <a:t>Runden</a:t>
-            </a:r>
-            <a:r>
-              <a:rPr lang="en-US" sz="1400" dirty="0">
-                <a:solidFill>
-                  <a:schemeClr val="tx1">
-                    <a:lumMod val="85000"/>
-                    <a:lumOff val="15000"/>
-                  </a:schemeClr>
-                </a:solidFill>
-                <a:latin typeface="Calibri" panose="020F0502020204030204" pitchFamily="34" charset="0"/>
-                <a:cs typeface="Calibri" panose="020F0502020204030204" pitchFamily="34" charset="0"/>
-              </a:rPr>
-              <a:t> um </a:t>
-            </a:r>
-            <a:r>
-              <a:rPr lang="en-US" sz="1400" dirty="0" err="1">
-                <a:solidFill>
-                  <a:schemeClr val="tx1">
-                    <a:lumMod val="85000"/>
-                    <a:lumOff val="15000"/>
-                  </a:schemeClr>
-                </a:solidFill>
-                <a:latin typeface="Calibri" panose="020F0502020204030204" pitchFamily="34" charset="0"/>
-                <a:cs typeface="Calibri" panose="020F0502020204030204" pitchFamily="34" charset="0"/>
-              </a:rPr>
-              <a:t>Parkhäuser</a:t>
-            </a:r>
-            <a:r>
-              <a:rPr lang="en-US" sz="1400" dirty="0">
-                <a:solidFill>
-                  <a:schemeClr val="tx1">
-                    <a:lumMod val="85000"/>
-                    <a:lumOff val="15000"/>
-                  </a:schemeClr>
-                </a:solidFill>
-                <a:latin typeface="Calibri" panose="020F0502020204030204" pitchFamily="34" charset="0"/>
-                <a:cs typeface="Calibri" panose="020F0502020204030204" pitchFamily="34" charset="0"/>
-              </a:rPr>
-              <a:t> </a:t>
-            </a:r>
-            <a:r>
-              <a:rPr lang="en-US" sz="1400" dirty="0" err="1">
-                <a:solidFill>
-                  <a:schemeClr val="tx1">
-                    <a:lumMod val="85000"/>
-                    <a:lumOff val="15000"/>
-                  </a:schemeClr>
-                </a:solidFill>
-                <a:latin typeface="Calibri" panose="020F0502020204030204" pitchFamily="34" charset="0"/>
-                <a:cs typeface="Calibri" panose="020F0502020204030204" pitchFamily="34" charset="0"/>
-              </a:rPr>
-              <a:t>drehen</a:t>
-            </a:r>
-            <a:r>
-              <a:rPr lang="en-US" sz="1400" dirty="0">
-                <a:solidFill>
-                  <a:schemeClr val="tx1">
-                    <a:lumMod val="85000"/>
-                    <a:lumOff val="15000"/>
-                  </a:schemeClr>
-                </a:solidFill>
-                <a:latin typeface="Calibri" panose="020F0502020204030204" pitchFamily="34" charset="0"/>
-                <a:cs typeface="Calibri" panose="020F0502020204030204" pitchFamily="34" charset="0"/>
-              </a:rPr>
-              <a:t> , </a:t>
-            </a:r>
-            <a:r>
-              <a:rPr lang="en-US" sz="1400" dirty="0" err="1">
-                <a:solidFill>
-                  <a:schemeClr val="tx1">
-                    <a:lumMod val="85000"/>
-                    <a:lumOff val="15000"/>
-                  </a:schemeClr>
-                </a:solidFill>
-                <a:latin typeface="Calibri" panose="020F0502020204030204" pitchFamily="34" charset="0"/>
-                <a:cs typeface="Calibri" panose="020F0502020204030204" pitchFamily="34" charset="0"/>
-              </a:rPr>
-              <a:t>werden</a:t>
-            </a:r>
-            <a:r>
-              <a:rPr lang="en-US" sz="1400" dirty="0">
-                <a:solidFill>
-                  <a:schemeClr val="tx1">
-                    <a:lumMod val="85000"/>
-                    <a:lumOff val="15000"/>
-                  </a:schemeClr>
-                </a:solidFill>
-                <a:latin typeface="Calibri" panose="020F0502020204030204" pitchFamily="34" charset="0"/>
-                <a:cs typeface="Calibri" panose="020F0502020204030204" pitchFamily="34" charset="0"/>
-              </a:rPr>
-              <a:t> </a:t>
-            </a:r>
-            <a:r>
-              <a:rPr lang="en-US" sz="1400" dirty="0" err="1">
-                <a:solidFill>
-                  <a:schemeClr val="tx1">
-                    <a:lumMod val="85000"/>
-                    <a:lumOff val="15000"/>
-                  </a:schemeClr>
-                </a:solidFill>
-                <a:latin typeface="Calibri" panose="020F0502020204030204" pitchFamily="34" charset="0"/>
-                <a:cs typeface="Calibri" panose="020F0502020204030204" pitchFamily="34" charset="0"/>
-              </a:rPr>
-              <a:t>dadruch</a:t>
-            </a:r>
-            <a:r>
-              <a:rPr lang="en-US" sz="1400" dirty="0">
-                <a:solidFill>
-                  <a:schemeClr val="tx1">
-                    <a:lumMod val="85000"/>
-                    <a:lumOff val="15000"/>
-                  </a:schemeClr>
-                </a:solidFill>
-                <a:latin typeface="Calibri" panose="020F0502020204030204" pitchFamily="34" charset="0"/>
-                <a:cs typeface="Calibri" panose="020F0502020204030204" pitchFamily="34" charset="0"/>
-              </a:rPr>
-              <a:t> </a:t>
-            </a:r>
-            <a:r>
-              <a:rPr lang="en-US" sz="1400" dirty="0" err="1">
-                <a:solidFill>
-                  <a:schemeClr val="tx1">
-                    <a:lumMod val="85000"/>
-                    <a:lumOff val="15000"/>
-                  </a:schemeClr>
-                </a:solidFill>
-                <a:latin typeface="Calibri" panose="020F0502020204030204" pitchFamily="34" charset="0"/>
-                <a:cs typeface="Calibri" panose="020F0502020204030204" pitchFamily="34" charset="0"/>
-              </a:rPr>
-              <a:t>vermieden</a:t>
-            </a:r>
-            <a:r>
-              <a:rPr lang="en-US" sz="1400" dirty="0">
-                <a:solidFill>
-                  <a:schemeClr val="tx1">
-                    <a:lumMod val="85000"/>
-                    <a:lumOff val="15000"/>
-                  </a:schemeClr>
-                </a:solidFill>
-                <a:latin typeface="Calibri" panose="020F0502020204030204" pitchFamily="34" charset="0"/>
-                <a:cs typeface="Calibri" panose="020F0502020204030204" pitchFamily="34" charset="0"/>
-              </a:rPr>
-              <a:t> .</a:t>
-            </a:r>
-            <a:br>
-              <a:rPr lang="en-US" sz="1400" dirty="0">
-                <a:solidFill>
-                  <a:schemeClr val="tx1">
-                    <a:lumMod val="85000"/>
-                    <a:lumOff val="15000"/>
-                  </a:schemeClr>
-                </a:solidFill>
-              </a:rPr>
-            </a:br>
-            <a:endParaRPr lang="en-US" sz="1400" dirty="0">
-              <a:solidFill>
-                <a:schemeClr val="tx1">
-                  <a:lumMod val="85000"/>
-                  <a:lumOff val="15000"/>
-                </a:schemeClr>
-              </a:solidFill>
-            </a:endParaRPr>
+            <a:pPr algn="ctr"/>
+            <a:endParaRPr lang="en-US" dirty="0"/>
+          </a:p>
+        </p:txBody>
+      </p:sp>
+      <p:sp>
+        <p:nvSpPr>
+          <p:cNvPr id="24" name="Rectangle 23">
+            <a:extLst>
+              <a:ext uri="{FF2B5EF4-FFF2-40B4-BE49-F238E27FC236}">
+                <a16:creationId xmlns:a16="http://schemas.microsoft.com/office/drawing/2014/main" id="{F77FF0B6-332F-4842-A5F8-EA360BD5FF84}"/>
+              </a:ext>
+              <a:ext uri="{C183D7F6-B498-43B3-948B-1728B52AA6E4}">
+                <adec:decorative xmlns:adec="http://schemas.microsoft.com/office/drawing/2017/decorative" val="1"/>
+              </a:ext>
+            </a:extLst>
+          </p:cNvPr>
+          <p:cNvSpPr>
+            <a:spLocks noGrp="1" noRot="1" noChangeAspect="1" noMove="1" noResize="1" noEditPoints="1" noAdjustHandles="1" noChangeArrowheads="1" noChangeShapeType="1" noTextEdit="1"/>
+          </p:cNvSpPr>
+          <p:nvPr>
+            <p:extLst>
+              <p:ext uri="{386F3935-93C4-4BCD-93E2-E3B085C9AB24}">
+                <p16:designElem xmlns:p16="http://schemas.microsoft.com/office/powerpoint/2015/main" val="1"/>
+              </p:ext>
+            </p:extLst>
+          </p:nvPr>
+        </p:nvSpPr>
+        <p:spPr>
+          <a:xfrm>
+            <a:off x="4820412" y="802767"/>
+            <a:ext cx="6565392" cy="4937760"/>
+          </a:xfrm>
+          <a:prstGeom prst="rect">
+            <a:avLst/>
+          </a:prstGeom>
+          <a:solidFill>
+            <a:schemeClr val="bg1"/>
+          </a:solidFill>
+          <a:ln>
+            <a:noFill/>
+          </a:ln>
+        </p:spPr>
+        <p:style>
+          <a:lnRef idx="2">
+            <a:schemeClr val="accent1">
+              <a:shade val="50000"/>
+            </a:schemeClr>
+          </a:lnRef>
+          <a:fillRef idx="1">
+            <a:schemeClr val="accent1"/>
+          </a:fillRef>
+          <a:effectRef idx="0">
+            <a:schemeClr val="accent1"/>
+          </a:effectRef>
+          <a:fontRef idx="minor">
+            <a:schemeClr val="lt1"/>
+          </a:fontRef>
+        </p:style>
+        <p:txBody>
+          <a:bodyPr rtlCol="0" anchor="ctr"/>
+          <a:lstStyle/>
+          <a:p>
+            <a:pPr algn="ctr"/>
+            <a:endParaRPr lang="en-US"/>
           </a:p>
         </p:txBody>
       </p:sp>
       <p:pic>
         <p:nvPicPr>
-          <p:cNvPr id="6" name="Bildplatzhalter 5" descr="Ein Bild, das Handy, Auto, draußen enthält.&#10;&#10;Automatisch generierte Beschreibung">
+          <p:cNvPr id="7" name="Inhaltsplatzhalter 6" descr="Ein Bild, das Text, Screenshot, Software enthält.&#10;&#10;Automatisch generierte Beschreibung">
             <a:extLst>
               <a:ext uri="{FF2B5EF4-FFF2-40B4-BE49-F238E27FC236}">
-                <a16:creationId xmlns:a16="http://schemas.microsoft.com/office/drawing/2014/main" id="{97647A6A-6CD6-BECC-07DE-0129B531FEBC}"/>
+                <a16:creationId xmlns:a16="http://schemas.microsoft.com/office/drawing/2014/main" id="{B389DAA9-2593-9A0D-291C-BC7CE3A4B212}"/>
               </a:ext>
             </a:extLst>
           </p:cNvPr>
@@ -8105,18 +6907,19 @@
             <a:picLocks noGrp="1" noChangeAspect="1"/>
           </p:cNvPicPr>
           <p:nvPr>
-            <p:ph type="pic" idx="1"/>
+            <p:ph idx="1"/>
           </p:nvPr>
         </p:nvPicPr>
-        <p:blipFill rotWithShape="1">
+        <p:blipFill>
           <a:blip r:embed="rId2"/>
-          <a:srcRect l="11985" r="33059"/>
-          <a:stretch/>
+          <a:stretch>
+            <a:fillRect/>
+          </a:stretch>
         </p:blipFill>
         <p:spPr>
           <a:xfrm>
-            <a:off x="4654296" y="10"/>
-            <a:ext cx="7537704" cy="6857990"/>
+            <a:off x="5005953" y="934003"/>
+            <a:ext cx="6059837" cy="4675288"/>
           </a:xfrm>
           <a:prstGeom prst="rect">
             <a:avLst/>
@@ -8126,7 +6929,7 @@
     </p:spTree>
     <p:extLst>
       <p:ext uri="{BB962C8B-B14F-4D97-AF65-F5344CB8AC3E}">
-        <p14:creationId xmlns:p14="http://schemas.microsoft.com/office/powerpoint/2010/main" val="1622423189"/>
+        <p14:creationId xmlns:p14="http://schemas.microsoft.com/office/powerpoint/2010/main" val="3091961031"/>
       </p:ext>
     </p:extLst>
   </p:cSld>
@@ -8142,9 +6945,7 @@
     <p:bg>
       <p:bgPr>
         <a:solidFill>
-          <a:schemeClr val="bg1">
-            <a:lumMod val="95000"/>
-          </a:schemeClr>
+          <a:schemeClr val="bg1"/>
         </a:solidFill>
         <a:effectLst/>
       </p:bgPr>
@@ -8165,10 +6966,73 @@
       </p:grpSpPr>
       <p:sp>
         <p:nvSpPr>
+          <p:cNvPr id="29" name="Rectangle 28">
+            <a:extLst>
+              <a:ext uri="{FF2B5EF4-FFF2-40B4-BE49-F238E27FC236}">
+                <a16:creationId xmlns:a16="http://schemas.microsoft.com/office/drawing/2014/main" id="{23D9B6CF-87DD-47C7-B38D-7C5353D4DC9D}"/>
+              </a:ext>
+              <a:ext uri="{C183D7F6-B498-43B3-948B-1728B52AA6E4}">
+                <adec:decorative xmlns:adec="http://schemas.microsoft.com/office/drawing/2017/decorative" val="1"/>
+              </a:ext>
+            </a:extLst>
+          </p:cNvPr>
+          <p:cNvSpPr>
+            <a:spLocks noGrp="1" noRot="1" noChangeAspect="1" noMove="1" noResize="1" noEditPoints="1" noAdjustHandles="1" noChangeArrowheads="1" noChangeShapeType="1" noTextEdit="1"/>
+          </p:cNvSpPr>
+          <p:nvPr>
+            <p:extLst>
+              <p:ext uri="{386F3935-93C4-4BCD-93E2-E3B085C9AB24}">
+                <p16:designElem xmlns:p16="http://schemas.microsoft.com/office/powerpoint/2015/main" val="1"/>
+              </p:ext>
+            </p:extLst>
+          </p:nvPr>
+        </p:nvSpPr>
+        <p:spPr>
+          <a:xfrm>
+            <a:off x="0" y="-2"/>
+            <a:ext cx="12192000" cy="6858002"/>
+          </a:xfrm>
+          <a:prstGeom prst="rect">
+            <a:avLst/>
+          </a:prstGeom>
+          <a:solidFill>
+            <a:schemeClr val="accent2"/>
+          </a:solidFill>
+          <a:ln>
+            <a:noFill/>
+          </a:ln>
+        </p:spPr>
+        <p:style>
+          <a:lnRef idx="2">
+            <a:schemeClr val="accent1">
+              <a:shade val="50000"/>
+            </a:schemeClr>
+          </a:lnRef>
+          <a:fillRef idx="1">
+            <a:schemeClr val="accent1"/>
+          </a:fillRef>
+          <a:effectRef idx="0">
+            <a:schemeClr val="accent1"/>
+          </a:effectRef>
+          <a:fontRef idx="minor">
+            <a:schemeClr val="lt1"/>
+          </a:fontRef>
+        </p:style>
+        <p:txBody>
+          <a:bodyPr rtlCol="0" anchor="ctr"/>
+          <a:lstStyle/>
+          <a:p>
+            <a:pPr algn="ctr"/>
+            <a:endParaRPr lang="en-US"/>
+          </a:p>
+        </p:txBody>
+      </p:sp>
+      <p:sp>
+        <p:nvSpPr>
           <p:cNvPr id="2" name="Titel 1">
             <a:extLst>
               <a:ext uri="{FF2B5EF4-FFF2-40B4-BE49-F238E27FC236}">
-                <a16:creationId xmlns:a16="http://schemas.microsoft.com/office/drawing/2014/main" id="{34C53C5E-6C5F-7B48-7DD9-BFCB50961592}"/>
+                <a16:creationId xmlns:a16="http://schemas.microsoft.com/office/drawing/2014/main" id="{61DFA64D-5888-D196-DF20-C8476D294B12}"/>
               </a:ext>
             </a:extLst>
           </p:cNvPr>
@@ -8181,781 +7045,156 @@
         </p:nvSpPr>
         <p:spPr>
           <a:xfrm>
-            <a:off x="804670" y="978776"/>
-            <a:ext cx="3044953" cy="1174991"/>
+            <a:off x="804673" y="2133600"/>
+            <a:ext cx="3044952" cy="1898904"/>
           </a:xfrm>
         </p:spPr>
         <p:txBody>
-          <a:bodyPr vert="horz" lIns="182880" tIns="182880" rIns="182880" bIns="182880" rtlCol="0" anchor="ctr">
+          <a:bodyPr vert="horz" lIns="274320" tIns="182880" rIns="274320" bIns="182880" rtlCol="0" anchor="ctr" anchorCtr="1">
             <a:normAutofit/>
           </a:bodyPr>
           <a:lstStyle/>
           <a:p>
-            <a:br>
-              <a:rPr lang="en-US" sz="1700" dirty="0"/>
-            </a:br>
-            <a:r>
-              <a:rPr lang="en-US" sz="1700" dirty="0" err="1"/>
-              <a:t>Benachrichtigung</a:t>
-            </a:r>
-            <a:br>
-              <a:rPr lang="en-US" sz="1700" dirty="0"/>
-            </a:br>
-            <a:endParaRPr lang="en-US" sz="1700" dirty="0"/>
-          </a:p>
-        </p:txBody>
-      </p:sp>
-      <p:sp>
-        <p:nvSpPr>
-          <p:cNvPr id="4" name="Textplatzhalter 3">
+            <a:r>
+              <a:rPr lang="en-US" sz="2800"/>
+              <a:t>Quellcode</a:t>
+            </a:r>
+          </a:p>
+        </p:txBody>
+      </p:sp>
+      <p:sp>
+        <p:nvSpPr>
+          <p:cNvPr id="31" name="Rectangle 30">
             <a:extLst>
               <a:ext uri="{FF2B5EF4-FFF2-40B4-BE49-F238E27FC236}">
-                <a16:creationId xmlns:a16="http://schemas.microsoft.com/office/drawing/2014/main" id="{22FB3E28-923F-ECE5-AEE8-68321AC49040}"/>
+                <a16:creationId xmlns:a16="http://schemas.microsoft.com/office/drawing/2014/main" id="{EFE2328B-DA12-4B90-BD82-3CCF13AF6C83}"/>
+              </a:ext>
+              <a:ext uri="{C183D7F6-B498-43B3-948B-1728B52AA6E4}">
+                <adec:decorative xmlns:adec="http://schemas.microsoft.com/office/drawing/2017/decorative" val="1"/>
               </a:ext>
             </a:extLst>
           </p:cNvPr>
           <p:cNvSpPr>
-            <a:spLocks noGrp="1"/>
-          </p:cNvSpPr>
-          <p:nvPr>
-            <p:ph type="body" sz="half" idx="2"/>
+            <a:spLocks noGrp="1" noRot="1" noChangeAspect="1" noMove="1" noResize="1" noEditPoints="1" noAdjustHandles="1" noChangeArrowheads="1" noChangeShapeType="1" noTextEdit="1"/>
+          </p:cNvSpPr>
+          <p:nvPr>
+            <p:extLst>
+              <p:ext uri="{386F3935-93C4-4BCD-93E2-E3B085C9AB24}">
+                <p16:designElem xmlns:p16="http://schemas.microsoft.com/office/powerpoint/2015/main" val="1"/>
+              </p:ext>
+            </p:extLst>
           </p:nvPr>
         </p:nvSpPr>
         <p:spPr>
           <a:xfrm>
-            <a:off x="804670" y="2640692"/>
-            <a:ext cx="3044952" cy="3255252"/>
+            <a:off x="4654296" y="640080"/>
+            <a:ext cx="6897625" cy="5263134"/>
           </a:xfrm>
+          <a:prstGeom prst="rect">
+            <a:avLst/>
+          </a:prstGeom>
+          <a:noFill/>
+          <a:ln w="31750" cap="sq">
+            <a:solidFill>
+              <a:srgbClr val="FFFFFF"/>
+            </a:solidFill>
+            <a:miter lim="800000"/>
+          </a:ln>
         </p:spPr>
-        <p:txBody>
-          <a:bodyPr vert="horz" lIns="91440" tIns="45720" rIns="91440" bIns="45720" rtlCol="0">
-            <a:normAutofit/>
-          </a:bodyPr>
+        <p:style>
+          <a:lnRef idx="2">
+            <a:schemeClr val="accent1">
+              <a:shade val="50000"/>
+            </a:schemeClr>
+          </a:lnRef>
+          <a:fillRef idx="1">
+            <a:schemeClr val="accent1"/>
+          </a:fillRef>
+          <a:effectRef idx="0">
+            <a:schemeClr val="accent1"/>
+          </a:effectRef>
+          <a:fontRef idx="minor">
+            <a:schemeClr val="lt1"/>
+          </a:fontRef>
+        </p:style>
+        <p:txBody>
+          <a:bodyPr rtlCol="0" anchor="ctr"/>
           <a:lstStyle/>
           <a:p>
-            <a:pPr algn="l">
-              <a:lnSpc>
-                <a:spcPct val="90000"/>
-              </a:lnSpc>
-            </a:pPr>
-            <a:r>
-              <a:rPr lang="en-US" sz="1400" dirty="0">
-                <a:solidFill>
-                  <a:schemeClr val="tx1">
-                    <a:lumMod val="85000"/>
-                    <a:lumOff val="15000"/>
-                  </a:schemeClr>
-                </a:solidFill>
-                <a:latin typeface="Calibri" panose="020F0502020204030204" pitchFamily="34" charset="0"/>
-                <a:cs typeface="Calibri" panose="020F0502020204030204" pitchFamily="34" charset="0"/>
-              </a:rPr>
-              <a:t>Die </a:t>
-            </a:r>
-            <a:r>
-              <a:rPr lang="en-US" sz="1400" dirty="0" err="1">
-                <a:solidFill>
-                  <a:schemeClr val="tx1">
-                    <a:lumMod val="85000"/>
-                    <a:lumOff val="15000"/>
-                  </a:schemeClr>
-                </a:solidFill>
-                <a:latin typeface="Calibri" panose="020F0502020204030204" pitchFamily="34" charset="0"/>
-                <a:cs typeface="Calibri" panose="020F0502020204030204" pitchFamily="34" charset="0"/>
-              </a:rPr>
-              <a:t>Benachrichtigungsfunktion</a:t>
-            </a:r>
-            <a:r>
-              <a:rPr lang="en-US" sz="1400" dirty="0">
-                <a:solidFill>
-                  <a:schemeClr val="tx1">
-                    <a:lumMod val="85000"/>
-                    <a:lumOff val="15000"/>
-                  </a:schemeClr>
-                </a:solidFill>
-                <a:latin typeface="Calibri" panose="020F0502020204030204" pitchFamily="34" charset="0"/>
-                <a:cs typeface="Calibri" panose="020F0502020204030204" pitchFamily="34" charset="0"/>
-              </a:rPr>
-              <a:t> </a:t>
-            </a:r>
-            <a:r>
-              <a:rPr lang="en-US" sz="1400" dirty="0" err="1">
-                <a:solidFill>
-                  <a:schemeClr val="tx1">
-                    <a:lumMod val="85000"/>
-                    <a:lumOff val="15000"/>
-                  </a:schemeClr>
-                </a:solidFill>
-                <a:latin typeface="Calibri" panose="020F0502020204030204" pitchFamily="34" charset="0"/>
-                <a:cs typeface="Calibri" panose="020F0502020204030204" pitchFamily="34" charset="0"/>
-              </a:rPr>
-              <a:t>informiert</a:t>
-            </a:r>
-            <a:r>
-              <a:rPr lang="en-US" sz="1400" dirty="0">
-                <a:solidFill>
-                  <a:schemeClr val="tx1">
-                    <a:lumMod val="85000"/>
-                    <a:lumOff val="15000"/>
-                  </a:schemeClr>
-                </a:solidFill>
-                <a:latin typeface="Calibri" panose="020F0502020204030204" pitchFamily="34" charset="0"/>
-                <a:cs typeface="Calibri" panose="020F0502020204030204" pitchFamily="34" charset="0"/>
-              </a:rPr>
-              <a:t> die </a:t>
-            </a:r>
-            <a:r>
-              <a:rPr lang="en-US" sz="1400" dirty="0" err="1">
-                <a:solidFill>
-                  <a:schemeClr val="tx1">
-                    <a:lumMod val="85000"/>
-                    <a:lumOff val="15000"/>
-                  </a:schemeClr>
-                </a:solidFill>
-                <a:latin typeface="Calibri" panose="020F0502020204030204" pitchFamily="34" charset="0"/>
-                <a:cs typeface="Calibri" panose="020F0502020204030204" pitchFamily="34" charset="0"/>
-              </a:rPr>
-              <a:t>Nutzer</a:t>
-            </a:r>
-            <a:r>
-              <a:rPr lang="en-US" sz="1400" dirty="0">
-                <a:solidFill>
-                  <a:schemeClr val="tx1">
-                    <a:lumMod val="85000"/>
-                    <a:lumOff val="15000"/>
-                  </a:schemeClr>
-                </a:solidFill>
-                <a:latin typeface="Calibri" panose="020F0502020204030204" pitchFamily="34" charset="0"/>
-                <a:cs typeface="Calibri" panose="020F0502020204030204" pitchFamily="34" charset="0"/>
-              </a:rPr>
-              <a:t> </a:t>
-            </a:r>
-            <a:r>
-              <a:rPr lang="en-US" sz="1400" dirty="0" err="1">
-                <a:solidFill>
-                  <a:schemeClr val="tx1">
-                    <a:lumMod val="85000"/>
-                    <a:lumOff val="15000"/>
-                  </a:schemeClr>
-                </a:solidFill>
-                <a:latin typeface="Calibri" panose="020F0502020204030204" pitchFamily="34" charset="0"/>
-                <a:cs typeface="Calibri" panose="020F0502020204030204" pitchFamily="34" charset="0"/>
-              </a:rPr>
-              <a:t>über</a:t>
-            </a:r>
-            <a:r>
-              <a:rPr lang="en-US" sz="1400" dirty="0">
-                <a:solidFill>
-                  <a:schemeClr val="tx1">
-                    <a:lumMod val="85000"/>
-                    <a:lumOff val="15000"/>
-                  </a:schemeClr>
-                </a:solidFill>
-                <a:latin typeface="Calibri" panose="020F0502020204030204" pitchFamily="34" charset="0"/>
-                <a:cs typeface="Calibri" panose="020F0502020204030204" pitchFamily="34" charset="0"/>
-              </a:rPr>
-              <a:t> den </a:t>
-            </a:r>
-            <a:r>
-              <a:rPr lang="en-US" sz="1400" dirty="0" err="1">
-                <a:solidFill>
-                  <a:schemeClr val="tx1">
-                    <a:lumMod val="85000"/>
-                    <a:lumOff val="15000"/>
-                  </a:schemeClr>
-                </a:solidFill>
-                <a:latin typeface="Calibri" panose="020F0502020204030204" pitchFamily="34" charset="0"/>
-                <a:cs typeface="Calibri" panose="020F0502020204030204" pitchFamily="34" charset="0"/>
-              </a:rPr>
-              <a:t>Ablauf</a:t>
-            </a:r>
-            <a:r>
-              <a:rPr lang="en-US" sz="1400" dirty="0">
-                <a:solidFill>
-                  <a:schemeClr val="tx1">
-                    <a:lumMod val="85000"/>
-                    <a:lumOff val="15000"/>
-                  </a:schemeClr>
-                </a:solidFill>
-                <a:latin typeface="Calibri" panose="020F0502020204030204" pitchFamily="34" charset="0"/>
-                <a:cs typeface="Calibri" panose="020F0502020204030204" pitchFamily="34" charset="0"/>
-              </a:rPr>
-              <a:t> </a:t>
-            </a:r>
-            <a:r>
-              <a:rPr lang="en-US" sz="1400" dirty="0" err="1">
-                <a:solidFill>
-                  <a:schemeClr val="tx1">
-                    <a:lumMod val="85000"/>
-                    <a:lumOff val="15000"/>
-                  </a:schemeClr>
-                </a:solidFill>
-                <a:latin typeface="Calibri" panose="020F0502020204030204" pitchFamily="34" charset="0"/>
-                <a:cs typeface="Calibri" panose="020F0502020204030204" pitchFamily="34" charset="0"/>
-              </a:rPr>
-              <a:t>iherer</a:t>
-            </a:r>
-            <a:r>
-              <a:rPr lang="en-US" sz="1400" dirty="0">
-                <a:solidFill>
-                  <a:schemeClr val="tx1">
-                    <a:lumMod val="85000"/>
-                    <a:lumOff val="15000"/>
-                  </a:schemeClr>
-                </a:solidFill>
-                <a:latin typeface="Calibri" panose="020F0502020204030204" pitchFamily="34" charset="0"/>
-                <a:cs typeface="Calibri" panose="020F0502020204030204" pitchFamily="34" charset="0"/>
-              </a:rPr>
-              <a:t> </a:t>
-            </a:r>
-            <a:r>
-              <a:rPr lang="en-US" sz="1400" dirty="0" err="1">
-                <a:solidFill>
-                  <a:schemeClr val="tx1">
-                    <a:lumMod val="85000"/>
-                    <a:lumOff val="15000"/>
-                  </a:schemeClr>
-                </a:solidFill>
-                <a:latin typeface="Calibri" panose="020F0502020204030204" pitchFamily="34" charset="0"/>
-                <a:cs typeface="Calibri" panose="020F0502020204030204" pitchFamily="34" charset="0"/>
-              </a:rPr>
-              <a:t>Parkplatzreservierung</a:t>
-            </a:r>
-            <a:r>
-              <a:rPr lang="en-US" sz="1400" dirty="0">
-                <a:solidFill>
-                  <a:schemeClr val="tx1">
-                    <a:lumMod val="85000"/>
-                    <a:lumOff val="15000"/>
-                  </a:schemeClr>
-                </a:solidFill>
-                <a:latin typeface="Calibri" panose="020F0502020204030204" pitchFamily="34" charset="0"/>
-                <a:cs typeface="Calibri" panose="020F0502020204030204" pitchFamily="34" charset="0"/>
-              </a:rPr>
-              <a:t> und </a:t>
-            </a:r>
-            <a:r>
-              <a:rPr lang="en-US" sz="1400" dirty="0" err="1">
-                <a:solidFill>
-                  <a:schemeClr val="tx1">
-                    <a:lumMod val="85000"/>
-                    <a:lumOff val="15000"/>
-                  </a:schemeClr>
-                </a:solidFill>
-                <a:latin typeface="Calibri" panose="020F0502020204030204" pitchFamily="34" charset="0"/>
-                <a:cs typeface="Calibri" panose="020F0502020204030204" pitchFamily="34" charset="0"/>
-              </a:rPr>
-              <a:t>liefert</a:t>
-            </a:r>
-            <a:r>
-              <a:rPr lang="en-US" sz="1400" dirty="0">
-                <a:solidFill>
-                  <a:schemeClr val="tx1">
-                    <a:lumMod val="85000"/>
-                    <a:lumOff val="15000"/>
-                  </a:schemeClr>
-                </a:solidFill>
-                <a:latin typeface="Calibri" panose="020F0502020204030204" pitchFamily="34" charset="0"/>
-                <a:cs typeface="Calibri" panose="020F0502020204030204" pitchFamily="34" charset="0"/>
-              </a:rPr>
-              <a:t> </a:t>
-            </a:r>
-            <a:r>
-              <a:rPr lang="en-US" sz="1400" dirty="0" err="1">
-                <a:solidFill>
-                  <a:schemeClr val="tx1">
-                    <a:lumMod val="85000"/>
-                    <a:lumOff val="15000"/>
-                  </a:schemeClr>
-                </a:solidFill>
-                <a:latin typeface="Calibri" panose="020F0502020204030204" pitchFamily="34" charset="0"/>
-                <a:cs typeface="Calibri" panose="020F0502020204030204" pitchFamily="34" charset="0"/>
-              </a:rPr>
-              <a:t>während</a:t>
-            </a:r>
-            <a:r>
-              <a:rPr lang="en-US" sz="1400" dirty="0">
-                <a:solidFill>
-                  <a:schemeClr val="tx1">
-                    <a:lumMod val="85000"/>
-                    <a:lumOff val="15000"/>
-                  </a:schemeClr>
-                </a:solidFill>
-                <a:latin typeface="Calibri" panose="020F0502020204030204" pitchFamily="34" charset="0"/>
-                <a:cs typeface="Calibri" panose="020F0502020204030204" pitchFamily="34" charset="0"/>
-              </a:rPr>
-              <a:t> der </a:t>
-            </a:r>
-            <a:r>
-              <a:rPr lang="en-US" sz="1400" dirty="0" err="1">
-                <a:solidFill>
-                  <a:schemeClr val="tx1">
-                    <a:lumMod val="85000"/>
-                    <a:lumOff val="15000"/>
-                  </a:schemeClr>
-                </a:solidFill>
-                <a:latin typeface="Calibri" panose="020F0502020204030204" pitchFamily="34" charset="0"/>
-                <a:cs typeface="Calibri" panose="020F0502020204030204" pitchFamily="34" charset="0"/>
-              </a:rPr>
-              <a:t>Fahrt</a:t>
-            </a:r>
-            <a:r>
-              <a:rPr lang="en-US" sz="1400" dirty="0">
-                <a:solidFill>
-                  <a:schemeClr val="tx1">
-                    <a:lumMod val="85000"/>
-                    <a:lumOff val="15000"/>
-                  </a:schemeClr>
-                </a:solidFill>
-                <a:latin typeface="Calibri" panose="020F0502020204030204" pitchFamily="34" charset="0"/>
-                <a:cs typeface="Calibri" panose="020F0502020204030204" pitchFamily="34" charset="0"/>
-              </a:rPr>
-              <a:t> </a:t>
-            </a:r>
-            <a:r>
-              <a:rPr lang="en-US" sz="1400" dirty="0" err="1">
-                <a:solidFill>
-                  <a:schemeClr val="tx1">
-                    <a:lumMod val="85000"/>
-                    <a:lumOff val="15000"/>
-                  </a:schemeClr>
-                </a:solidFill>
-                <a:latin typeface="Calibri" panose="020F0502020204030204" pitchFamily="34" charset="0"/>
-                <a:cs typeface="Calibri" panose="020F0502020204030204" pitchFamily="34" charset="0"/>
-              </a:rPr>
-              <a:t>relevante</a:t>
-            </a:r>
-            <a:r>
-              <a:rPr lang="en-US" sz="1400" dirty="0">
-                <a:solidFill>
-                  <a:schemeClr val="tx1">
-                    <a:lumMod val="85000"/>
-                    <a:lumOff val="15000"/>
-                  </a:schemeClr>
-                </a:solidFill>
-                <a:latin typeface="Calibri" panose="020F0502020204030204" pitchFamily="34" charset="0"/>
-                <a:cs typeface="Calibri" panose="020F0502020204030204" pitchFamily="34" charset="0"/>
-              </a:rPr>
-              <a:t> </a:t>
-            </a:r>
-            <a:r>
-              <a:rPr lang="en-US" sz="1400" dirty="0" err="1">
-                <a:solidFill>
-                  <a:schemeClr val="tx1">
-                    <a:lumMod val="85000"/>
-                    <a:lumOff val="15000"/>
-                  </a:schemeClr>
-                </a:solidFill>
-                <a:latin typeface="Calibri" panose="020F0502020204030204" pitchFamily="34" charset="0"/>
-                <a:cs typeface="Calibri" panose="020F0502020204030204" pitchFamily="34" charset="0"/>
-              </a:rPr>
-              <a:t>InFormationen</a:t>
-            </a:r>
-            <a:r>
-              <a:rPr lang="en-US" sz="1400" dirty="0">
-                <a:solidFill>
-                  <a:schemeClr val="tx1">
-                    <a:lumMod val="85000"/>
-                    <a:lumOff val="15000"/>
-                  </a:schemeClr>
-                </a:solidFill>
-                <a:latin typeface="Calibri" panose="020F0502020204030204" pitchFamily="34" charset="0"/>
-                <a:cs typeface="Calibri" panose="020F0502020204030204" pitchFamily="34" charset="0"/>
-              </a:rPr>
-              <a:t> </a:t>
-            </a:r>
-            <a:r>
-              <a:rPr lang="en-US" sz="1400" dirty="0" err="1">
-                <a:solidFill>
-                  <a:schemeClr val="tx1">
-                    <a:lumMod val="85000"/>
-                    <a:lumOff val="15000"/>
-                  </a:schemeClr>
-                </a:solidFill>
-                <a:latin typeface="Calibri" panose="020F0502020204030204" pitchFamily="34" charset="0"/>
-                <a:cs typeface="Calibri" panose="020F0502020204030204" pitchFamily="34" charset="0"/>
-              </a:rPr>
-              <a:t>wie</a:t>
-            </a:r>
-            <a:r>
-              <a:rPr lang="en-US" sz="1400" dirty="0">
-                <a:solidFill>
-                  <a:schemeClr val="tx1">
-                    <a:lumMod val="85000"/>
-                    <a:lumOff val="15000"/>
-                  </a:schemeClr>
-                </a:solidFill>
-                <a:latin typeface="Calibri" panose="020F0502020204030204" pitchFamily="34" charset="0"/>
-                <a:cs typeface="Calibri" panose="020F0502020204030204" pitchFamily="34" charset="0"/>
-              </a:rPr>
-              <a:t> </a:t>
-            </a:r>
-            <a:r>
-              <a:rPr lang="en-US" sz="1400" dirty="0" err="1">
-                <a:solidFill>
-                  <a:schemeClr val="tx1">
-                    <a:lumMod val="85000"/>
-                    <a:lumOff val="15000"/>
-                  </a:schemeClr>
-                </a:solidFill>
-                <a:latin typeface="Calibri" panose="020F0502020204030204" pitchFamily="34" charset="0"/>
-                <a:cs typeface="Calibri" panose="020F0502020204030204" pitchFamily="34" charset="0"/>
-              </a:rPr>
-              <a:t>Verkehrslage</a:t>
-            </a:r>
-            <a:r>
-              <a:rPr lang="en-US" sz="1400" dirty="0">
-                <a:solidFill>
-                  <a:schemeClr val="tx1">
-                    <a:lumMod val="85000"/>
-                    <a:lumOff val="15000"/>
-                  </a:schemeClr>
-                </a:solidFill>
-                <a:latin typeface="Calibri" panose="020F0502020204030204" pitchFamily="34" charset="0"/>
-                <a:cs typeface="Calibri" panose="020F0502020204030204" pitchFamily="34" charset="0"/>
-              </a:rPr>
-              <a:t> </a:t>
-            </a:r>
-            <a:r>
-              <a:rPr lang="en-US" sz="1400" dirty="0" err="1">
-                <a:solidFill>
-                  <a:schemeClr val="tx1">
-                    <a:lumMod val="85000"/>
-                    <a:lumOff val="15000"/>
-                  </a:schemeClr>
-                </a:solidFill>
-                <a:latin typeface="Calibri" panose="020F0502020204030204" pitchFamily="34" charset="0"/>
-                <a:cs typeface="Calibri" panose="020F0502020204030204" pitchFamily="34" charset="0"/>
-              </a:rPr>
-              <a:t>oder</a:t>
-            </a:r>
-            <a:r>
-              <a:rPr lang="en-US" sz="1400" dirty="0">
-                <a:solidFill>
-                  <a:schemeClr val="tx1">
-                    <a:lumMod val="85000"/>
-                    <a:lumOff val="15000"/>
-                  </a:schemeClr>
-                </a:solidFill>
-                <a:latin typeface="Calibri" panose="020F0502020204030204" pitchFamily="34" charset="0"/>
-                <a:cs typeface="Calibri" panose="020F0502020204030204" pitchFamily="34" charset="0"/>
-              </a:rPr>
-              <a:t> alternative </a:t>
-            </a:r>
-            <a:r>
-              <a:rPr lang="en-US" sz="1400" dirty="0" err="1">
-                <a:solidFill>
-                  <a:schemeClr val="tx1">
-                    <a:lumMod val="85000"/>
-                    <a:lumOff val="15000"/>
-                  </a:schemeClr>
-                </a:solidFill>
-                <a:latin typeface="Calibri" panose="020F0502020204030204" pitchFamily="34" charset="0"/>
-                <a:cs typeface="Calibri" panose="020F0502020204030204" pitchFamily="34" charset="0"/>
-              </a:rPr>
-              <a:t>Parkmöglichkeiten</a:t>
-            </a:r>
-            <a:r>
-              <a:rPr lang="en-US" sz="1400" dirty="0">
-                <a:solidFill>
-                  <a:schemeClr val="tx1">
-                    <a:lumMod val="85000"/>
-                    <a:lumOff val="15000"/>
-                  </a:schemeClr>
-                </a:solidFill>
-                <a:latin typeface="Calibri" panose="020F0502020204030204" pitchFamily="34" charset="0"/>
-                <a:cs typeface="Calibri" panose="020F0502020204030204" pitchFamily="34" charset="0"/>
-              </a:rPr>
-              <a:t>.</a:t>
-            </a:r>
-          </a:p>
-          <a:p>
-            <a:pPr algn="l">
-              <a:lnSpc>
-                <a:spcPct val="90000"/>
-              </a:lnSpc>
-            </a:pPr>
-            <a:r>
-              <a:rPr lang="en-US" sz="1400" dirty="0">
-                <a:solidFill>
-                  <a:schemeClr val="tx1">
-                    <a:lumMod val="85000"/>
-                    <a:lumOff val="15000"/>
-                  </a:schemeClr>
-                </a:solidFill>
-                <a:latin typeface="Calibri" panose="020F0502020204030204" pitchFamily="34" charset="0"/>
-                <a:cs typeface="Calibri" panose="020F0502020204030204" pitchFamily="34" charset="0"/>
-              </a:rPr>
-              <a:t>Dies </a:t>
-            </a:r>
-            <a:r>
-              <a:rPr lang="en-US" sz="1400" dirty="0" err="1">
-                <a:solidFill>
-                  <a:schemeClr val="tx1">
-                    <a:lumMod val="85000"/>
-                    <a:lumOff val="15000"/>
-                  </a:schemeClr>
-                </a:solidFill>
-                <a:latin typeface="Calibri" panose="020F0502020204030204" pitchFamily="34" charset="0"/>
-                <a:cs typeface="Calibri" panose="020F0502020204030204" pitchFamily="34" charset="0"/>
-              </a:rPr>
-              <a:t>erhöht</a:t>
-            </a:r>
-            <a:r>
-              <a:rPr lang="en-US" sz="1400" dirty="0">
-                <a:solidFill>
-                  <a:schemeClr val="tx1">
-                    <a:lumMod val="85000"/>
-                    <a:lumOff val="15000"/>
-                  </a:schemeClr>
-                </a:solidFill>
-                <a:latin typeface="Calibri" panose="020F0502020204030204" pitchFamily="34" charset="0"/>
-                <a:cs typeface="Calibri" panose="020F0502020204030204" pitchFamily="34" charset="0"/>
-              </a:rPr>
-              <a:t> die </a:t>
-            </a:r>
-            <a:r>
-              <a:rPr lang="en-US" sz="1400" dirty="0" err="1">
-                <a:solidFill>
-                  <a:schemeClr val="tx1">
-                    <a:lumMod val="85000"/>
-                    <a:lumOff val="15000"/>
-                  </a:schemeClr>
-                </a:solidFill>
-                <a:latin typeface="Calibri" panose="020F0502020204030204" pitchFamily="34" charset="0"/>
-                <a:cs typeface="Calibri" panose="020F0502020204030204" pitchFamily="34" charset="0"/>
-              </a:rPr>
-              <a:t>Flexibilliät</a:t>
-            </a:r>
-            <a:r>
-              <a:rPr lang="en-US" sz="1400" dirty="0">
-                <a:solidFill>
-                  <a:schemeClr val="tx1">
-                    <a:lumMod val="85000"/>
-                    <a:lumOff val="15000"/>
-                  </a:schemeClr>
-                </a:solidFill>
-                <a:latin typeface="Calibri" panose="020F0502020204030204" pitchFamily="34" charset="0"/>
-                <a:cs typeface="Calibri" panose="020F0502020204030204" pitchFamily="34" charset="0"/>
-              </a:rPr>
-              <a:t> und </a:t>
-            </a:r>
-            <a:r>
-              <a:rPr lang="en-US" sz="1400" dirty="0" err="1">
-                <a:solidFill>
-                  <a:schemeClr val="tx1">
-                    <a:lumMod val="85000"/>
-                    <a:lumOff val="15000"/>
-                  </a:schemeClr>
-                </a:solidFill>
-                <a:latin typeface="Calibri" panose="020F0502020204030204" pitchFamily="34" charset="0"/>
-                <a:cs typeface="Calibri" panose="020F0502020204030204" pitchFamily="34" charset="0"/>
-              </a:rPr>
-              <a:t>Effizienz</a:t>
-            </a:r>
-            <a:r>
-              <a:rPr lang="en-US" sz="1400" dirty="0">
-                <a:solidFill>
-                  <a:schemeClr val="tx1">
-                    <a:lumMod val="85000"/>
-                    <a:lumOff val="15000"/>
-                  </a:schemeClr>
-                </a:solidFill>
-                <a:latin typeface="Calibri" panose="020F0502020204030204" pitchFamily="34" charset="0"/>
-                <a:cs typeface="Calibri" panose="020F0502020204030204" pitchFamily="34" charset="0"/>
-              </a:rPr>
-              <a:t> </a:t>
-            </a:r>
-            <a:r>
-              <a:rPr lang="en-US" sz="1400" dirty="0" err="1">
-                <a:solidFill>
-                  <a:schemeClr val="tx1">
-                    <a:lumMod val="85000"/>
-                    <a:lumOff val="15000"/>
-                  </a:schemeClr>
-                </a:solidFill>
-                <a:latin typeface="Calibri" panose="020F0502020204030204" pitchFamily="34" charset="0"/>
-                <a:cs typeface="Calibri" panose="020F0502020204030204" pitchFamily="34" charset="0"/>
-              </a:rPr>
-              <a:t>im</a:t>
-            </a:r>
-            <a:r>
-              <a:rPr lang="en-US" sz="1400" dirty="0">
-                <a:solidFill>
-                  <a:schemeClr val="tx1">
-                    <a:lumMod val="85000"/>
-                    <a:lumOff val="15000"/>
-                  </a:schemeClr>
-                </a:solidFill>
-                <a:latin typeface="Calibri" panose="020F0502020204030204" pitchFamily="34" charset="0"/>
-                <a:cs typeface="Calibri" panose="020F0502020204030204" pitchFamily="34" charset="0"/>
-              </a:rPr>
-              <a:t> </a:t>
-            </a:r>
-            <a:r>
-              <a:rPr lang="en-US" sz="1400" dirty="0" err="1">
-                <a:solidFill>
-                  <a:schemeClr val="tx1">
-                    <a:lumMod val="85000"/>
-                    <a:lumOff val="15000"/>
-                  </a:schemeClr>
-                </a:solidFill>
-                <a:latin typeface="Calibri" panose="020F0502020204030204" pitchFamily="34" charset="0"/>
-                <a:cs typeface="Calibri" panose="020F0502020204030204" pitchFamily="34" charset="0"/>
-              </a:rPr>
-              <a:t>Parkplatzmanagement</a:t>
-            </a:r>
-            <a:r>
-              <a:rPr lang="en-US" sz="1400" dirty="0">
-                <a:solidFill>
-                  <a:schemeClr val="tx1">
-                    <a:lumMod val="85000"/>
-                    <a:lumOff val="15000"/>
-                  </a:schemeClr>
-                </a:solidFill>
-                <a:latin typeface="Calibri" panose="020F0502020204030204" pitchFamily="34" charset="0"/>
-                <a:cs typeface="Calibri" panose="020F0502020204030204" pitchFamily="34" charset="0"/>
-              </a:rPr>
-              <a:t> , </a:t>
-            </a:r>
-            <a:r>
-              <a:rPr lang="en-US" sz="1400" dirty="0" err="1">
-                <a:solidFill>
-                  <a:schemeClr val="tx1">
-                    <a:lumMod val="85000"/>
-                    <a:lumOff val="15000"/>
-                  </a:schemeClr>
-                </a:solidFill>
-                <a:latin typeface="Calibri" panose="020F0502020204030204" pitchFamily="34" charset="0"/>
-                <a:cs typeface="Calibri" panose="020F0502020204030204" pitchFamily="34" charset="0"/>
-              </a:rPr>
-              <a:t>indem</a:t>
-            </a:r>
-            <a:r>
-              <a:rPr lang="en-US" sz="1400" dirty="0">
-                <a:solidFill>
-                  <a:schemeClr val="tx1">
-                    <a:lumMod val="85000"/>
-                    <a:lumOff val="15000"/>
-                  </a:schemeClr>
-                </a:solidFill>
-                <a:latin typeface="Calibri" panose="020F0502020204030204" pitchFamily="34" charset="0"/>
-                <a:cs typeface="Calibri" panose="020F0502020204030204" pitchFamily="34" charset="0"/>
-              </a:rPr>
-              <a:t> </a:t>
-            </a:r>
-            <a:r>
-              <a:rPr lang="en-US" sz="1400" dirty="0" err="1">
-                <a:solidFill>
-                  <a:schemeClr val="tx1">
-                    <a:lumMod val="85000"/>
-                    <a:lumOff val="15000"/>
-                  </a:schemeClr>
-                </a:solidFill>
-                <a:latin typeface="Calibri" panose="020F0502020204030204" pitchFamily="34" charset="0"/>
-                <a:cs typeface="Calibri" panose="020F0502020204030204" pitchFamily="34" charset="0"/>
-              </a:rPr>
-              <a:t>Fahrer</a:t>
-            </a:r>
-            <a:r>
-              <a:rPr lang="en-US" sz="1400" dirty="0">
-                <a:solidFill>
-                  <a:schemeClr val="tx1">
-                    <a:lumMod val="85000"/>
-                    <a:lumOff val="15000"/>
-                  </a:schemeClr>
-                </a:solidFill>
-                <a:latin typeface="Calibri" panose="020F0502020204030204" pitchFamily="34" charset="0"/>
-                <a:cs typeface="Calibri" panose="020F0502020204030204" pitchFamily="34" charset="0"/>
-              </a:rPr>
-              <a:t> </a:t>
-            </a:r>
-            <a:r>
-              <a:rPr lang="en-US" sz="1400" dirty="0" err="1">
-                <a:solidFill>
-                  <a:schemeClr val="tx1">
-                    <a:lumMod val="85000"/>
-                    <a:lumOff val="15000"/>
-                  </a:schemeClr>
-                </a:solidFill>
-                <a:latin typeface="Calibri" panose="020F0502020204030204" pitchFamily="34" charset="0"/>
-                <a:cs typeface="Calibri" panose="020F0502020204030204" pitchFamily="34" charset="0"/>
-              </a:rPr>
-              <a:t>rechtzeitig</a:t>
-            </a:r>
-            <a:r>
-              <a:rPr lang="en-US" sz="1400" dirty="0">
-                <a:solidFill>
-                  <a:schemeClr val="tx1">
-                    <a:lumMod val="85000"/>
-                    <a:lumOff val="15000"/>
-                  </a:schemeClr>
-                </a:solidFill>
-                <a:latin typeface="Calibri" panose="020F0502020204030204" pitchFamily="34" charset="0"/>
-                <a:cs typeface="Calibri" panose="020F0502020204030204" pitchFamily="34" charset="0"/>
-              </a:rPr>
-              <a:t> </a:t>
-            </a:r>
-            <a:r>
-              <a:rPr lang="en-US" sz="1400" dirty="0" err="1">
-                <a:solidFill>
-                  <a:schemeClr val="tx1">
-                    <a:lumMod val="85000"/>
-                    <a:lumOff val="15000"/>
-                  </a:schemeClr>
-                </a:solidFill>
-                <a:latin typeface="Calibri" panose="020F0502020204030204" pitchFamily="34" charset="0"/>
-                <a:cs typeface="Calibri" panose="020F0502020204030204" pitchFamily="34" charset="0"/>
-              </a:rPr>
-              <a:t>reagieren</a:t>
-            </a:r>
-            <a:r>
-              <a:rPr lang="en-US" sz="1400" dirty="0">
-                <a:solidFill>
-                  <a:schemeClr val="tx1">
-                    <a:lumMod val="85000"/>
-                    <a:lumOff val="15000"/>
-                  </a:schemeClr>
-                </a:solidFill>
-                <a:latin typeface="Calibri" panose="020F0502020204030204" pitchFamily="34" charset="0"/>
-                <a:cs typeface="Calibri" panose="020F0502020204030204" pitchFamily="34" charset="0"/>
-              </a:rPr>
-              <a:t> </a:t>
-            </a:r>
-            <a:r>
-              <a:rPr lang="en-US" sz="1400" dirty="0" err="1">
-                <a:solidFill>
-                  <a:schemeClr val="tx1">
-                    <a:lumMod val="85000"/>
-                    <a:lumOff val="15000"/>
-                  </a:schemeClr>
-                </a:solidFill>
-                <a:latin typeface="Calibri" panose="020F0502020204030204" pitchFamily="34" charset="0"/>
-                <a:cs typeface="Calibri" panose="020F0502020204030204" pitchFamily="34" charset="0"/>
-              </a:rPr>
-              <a:t>können</a:t>
-            </a:r>
-            <a:r>
-              <a:rPr lang="en-US" sz="1400" dirty="0">
-                <a:solidFill>
-                  <a:schemeClr val="tx1">
-                    <a:lumMod val="85000"/>
-                    <a:lumOff val="15000"/>
-                  </a:schemeClr>
-                </a:solidFill>
-                <a:latin typeface="Calibri" panose="020F0502020204030204" pitchFamily="34" charset="0"/>
-                <a:cs typeface="Calibri" panose="020F0502020204030204" pitchFamily="34" charset="0"/>
-              </a:rPr>
-              <a:t>.</a:t>
-            </a:r>
+            <a:pPr algn="ctr"/>
+            <a:endParaRPr lang="en-US" dirty="0"/>
+          </a:p>
+        </p:txBody>
+      </p:sp>
+      <p:sp>
+        <p:nvSpPr>
+          <p:cNvPr id="33" name="Rectangle 32">
+            <a:extLst>
+              <a:ext uri="{FF2B5EF4-FFF2-40B4-BE49-F238E27FC236}">
+                <a16:creationId xmlns:a16="http://schemas.microsoft.com/office/drawing/2014/main" id="{F77FF0B6-332F-4842-A5F8-EA360BD5FF84}"/>
+              </a:ext>
+              <a:ext uri="{C183D7F6-B498-43B3-948B-1728B52AA6E4}">
+                <adec:decorative xmlns:adec="http://schemas.microsoft.com/office/drawing/2017/decorative" val="1"/>
+              </a:ext>
+            </a:extLst>
+          </p:cNvPr>
+          <p:cNvSpPr>
+            <a:spLocks noGrp="1" noRot="1" noChangeAspect="1" noMove="1" noResize="1" noEditPoints="1" noAdjustHandles="1" noChangeArrowheads="1" noChangeShapeType="1" noTextEdit="1"/>
+          </p:cNvSpPr>
+          <p:nvPr>
+            <p:extLst>
+              <p:ext uri="{386F3935-93C4-4BCD-93E2-E3B085C9AB24}">
+                <p16:designElem xmlns:p16="http://schemas.microsoft.com/office/powerpoint/2015/main" val="1"/>
+              </p:ext>
+            </p:extLst>
+          </p:nvPr>
+        </p:nvSpPr>
+        <p:spPr>
+          <a:xfrm>
+            <a:off x="4820412" y="802767"/>
+            <a:ext cx="6565392" cy="4937760"/>
+          </a:xfrm>
+          <a:prstGeom prst="rect">
+            <a:avLst/>
+          </a:prstGeom>
+          <a:solidFill>
+            <a:schemeClr val="bg1"/>
+          </a:solidFill>
+          <a:ln>
+            <a:noFill/>
+          </a:ln>
+        </p:spPr>
+        <p:style>
+          <a:lnRef idx="2">
+            <a:schemeClr val="accent1">
+              <a:shade val="50000"/>
+            </a:schemeClr>
+          </a:lnRef>
+          <a:fillRef idx="1">
+            <a:schemeClr val="accent1"/>
+          </a:fillRef>
+          <a:effectRef idx="0">
+            <a:schemeClr val="accent1"/>
+          </a:effectRef>
+          <a:fontRef idx="minor">
+            <a:schemeClr val="lt1"/>
+          </a:fontRef>
+        </p:style>
+        <p:txBody>
+          <a:bodyPr rtlCol="0" anchor="ctr"/>
+          <a:lstStyle/>
+          <a:p>
+            <a:pPr algn="ctr"/>
+            <a:endParaRPr lang="en-US"/>
           </a:p>
         </p:txBody>
       </p:sp>
       <p:pic>
         <p:nvPicPr>
-          <p:cNvPr id="6" name="Bildplatzhalter 5" descr="Ein Bild, das Landfahrzeug, Auto, Rad, draußen enthält.&#10;&#10;Automatisch generierte Beschreibung">
+          <p:cNvPr id="6" name="Inhaltsplatzhalter 5" descr="Ein Bild, das Text, Screenshot, Software, Schrift enthält.&#10;&#10;Automatisch generierte Beschreibung">
             <a:extLst>
               <a:ext uri="{FF2B5EF4-FFF2-40B4-BE49-F238E27FC236}">
-                <a16:creationId xmlns:a16="http://schemas.microsoft.com/office/drawing/2014/main" id="{635E8CF4-C5DE-A88F-6AD7-CE3CAE96DA17}"/>
+                <a16:creationId xmlns:a16="http://schemas.microsoft.com/office/drawing/2014/main" id="{1A157D83-2B4B-C336-89C1-7AA1C2CBC551}"/>
               </a:ext>
             </a:extLst>
           </p:cNvPr>
@@ -8963,18 +7202,19 @@
             <a:picLocks noGrp="1" noChangeAspect="1"/>
           </p:cNvPicPr>
           <p:nvPr>
-            <p:ph type="pic" idx="1"/>
+            <p:ph idx="1"/>
           </p:nvPr>
         </p:nvPicPr>
-        <p:blipFill rotWithShape="1">
+        <p:blipFill>
           <a:blip r:embed="rId2"/>
-          <a:srcRect l="12454" r="13907" b="2"/>
-          <a:stretch/>
+          <a:stretch>
+            <a:fillRect/>
+          </a:stretch>
         </p:blipFill>
         <p:spPr>
           <a:xfrm>
-            <a:off x="4654296" y="10"/>
-            <a:ext cx="7537704" cy="6857990"/>
+            <a:off x="5189426" y="1122807"/>
+            <a:ext cx="5827364" cy="4297680"/>
           </a:xfrm>
           <a:prstGeom prst="rect">
             <a:avLst/>
@@ -8984,7 +7224,7 @@
     </p:spTree>
     <p:extLst>
       <p:ext uri="{BB962C8B-B14F-4D97-AF65-F5344CB8AC3E}">
-        <p14:creationId xmlns:p14="http://schemas.microsoft.com/office/powerpoint/2010/main" val="3462504774"/>
+        <p14:creationId xmlns:p14="http://schemas.microsoft.com/office/powerpoint/2010/main" val="532123233"/>
       </p:ext>
     </p:extLst>
   </p:cSld>
@@ -9000,9 +7240,7 @@
     <p:bg>
       <p:bgPr>
         <a:solidFill>
-          <a:schemeClr val="bg1">
-            <a:lumMod val="95000"/>
-          </a:schemeClr>
+          <a:schemeClr val="bg1"/>
         </a:solidFill>
         <a:effectLst/>
       </p:bgPr>
@@ -9023,10 +7261,73 @@
       </p:grpSpPr>
       <p:sp>
         <p:nvSpPr>
+          <p:cNvPr id="29" name="Rectangle 28">
+            <a:extLst>
+              <a:ext uri="{FF2B5EF4-FFF2-40B4-BE49-F238E27FC236}">
+                <a16:creationId xmlns:a16="http://schemas.microsoft.com/office/drawing/2014/main" id="{23D9B6CF-87DD-47C7-B38D-7C5353D4DC9D}"/>
+              </a:ext>
+              <a:ext uri="{C183D7F6-B498-43B3-948B-1728B52AA6E4}">
+                <adec:decorative xmlns:adec="http://schemas.microsoft.com/office/drawing/2017/decorative" val="1"/>
+              </a:ext>
+            </a:extLst>
+          </p:cNvPr>
+          <p:cNvSpPr>
+            <a:spLocks noGrp="1" noRot="1" noChangeAspect="1" noMove="1" noResize="1" noEditPoints="1" noAdjustHandles="1" noChangeArrowheads="1" noChangeShapeType="1" noTextEdit="1"/>
+          </p:cNvSpPr>
+          <p:nvPr>
+            <p:extLst>
+              <p:ext uri="{386F3935-93C4-4BCD-93E2-E3B085C9AB24}">
+                <p16:designElem xmlns:p16="http://schemas.microsoft.com/office/powerpoint/2015/main" val="1"/>
+              </p:ext>
+            </p:extLst>
+          </p:nvPr>
+        </p:nvSpPr>
+        <p:spPr>
+          <a:xfrm>
+            <a:off x="0" y="-2"/>
+            <a:ext cx="12192000" cy="6858002"/>
+          </a:xfrm>
+          <a:prstGeom prst="rect">
+            <a:avLst/>
+          </a:prstGeom>
+          <a:solidFill>
+            <a:schemeClr val="accent2"/>
+          </a:solidFill>
+          <a:ln>
+            <a:noFill/>
+          </a:ln>
+        </p:spPr>
+        <p:style>
+          <a:lnRef idx="2">
+            <a:schemeClr val="accent1">
+              <a:shade val="50000"/>
+            </a:schemeClr>
+          </a:lnRef>
+          <a:fillRef idx="1">
+            <a:schemeClr val="accent1"/>
+          </a:fillRef>
+          <a:effectRef idx="0">
+            <a:schemeClr val="accent1"/>
+          </a:effectRef>
+          <a:fontRef idx="minor">
+            <a:schemeClr val="lt1"/>
+          </a:fontRef>
+        </p:style>
+        <p:txBody>
+          <a:bodyPr rtlCol="0" anchor="ctr"/>
+          <a:lstStyle/>
+          <a:p>
+            <a:pPr algn="ctr"/>
+            <a:endParaRPr lang="en-US"/>
+          </a:p>
+        </p:txBody>
+      </p:sp>
+      <p:sp>
+        <p:nvSpPr>
           <p:cNvPr id="2" name="Titel 1">
             <a:extLst>
               <a:ext uri="{FF2B5EF4-FFF2-40B4-BE49-F238E27FC236}">
-                <a16:creationId xmlns:a16="http://schemas.microsoft.com/office/drawing/2014/main" id="{63EA728D-EFA0-F1D5-E158-F845ECCF6841}"/>
+                <a16:creationId xmlns:a16="http://schemas.microsoft.com/office/drawing/2014/main" id="{61DFA64D-5888-D196-DF20-C8476D294B12}"/>
               </a:ext>
             </a:extLst>
           </p:cNvPr>
@@ -9039,861 +7340,156 @@
         </p:nvSpPr>
         <p:spPr>
           <a:xfrm>
-            <a:off x="804670" y="978776"/>
-            <a:ext cx="3044953" cy="1174991"/>
+            <a:off x="804673" y="2133600"/>
+            <a:ext cx="3044952" cy="1898904"/>
           </a:xfrm>
         </p:spPr>
         <p:txBody>
-          <a:bodyPr vert="horz" lIns="182880" tIns="182880" rIns="182880" bIns="182880" rtlCol="0" anchor="ctr">
+          <a:bodyPr vert="horz" lIns="274320" tIns="182880" rIns="274320" bIns="182880" rtlCol="0" anchor="ctr" anchorCtr="1">
             <a:normAutofit/>
           </a:bodyPr>
           <a:lstStyle/>
           <a:p>
-            <a:br>
-              <a:rPr lang="en-US" sz="1700" dirty="0"/>
-            </a:br>
-            <a:r>
-              <a:rPr lang="en-US" sz="1700" dirty="0" err="1"/>
-              <a:t>Zusammenfassung</a:t>
-            </a:r>
-            <a:br>
-              <a:rPr lang="en-US" sz="1700" dirty="0"/>
-            </a:br>
-            <a:endParaRPr lang="en-US" sz="1700" dirty="0"/>
-          </a:p>
-        </p:txBody>
-      </p:sp>
-      <p:sp>
-        <p:nvSpPr>
-          <p:cNvPr id="4" name="Textplatzhalter 3">
+            <a:r>
+              <a:rPr lang="en-US" sz="2800"/>
+              <a:t>Quellcode</a:t>
+            </a:r>
+          </a:p>
+        </p:txBody>
+      </p:sp>
+      <p:sp>
+        <p:nvSpPr>
+          <p:cNvPr id="31" name="Rectangle 30">
             <a:extLst>
               <a:ext uri="{FF2B5EF4-FFF2-40B4-BE49-F238E27FC236}">
-                <a16:creationId xmlns:a16="http://schemas.microsoft.com/office/drawing/2014/main" id="{BD272873-3DB9-F5A0-BD4A-CE3278152610}"/>
+                <a16:creationId xmlns:a16="http://schemas.microsoft.com/office/drawing/2014/main" id="{EFE2328B-DA12-4B90-BD82-3CCF13AF6C83}"/>
+              </a:ext>
+              <a:ext uri="{C183D7F6-B498-43B3-948B-1728B52AA6E4}">
+                <adec:decorative xmlns:adec="http://schemas.microsoft.com/office/drawing/2017/decorative" val="1"/>
               </a:ext>
             </a:extLst>
           </p:cNvPr>
           <p:cNvSpPr>
-            <a:spLocks noGrp="1"/>
-          </p:cNvSpPr>
-          <p:nvPr>
-            <p:ph type="body" sz="half" idx="2"/>
+            <a:spLocks noGrp="1" noRot="1" noChangeAspect="1" noMove="1" noResize="1" noEditPoints="1" noAdjustHandles="1" noChangeArrowheads="1" noChangeShapeType="1" noTextEdit="1"/>
+          </p:cNvSpPr>
+          <p:nvPr>
+            <p:extLst>
+              <p:ext uri="{386F3935-93C4-4BCD-93E2-E3B085C9AB24}">
+                <p16:designElem xmlns:p16="http://schemas.microsoft.com/office/powerpoint/2015/main" val="1"/>
+              </p:ext>
+            </p:extLst>
           </p:nvPr>
         </p:nvSpPr>
         <p:spPr>
           <a:xfrm>
-            <a:off x="804670" y="2640692"/>
-            <a:ext cx="3044952" cy="3255252"/>
+            <a:off x="4654296" y="640080"/>
+            <a:ext cx="6897625" cy="5263134"/>
           </a:xfrm>
+          <a:prstGeom prst="rect">
+            <a:avLst/>
+          </a:prstGeom>
+          <a:noFill/>
+          <a:ln w="31750" cap="sq">
+            <a:solidFill>
+              <a:srgbClr val="FFFFFF"/>
+            </a:solidFill>
+            <a:miter lim="800000"/>
+          </a:ln>
         </p:spPr>
-        <p:txBody>
-          <a:bodyPr vert="horz" lIns="91440" tIns="45720" rIns="91440" bIns="45720" rtlCol="0">
-            <a:noAutofit/>
-          </a:bodyPr>
+        <p:style>
+          <a:lnRef idx="2">
+            <a:schemeClr val="accent1">
+              <a:shade val="50000"/>
+            </a:schemeClr>
+          </a:lnRef>
+          <a:fillRef idx="1">
+            <a:schemeClr val="accent1"/>
+          </a:fillRef>
+          <a:effectRef idx="0">
+            <a:schemeClr val="accent1"/>
+          </a:effectRef>
+          <a:fontRef idx="minor">
+            <a:schemeClr val="lt1"/>
+          </a:fontRef>
+        </p:style>
+        <p:txBody>
+          <a:bodyPr rtlCol="0" anchor="ctr"/>
           <a:lstStyle/>
           <a:p>
-            <a:pPr algn="l">
-              <a:lnSpc>
-                <a:spcPct val="90000"/>
-              </a:lnSpc>
-            </a:pPr>
-            <a:r>
-              <a:rPr lang="en-US" sz="1400" dirty="0">
-                <a:solidFill>
-                  <a:schemeClr val="tx1">
-                    <a:lumMod val="85000"/>
-                    <a:lumOff val="15000"/>
-                  </a:schemeClr>
-                </a:solidFill>
-                <a:latin typeface="Calibri" panose="020F0502020204030204" pitchFamily="34" charset="0"/>
-                <a:cs typeface="Calibri" panose="020F0502020204030204" pitchFamily="34" charset="0"/>
-              </a:rPr>
-              <a:t>Die </a:t>
-            </a:r>
-            <a:r>
-              <a:rPr lang="en-US" sz="1400" dirty="0" err="1">
-                <a:solidFill>
-                  <a:schemeClr val="tx1">
-                    <a:lumMod val="85000"/>
-                    <a:lumOff val="15000"/>
-                  </a:schemeClr>
-                </a:solidFill>
-                <a:latin typeface="Calibri" panose="020F0502020204030204" pitchFamily="34" charset="0"/>
-                <a:cs typeface="Calibri" panose="020F0502020204030204" pitchFamily="34" charset="0"/>
-              </a:rPr>
-              <a:t>smarte</a:t>
-            </a:r>
-            <a:r>
-              <a:rPr lang="en-US" sz="1400" dirty="0">
-                <a:solidFill>
-                  <a:schemeClr val="tx1">
-                    <a:lumMod val="85000"/>
-                    <a:lumOff val="15000"/>
-                  </a:schemeClr>
-                </a:solidFill>
-                <a:latin typeface="Calibri" panose="020F0502020204030204" pitchFamily="34" charset="0"/>
-                <a:cs typeface="Calibri" panose="020F0502020204030204" pitchFamily="34" charset="0"/>
-              </a:rPr>
-              <a:t> </a:t>
-            </a:r>
-            <a:r>
-              <a:rPr lang="en-US" sz="1400" dirty="0" err="1">
-                <a:solidFill>
-                  <a:schemeClr val="tx1">
-                    <a:lumMod val="85000"/>
-                    <a:lumOff val="15000"/>
-                  </a:schemeClr>
-                </a:solidFill>
-                <a:latin typeface="Calibri" panose="020F0502020204030204" pitchFamily="34" charset="0"/>
-                <a:cs typeface="Calibri" panose="020F0502020204030204" pitchFamily="34" charset="0"/>
-              </a:rPr>
-              <a:t>Parkplatzlösung</a:t>
-            </a:r>
-            <a:r>
-              <a:rPr lang="en-US" sz="1400" dirty="0">
-                <a:solidFill>
-                  <a:schemeClr val="tx1">
-                    <a:lumMod val="85000"/>
-                    <a:lumOff val="15000"/>
-                  </a:schemeClr>
-                </a:solidFill>
-                <a:latin typeface="Calibri" panose="020F0502020204030204" pitchFamily="34" charset="0"/>
-                <a:cs typeface="Calibri" panose="020F0502020204030204" pitchFamily="34" charset="0"/>
-              </a:rPr>
-              <a:t> </a:t>
-            </a:r>
-            <a:r>
-              <a:rPr lang="en-US" sz="1400" dirty="0" err="1">
-                <a:solidFill>
-                  <a:schemeClr val="tx1">
-                    <a:lumMod val="85000"/>
-                    <a:lumOff val="15000"/>
-                  </a:schemeClr>
-                </a:solidFill>
-                <a:latin typeface="Calibri" panose="020F0502020204030204" pitchFamily="34" charset="0"/>
-                <a:cs typeface="Calibri" panose="020F0502020204030204" pitchFamily="34" charset="0"/>
-              </a:rPr>
-              <a:t>mit</a:t>
-            </a:r>
-            <a:r>
-              <a:rPr lang="en-US" sz="1400" dirty="0">
-                <a:solidFill>
-                  <a:schemeClr val="tx1">
-                    <a:lumMod val="85000"/>
-                    <a:lumOff val="15000"/>
-                  </a:schemeClr>
-                </a:solidFill>
-                <a:latin typeface="Calibri" panose="020F0502020204030204" pitchFamily="34" charset="0"/>
-                <a:cs typeface="Calibri" panose="020F0502020204030204" pitchFamily="34" charset="0"/>
-              </a:rPr>
-              <a:t> dem </a:t>
-            </a:r>
-            <a:r>
-              <a:rPr lang="en-US" sz="1400" dirty="0" err="1">
-                <a:solidFill>
-                  <a:schemeClr val="tx1">
-                    <a:lumMod val="85000"/>
-                    <a:lumOff val="15000"/>
-                  </a:schemeClr>
-                </a:solidFill>
-                <a:latin typeface="Calibri" panose="020F0502020204030204" pitchFamily="34" charset="0"/>
-                <a:cs typeface="Calibri" panose="020F0502020204030204" pitchFamily="34" charset="0"/>
-              </a:rPr>
-              <a:t>Schwerpunkten</a:t>
-            </a:r>
-            <a:r>
-              <a:rPr lang="en-US" sz="1400" dirty="0">
-                <a:solidFill>
-                  <a:schemeClr val="tx1">
-                    <a:lumMod val="85000"/>
-                    <a:lumOff val="15000"/>
-                  </a:schemeClr>
-                </a:solidFill>
-                <a:latin typeface="Calibri" panose="020F0502020204030204" pitchFamily="34" charset="0"/>
-                <a:cs typeface="Calibri" panose="020F0502020204030204" pitchFamily="34" charset="0"/>
-              </a:rPr>
-              <a:t> </a:t>
-            </a:r>
-            <a:r>
-              <a:rPr lang="en-US" sz="1400" dirty="0" err="1">
-                <a:solidFill>
-                  <a:schemeClr val="tx1">
-                    <a:lumMod val="85000"/>
-                    <a:lumOff val="15000"/>
-                  </a:schemeClr>
-                </a:solidFill>
-                <a:latin typeface="Calibri" panose="020F0502020204030204" pitchFamily="34" charset="0"/>
-                <a:cs typeface="Calibri" panose="020F0502020204030204" pitchFamily="34" charset="0"/>
-              </a:rPr>
-              <a:t>Reservierung</a:t>
-            </a:r>
-            <a:r>
-              <a:rPr lang="en-US" sz="1400" dirty="0">
-                <a:solidFill>
-                  <a:schemeClr val="tx1">
-                    <a:lumMod val="85000"/>
-                    <a:lumOff val="15000"/>
-                  </a:schemeClr>
-                </a:solidFill>
-                <a:latin typeface="Calibri" panose="020F0502020204030204" pitchFamily="34" charset="0"/>
-                <a:cs typeface="Calibri" panose="020F0502020204030204" pitchFamily="34" charset="0"/>
-              </a:rPr>
-              <a:t> , Navigation und </a:t>
-            </a:r>
-            <a:r>
-              <a:rPr lang="en-US" sz="1400" dirty="0" err="1">
-                <a:solidFill>
-                  <a:schemeClr val="tx1">
-                    <a:lumMod val="85000"/>
-                    <a:lumOff val="15000"/>
-                  </a:schemeClr>
-                </a:solidFill>
-                <a:latin typeface="Calibri" panose="020F0502020204030204" pitchFamily="34" charset="0"/>
-                <a:cs typeface="Calibri" panose="020F0502020204030204" pitchFamily="34" charset="0"/>
-              </a:rPr>
-              <a:t>Verfügbarkeit</a:t>
-            </a:r>
-            <a:r>
-              <a:rPr lang="en-US" sz="1400" dirty="0">
-                <a:solidFill>
-                  <a:schemeClr val="tx1">
-                    <a:lumMod val="85000"/>
-                    <a:lumOff val="15000"/>
-                  </a:schemeClr>
-                </a:solidFill>
-                <a:latin typeface="Calibri" panose="020F0502020204030204" pitchFamily="34" charset="0"/>
-                <a:cs typeface="Calibri" panose="020F0502020204030204" pitchFamily="34" charset="0"/>
-              </a:rPr>
-              <a:t> </a:t>
-            </a:r>
-            <a:r>
-              <a:rPr lang="en-US" sz="1400" dirty="0" err="1">
-                <a:solidFill>
-                  <a:schemeClr val="tx1">
-                    <a:lumMod val="85000"/>
-                    <a:lumOff val="15000"/>
-                  </a:schemeClr>
-                </a:solidFill>
-                <a:latin typeface="Calibri" panose="020F0502020204030204" pitchFamily="34" charset="0"/>
-                <a:cs typeface="Calibri" panose="020F0502020204030204" pitchFamily="34" charset="0"/>
-              </a:rPr>
-              <a:t>bietet</a:t>
-            </a:r>
-            <a:r>
-              <a:rPr lang="en-US" sz="1400" dirty="0">
-                <a:solidFill>
-                  <a:schemeClr val="tx1">
-                    <a:lumMod val="85000"/>
-                    <a:lumOff val="15000"/>
-                  </a:schemeClr>
-                </a:solidFill>
-                <a:latin typeface="Calibri" panose="020F0502020204030204" pitchFamily="34" charset="0"/>
-                <a:cs typeface="Calibri" panose="020F0502020204030204" pitchFamily="34" charset="0"/>
-              </a:rPr>
-              <a:t> </a:t>
-            </a:r>
-            <a:r>
-              <a:rPr lang="en-US" sz="1400" dirty="0" err="1">
-                <a:solidFill>
-                  <a:schemeClr val="tx1">
-                    <a:lumMod val="85000"/>
-                    <a:lumOff val="15000"/>
-                  </a:schemeClr>
-                </a:solidFill>
-                <a:latin typeface="Calibri" panose="020F0502020204030204" pitchFamily="34" charset="0"/>
-                <a:cs typeface="Calibri" panose="020F0502020204030204" pitchFamily="34" charset="0"/>
-              </a:rPr>
-              <a:t>eine</a:t>
-            </a:r>
-            <a:r>
-              <a:rPr lang="en-US" sz="1400" dirty="0">
-                <a:solidFill>
-                  <a:schemeClr val="tx1">
-                    <a:lumMod val="85000"/>
-                    <a:lumOff val="15000"/>
-                  </a:schemeClr>
-                </a:solidFill>
-                <a:latin typeface="Calibri" panose="020F0502020204030204" pitchFamily="34" charset="0"/>
-                <a:cs typeface="Calibri" panose="020F0502020204030204" pitchFamily="34" charset="0"/>
-              </a:rPr>
-              <a:t> </a:t>
-            </a:r>
-            <a:r>
-              <a:rPr lang="en-US" sz="1400" dirty="0" err="1">
-                <a:solidFill>
-                  <a:schemeClr val="tx1">
-                    <a:lumMod val="85000"/>
-                    <a:lumOff val="15000"/>
-                  </a:schemeClr>
-                </a:solidFill>
-                <a:latin typeface="Calibri" panose="020F0502020204030204" pitchFamily="34" charset="0"/>
-                <a:cs typeface="Calibri" panose="020F0502020204030204" pitchFamily="34" charset="0"/>
-              </a:rPr>
-              <a:t>Antwort</a:t>
-            </a:r>
-            <a:r>
-              <a:rPr lang="en-US" sz="1400" dirty="0">
-                <a:solidFill>
-                  <a:schemeClr val="tx1">
-                    <a:lumMod val="85000"/>
-                    <a:lumOff val="15000"/>
-                  </a:schemeClr>
-                </a:solidFill>
-                <a:latin typeface="Calibri" panose="020F0502020204030204" pitchFamily="34" charset="0"/>
-                <a:cs typeface="Calibri" panose="020F0502020204030204" pitchFamily="34" charset="0"/>
-              </a:rPr>
-              <a:t> auf das </a:t>
-            </a:r>
-            <a:r>
-              <a:rPr lang="en-US" sz="1400" dirty="0" err="1">
-                <a:solidFill>
-                  <a:schemeClr val="tx1">
-                    <a:lumMod val="85000"/>
-                    <a:lumOff val="15000"/>
-                  </a:schemeClr>
-                </a:solidFill>
-                <a:latin typeface="Calibri" panose="020F0502020204030204" pitchFamily="34" charset="0"/>
-                <a:cs typeface="Calibri" panose="020F0502020204030204" pitchFamily="34" charset="0"/>
-              </a:rPr>
-              <a:t>wachsende</a:t>
-            </a:r>
-            <a:r>
-              <a:rPr lang="en-US" sz="1400" dirty="0">
-                <a:solidFill>
-                  <a:schemeClr val="tx1">
-                    <a:lumMod val="85000"/>
-                    <a:lumOff val="15000"/>
-                  </a:schemeClr>
-                </a:solidFill>
-                <a:latin typeface="Calibri" panose="020F0502020204030204" pitchFamily="34" charset="0"/>
-                <a:cs typeface="Calibri" panose="020F0502020204030204" pitchFamily="34" charset="0"/>
-              </a:rPr>
-              <a:t> Problem des </a:t>
-            </a:r>
-            <a:r>
-              <a:rPr lang="en-US" sz="1400" dirty="0" err="1">
-                <a:solidFill>
-                  <a:schemeClr val="tx1">
-                    <a:lumMod val="85000"/>
-                    <a:lumOff val="15000"/>
-                  </a:schemeClr>
-                </a:solidFill>
-                <a:latin typeface="Calibri" panose="020F0502020204030204" pitchFamily="34" charset="0"/>
-                <a:cs typeface="Calibri" panose="020F0502020204030204" pitchFamily="34" charset="0"/>
-              </a:rPr>
-              <a:t>Parkplatzmangels</a:t>
-            </a:r>
-            <a:r>
-              <a:rPr lang="en-US" sz="1400" dirty="0">
-                <a:solidFill>
-                  <a:schemeClr val="tx1">
-                    <a:lumMod val="85000"/>
-                    <a:lumOff val="15000"/>
-                  </a:schemeClr>
-                </a:solidFill>
-                <a:latin typeface="Calibri" panose="020F0502020204030204" pitchFamily="34" charset="0"/>
-                <a:cs typeface="Calibri" panose="020F0502020204030204" pitchFamily="34" charset="0"/>
-              </a:rPr>
-              <a:t> in </a:t>
-            </a:r>
-            <a:r>
-              <a:rPr lang="en-US" sz="1400" dirty="0" err="1">
-                <a:solidFill>
-                  <a:schemeClr val="tx1">
-                    <a:lumMod val="85000"/>
-                    <a:lumOff val="15000"/>
-                  </a:schemeClr>
-                </a:solidFill>
-                <a:latin typeface="Calibri" panose="020F0502020204030204" pitchFamily="34" charset="0"/>
-                <a:cs typeface="Calibri" panose="020F0502020204030204" pitchFamily="34" charset="0"/>
-              </a:rPr>
-              <a:t>Städten</a:t>
-            </a:r>
-            <a:r>
-              <a:rPr lang="en-US" sz="1400" dirty="0">
-                <a:solidFill>
-                  <a:schemeClr val="tx1">
-                    <a:lumMod val="85000"/>
-                    <a:lumOff val="15000"/>
-                  </a:schemeClr>
-                </a:solidFill>
-                <a:latin typeface="Calibri" panose="020F0502020204030204" pitchFamily="34" charset="0"/>
-                <a:cs typeface="Calibri" panose="020F0502020204030204" pitchFamily="34" charset="0"/>
-              </a:rPr>
-              <a:t> und </a:t>
-            </a:r>
-            <a:r>
-              <a:rPr lang="en-US" sz="1400" dirty="0" err="1">
-                <a:solidFill>
-                  <a:schemeClr val="tx1">
-                    <a:lumMod val="85000"/>
-                    <a:lumOff val="15000"/>
-                  </a:schemeClr>
-                </a:solidFill>
-                <a:latin typeface="Calibri" panose="020F0502020204030204" pitchFamily="34" charset="0"/>
-                <a:cs typeface="Calibri" panose="020F0502020204030204" pitchFamily="34" charset="0"/>
-              </a:rPr>
-              <a:t>urbanen</a:t>
-            </a:r>
-            <a:r>
-              <a:rPr lang="en-US" sz="1400" dirty="0">
-                <a:solidFill>
-                  <a:schemeClr val="tx1">
-                    <a:lumMod val="85000"/>
-                    <a:lumOff val="15000"/>
-                  </a:schemeClr>
-                </a:solidFill>
-                <a:latin typeface="Calibri" panose="020F0502020204030204" pitchFamily="34" charset="0"/>
-                <a:cs typeface="Calibri" panose="020F0502020204030204" pitchFamily="34" charset="0"/>
-              </a:rPr>
-              <a:t> </a:t>
-            </a:r>
-            <a:r>
-              <a:rPr lang="en-US" sz="1400" dirty="0" err="1">
-                <a:solidFill>
-                  <a:schemeClr val="tx1">
-                    <a:lumMod val="85000"/>
-                    <a:lumOff val="15000"/>
-                  </a:schemeClr>
-                </a:solidFill>
-                <a:latin typeface="Calibri" panose="020F0502020204030204" pitchFamily="34" charset="0"/>
-                <a:cs typeface="Calibri" panose="020F0502020204030204" pitchFamily="34" charset="0"/>
-              </a:rPr>
-              <a:t>Gebieten</a:t>
-            </a:r>
-            <a:r>
-              <a:rPr lang="en-US" sz="1400" dirty="0">
-                <a:solidFill>
-                  <a:schemeClr val="tx1">
-                    <a:lumMod val="85000"/>
-                    <a:lumOff val="15000"/>
-                  </a:schemeClr>
-                </a:solidFill>
-                <a:latin typeface="Calibri" panose="020F0502020204030204" pitchFamily="34" charset="0"/>
-                <a:cs typeface="Calibri" panose="020F0502020204030204" pitchFamily="34" charset="0"/>
-              </a:rPr>
-              <a:t>.</a:t>
-            </a:r>
-          </a:p>
-          <a:p>
-            <a:pPr algn="l">
-              <a:lnSpc>
-                <a:spcPct val="90000"/>
-              </a:lnSpc>
-            </a:pPr>
-            <a:r>
-              <a:rPr lang="en-US" sz="1400" dirty="0" err="1">
-                <a:solidFill>
-                  <a:schemeClr val="tx1">
-                    <a:lumMod val="85000"/>
-                    <a:lumOff val="15000"/>
-                  </a:schemeClr>
-                </a:solidFill>
-                <a:latin typeface="Calibri" panose="020F0502020204030204" pitchFamily="34" charset="0"/>
-                <a:cs typeface="Calibri" panose="020F0502020204030204" pitchFamily="34" charset="0"/>
-              </a:rPr>
-              <a:t>Mit</a:t>
-            </a:r>
-            <a:r>
-              <a:rPr lang="en-US" sz="1400" dirty="0">
-                <a:solidFill>
-                  <a:schemeClr val="tx1">
-                    <a:lumMod val="85000"/>
-                    <a:lumOff val="15000"/>
-                  </a:schemeClr>
-                </a:solidFill>
-                <a:latin typeface="Calibri" panose="020F0502020204030204" pitchFamily="34" charset="0"/>
-                <a:cs typeface="Calibri" panose="020F0502020204030204" pitchFamily="34" charset="0"/>
-              </a:rPr>
-              <a:t> </a:t>
-            </a:r>
-            <a:r>
-              <a:rPr lang="en-US" sz="1400" dirty="0" err="1">
-                <a:solidFill>
-                  <a:schemeClr val="tx1">
-                    <a:lumMod val="85000"/>
-                    <a:lumOff val="15000"/>
-                  </a:schemeClr>
-                </a:solidFill>
-                <a:latin typeface="Calibri" panose="020F0502020204030204" pitchFamily="34" charset="0"/>
-                <a:cs typeface="Calibri" panose="020F0502020204030204" pitchFamily="34" charset="0"/>
-              </a:rPr>
-              <a:t>dieser</a:t>
-            </a:r>
-            <a:r>
-              <a:rPr lang="en-US" sz="1400" dirty="0">
-                <a:solidFill>
-                  <a:schemeClr val="tx1">
-                    <a:lumMod val="85000"/>
-                    <a:lumOff val="15000"/>
-                  </a:schemeClr>
-                </a:solidFill>
-                <a:latin typeface="Calibri" panose="020F0502020204030204" pitchFamily="34" charset="0"/>
-                <a:cs typeface="Calibri" panose="020F0502020204030204" pitchFamily="34" charset="0"/>
-              </a:rPr>
-              <a:t> </a:t>
-            </a:r>
-            <a:r>
-              <a:rPr lang="en-US" sz="1400" dirty="0" err="1">
-                <a:solidFill>
-                  <a:schemeClr val="tx1">
-                    <a:lumMod val="85000"/>
-                    <a:lumOff val="15000"/>
-                  </a:schemeClr>
-                </a:solidFill>
-                <a:latin typeface="Calibri" panose="020F0502020204030204" pitchFamily="34" charset="0"/>
-                <a:cs typeface="Calibri" panose="020F0502020204030204" pitchFamily="34" charset="0"/>
-              </a:rPr>
-              <a:t>innovativen</a:t>
-            </a:r>
-            <a:r>
-              <a:rPr lang="en-US" sz="1400" dirty="0">
-                <a:solidFill>
-                  <a:schemeClr val="tx1">
-                    <a:lumMod val="85000"/>
-                    <a:lumOff val="15000"/>
-                  </a:schemeClr>
-                </a:solidFill>
-                <a:latin typeface="Calibri" panose="020F0502020204030204" pitchFamily="34" charset="0"/>
-                <a:cs typeface="Calibri" panose="020F0502020204030204" pitchFamily="34" charset="0"/>
-              </a:rPr>
-              <a:t> </a:t>
-            </a:r>
-            <a:r>
-              <a:rPr lang="en-US" sz="1400" dirty="0" err="1">
-                <a:solidFill>
-                  <a:schemeClr val="tx1">
-                    <a:lumMod val="85000"/>
-                    <a:lumOff val="15000"/>
-                  </a:schemeClr>
-                </a:solidFill>
-                <a:latin typeface="Calibri" panose="020F0502020204030204" pitchFamily="34" charset="0"/>
-                <a:cs typeface="Calibri" panose="020F0502020204030204" pitchFamily="34" charset="0"/>
-              </a:rPr>
-              <a:t>Technologie</a:t>
-            </a:r>
-            <a:r>
-              <a:rPr lang="en-US" sz="1400" dirty="0">
-                <a:solidFill>
-                  <a:schemeClr val="tx1">
-                    <a:lumMod val="85000"/>
-                    <a:lumOff val="15000"/>
-                  </a:schemeClr>
-                </a:solidFill>
-                <a:latin typeface="Calibri" panose="020F0502020204030204" pitchFamily="34" charset="0"/>
-                <a:cs typeface="Calibri" panose="020F0502020204030204" pitchFamily="34" charset="0"/>
-              </a:rPr>
-              <a:t> </a:t>
-            </a:r>
-            <a:r>
-              <a:rPr lang="en-US" sz="1400" dirty="0" err="1">
-                <a:solidFill>
-                  <a:schemeClr val="tx1">
-                    <a:lumMod val="85000"/>
-                    <a:lumOff val="15000"/>
-                  </a:schemeClr>
-                </a:solidFill>
-                <a:latin typeface="Calibri" panose="020F0502020204030204" pitchFamily="34" charset="0"/>
-                <a:cs typeface="Calibri" panose="020F0502020204030204" pitchFamily="34" charset="0"/>
-              </a:rPr>
-              <a:t>wird</a:t>
-            </a:r>
-            <a:r>
-              <a:rPr lang="en-US" sz="1400" dirty="0">
-                <a:solidFill>
-                  <a:schemeClr val="tx1">
-                    <a:lumMod val="85000"/>
-                    <a:lumOff val="15000"/>
-                  </a:schemeClr>
-                </a:solidFill>
-                <a:latin typeface="Calibri" panose="020F0502020204030204" pitchFamily="34" charset="0"/>
-                <a:cs typeface="Calibri" panose="020F0502020204030204" pitchFamily="34" charset="0"/>
-              </a:rPr>
-              <a:t> </a:t>
-            </a:r>
-            <a:r>
-              <a:rPr lang="en-US" sz="1400" dirty="0" err="1">
-                <a:solidFill>
-                  <a:schemeClr val="tx1">
-                    <a:lumMod val="85000"/>
-                    <a:lumOff val="15000"/>
-                  </a:schemeClr>
-                </a:solidFill>
-                <a:latin typeface="Calibri" panose="020F0502020204030204" pitchFamily="34" charset="0"/>
-                <a:cs typeface="Calibri" panose="020F0502020204030204" pitchFamily="34" charset="0"/>
-              </a:rPr>
-              <a:t>nicht</a:t>
-            </a:r>
-            <a:r>
-              <a:rPr lang="en-US" sz="1400" dirty="0">
-                <a:solidFill>
-                  <a:schemeClr val="tx1">
-                    <a:lumMod val="85000"/>
-                    <a:lumOff val="15000"/>
-                  </a:schemeClr>
-                </a:solidFill>
-                <a:latin typeface="Calibri" panose="020F0502020204030204" pitchFamily="34" charset="0"/>
-                <a:cs typeface="Calibri" panose="020F0502020204030204" pitchFamily="34" charset="0"/>
-              </a:rPr>
-              <a:t> </a:t>
-            </a:r>
-            <a:r>
-              <a:rPr lang="en-US" sz="1400" dirty="0" err="1">
-                <a:solidFill>
-                  <a:schemeClr val="tx1">
-                    <a:lumMod val="85000"/>
-                    <a:lumOff val="15000"/>
-                  </a:schemeClr>
-                </a:solidFill>
-                <a:latin typeface="Calibri" panose="020F0502020204030204" pitchFamily="34" charset="0"/>
-                <a:cs typeface="Calibri" panose="020F0502020204030204" pitchFamily="34" charset="0"/>
-              </a:rPr>
-              <a:t>nur</a:t>
-            </a:r>
-            <a:r>
-              <a:rPr lang="en-US" sz="1400" dirty="0">
-                <a:solidFill>
-                  <a:schemeClr val="tx1">
-                    <a:lumMod val="85000"/>
-                    <a:lumOff val="15000"/>
-                  </a:schemeClr>
-                </a:solidFill>
-                <a:latin typeface="Calibri" panose="020F0502020204030204" pitchFamily="34" charset="0"/>
-                <a:cs typeface="Calibri" panose="020F0502020204030204" pitchFamily="34" charset="0"/>
-              </a:rPr>
-              <a:t> der </a:t>
-            </a:r>
-            <a:r>
-              <a:rPr lang="en-US" sz="1400" dirty="0" err="1">
-                <a:solidFill>
-                  <a:schemeClr val="tx1">
-                    <a:lumMod val="85000"/>
-                    <a:lumOff val="15000"/>
-                  </a:schemeClr>
-                </a:solidFill>
-                <a:latin typeface="Calibri" panose="020F0502020204030204" pitchFamily="34" charset="0"/>
-                <a:cs typeface="Calibri" panose="020F0502020204030204" pitchFamily="34" charset="0"/>
-              </a:rPr>
-              <a:t>Alltag</a:t>
-            </a:r>
-            <a:r>
-              <a:rPr lang="en-US" sz="1400" dirty="0">
-                <a:solidFill>
-                  <a:schemeClr val="tx1">
-                    <a:lumMod val="85000"/>
-                    <a:lumOff val="15000"/>
-                  </a:schemeClr>
-                </a:solidFill>
-                <a:latin typeface="Calibri" panose="020F0502020204030204" pitchFamily="34" charset="0"/>
-                <a:cs typeface="Calibri" panose="020F0502020204030204" pitchFamily="34" charset="0"/>
-              </a:rPr>
-              <a:t> der </a:t>
-            </a:r>
-            <a:r>
-              <a:rPr lang="en-US" sz="1400" dirty="0" err="1">
-                <a:solidFill>
-                  <a:schemeClr val="tx1">
-                    <a:lumMod val="85000"/>
-                    <a:lumOff val="15000"/>
-                  </a:schemeClr>
-                </a:solidFill>
-                <a:latin typeface="Calibri" panose="020F0502020204030204" pitchFamily="34" charset="0"/>
-                <a:cs typeface="Calibri" panose="020F0502020204030204" pitchFamily="34" charset="0"/>
-              </a:rPr>
-              <a:t>Fahrer</a:t>
-            </a:r>
-            <a:r>
-              <a:rPr lang="en-US" sz="1400" dirty="0">
-                <a:solidFill>
-                  <a:schemeClr val="tx1">
-                    <a:lumMod val="85000"/>
-                    <a:lumOff val="15000"/>
-                  </a:schemeClr>
-                </a:solidFill>
-                <a:latin typeface="Calibri" panose="020F0502020204030204" pitchFamily="34" charset="0"/>
-                <a:cs typeface="Calibri" panose="020F0502020204030204" pitchFamily="34" charset="0"/>
-              </a:rPr>
-              <a:t> </a:t>
-            </a:r>
-            <a:r>
-              <a:rPr lang="en-US" sz="1400" dirty="0" err="1">
-                <a:solidFill>
-                  <a:schemeClr val="tx1">
-                    <a:lumMod val="85000"/>
-                    <a:lumOff val="15000"/>
-                  </a:schemeClr>
-                </a:solidFill>
-                <a:latin typeface="Calibri" panose="020F0502020204030204" pitchFamily="34" charset="0"/>
-                <a:cs typeface="Calibri" panose="020F0502020204030204" pitchFamily="34" charset="0"/>
-              </a:rPr>
-              <a:t>erleichert</a:t>
-            </a:r>
-            <a:r>
-              <a:rPr lang="en-US" sz="1400" dirty="0">
-                <a:solidFill>
-                  <a:schemeClr val="tx1">
-                    <a:lumMod val="85000"/>
-                    <a:lumOff val="15000"/>
-                  </a:schemeClr>
-                </a:solidFill>
-                <a:latin typeface="Calibri" panose="020F0502020204030204" pitchFamily="34" charset="0"/>
-                <a:cs typeface="Calibri" panose="020F0502020204030204" pitchFamily="34" charset="0"/>
-              </a:rPr>
-              <a:t> , </a:t>
-            </a:r>
-            <a:r>
-              <a:rPr lang="en-US" sz="1400" dirty="0" err="1">
-                <a:solidFill>
-                  <a:schemeClr val="tx1">
-                    <a:lumMod val="85000"/>
-                    <a:lumOff val="15000"/>
-                  </a:schemeClr>
-                </a:solidFill>
-                <a:latin typeface="Calibri" panose="020F0502020204030204" pitchFamily="34" charset="0"/>
-                <a:cs typeface="Calibri" panose="020F0502020204030204" pitchFamily="34" charset="0"/>
-              </a:rPr>
-              <a:t>sondern</a:t>
-            </a:r>
-            <a:r>
-              <a:rPr lang="en-US" sz="1400" dirty="0">
-                <a:solidFill>
-                  <a:schemeClr val="tx1">
-                    <a:lumMod val="85000"/>
-                    <a:lumOff val="15000"/>
-                  </a:schemeClr>
-                </a:solidFill>
-                <a:latin typeface="Calibri" panose="020F0502020204030204" pitchFamily="34" charset="0"/>
-                <a:cs typeface="Calibri" panose="020F0502020204030204" pitchFamily="34" charset="0"/>
-              </a:rPr>
-              <a:t> </a:t>
-            </a:r>
-            <a:r>
-              <a:rPr lang="en-US" sz="1400" dirty="0" err="1">
-                <a:solidFill>
-                  <a:schemeClr val="tx1">
-                    <a:lumMod val="85000"/>
-                    <a:lumOff val="15000"/>
-                  </a:schemeClr>
-                </a:solidFill>
-                <a:latin typeface="Calibri" panose="020F0502020204030204" pitchFamily="34" charset="0"/>
-                <a:cs typeface="Calibri" panose="020F0502020204030204" pitchFamily="34" charset="0"/>
-              </a:rPr>
-              <a:t>auch</a:t>
-            </a:r>
-            <a:r>
-              <a:rPr lang="en-US" sz="1400" dirty="0">
-                <a:solidFill>
-                  <a:schemeClr val="tx1">
-                    <a:lumMod val="85000"/>
-                    <a:lumOff val="15000"/>
-                  </a:schemeClr>
-                </a:solidFill>
-                <a:latin typeface="Calibri" panose="020F0502020204030204" pitchFamily="34" charset="0"/>
-                <a:cs typeface="Calibri" panose="020F0502020204030204" pitchFamily="34" charset="0"/>
-              </a:rPr>
-              <a:t> der </a:t>
-            </a:r>
-            <a:r>
-              <a:rPr lang="en-US" sz="1400" dirty="0" err="1">
-                <a:solidFill>
-                  <a:schemeClr val="tx1">
-                    <a:lumMod val="85000"/>
-                    <a:lumOff val="15000"/>
-                  </a:schemeClr>
-                </a:solidFill>
-                <a:latin typeface="Calibri" panose="020F0502020204030204" pitchFamily="34" charset="0"/>
-                <a:cs typeface="Calibri" panose="020F0502020204030204" pitchFamily="34" charset="0"/>
-              </a:rPr>
-              <a:t>Verkehrsfluss</a:t>
-            </a:r>
-            <a:r>
-              <a:rPr lang="en-US" sz="1400" dirty="0">
-                <a:solidFill>
-                  <a:schemeClr val="tx1">
-                    <a:lumMod val="85000"/>
-                    <a:lumOff val="15000"/>
-                  </a:schemeClr>
-                </a:solidFill>
-                <a:latin typeface="Calibri" panose="020F0502020204030204" pitchFamily="34" charset="0"/>
-                <a:cs typeface="Calibri" panose="020F0502020204030204" pitchFamily="34" charset="0"/>
-              </a:rPr>
-              <a:t> in den </a:t>
-            </a:r>
-            <a:r>
-              <a:rPr lang="en-US" sz="1400" dirty="0" err="1">
-                <a:solidFill>
-                  <a:schemeClr val="tx1">
-                    <a:lumMod val="85000"/>
-                    <a:lumOff val="15000"/>
-                  </a:schemeClr>
-                </a:solidFill>
-                <a:latin typeface="Calibri" panose="020F0502020204030204" pitchFamily="34" charset="0"/>
-                <a:cs typeface="Calibri" panose="020F0502020204030204" pitchFamily="34" charset="0"/>
-              </a:rPr>
-              <a:t>Städten</a:t>
-            </a:r>
-            <a:r>
-              <a:rPr lang="en-US" sz="1400" dirty="0">
-                <a:solidFill>
-                  <a:schemeClr val="tx1">
-                    <a:lumMod val="85000"/>
-                    <a:lumOff val="15000"/>
-                  </a:schemeClr>
-                </a:solidFill>
-                <a:latin typeface="Calibri" panose="020F0502020204030204" pitchFamily="34" charset="0"/>
-                <a:cs typeface="Calibri" panose="020F0502020204030204" pitchFamily="34" charset="0"/>
-              </a:rPr>
-              <a:t> </a:t>
-            </a:r>
-            <a:r>
-              <a:rPr lang="en-US" sz="1400" dirty="0" err="1">
-                <a:solidFill>
-                  <a:schemeClr val="tx1">
-                    <a:lumMod val="85000"/>
-                    <a:lumOff val="15000"/>
-                  </a:schemeClr>
-                </a:solidFill>
-                <a:latin typeface="Calibri" panose="020F0502020204030204" pitchFamily="34" charset="0"/>
-                <a:cs typeface="Calibri" panose="020F0502020204030204" pitchFamily="34" charset="0"/>
-              </a:rPr>
-              <a:t>verbessert</a:t>
-            </a:r>
-            <a:r>
-              <a:rPr lang="en-US" sz="1400" dirty="0">
-                <a:solidFill>
-                  <a:schemeClr val="tx1">
-                    <a:lumMod val="85000"/>
-                    <a:lumOff val="15000"/>
-                  </a:schemeClr>
-                </a:solidFill>
-                <a:latin typeface="Calibri" panose="020F0502020204030204" pitchFamily="34" charset="0"/>
-                <a:cs typeface="Calibri" panose="020F0502020204030204" pitchFamily="34" charset="0"/>
-              </a:rPr>
-              <a:t>.</a:t>
-            </a:r>
-          </a:p>
-          <a:p>
-            <a:pPr algn="l">
-              <a:lnSpc>
-                <a:spcPct val="90000"/>
-              </a:lnSpc>
-            </a:pPr>
-            <a:endParaRPr lang="en-US" sz="1600" dirty="0">
-              <a:solidFill>
-                <a:schemeClr val="tx1">
-                  <a:lumMod val="85000"/>
-                  <a:lumOff val="15000"/>
-                </a:schemeClr>
-              </a:solidFill>
-            </a:endParaRPr>
+            <a:pPr algn="ctr"/>
+            <a:endParaRPr lang="en-US" dirty="0"/>
+          </a:p>
+        </p:txBody>
+      </p:sp>
+      <p:sp>
+        <p:nvSpPr>
+          <p:cNvPr id="33" name="Rectangle 32">
+            <a:extLst>
+              <a:ext uri="{FF2B5EF4-FFF2-40B4-BE49-F238E27FC236}">
+                <a16:creationId xmlns:a16="http://schemas.microsoft.com/office/drawing/2014/main" id="{F77FF0B6-332F-4842-A5F8-EA360BD5FF84}"/>
+              </a:ext>
+              <a:ext uri="{C183D7F6-B498-43B3-948B-1728B52AA6E4}">
+                <adec:decorative xmlns:adec="http://schemas.microsoft.com/office/drawing/2017/decorative" val="1"/>
+              </a:ext>
+            </a:extLst>
+          </p:cNvPr>
+          <p:cNvSpPr>
+            <a:spLocks noGrp="1" noRot="1" noChangeAspect="1" noMove="1" noResize="1" noEditPoints="1" noAdjustHandles="1" noChangeArrowheads="1" noChangeShapeType="1" noTextEdit="1"/>
+          </p:cNvSpPr>
+          <p:nvPr>
+            <p:extLst>
+              <p:ext uri="{386F3935-93C4-4BCD-93E2-E3B085C9AB24}">
+                <p16:designElem xmlns:p16="http://schemas.microsoft.com/office/powerpoint/2015/main" val="1"/>
+              </p:ext>
+            </p:extLst>
+          </p:nvPr>
+        </p:nvSpPr>
+        <p:spPr>
+          <a:xfrm>
+            <a:off x="4820412" y="802767"/>
+            <a:ext cx="6565392" cy="4937760"/>
+          </a:xfrm>
+          <a:prstGeom prst="rect">
+            <a:avLst/>
+          </a:prstGeom>
+          <a:solidFill>
+            <a:schemeClr val="bg1"/>
+          </a:solidFill>
+          <a:ln>
+            <a:noFill/>
+          </a:ln>
+        </p:spPr>
+        <p:style>
+          <a:lnRef idx="2">
+            <a:schemeClr val="accent1">
+              <a:shade val="50000"/>
+            </a:schemeClr>
+          </a:lnRef>
+          <a:fillRef idx="1">
+            <a:schemeClr val="accent1"/>
+          </a:fillRef>
+          <a:effectRef idx="0">
+            <a:schemeClr val="accent1"/>
+          </a:effectRef>
+          <a:fontRef idx="minor">
+            <a:schemeClr val="lt1"/>
+          </a:fontRef>
+        </p:style>
+        <p:txBody>
+          <a:bodyPr rtlCol="0" anchor="ctr"/>
+          <a:lstStyle/>
+          <a:p>
+            <a:pPr algn="ctr"/>
+            <a:endParaRPr lang="en-US"/>
           </a:p>
         </p:txBody>
       </p:sp>
       <p:pic>
         <p:nvPicPr>
-          <p:cNvPr id="6" name="Bildplatzhalter 5" descr="Ein Bild, das Fahrzeug, Landfahrzeug, Auto, Decke enthält.&#10;&#10;Automatisch generierte Beschreibung">
+          <p:cNvPr id="7" name="Inhaltsplatzhalter 6" descr="Ein Bild, das Text, Screenshot, Software, Multimedia-Software enthält.&#10;&#10;Automatisch generierte Beschreibung">
             <a:extLst>
               <a:ext uri="{FF2B5EF4-FFF2-40B4-BE49-F238E27FC236}">
-                <a16:creationId xmlns:a16="http://schemas.microsoft.com/office/drawing/2014/main" id="{8BADD702-25E4-C4D3-B10C-0F4135ACBF36}"/>
+                <a16:creationId xmlns:a16="http://schemas.microsoft.com/office/drawing/2014/main" id="{471CC185-C242-40B1-9418-7DEA72BFD50E}"/>
               </a:ext>
             </a:extLst>
           </p:cNvPr>
@@ -9901,18 +7497,19 @@
             <a:picLocks noGrp="1" noChangeAspect="1"/>
           </p:cNvPicPr>
           <p:nvPr>
-            <p:ph type="pic" idx="1"/>
+            <p:ph idx="1"/>
           </p:nvPr>
         </p:nvPicPr>
-        <p:blipFill rotWithShape="1">
+        <p:blipFill>
           <a:blip r:embed="rId2"/>
-          <a:srcRect l="12270" r="21508" b="-1"/>
-          <a:stretch/>
+          <a:stretch>
+            <a:fillRect/>
+          </a:stretch>
         </p:blipFill>
         <p:spPr>
           <a:xfrm>
-            <a:off x="4654296" y="10"/>
-            <a:ext cx="7537704" cy="6857990"/>
+            <a:off x="5433741" y="1122807"/>
+            <a:ext cx="5338734" cy="4297680"/>
           </a:xfrm>
           <a:prstGeom prst="rect">
             <a:avLst/>
@@ -9922,7 +7519,7 @@
     </p:spTree>
     <p:extLst>
       <p:ext uri="{BB962C8B-B14F-4D97-AF65-F5344CB8AC3E}">
-        <p14:creationId xmlns:p14="http://schemas.microsoft.com/office/powerpoint/2010/main" val="2820582977"/>
+        <p14:creationId xmlns:p14="http://schemas.microsoft.com/office/powerpoint/2010/main" val="4169363852"/>
       </p:ext>
     </p:extLst>
   </p:cSld>
@@ -9964,7 +7561,7 @@
           <p:cNvPr id="2" name="Titel 1">
             <a:extLst>
               <a:ext uri="{FF2B5EF4-FFF2-40B4-BE49-F238E27FC236}">
-                <a16:creationId xmlns:a16="http://schemas.microsoft.com/office/drawing/2014/main" id="{63EA728D-EFA0-F1D5-E158-F845ECCF6841}"/>
+                <a16:creationId xmlns:a16="http://schemas.microsoft.com/office/drawing/2014/main" id="{997E42DD-356A-1EA1-E3C4-B21371A48D84}"/>
               </a:ext>
             </a:extLst>
           </p:cNvPr>
@@ -9987,17 +7584,11 @@
           </a:bodyPr>
           <a:lstStyle/>
           <a:p>
-            <a:br>
-              <a:rPr lang="en-US" sz="1700" dirty="0"/>
-            </a:br>
-            <a:r>
-              <a:rPr lang="en-US" sz="1700" dirty="0" err="1"/>
-              <a:t>Zusammenfassung</a:t>
-            </a:r>
-            <a:br>
-              <a:rPr lang="en-US" sz="1700" dirty="0"/>
-            </a:br>
-            <a:endParaRPr lang="en-US" sz="1700" dirty="0"/>
+            <a:r>
+              <a:rPr lang="en-US" sz="1800" dirty="0" err="1"/>
+              <a:t>Verfügbarkeiten</a:t>
+            </a:r>
+            <a:endParaRPr lang="en-US" sz="1800" dirty="0"/>
           </a:p>
         </p:txBody>
       </p:sp>
@@ -10006,7 +7597,7 @@
           <p:cNvPr id="4" name="Textplatzhalter 3">
             <a:extLst>
               <a:ext uri="{FF2B5EF4-FFF2-40B4-BE49-F238E27FC236}">
-                <a16:creationId xmlns:a16="http://schemas.microsoft.com/office/drawing/2014/main" id="{BD272873-3DB9-F5A0-BD4A-CE3278152610}"/>
+                <a16:creationId xmlns:a16="http://schemas.microsoft.com/office/drawing/2014/main" id="{4C0DC6BB-86F9-562F-DCC2-4987DA3944E6}"/>
               </a:ext>
             </a:extLst>
           </p:cNvPr>
@@ -10035,312 +7626,234 @@
               </a:lnSpc>
             </a:pPr>
             <a:r>
+              <a:rPr lang="en-US" sz="1400" dirty="0">
+                <a:solidFill>
+                  <a:schemeClr val="tx1"/>
+                </a:solidFill>
+                <a:latin typeface="Calibri" panose="020F0502020204030204" pitchFamily="34" charset="0"/>
+                <a:cs typeface="Calibri" panose="020F0502020204030204" pitchFamily="34" charset="0"/>
+              </a:rPr>
+              <a:t>Die </a:t>
+            </a:r>
+            <a:r>
               <a:rPr lang="en-US" sz="1400" dirty="0" err="1">
                 <a:solidFill>
-                  <a:schemeClr val="tx1">
-                    <a:lumMod val="85000"/>
-                    <a:lumOff val="15000"/>
-                  </a:schemeClr>
-                </a:solidFill>
-              </a:rPr>
-              <a:t>Durch</a:t>
-            </a:r>
-            <a:r>
-              <a:rPr lang="en-US" sz="1400" dirty="0">
-                <a:solidFill>
-                  <a:schemeClr val="tx1">
-                    <a:lumMod val="85000"/>
-                    <a:lumOff val="15000"/>
-                  </a:schemeClr>
-                </a:solidFill>
+                  <a:schemeClr val="tx1"/>
+                </a:solidFill>
+                <a:latin typeface="Calibri" panose="020F0502020204030204" pitchFamily="34" charset="0"/>
+                <a:cs typeface="Calibri" panose="020F0502020204030204" pitchFamily="34" charset="0"/>
+              </a:rPr>
+              <a:t>Verfügbarkeitsanzeige</a:t>
+            </a:r>
+            <a:r>
+              <a:rPr lang="en-US" sz="1400" dirty="0">
+                <a:solidFill>
+                  <a:schemeClr val="tx1"/>
+                </a:solidFill>
+                <a:latin typeface="Calibri" panose="020F0502020204030204" pitchFamily="34" charset="0"/>
+                <a:cs typeface="Calibri" panose="020F0502020204030204" pitchFamily="34" charset="0"/>
+              </a:rPr>
+              <a:t> </a:t>
+            </a:r>
+            <a:r>
+              <a:rPr lang="en-US" sz="1400" dirty="0" err="1">
+                <a:solidFill>
+                  <a:schemeClr val="tx1"/>
+                </a:solidFill>
+                <a:latin typeface="Calibri" panose="020F0502020204030204" pitchFamily="34" charset="0"/>
+                <a:cs typeface="Calibri" panose="020F0502020204030204" pitchFamily="34" charset="0"/>
+              </a:rPr>
+              <a:t>informiert</a:t>
+            </a:r>
+            <a:r>
+              <a:rPr lang="en-US" sz="1400" dirty="0">
+                <a:solidFill>
+                  <a:schemeClr val="tx1"/>
+                </a:solidFill>
+                <a:latin typeface="Calibri" panose="020F0502020204030204" pitchFamily="34" charset="0"/>
+                <a:cs typeface="Calibri" panose="020F0502020204030204" pitchFamily="34" charset="0"/>
               </a:rPr>
               <a:t> die </a:t>
             </a:r>
             <a:r>
               <a:rPr lang="en-US" sz="1400" dirty="0" err="1">
                 <a:solidFill>
-                  <a:schemeClr val="tx1">
-                    <a:lumMod val="85000"/>
-                    <a:lumOff val="15000"/>
-                  </a:schemeClr>
-                </a:solidFill>
-              </a:rPr>
-              <a:t>Intelligenten</a:t>
-            </a:r>
-            <a:r>
-              <a:rPr lang="en-US" sz="1400" dirty="0">
-                <a:solidFill>
-                  <a:schemeClr val="tx1">
-                    <a:lumMod val="85000"/>
-                    <a:lumOff val="15000"/>
-                  </a:schemeClr>
-                </a:solidFill>
+                  <a:schemeClr val="tx1"/>
+                </a:solidFill>
+                <a:latin typeface="Calibri" panose="020F0502020204030204" pitchFamily="34" charset="0"/>
+                <a:cs typeface="Calibri" panose="020F0502020204030204" pitchFamily="34" charset="0"/>
+              </a:rPr>
+              <a:t>Nutzer</a:t>
+            </a:r>
+            <a:r>
+              <a:rPr lang="en-US" sz="1400" dirty="0">
+                <a:solidFill>
+                  <a:schemeClr val="tx1"/>
+                </a:solidFill>
+                <a:latin typeface="Calibri" panose="020F0502020204030204" pitchFamily="34" charset="0"/>
+                <a:cs typeface="Calibri" panose="020F0502020204030204" pitchFamily="34" charset="0"/>
               </a:rPr>
               <a:t> </a:t>
             </a:r>
             <a:r>
               <a:rPr lang="en-US" sz="1400" dirty="0" err="1">
                 <a:solidFill>
-                  <a:schemeClr val="tx1">
-                    <a:lumMod val="85000"/>
-                    <a:lumOff val="15000"/>
-                  </a:schemeClr>
-                </a:solidFill>
-              </a:rPr>
-              <a:t>Funktionen</a:t>
-            </a:r>
-            <a:r>
-              <a:rPr lang="en-US" sz="1400" dirty="0">
-                <a:solidFill>
-                  <a:schemeClr val="tx1">
-                    <a:lumMod val="85000"/>
-                    <a:lumOff val="15000"/>
-                  </a:schemeClr>
-                </a:solidFill>
-              </a:rPr>
-              <a:t> der smarten </a:t>
+                  <a:schemeClr val="tx1"/>
+                </a:solidFill>
+                <a:latin typeface="Calibri" panose="020F0502020204030204" pitchFamily="34" charset="0"/>
+                <a:cs typeface="Calibri" panose="020F0502020204030204" pitchFamily="34" charset="0"/>
+              </a:rPr>
+              <a:t>darüber</a:t>
+            </a:r>
+            <a:r>
+              <a:rPr lang="en-US" sz="1400" dirty="0">
+                <a:solidFill>
+                  <a:schemeClr val="tx1"/>
+                </a:solidFill>
+                <a:latin typeface="Calibri" panose="020F0502020204030204" pitchFamily="34" charset="0"/>
+                <a:cs typeface="Calibri" panose="020F0502020204030204" pitchFamily="34" charset="0"/>
+              </a:rPr>
+              <a:t>, </a:t>
             </a:r>
             <a:r>
               <a:rPr lang="en-US" sz="1400" dirty="0" err="1">
                 <a:solidFill>
-                  <a:schemeClr val="tx1">
-                    <a:lumMod val="85000"/>
-                    <a:lumOff val="15000"/>
-                  </a:schemeClr>
-                </a:solidFill>
-              </a:rPr>
-              <a:t>Parkplatzlösung</a:t>
-            </a:r>
-            <a:r>
-              <a:rPr lang="en-US" sz="1400" dirty="0">
-                <a:solidFill>
-                  <a:schemeClr val="tx1">
-                    <a:lumMod val="85000"/>
-                    <a:lumOff val="15000"/>
-                  </a:schemeClr>
-                </a:solidFill>
+                  <a:schemeClr val="tx1"/>
+                </a:solidFill>
+                <a:latin typeface="Calibri" panose="020F0502020204030204" pitchFamily="34" charset="0"/>
+                <a:cs typeface="Calibri" panose="020F0502020204030204" pitchFamily="34" charset="0"/>
+              </a:rPr>
+              <a:t>wann</a:t>
+            </a:r>
+            <a:r>
+              <a:rPr lang="en-US" sz="1400" dirty="0">
+                <a:solidFill>
+                  <a:schemeClr val="tx1"/>
+                </a:solidFill>
+                <a:latin typeface="Calibri" panose="020F0502020204030204" pitchFamily="34" charset="0"/>
+                <a:cs typeface="Calibri" panose="020F0502020204030204" pitchFamily="34" charset="0"/>
+              </a:rPr>
+              <a:t> der </a:t>
+            </a:r>
+            <a:r>
+              <a:rPr lang="en-US" sz="1400" dirty="0" err="1">
+                <a:solidFill>
+                  <a:schemeClr val="tx1"/>
+                </a:solidFill>
+                <a:latin typeface="Calibri" panose="020F0502020204030204" pitchFamily="34" charset="0"/>
+                <a:cs typeface="Calibri" panose="020F0502020204030204" pitchFamily="34" charset="0"/>
+              </a:rPr>
+              <a:t>nächste</a:t>
+            </a:r>
+            <a:r>
+              <a:rPr lang="en-US" sz="1400" dirty="0">
+                <a:solidFill>
+                  <a:schemeClr val="tx1"/>
+                </a:solidFill>
+                <a:latin typeface="Calibri" panose="020F0502020204030204" pitchFamily="34" charset="0"/>
+                <a:cs typeface="Calibri" panose="020F0502020204030204" pitchFamily="34" charset="0"/>
               </a:rPr>
               <a:t> </a:t>
             </a:r>
             <a:r>
               <a:rPr lang="en-US" sz="1400" dirty="0" err="1">
                 <a:solidFill>
-                  <a:schemeClr val="tx1">
-                    <a:lumMod val="85000"/>
-                    <a:lumOff val="15000"/>
-                  </a:schemeClr>
-                </a:solidFill>
-              </a:rPr>
-              <a:t>wird</a:t>
-            </a:r>
-            <a:r>
-              <a:rPr lang="en-US" sz="1400" dirty="0">
-                <a:solidFill>
-                  <a:schemeClr val="tx1">
-                    <a:lumMod val="85000"/>
-                    <a:lumOff val="15000"/>
-                  </a:schemeClr>
-                </a:solidFill>
-              </a:rPr>
-              <a:t> der </a:t>
+                  <a:schemeClr val="tx1"/>
+                </a:solidFill>
+                <a:latin typeface="Calibri" panose="020F0502020204030204" pitchFamily="34" charset="0"/>
+                <a:cs typeface="Calibri" panose="020F0502020204030204" pitchFamily="34" charset="0"/>
+              </a:rPr>
+              <a:t>freie</a:t>
+            </a:r>
+            <a:r>
+              <a:rPr lang="en-US" sz="1400" dirty="0">
+                <a:solidFill>
+                  <a:schemeClr val="tx1"/>
+                </a:solidFill>
+                <a:latin typeface="Calibri" panose="020F0502020204030204" pitchFamily="34" charset="0"/>
+                <a:cs typeface="Calibri" panose="020F0502020204030204" pitchFamily="34" charset="0"/>
+              </a:rPr>
+              <a:t> </a:t>
             </a:r>
             <a:r>
               <a:rPr lang="en-US" sz="1400" dirty="0" err="1">
                 <a:solidFill>
-                  <a:schemeClr val="tx1">
-                    <a:lumMod val="85000"/>
-                    <a:lumOff val="15000"/>
-                  </a:schemeClr>
-                </a:solidFill>
-              </a:rPr>
-              <a:t>Verkehrsfluss</a:t>
-            </a:r>
-            <a:r>
-              <a:rPr lang="en-US" sz="1400" dirty="0">
-                <a:solidFill>
-                  <a:schemeClr val="tx1">
-                    <a:lumMod val="85000"/>
-                    <a:lumOff val="15000"/>
-                  </a:schemeClr>
-                </a:solidFill>
+                  <a:schemeClr val="tx1"/>
+                </a:solidFill>
+                <a:latin typeface="Calibri" panose="020F0502020204030204" pitchFamily="34" charset="0"/>
+                <a:cs typeface="Calibri" panose="020F0502020204030204" pitchFamily="34" charset="0"/>
+              </a:rPr>
+              <a:t>Parkplatz</a:t>
+            </a:r>
+            <a:r>
+              <a:rPr lang="en-US" sz="1400" dirty="0">
+                <a:solidFill>
+                  <a:schemeClr val="tx1"/>
+                </a:solidFill>
+                <a:latin typeface="Calibri" panose="020F0502020204030204" pitchFamily="34" charset="0"/>
+                <a:cs typeface="Calibri" panose="020F0502020204030204" pitchFamily="34" charset="0"/>
               </a:rPr>
               <a:t> </a:t>
             </a:r>
             <a:r>
               <a:rPr lang="en-US" sz="1400" dirty="0" err="1">
                 <a:solidFill>
-                  <a:schemeClr val="tx1">
-                    <a:lumMod val="85000"/>
-                    <a:lumOff val="15000"/>
-                  </a:schemeClr>
-                </a:solidFill>
-              </a:rPr>
-              <a:t>optimiert</a:t>
-            </a:r>
-            <a:r>
-              <a:rPr lang="en-US" sz="1400" dirty="0">
-                <a:solidFill>
-                  <a:schemeClr val="tx1">
-                    <a:lumMod val="85000"/>
-                    <a:lumOff val="15000"/>
-                  </a:schemeClr>
-                </a:solidFill>
-              </a:rPr>
-              <a:t> , da </a:t>
+                  <a:schemeClr val="tx1"/>
+                </a:solidFill>
+                <a:latin typeface="Calibri" panose="020F0502020204030204" pitchFamily="34" charset="0"/>
+                <a:cs typeface="Calibri" panose="020F0502020204030204" pitchFamily="34" charset="0"/>
+              </a:rPr>
+              <a:t>voraussichtlich</a:t>
+            </a:r>
+            <a:r>
+              <a:rPr lang="en-US" sz="1400" dirty="0">
+                <a:solidFill>
+                  <a:schemeClr val="tx1"/>
+                </a:solidFill>
+                <a:latin typeface="Calibri" panose="020F0502020204030204" pitchFamily="34" charset="0"/>
+                <a:cs typeface="Calibri" panose="020F0502020204030204" pitchFamily="34" charset="0"/>
+              </a:rPr>
+              <a:t> </a:t>
             </a:r>
             <a:r>
               <a:rPr lang="en-US" sz="1400" dirty="0" err="1">
                 <a:solidFill>
-                  <a:schemeClr val="tx1">
-                    <a:lumMod val="85000"/>
-                    <a:lumOff val="15000"/>
-                  </a:schemeClr>
-                </a:solidFill>
-              </a:rPr>
-              <a:t>Fahrer</a:t>
-            </a:r>
-            <a:r>
-              <a:rPr lang="en-US" sz="1400" dirty="0">
-                <a:solidFill>
-                  <a:schemeClr val="tx1">
-                    <a:lumMod val="85000"/>
-                    <a:lumOff val="15000"/>
-                  </a:schemeClr>
-                </a:solidFill>
-              </a:rPr>
-              <a:t> schnell und </a:t>
+                  <a:schemeClr val="tx1"/>
+                </a:solidFill>
+                <a:latin typeface="Calibri" panose="020F0502020204030204" pitchFamily="34" charset="0"/>
+                <a:cs typeface="Calibri" panose="020F0502020204030204" pitchFamily="34" charset="0"/>
+              </a:rPr>
+              <a:t>verfügbar</a:t>
+            </a:r>
+            <a:r>
+              <a:rPr lang="en-US" sz="1400" dirty="0">
+                <a:solidFill>
+                  <a:schemeClr val="tx1"/>
+                </a:solidFill>
+                <a:latin typeface="Calibri" panose="020F0502020204030204" pitchFamily="34" charset="0"/>
+                <a:cs typeface="Calibri" panose="020F0502020204030204" pitchFamily="34" charset="0"/>
+              </a:rPr>
+              <a:t> </a:t>
             </a:r>
             <a:r>
               <a:rPr lang="en-US" sz="1400" dirty="0" err="1">
                 <a:solidFill>
-                  <a:schemeClr val="tx1">
-                    <a:lumMod val="85000"/>
-                    <a:lumOff val="15000"/>
-                  </a:schemeClr>
-                </a:solidFill>
-              </a:rPr>
-              <a:t>stressfrei</a:t>
-            </a:r>
-            <a:r>
-              <a:rPr lang="en-US" sz="1400" dirty="0">
-                <a:solidFill>
-                  <a:schemeClr val="tx1">
-                    <a:lumMod val="85000"/>
-                    <a:lumOff val="15000"/>
-                  </a:schemeClr>
-                </a:solidFill>
-              </a:rPr>
-              <a:t> </a:t>
-            </a:r>
-            <a:r>
-              <a:rPr lang="en-US" sz="1400" dirty="0" err="1">
-                <a:solidFill>
-                  <a:schemeClr val="tx1">
-                    <a:lumMod val="85000"/>
-                    <a:lumOff val="15000"/>
-                  </a:schemeClr>
-                </a:solidFill>
-              </a:rPr>
-              <a:t>zu</a:t>
-            </a:r>
-            <a:r>
-              <a:rPr lang="en-US" sz="1400" dirty="0">
-                <a:solidFill>
-                  <a:schemeClr val="tx1">
-                    <a:lumMod val="85000"/>
-                    <a:lumOff val="15000"/>
-                  </a:schemeClr>
-                </a:solidFill>
-              </a:rPr>
-              <a:t> </a:t>
-            </a:r>
-            <a:r>
-              <a:rPr lang="en-US" sz="1400" dirty="0" err="1">
-                <a:solidFill>
-                  <a:schemeClr val="tx1">
-                    <a:lumMod val="85000"/>
-                    <a:lumOff val="15000"/>
-                  </a:schemeClr>
-                </a:solidFill>
-              </a:rPr>
-              <a:t>verfügbaren</a:t>
-            </a:r>
-            <a:r>
-              <a:rPr lang="en-US" sz="1400" dirty="0">
-                <a:solidFill>
-                  <a:schemeClr val="tx1">
-                    <a:lumMod val="85000"/>
-                    <a:lumOff val="15000"/>
-                  </a:schemeClr>
-                </a:solidFill>
-              </a:rPr>
-              <a:t>  </a:t>
-            </a:r>
-            <a:r>
-              <a:rPr lang="en-US" sz="1400" dirty="0" err="1">
-                <a:solidFill>
-                  <a:schemeClr val="tx1">
-                    <a:lumMod val="85000"/>
-                    <a:lumOff val="15000"/>
-                  </a:schemeClr>
-                </a:solidFill>
-              </a:rPr>
-              <a:t>Parkplätzen</a:t>
-            </a:r>
-            <a:r>
-              <a:rPr lang="en-US" sz="1400" dirty="0">
-                <a:solidFill>
-                  <a:schemeClr val="tx1">
-                    <a:lumMod val="85000"/>
-                    <a:lumOff val="15000"/>
-                  </a:schemeClr>
-                </a:solidFill>
-              </a:rPr>
-              <a:t> </a:t>
-            </a:r>
-            <a:r>
-              <a:rPr lang="en-US" sz="1400" dirty="0" err="1">
-                <a:solidFill>
-                  <a:schemeClr val="tx1">
-                    <a:lumMod val="85000"/>
-                    <a:lumOff val="15000"/>
-                  </a:schemeClr>
-                </a:solidFill>
-              </a:rPr>
-              <a:t>geführt</a:t>
-            </a:r>
-            <a:r>
-              <a:rPr lang="en-US" sz="1400" dirty="0">
-                <a:solidFill>
-                  <a:schemeClr val="tx1">
-                    <a:lumMod val="85000"/>
-                    <a:lumOff val="15000"/>
-                  </a:schemeClr>
-                </a:solidFill>
-              </a:rPr>
-              <a:t> </a:t>
-            </a:r>
-            <a:r>
-              <a:rPr lang="en-US" sz="1400" dirty="0" err="1">
-                <a:solidFill>
-                  <a:schemeClr val="tx1">
-                    <a:lumMod val="85000"/>
-                    <a:lumOff val="15000"/>
-                  </a:schemeClr>
-                </a:solidFill>
-              </a:rPr>
-              <a:t>werden</a:t>
-            </a:r>
-            <a:r>
-              <a:rPr lang="en-US" sz="1400" dirty="0">
-                <a:solidFill>
-                  <a:schemeClr val="tx1">
-                    <a:lumMod val="85000"/>
-                    <a:lumOff val="15000"/>
-                  </a:schemeClr>
-                </a:solidFill>
-              </a:rPr>
-              <a:t>.</a:t>
+                  <a:schemeClr val="tx1"/>
+                </a:solidFill>
+                <a:latin typeface="Calibri" panose="020F0502020204030204" pitchFamily="34" charset="0"/>
+                <a:cs typeface="Calibri" panose="020F0502020204030204" pitchFamily="34" charset="0"/>
+              </a:rPr>
+              <a:t>ist</a:t>
+            </a:r>
+            <a:r>
+              <a:rPr lang="en-US" sz="1400" dirty="0">
+                <a:solidFill>
+                  <a:schemeClr val="tx1"/>
+                </a:solidFill>
+                <a:latin typeface="Calibri" panose="020F0502020204030204" pitchFamily="34" charset="0"/>
+                <a:cs typeface="Calibri" panose="020F0502020204030204" pitchFamily="34" charset="0"/>
+              </a:rPr>
+              <a:t>. </a:t>
             </a:r>
           </a:p>
           <a:p>
@@ -10349,6 +7862,558 @@
                 <a:spcPct val="90000"/>
               </a:lnSpc>
             </a:pPr>
+            <a:r>
+              <a:rPr lang="en-US" sz="1400" dirty="0">
+                <a:solidFill>
+                  <a:schemeClr val="tx1">
+                    <a:lumMod val="85000"/>
+                    <a:lumOff val="15000"/>
+                  </a:schemeClr>
+                </a:solidFill>
+                <a:latin typeface="Calibri" panose="020F0502020204030204" pitchFamily="34" charset="0"/>
+                <a:cs typeface="Calibri" panose="020F0502020204030204" pitchFamily="34" charset="0"/>
+              </a:rPr>
+              <a:t>Dies </a:t>
+            </a:r>
+            <a:r>
+              <a:rPr lang="en-US" sz="1400" dirty="0" err="1">
+                <a:solidFill>
+                  <a:schemeClr val="tx1">
+                    <a:lumMod val="85000"/>
+                    <a:lumOff val="15000"/>
+                  </a:schemeClr>
+                </a:solidFill>
+                <a:latin typeface="Calibri" panose="020F0502020204030204" pitchFamily="34" charset="0"/>
+                <a:cs typeface="Calibri" panose="020F0502020204030204" pitchFamily="34" charset="0"/>
+              </a:rPr>
+              <a:t>ermöglich</a:t>
+            </a:r>
+            <a:r>
+              <a:rPr lang="en-US" sz="1400" dirty="0">
+                <a:solidFill>
+                  <a:schemeClr val="tx1">
+                    <a:lumMod val="85000"/>
+                    <a:lumOff val="15000"/>
+                  </a:schemeClr>
+                </a:solidFill>
+                <a:latin typeface="Calibri" panose="020F0502020204030204" pitchFamily="34" charset="0"/>
+                <a:cs typeface="Calibri" panose="020F0502020204030204" pitchFamily="34" charset="0"/>
+              </a:rPr>
+              <a:t> es den </a:t>
+            </a:r>
+            <a:r>
+              <a:rPr lang="en-US" sz="1400" dirty="0" err="1">
+                <a:solidFill>
+                  <a:schemeClr val="tx1">
+                    <a:lumMod val="85000"/>
+                    <a:lumOff val="15000"/>
+                  </a:schemeClr>
+                </a:solidFill>
+                <a:latin typeface="Calibri" panose="020F0502020204030204" pitchFamily="34" charset="0"/>
+                <a:cs typeface="Calibri" panose="020F0502020204030204" pitchFamily="34" charset="0"/>
+              </a:rPr>
+              <a:t>Fahrern</a:t>
+            </a:r>
+            <a:r>
+              <a:rPr lang="en-US" sz="1400" dirty="0">
+                <a:solidFill>
+                  <a:schemeClr val="tx1">
+                    <a:lumMod val="85000"/>
+                    <a:lumOff val="15000"/>
+                  </a:schemeClr>
+                </a:solidFill>
+                <a:latin typeface="Calibri" panose="020F0502020204030204" pitchFamily="34" charset="0"/>
+                <a:cs typeface="Calibri" panose="020F0502020204030204" pitchFamily="34" charset="0"/>
+              </a:rPr>
+              <a:t> , </a:t>
+            </a:r>
+            <a:r>
+              <a:rPr lang="en-US" sz="1400" dirty="0" err="1">
+                <a:solidFill>
+                  <a:schemeClr val="tx1">
+                    <a:lumMod val="85000"/>
+                    <a:lumOff val="15000"/>
+                  </a:schemeClr>
+                </a:solidFill>
+                <a:latin typeface="Calibri" panose="020F0502020204030204" pitchFamily="34" charset="0"/>
+                <a:cs typeface="Calibri" panose="020F0502020204030204" pitchFamily="34" charset="0"/>
+              </a:rPr>
+              <a:t>ihre</a:t>
+            </a:r>
+            <a:r>
+              <a:rPr lang="en-US" sz="1400" dirty="0">
+                <a:solidFill>
+                  <a:schemeClr val="tx1">
+                    <a:lumMod val="85000"/>
+                    <a:lumOff val="15000"/>
+                  </a:schemeClr>
+                </a:solidFill>
+                <a:latin typeface="Calibri" panose="020F0502020204030204" pitchFamily="34" charset="0"/>
+                <a:cs typeface="Calibri" panose="020F0502020204030204" pitchFamily="34" charset="0"/>
+              </a:rPr>
+              <a:t> </a:t>
+            </a:r>
+            <a:r>
+              <a:rPr lang="en-US" sz="1400" dirty="0" err="1">
+                <a:solidFill>
+                  <a:schemeClr val="tx1">
+                    <a:lumMod val="85000"/>
+                    <a:lumOff val="15000"/>
+                  </a:schemeClr>
+                </a:solidFill>
+                <a:latin typeface="Calibri" panose="020F0502020204030204" pitchFamily="34" charset="0"/>
+                <a:cs typeface="Calibri" panose="020F0502020204030204" pitchFamily="34" charset="0"/>
+              </a:rPr>
+              <a:t>Ankunft</a:t>
+            </a:r>
+            <a:r>
+              <a:rPr lang="en-US" sz="1400" dirty="0">
+                <a:solidFill>
+                  <a:schemeClr val="tx1">
+                    <a:lumMod val="85000"/>
+                    <a:lumOff val="15000"/>
+                  </a:schemeClr>
+                </a:solidFill>
+                <a:latin typeface="Calibri" panose="020F0502020204030204" pitchFamily="34" charset="0"/>
+                <a:cs typeface="Calibri" panose="020F0502020204030204" pitchFamily="34" charset="0"/>
+              </a:rPr>
+              <a:t> </a:t>
+            </a:r>
+            <a:r>
+              <a:rPr lang="en-US" sz="1400" dirty="0" err="1">
+                <a:solidFill>
+                  <a:schemeClr val="tx1">
+                    <a:lumMod val="85000"/>
+                    <a:lumOff val="15000"/>
+                  </a:schemeClr>
+                </a:solidFill>
+                <a:latin typeface="Calibri" panose="020F0502020204030204" pitchFamily="34" charset="0"/>
+                <a:cs typeface="Calibri" panose="020F0502020204030204" pitchFamily="34" charset="0"/>
+              </a:rPr>
+              <a:t>zu</a:t>
+            </a:r>
+            <a:r>
+              <a:rPr lang="en-US" sz="1400" dirty="0">
+                <a:solidFill>
+                  <a:schemeClr val="tx1">
+                    <a:lumMod val="85000"/>
+                    <a:lumOff val="15000"/>
+                  </a:schemeClr>
+                </a:solidFill>
+                <a:latin typeface="Calibri" panose="020F0502020204030204" pitchFamily="34" charset="0"/>
+                <a:cs typeface="Calibri" panose="020F0502020204030204" pitchFamily="34" charset="0"/>
+              </a:rPr>
+              <a:t> </a:t>
+            </a:r>
+            <a:r>
+              <a:rPr lang="en-US" sz="1400" dirty="0" err="1">
+                <a:solidFill>
+                  <a:schemeClr val="tx1">
+                    <a:lumMod val="85000"/>
+                    <a:lumOff val="15000"/>
+                  </a:schemeClr>
+                </a:solidFill>
+                <a:latin typeface="Calibri" panose="020F0502020204030204" pitchFamily="34" charset="0"/>
+                <a:cs typeface="Calibri" panose="020F0502020204030204" pitchFamily="34" charset="0"/>
+              </a:rPr>
+              <a:t>planen</a:t>
+            </a:r>
+            <a:r>
+              <a:rPr lang="en-US" sz="1400" dirty="0">
+                <a:solidFill>
+                  <a:schemeClr val="tx1">
+                    <a:lumMod val="85000"/>
+                    <a:lumOff val="15000"/>
+                  </a:schemeClr>
+                </a:solidFill>
+                <a:latin typeface="Calibri" panose="020F0502020204030204" pitchFamily="34" charset="0"/>
+                <a:cs typeface="Calibri" panose="020F0502020204030204" pitchFamily="34" charset="0"/>
+              </a:rPr>
+              <a:t> und </a:t>
+            </a:r>
+            <a:r>
+              <a:rPr lang="en-US" sz="1400" dirty="0" err="1">
+                <a:solidFill>
+                  <a:schemeClr val="tx1">
+                    <a:lumMod val="85000"/>
+                    <a:lumOff val="15000"/>
+                  </a:schemeClr>
+                </a:solidFill>
+                <a:latin typeface="Calibri" panose="020F0502020204030204" pitchFamily="34" charset="0"/>
+                <a:cs typeface="Calibri" panose="020F0502020204030204" pitchFamily="34" charset="0"/>
+              </a:rPr>
+              <a:t>nicht</a:t>
+            </a:r>
+            <a:r>
+              <a:rPr lang="en-US" sz="1400" dirty="0">
+                <a:solidFill>
+                  <a:schemeClr val="tx1">
+                    <a:lumMod val="85000"/>
+                    <a:lumOff val="15000"/>
+                  </a:schemeClr>
+                </a:solidFill>
+                <a:latin typeface="Calibri" panose="020F0502020204030204" pitchFamily="34" charset="0"/>
+                <a:cs typeface="Calibri" panose="020F0502020204030204" pitchFamily="34" charset="0"/>
+              </a:rPr>
+              <a:t> </a:t>
+            </a:r>
+            <a:r>
+              <a:rPr lang="en-US" sz="1400" dirty="0" err="1">
+                <a:solidFill>
+                  <a:schemeClr val="tx1">
+                    <a:lumMod val="85000"/>
+                    <a:lumOff val="15000"/>
+                  </a:schemeClr>
+                </a:solidFill>
+                <a:latin typeface="Calibri" panose="020F0502020204030204" pitchFamily="34" charset="0"/>
+                <a:cs typeface="Calibri" panose="020F0502020204030204" pitchFamily="34" charset="0"/>
+              </a:rPr>
+              <a:t>unnötig</a:t>
+            </a:r>
+            <a:r>
+              <a:rPr lang="en-US" sz="1400" dirty="0">
+                <a:solidFill>
+                  <a:schemeClr val="tx1">
+                    <a:lumMod val="85000"/>
+                    <a:lumOff val="15000"/>
+                  </a:schemeClr>
+                </a:solidFill>
+                <a:latin typeface="Calibri" panose="020F0502020204030204" pitchFamily="34" charset="0"/>
+                <a:cs typeface="Calibri" panose="020F0502020204030204" pitchFamily="34" charset="0"/>
+              </a:rPr>
+              <a:t> </a:t>
+            </a:r>
+            <a:r>
+              <a:rPr lang="en-US" sz="1400" dirty="0" err="1">
+                <a:solidFill>
+                  <a:schemeClr val="tx1">
+                    <a:lumMod val="85000"/>
+                    <a:lumOff val="15000"/>
+                  </a:schemeClr>
+                </a:solidFill>
+                <a:latin typeface="Calibri" panose="020F0502020204030204" pitchFamily="34" charset="0"/>
+                <a:cs typeface="Calibri" panose="020F0502020204030204" pitchFamily="34" charset="0"/>
+              </a:rPr>
+              <a:t>im</a:t>
+            </a:r>
+            <a:r>
+              <a:rPr lang="en-US" sz="1400" dirty="0">
+                <a:solidFill>
+                  <a:schemeClr val="tx1">
+                    <a:lumMod val="85000"/>
+                    <a:lumOff val="15000"/>
+                  </a:schemeClr>
+                </a:solidFill>
+                <a:latin typeface="Calibri" panose="020F0502020204030204" pitchFamily="34" charset="0"/>
+                <a:cs typeface="Calibri" panose="020F0502020204030204" pitchFamily="34" charset="0"/>
+              </a:rPr>
+              <a:t> </a:t>
+            </a:r>
+            <a:r>
+              <a:rPr lang="en-US" sz="1400" dirty="0" err="1">
+                <a:solidFill>
+                  <a:schemeClr val="tx1">
+                    <a:lumMod val="85000"/>
+                    <a:lumOff val="15000"/>
+                  </a:schemeClr>
+                </a:solidFill>
+                <a:latin typeface="Calibri" panose="020F0502020204030204" pitchFamily="34" charset="0"/>
+                <a:cs typeface="Calibri" panose="020F0502020204030204" pitchFamily="34" charset="0"/>
+              </a:rPr>
+              <a:t>Verkehr</a:t>
+            </a:r>
+            <a:r>
+              <a:rPr lang="en-US" sz="1400" dirty="0">
+                <a:solidFill>
+                  <a:schemeClr val="tx1">
+                    <a:lumMod val="85000"/>
+                    <a:lumOff val="15000"/>
+                  </a:schemeClr>
+                </a:solidFill>
+                <a:latin typeface="Calibri" panose="020F0502020204030204" pitchFamily="34" charset="0"/>
+                <a:cs typeface="Calibri" panose="020F0502020204030204" pitchFamily="34" charset="0"/>
+              </a:rPr>
+              <a:t> </a:t>
+            </a:r>
+            <a:r>
+              <a:rPr lang="en-US" sz="1400" dirty="0" err="1">
+                <a:solidFill>
+                  <a:schemeClr val="tx1">
+                    <a:lumMod val="85000"/>
+                    <a:lumOff val="15000"/>
+                  </a:schemeClr>
+                </a:solidFill>
+                <a:latin typeface="Calibri" panose="020F0502020204030204" pitchFamily="34" charset="0"/>
+                <a:cs typeface="Calibri" panose="020F0502020204030204" pitchFamily="34" charset="0"/>
+              </a:rPr>
+              <a:t>herumzufahren</a:t>
+            </a:r>
+            <a:r>
+              <a:rPr lang="en-US" sz="1400" dirty="0">
+                <a:solidFill>
+                  <a:schemeClr val="tx1">
+                    <a:lumMod val="85000"/>
+                    <a:lumOff val="15000"/>
+                  </a:schemeClr>
+                </a:solidFill>
+                <a:latin typeface="Calibri" panose="020F0502020204030204" pitchFamily="34" charset="0"/>
+                <a:cs typeface="Calibri" panose="020F0502020204030204" pitchFamily="34" charset="0"/>
+              </a:rPr>
+              <a:t>.</a:t>
+            </a:r>
+          </a:p>
+          <a:p>
+            <a:pPr algn="l">
+              <a:lnSpc>
+                <a:spcPct val="90000"/>
+              </a:lnSpc>
+            </a:pPr>
+            <a:br>
+              <a:rPr lang="en-US" sz="1400" dirty="0">
+                <a:solidFill>
+                  <a:schemeClr val="tx1">
+                    <a:lumMod val="85000"/>
+                    <a:lumOff val="15000"/>
+                  </a:schemeClr>
+                </a:solidFill>
+                <a:latin typeface="Calibri" panose="020F0502020204030204" pitchFamily="34" charset="0"/>
+                <a:cs typeface="Calibri" panose="020F0502020204030204" pitchFamily="34" charset="0"/>
+              </a:rPr>
+            </a:br>
+            <a:r>
+              <a:rPr lang="en-US" sz="1400" dirty="0">
+                <a:solidFill>
+                  <a:schemeClr val="tx1">
+                    <a:lumMod val="85000"/>
+                    <a:lumOff val="15000"/>
+                  </a:schemeClr>
+                </a:solidFill>
+                <a:latin typeface="Calibri" panose="020F0502020204030204" pitchFamily="34" charset="0"/>
+                <a:cs typeface="Calibri" panose="020F0502020204030204" pitchFamily="34" charset="0"/>
+              </a:rPr>
+              <a:t>Die </a:t>
+            </a:r>
+            <a:r>
+              <a:rPr lang="en-US" sz="1400" dirty="0" err="1">
+                <a:solidFill>
+                  <a:schemeClr val="tx1">
+                    <a:lumMod val="85000"/>
+                    <a:lumOff val="15000"/>
+                  </a:schemeClr>
+                </a:solidFill>
+                <a:latin typeface="Calibri" panose="020F0502020204030204" pitchFamily="34" charset="0"/>
+                <a:cs typeface="Calibri" panose="020F0502020204030204" pitchFamily="34" charset="0"/>
+              </a:rPr>
+              <a:t>Transparenz</a:t>
+            </a:r>
+            <a:r>
+              <a:rPr lang="en-US" sz="1400" dirty="0">
+                <a:solidFill>
+                  <a:schemeClr val="tx1">
+                    <a:lumMod val="85000"/>
+                    <a:lumOff val="15000"/>
+                  </a:schemeClr>
+                </a:solidFill>
+                <a:latin typeface="Calibri" panose="020F0502020204030204" pitchFamily="34" charset="0"/>
+                <a:cs typeface="Calibri" panose="020F0502020204030204" pitchFamily="34" charset="0"/>
+              </a:rPr>
+              <a:t> in </a:t>
+            </a:r>
+            <a:r>
+              <a:rPr lang="en-US" sz="1400" dirty="0" err="1">
+                <a:solidFill>
+                  <a:schemeClr val="tx1">
+                    <a:lumMod val="85000"/>
+                    <a:lumOff val="15000"/>
+                  </a:schemeClr>
+                </a:solidFill>
+                <a:latin typeface="Calibri" panose="020F0502020204030204" pitchFamily="34" charset="0"/>
+                <a:cs typeface="Calibri" panose="020F0502020204030204" pitchFamily="34" charset="0"/>
+              </a:rPr>
+              <a:t>Bezug</a:t>
+            </a:r>
+            <a:r>
+              <a:rPr lang="en-US" sz="1400" dirty="0">
+                <a:solidFill>
+                  <a:schemeClr val="tx1">
+                    <a:lumMod val="85000"/>
+                    <a:lumOff val="15000"/>
+                  </a:schemeClr>
+                </a:solidFill>
+                <a:latin typeface="Calibri" panose="020F0502020204030204" pitchFamily="34" charset="0"/>
+                <a:cs typeface="Calibri" panose="020F0502020204030204" pitchFamily="34" charset="0"/>
+              </a:rPr>
+              <a:t> auf die </a:t>
+            </a:r>
+            <a:r>
+              <a:rPr lang="en-US" sz="1400" dirty="0" err="1">
+                <a:solidFill>
+                  <a:schemeClr val="tx1">
+                    <a:lumMod val="85000"/>
+                    <a:lumOff val="15000"/>
+                  </a:schemeClr>
+                </a:solidFill>
+                <a:latin typeface="Calibri" panose="020F0502020204030204" pitchFamily="34" charset="0"/>
+                <a:cs typeface="Calibri" panose="020F0502020204030204" pitchFamily="34" charset="0"/>
+              </a:rPr>
+              <a:t>Parkplatzverfügbarkeit</a:t>
+            </a:r>
+            <a:r>
+              <a:rPr lang="en-US" sz="1400" dirty="0">
+                <a:solidFill>
+                  <a:schemeClr val="tx1">
+                    <a:lumMod val="85000"/>
+                    <a:lumOff val="15000"/>
+                  </a:schemeClr>
+                </a:solidFill>
+                <a:latin typeface="Calibri" panose="020F0502020204030204" pitchFamily="34" charset="0"/>
+                <a:cs typeface="Calibri" panose="020F0502020204030204" pitchFamily="34" charset="0"/>
+              </a:rPr>
+              <a:t> </a:t>
+            </a:r>
+            <a:r>
+              <a:rPr lang="en-US" sz="1400" dirty="0" err="1">
+                <a:solidFill>
+                  <a:schemeClr val="tx1">
+                    <a:lumMod val="85000"/>
+                    <a:lumOff val="15000"/>
+                  </a:schemeClr>
+                </a:solidFill>
+                <a:latin typeface="Calibri" panose="020F0502020204030204" pitchFamily="34" charset="0"/>
+                <a:cs typeface="Calibri" panose="020F0502020204030204" pitchFamily="34" charset="0"/>
+              </a:rPr>
+              <a:t>fördert</a:t>
+            </a:r>
+            <a:r>
+              <a:rPr lang="en-US" sz="1400" dirty="0">
+                <a:solidFill>
+                  <a:schemeClr val="tx1">
+                    <a:lumMod val="85000"/>
+                    <a:lumOff val="15000"/>
+                  </a:schemeClr>
+                </a:solidFill>
+                <a:latin typeface="Calibri" panose="020F0502020204030204" pitchFamily="34" charset="0"/>
+                <a:cs typeface="Calibri" panose="020F0502020204030204" pitchFamily="34" charset="0"/>
+              </a:rPr>
+              <a:t> </a:t>
+            </a:r>
+            <a:r>
+              <a:rPr lang="en-US" sz="1400" dirty="0" err="1">
+                <a:solidFill>
+                  <a:schemeClr val="tx1">
+                    <a:lumMod val="85000"/>
+                    <a:lumOff val="15000"/>
+                  </a:schemeClr>
+                </a:solidFill>
+                <a:latin typeface="Calibri" panose="020F0502020204030204" pitchFamily="34" charset="0"/>
+                <a:cs typeface="Calibri" panose="020F0502020204030204" pitchFamily="34" charset="0"/>
+              </a:rPr>
+              <a:t>eine</a:t>
+            </a:r>
+            <a:r>
+              <a:rPr lang="en-US" sz="1400" dirty="0">
+                <a:solidFill>
+                  <a:schemeClr val="tx1">
+                    <a:lumMod val="85000"/>
+                    <a:lumOff val="15000"/>
+                  </a:schemeClr>
+                </a:solidFill>
+                <a:latin typeface="Calibri" panose="020F0502020204030204" pitchFamily="34" charset="0"/>
+                <a:cs typeface="Calibri" panose="020F0502020204030204" pitchFamily="34" charset="0"/>
+              </a:rPr>
+              <a:t> </a:t>
+            </a:r>
+            <a:r>
+              <a:rPr lang="en-US" sz="1400" dirty="0" err="1">
+                <a:solidFill>
+                  <a:schemeClr val="tx1">
+                    <a:lumMod val="85000"/>
+                    <a:lumOff val="15000"/>
+                  </a:schemeClr>
+                </a:solidFill>
+                <a:latin typeface="Calibri" panose="020F0502020204030204" pitchFamily="34" charset="0"/>
+                <a:cs typeface="Calibri" panose="020F0502020204030204" pitchFamily="34" charset="0"/>
+              </a:rPr>
+              <a:t>effizientere</a:t>
+            </a:r>
+            <a:r>
+              <a:rPr lang="en-US" sz="1400" dirty="0">
+                <a:solidFill>
+                  <a:schemeClr val="tx1">
+                    <a:lumMod val="85000"/>
+                    <a:lumOff val="15000"/>
+                  </a:schemeClr>
+                </a:solidFill>
+                <a:latin typeface="Calibri" panose="020F0502020204030204" pitchFamily="34" charset="0"/>
+                <a:cs typeface="Calibri" panose="020F0502020204030204" pitchFamily="34" charset="0"/>
+              </a:rPr>
+              <a:t> </a:t>
+            </a:r>
+            <a:r>
+              <a:rPr lang="en-US" sz="1400" dirty="0" err="1">
+                <a:solidFill>
+                  <a:schemeClr val="tx1">
+                    <a:lumMod val="85000"/>
+                    <a:lumOff val="15000"/>
+                  </a:schemeClr>
+                </a:solidFill>
+                <a:latin typeface="Calibri" panose="020F0502020204030204" pitchFamily="34" charset="0"/>
+                <a:cs typeface="Calibri" panose="020F0502020204030204" pitchFamily="34" charset="0"/>
+              </a:rPr>
+              <a:t>Nutzung</a:t>
+            </a:r>
+            <a:r>
+              <a:rPr lang="en-US" sz="1400" dirty="0">
+                <a:solidFill>
+                  <a:schemeClr val="tx1">
+                    <a:lumMod val="85000"/>
+                    <a:lumOff val="15000"/>
+                  </a:schemeClr>
+                </a:solidFill>
+                <a:latin typeface="Calibri" panose="020F0502020204030204" pitchFamily="34" charset="0"/>
+                <a:cs typeface="Calibri" panose="020F0502020204030204" pitchFamily="34" charset="0"/>
+              </a:rPr>
+              <a:t> der </a:t>
+            </a:r>
+            <a:r>
+              <a:rPr lang="en-US" sz="1400" dirty="0" err="1">
+                <a:solidFill>
+                  <a:schemeClr val="tx1">
+                    <a:lumMod val="85000"/>
+                    <a:lumOff val="15000"/>
+                  </a:schemeClr>
+                </a:solidFill>
+                <a:latin typeface="Calibri" panose="020F0502020204030204" pitchFamily="34" charset="0"/>
+                <a:cs typeface="Calibri" panose="020F0502020204030204" pitchFamily="34" charset="0"/>
+              </a:rPr>
+              <a:t>vorhandenen</a:t>
+            </a:r>
+            <a:r>
+              <a:rPr lang="en-US" sz="1400" dirty="0">
+                <a:solidFill>
+                  <a:schemeClr val="tx1">
+                    <a:lumMod val="85000"/>
+                    <a:lumOff val="15000"/>
+                  </a:schemeClr>
+                </a:solidFill>
+                <a:latin typeface="Calibri" panose="020F0502020204030204" pitchFamily="34" charset="0"/>
+                <a:cs typeface="Calibri" panose="020F0502020204030204" pitchFamily="34" charset="0"/>
+              </a:rPr>
+              <a:t> </a:t>
+            </a:r>
+            <a:r>
+              <a:rPr lang="en-US" sz="1400" dirty="0" err="1">
+                <a:solidFill>
+                  <a:schemeClr val="tx1">
+                    <a:lumMod val="85000"/>
+                    <a:lumOff val="15000"/>
+                  </a:schemeClr>
+                </a:solidFill>
+                <a:latin typeface="Calibri" panose="020F0502020204030204" pitchFamily="34" charset="0"/>
+                <a:cs typeface="Calibri" panose="020F0502020204030204" pitchFamily="34" charset="0"/>
+              </a:rPr>
+              <a:t>Parkflächen</a:t>
+            </a:r>
             <a:endParaRPr lang="en-US" sz="1400" dirty="0">
               <a:solidFill>
                 <a:schemeClr val="tx1">
@@ -10356,84 +8421,18 @@
                   <a:lumOff val="15000"/>
                 </a:schemeClr>
               </a:solidFill>
-            </a:endParaRPr>
-          </a:p>
-          <a:p>
-            <a:pPr algn="l">
-              <a:lnSpc>
-                <a:spcPct val="90000"/>
-              </a:lnSpc>
-            </a:pPr>
-            <a:r>
-              <a:rPr lang="de-DE" sz="1400" b="0" i="0" dirty="0">
-                <a:solidFill>
-                  <a:schemeClr val="tx1"/>
-                </a:solidFill>
-                <a:effectLst/>
-                <a:latin typeface="+mj-lt"/>
-              </a:rPr>
-              <a:t>Das System optimiert die Parkplatznutzung, spart Raum und schützt somit Grünflächen und verhilft zu einem </a:t>
-            </a:r>
-            <a:r>
-              <a:rPr lang="de-DE" sz="1400" b="0" i="0" dirty="0" err="1">
-                <a:solidFill>
-                  <a:schemeClr val="tx1"/>
-                </a:solidFill>
-                <a:effectLst/>
-                <a:latin typeface="+mj-lt"/>
-              </a:rPr>
-              <a:t>niedriegeren</a:t>
-            </a:r>
-            <a:r>
-              <a:rPr lang="de-DE" sz="1400" b="0" i="0" dirty="0">
-                <a:solidFill>
-                  <a:schemeClr val="tx1"/>
-                </a:solidFill>
-                <a:effectLst/>
-                <a:latin typeface="+mj-lt"/>
-              </a:rPr>
-              <a:t> CO2 </a:t>
-            </a:r>
-            <a:r>
-              <a:rPr lang="de-DE" sz="1400" b="0" i="0" dirty="0" err="1">
-                <a:solidFill>
-                  <a:schemeClr val="tx1"/>
-                </a:solidFill>
-                <a:effectLst/>
-                <a:latin typeface="+mj-lt"/>
-              </a:rPr>
-              <a:t>ausstoß</a:t>
-            </a:r>
-            <a:endParaRPr lang="en-US" sz="1400" dirty="0">
-              <a:solidFill>
-                <a:schemeClr val="tx1"/>
-              </a:solidFill>
-              <a:latin typeface="+mj-lt"/>
-            </a:endParaRPr>
-          </a:p>
-          <a:p>
-            <a:pPr algn="l">
-              <a:lnSpc>
-                <a:spcPct val="90000"/>
-              </a:lnSpc>
-            </a:pPr>
-            <a:endParaRPr lang="en-US" sz="1600" dirty="0">
-              <a:solidFill>
-                <a:schemeClr val="tx1">
-                  <a:lumMod val="85000"/>
-                  <a:lumOff val="15000"/>
-                </a:schemeClr>
-              </a:solidFill>
+              <a:latin typeface="Calibri" panose="020F0502020204030204" pitchFamily="34" charset="0"/>
+              <a:cs typeface="Calibri" panose="020F0502020204030204" pitchFamily="34" charset="0"/>
             </a:endParaRPr>
           </a:p>
         </p:txBody>
       </p:sp>
       <p:pic>
         <p:nvPicPr>
-          <p:cNvPr id="6" name="Bildplatzhalter 5" descr="Ein Bild, das Fahrzeug, Landfahrzeug, Auto, Decke enthält.&#10;&#10;Automatisch generierte Beschreibung">
+          <p:cNvPr id="6" name="Bildplatzhalter 5" descr="Ein Bild, das Rad, Fahrzeug, Landfahrzeug, Reifen enthält.&#10;&#10;Automatisch generierte Beschreibung">
             <a:extLst>
               <a:ext uri="{FF2B5EF4-FFF2-40B4-BE49-F238E27FC236}">
-                <a16:creationId xmlns:a16="http://schemas.microsoft.com/office/drawing/2014/main" id="{8BADD702-25E4-C4D3-B10C-0F4135ACBF36}"/>
+                <a16:creationId xmlns:a16="http://schemas.microsoft.com/office/drawing/2014/main" id="{0E4A950C-65BE-8B45-2702-9350261E349B}"/>
               </a:ext>
             </a:extLst>
           </p:cNvPr>
@@ -10446,7 +8445,7 @@
         </p:nvPicPr>
         <p:blipFill rotWithShape="1">
           <a:blip r:embed="rId2"/>
-          <a:srcRect l="12270" r="21508" b="-1"/>
+          <a:srcRect l="9341" r="17292" b="-1"/>
           <a:stretch/>
         </p:blipFill>
         <p:spPr>
@@ -10462,7 +8461,7 @@
     </p:spTree>
     <p:extLst>
       <p:ext uri="{BB962C8B-B14F-4D97-AF65-F5344CB8AC3E}">
-        <p14:creationId xmlns:p14="http://schemas.microsoft.com/office/powerpoint/2010/main" val="3688364677"/>
+        <p14:creationId xmlns:p14="http://schemas.microsoft.com/office/powerpoint/2010/main" val="1577006244"/>
       </p:ext>
     </p:extLst>
   </p:cSld>
@@ -10533,24 +8532,29 @@
             <p:ph idx="1"/>
           </p:nvPr>
         </p:nvSpPr>
-        <p:spPr/>
+        <p:spPr>
+          <a:xfrm>
+            <a:off x="2231136" y="2417736"/>
+            <a:ext cx="7729728" cy="3322291"/>
+          </a:xfrm>
+        </p:spPr>
         <p:txBody>
           <a:bodyPr>
-            <a:normAutofit/>
+            <a:normAutofit lnSpcReduction="10000"/>
           </a:bodyPr>
           <a:lstStyle/>
           <a:p>
-            <a:r>
-              <a:rPr lang="de-DE" sz="1400" b="0" i="0" u="none" strike="noStrike" dirty="0">
-                <a:solidFill>
-                  <a:srgbClr val="000000"/>
-                </a:solidFill>
-                <a:effectLst/>
-                <a:latin typeface="Calibri" panose="020F0502020204030204" pitchFamily="34" charset="0"/>
-                <a:cs typeface="Calibri" panose="020F0502020204030204" pitchFamily="34" charset="0"/>
-              </a:rPr>
-              <a:t>Risiken</a:t>
-            </a:r>
+            <a:pPr marL="0" indent="0">
+              <a:buNone/>
+            </a:pPr>
+            <a:endParaRPr lang="de-DE" sz="1400" b="0" i="0" u="none" strike="noStrike" dirty="0">
+              <a:solidFill>
+                <a:srgbClr val="000000"/>
+              </a:solidFill>
+              <a:effectLst/>
+              <a:latin typeface="Calibri" panose="020F0502020204030204" pitchFamily="34" charset="0"/>
+              <a:cs typeface="Calibri" panose="020F0502020204030204" pitchFamily="34" charset="0"/>
+            </a:endParaRPr>
           </a:p>
           <a:p>
             <a:r>
@@ -10601,6 +8605,15 @@
                 <a:latin typeface="Calibri" panose="020F0502020204030204" pitchFamily="34" charset="0"/>
                 <a:cs typeface="Calibri" panose="020F0502020204030204" pitchFamily="34" charset="0"/>
               </a:rPr>
+              <a:t>Quellcode</a:t>
+            </a:r>
+          </a:p>
+          <a:p>
+            <a:r>
+              <a:rPr lang="de-DE" sz="1400" dirty="0">
+                <a:latin typeface="Calibri" panose="020F0502020204030204" pitchFamily="34" charset="0"/>
+                <a:cs typeface="Calibri" panose="020F0502020204030204" pitchFamily="34" charset="0"/>
+              </a:rPr>
               <a:t>Verfügbarkeiten</a:t>
             </a:r>
           </a:p>
@@ -10630,6 +8643,23 @@
               </a:rPr>
               <a:t>Zusammenfassung </a:t>
             </a:r>
+          </a:p>
+          <a:p>
+            <a:pPr marL="0" indent="0">
+              <a:buNone/>
+            </a:pPr>
+            <a:endParaRPr lang="de-DE" sz="1400" dirty="0">
+              <a:latin typeface="Calibri" panose="020F0502020204030204" pitchFamily="34" charset="0"/>
+              <a:cs typeface="Calibri" panose="020F0502020204030204" pitchFamily="34" charset="0"/>
+            </a:endParaRPr>
+          </a:p>
+          <a:p>
+            <a:endParaRPr lang="de-DE" sz="1400" dirty="0">
+              <a:latin typeface="Calibri" panose="020F0502020204030204" pitchFamily="34" charset="0"/>
+              <a:cs typeface="Calibri" panose="020F0502020204030204" pitchFamily="34" charset="0"/>
+            </a:endParaRPr>
+          </a:p>
+          <a:p>
             <a:endParaRPr lang="de-DE" sz="1400" dirty="0"/>
           </a:p>
         </p:txBody>
@@ -10638,6 +8668,3287 @@
     <p:extLst>
       <p:ext uri="{BB962C8B-B14F-4D97-AF65-F5344CB8AC3E}">
         <p14:creationId xmlns:p14="http://schemas.microsoft.com/office/powerpoint/2010/main" val="1498949964"/>
+      </p:ext>
+    </p:extLst>
+  </p:cSld>
+  <p:clrMapOvr>
+    <a:masterClrMapping/>
+  </p:clrMapOvr>
+</p:sld>
+</file>
+
+<file path=ppt/slides/slide30.xml><?xml version="1.0" encoding="utf-8"?>
+<p:sld xmlns:a="http://schemas.openxmlformats.org/drawingml/2006/main" xmlns:r="http://schemas.openxmlformats.org/officeDocument/2006/relationships" xmlns:p="http://schemas.openxmlformats.org/presentationml/2006/main">
+  <p:cSld>
+    <p:bg>
+      <p:bgPr>
+        <a:solidFill>
+          <a:schemeClr val="bg1">
+            <a:lumMod val="95000"/>
+          </a:schemeClr>
+        </a:solidFill>
+        <a:effectLst/>
+      </p:bgPr>
+    </p:bg>
+    <p:spTree>
+      <p:nvGrpSpPr>
+        <p:cNvPr id="1" name=""/>
+        <p:cNvGrpSpPr/>
+        <p:nvPr/>
+      </p:nvGrpSpPr>
+      <p:grpSpPr>
+        <a:xfrm>
+          <a:off x="0" y="0"/>
+          <a:ext cx="0" cy="0"/>
+          <a:chOff x="0" y="0"/>
+          <a:chExt cx="0" cy="0"/>
+        </a:xfrm>
+      </p:grpSpPr>
+      <p:sp>
+        <p:nvSpPr>
+          <p:cNvPr id="2" name="Titel 1">
+            <a:extLst>
+              <a:ext uri="{FF2B5EF4-FFF2-40B4-BE49-F238E27FC236}">
+                <a16:creationId xmlns:a16="http://schemas.microsoft.com/office/drawing/2014/main" id="{0EF8A343-07AF-C813-02C1-B110E6219EC3}"/>
+              </a:ext>
+            </a:extLst>
+          </p:cNvPr>
+          <p:cNvSpPr>
+            <a:spLocks noGrp="1"/>
+          </p:cNvSpPr>
+          <p:nvPr>
+            <p:ph type="title"/>
+          </p:nvPr>
+        </p:nvSpPr>
+        <p:spPr>
+          <a:xfrm>
+            <a:off x="804670" y="978776"/>
+            <a:ext cx="3044953" cy="1174991"/>
+          </a:xfrm>
+        </p:spPr>
+        <p:txBody>
+          <a:bodyPr vert="horz" lIns="182880" tIns="182880" rIns="182880" bIns="182880" rtlCol="0" anchor="ctr">
+            <a:normAutofit fontScale="90000"/>
+          </a:bodyPr>
+          <a:lstStyle/>
+          <a:p>
+            <a:br>
+              <a:rPr lang="en-US" sz="2000" dirty="0"/>
+            </a:br>
+            <a:r>
+              <a:rPr lang="en-US" sz="2000" dirty="0" err="1"/>
+              <a:t>Zuweisung</a:t>
+            </a:r>
+            <a:r>
+              <a:rPr lang="en-US" sz="2000" dirty="0"/>
+              <a:t> </a:t>
+            </a:r>
+            <a:br>
+              <a:rPr lang="en-US" sz="2000" dirty="0"/>
+            </a:br>
+            <a:endParaRPr lang="en-US" sz="2000" dirty="0"/>
+          </a:p>
+        </p:txBody>
+      </p:sp>
+      <p:sp>
+        <p:nvSpPr>
+          <p:cNvPr id="4" name="Textplatzhalter 3">
+            <a:extLst>
+              <a:ext uri="{FF2B5EF4-FFF2-40B4-BE49-F238E27FC236}">
+                <a16:creationId xmlns:a16="http://schemas.microsoft.com/office/drawing/2014/main" id="{35F9B340-9151-7134-1174-2A4411F0AD7A}"/>
+              </a:ext>
+            </a:extLst>
+          </p:cNvPr>
+          <p:cNvSpPr>
+            <a:spLocks noGrp="1"/>
+          </p:cNvSpPr>
+          <p:nvPr>
+            <p:ph type="body" sz="half" idx="2"/>
+          </p:nvPr>
+        </p:nvSpPr>
+        <p:spPr>
+          <a:xfrm>
+            <a:off x="804670" y="2640692"/>
+            <a:ext cx="3044952" cy="3255252"/>
+          </a:xfrm>
+        </p:spPr>
+        <p:txBody>
+          <a:bodyPr vert="horz" lIns="91440" tIns="45720" rIns="91440" bIns="45720" rtlCol="0">
+            <a:normAutofit/>
+          </a:bodyPr>
+          <a:lstStyle/>
+          <a:p>
+            <a:pPr algn="l">
+              <a:lnSpc>
+                <a:spcPct val="90000"/>
+              </a:lnSpc>
+            </a:pPr>
+            <a:r>
+              <a:rPr lang="en-US" sz="1400" dirty="0" err="1">
+                <a:solidFill>
+                  <a:schemeClr val="tx1">
+                    <a:lumMod val="85000"/>
+                    <a:lumOff val="15000"/>
+                  </a:schemeClr>
+                </a:solidFill>
+                <a:latin typeface="Calibri" panose="020F0502020204030204" pitchFamily="34" charset="0"/>
+                <a:cs typeface="Calibri" panose="020F0502020204030204" pitchFamily="34" charset="0"/>
+              </a:rPr>
+              <a:t>Unsere</a:t>
+            </a:r>
+            <a:r>
+              <a:rPr lang="en-US" sz="1400" dirty="0">
+                <a:solidFill>
+                  <a:schemeClr val="tx1">
+                    <a:lumMod val="85000"/>
+                    <a:lumOff val="15000"/>
+                  </a:schemeClr>
+                </a:solidFill>
+                <a:latin typeface="Calibri" panose="020F0502020204030204" pitchFamily="34" charset="0"/>
+                <a:cs typeface="Calibri" panose="020F0502020204030204" pitchFamily="34" charset="0"/>
+              </a:rPr>
+              <a:t> </a:t>
+            </a:r>
+            <a:r>
+              <a:rPr lang="en-US" sz="1400" dirty="0" err="1">
+                <a:solidFill>
+                  <a:schemeClr val="tx1">
+                    <a:lumMod val="85000"/>
+                    <a:lumOff val="15000"/>
+                  </a:schemeClr>
+                </a:solidFill>
+                <a:latin typeface="Calibri" panose="020F0502020204030204" pitchFamily="34" charset="0"/>
+                <a:cs typeface="Calibri" panose="020F0502020204030204" pitchFamily="34" charset="0"/>
+              </a:rPr>
+              <a:t>Lösung</a:t>
+            </a:r>
+            <a:r>
+              <a:rPr lang="en-US" sz="1400" dirty="0">
+                <a:solidFill>
+                  <a:schemeClr val="tx1">
+                    <a:lumMod val="85000"/>
+                    <a:lumOff val="15000"/>
+                  </a:schemeClr>
+                </a:solidFill>
+                <a:latin typeface="Calibri" panose="020F0502020204030204" pitchFamily="34" charset="0"/>
+                <a:cs typeface="Calibri" panose="020F0502020204030204" pitchFamily="34" charset="0"/>
+              </a:rPr>
+              <a:t> </a:t>
+            </a:r>
+            <a:r>
+              <a:rPr lang="en-US" sz="1400" dirty="0" err="1">
+                <a:solidFill>
+                  <a:schemeClr val="tx1">
+                    <a:lumMod val="85000"/>
+                    <a:lumOff val="15000"/>
+                  </a:schemeClr>
+                </a:solidFill>
+                <a:latin typeface="Calibri" panose="020F0502020204030204" pitchFamily="34" charset="0"/>
+                <a:cs typeface="Calibri" panose="020F0502020204030204" pitchFamily="34" charset="0"/>
+              </a:rPr>
+              <a:t>basiert</a:t>
+            </a:r>
+            <a:r>
+              <a:rPr lang="en-US" sz="1400" dirty="0">
+                <a:solidFill>
+                  <a:schemeClr val="tx1">
+                    <a:lumMod val="85000"/>
+                    <a:lumOff val="15000"/>
+                  </a:schemeClr>
+                </a:solidFill>
+                <a:latin typeface="Calibri" panose="020F0502020204030204" pitchFamily="34" charset="0"/>
+                <a:cs typeface="Calibri" panose="020F0502020204030204" pitchFamily="34" charset="0"/>
+              </a:rPr>
+              <a:t> auf </a:t>
+            </a:r>
+            <a:r>
+              <a:rPr lang="en-US" sz="1400" dirty="0" err="1">
+                <a:solidFill>
+                  <a:schemeClr val="tx1">
+                    <a:lumMod val="85000"/>
+                    <a:lumOff val="15000"/>
+                  </a:schemeClr>
+                </a:solidFill>
+                <a:latin typeface="Calibri" panose="020F0502020204030204" pitchFamily="34" charset="0"/>
+                <a:cs typeface="Calibri" panose="020F0502020204030204" pitchFamily="34" charset="0"/>
+              </a:rPr>
+              <a:t>intelligenten</a:t>
+            </a:r>
+            <a:r>
+              <a:rPr lang="en-US" sz="1400" dirty="0">
+                <a:solidFill>
+                  <a:schemeClr val="tx1">
+                    <a:lumMod val="85000"/>
+                    <a:lumOff val="15000"/>
+                  </a:schemeClr>
+                </a:solidFill>
+                <a:latin typeface="Calibri" panose="020F0502020204030204" pitchFamily="34" charset="0"/>
+                <a:cs typeface="Calibri" panose="020F0502020204030204" pitchFamily="34" charset="0"/>
+              </a:rPr>
+              <a:t> </a:t>
+            </a:r>
+            <a:r>
+              <a:rPr lang="en-US" sz="1400" dirty="0" err="1">
+                <a:solidFill>
+                  <a:schemeClr val="tx1">
+                    <a:lumMod val="85000"/>
+                    <a:lumOff val="15000"/>
+                  </a:schemeClr>
+                </a:solidFill>
+                <a:latin typeface="Calibri" panose="020F0502020204030204" pitchFamily="34" charset="0"/>
+                <a:cs typeface="Calibri" panose="020F0502020204030204" pitchFamily="34" charset="0"/>
+              </a:rPr>
+              <a:t>Algorithmen</a:t>
+            </a:r>
+            <a:r>
+              <a:rPr lang="en-US" sz="1400" dirty="0">
+                <a:solidFill>
+                  <a:schemeClr val="tx1">
+                    <a:lumMod val="85000"/>
+                    <a:lumOff val="15000"/>
+                  </a:schemeClr>
+                </a:solidFill>
+                <a:latin typeface="Calibri" panose="020F0502020204030204" pitchFamily="34" charset="0"/>
+                <a:cs typeface="Calibri" panose="020F0502020204030204" pitchFamily="34" charset="0"/>
+              </a:rPr>
+              <a:t> und </a:t>
+            </a:r>
+            <a:r>
+              <a:rPr lang="en-US" sz="1400" dirty="0" err="1">
+                <a:solidFill>
+                  <a:schemeClr val="tx1">
+                    <a:lumMod val="85000"/>
+                    <a:lumOff val="15000"/>
+                  </a:schemeClr>
+                </a:solidFill>
+                <a:latin typeface="Calibri" panose="020F0502020204030204" pitchFamily="34" charset="0"/>
+                <a:cs typeface="Calibri" panose="020F0502020204030204" pitchFamily="34" charset="0"/>
+              </a:rPr>
+              <a:t>Sensoren</a:t>
+            </a:r>
+            <a:r>
+              <a:rPr lang="en-US" sz="1400" dirty="0">
+                <a:solidFill>
+                  <a:schemeClr val="tx1">
+                    <a:lumMod val="85000"/>
+                    <a:lumOff val="15000"/>
+                  </a:schemeClr>
+                </a:solidFill>
+                <a:latin typeface="Calibri" panose="020F0502020204030204" pitchFamily="34" charset="0"/>
+                <a:cs typeface="Calibri" panose="020F0502020204030204" pitchFamily="34" charset="0"/>
+              </a:rPr>
+              <a:t>, die die </a:t>
+            </a:r>
+            <a:r>
+              <a:rPr lang="en-US" sz="1400" dirty="0" err="1">
+                <a:solidFill>
+                  <a:schemeClr val="tx1">
+                    <a:lumMod val="85000"/>
+                    <a:lumOff val="15000"/>
+                  </a:schemeClr>
+                </a:solidFill>
+                <a:latin typeface="Calibri" panose="020F0502020204030204" pitchFamily="34" charset="0"/>
+                <a:cs typeface="Calibri" panose="020F0502020204030204" pitchFamily="34" charset="0"/>
+              </a:rPr>
+              <a:t>Parkplätze</a:t>
+            </a:r>
+            <a:r>
+              <a:rPr lang="en-US" sz="1400" dirty="0">
+                <a:solidFill>
+                  <a:schemeClr val="tx1">
+                    <a:lumMod val="85000"/>
+                    <a:lumOff val="15000"/>
+                  </a:schemeClr>
+                </a:solidFill>
+                <a:latin typeface="Calibri" panose="020F0502020204030204" pitchFamily="34" charset="0"/>
+                <a:cs typeface="Calibri" panose="020F0502020204030204" pitchFamily="34" charset="0"/>
+              </a:rPr>
+              <a:t> in </a:t>
+            </a:r>
+            <a:r>
+              <a:rPr lang="en-US" sz="1400" dirty="0" err="1">
+                <a:solidFill>
+                  <a:schemeClr val="tx1">
+                    <a:lumMod val="85000"/>
+                    <a:lumOff val="15000"/>
+                  </a:schemeClr>
+                </a:solidFill>
+                <a:latin typeface="Calibri" panose="020F0502020204030204" pitchFamily="34" charset="0"/>
+                <a:cs typeface="Calibri" panose="020F0502020204030204" pitchFamily="34" charset="0"/>
+              </a:rPr>
+              <a:t>Echzeit</a:t>
+            </a:r>
+            <a:r>
+              <a:rPr lang="en-US" sz="1400" dirty="0">
+                <a:solidFill>
+                  <a:schemeClr val="tx1">
+                    <a:lumMod val="85000"/>
+                    <a:lumOff val="15000"/>
+                  </a:schemeClr>
+                </a:solidFill>
+                <a:latin typeface="Calibri" panose="020F0502020204030204" pitchFamily="34" charset="0"/>
+                <a:cs typeface="Calibri" panose="020F0502020204030204" pitchFamily="34" charset="0"/>
+              </a:rPr>
+              <a:t> </a:t>
+            </a:r>
+            <a:r>
+              <a:rPr lang="en-US" sz="1400" dirty="0" err="1">
+                <a:solidFill>
+                  <a:schemeClr val="tx1">
+                    <a:lumMod val="85000"/>
+                    <a:lumOff val="15000"/>
+                  </a:schemeClr>
+                </a:solidFill>
+                <a:latin typeface="Calibri" panose="020F0502020204030204" pitchFamily="34" charset="0"/>
+                <a:cs typeface="Calibri" panose="020F0502020204030204" pitchFamily="34" charset="0"/>
+              </a:rPr>
+              <a:t>überwachen</a:t>
+            </a:r>
+            <a:r>
+              <a:rPr lang="en-US" sz="1400" dirty="0">
+                <a:solidFill>
+                  <a:schemeClr val="tx1">
+                    <a:lumMod val="85000"/>
+                    <a:lumOff val="15000"/>
+                  </a:schemeClr>
+                </a:solidFill>
+                <a:latin typeface="Calibri" panose="020F0502020204030204" pitchFamily="34" charset="0"/>
+                <a:cs typeface="Calibri" panose="020F0502020204030204" pitchFamily="34" charset="0"/>
+              </a:rPr>
+              <a:t> . Dies </a:t>
+            </a:r>
+            <a:r>
+              <a:rPr lang="en-US" sz="1400" dirty="0" err="1">
+                <a:solidFill>
+                  <a:schemeClr val="tx1">
+                    <a:lumMod val="85000"/>
+                    <a:lumOff val="15000"/>
+                  </a:schemeClr>
+                </a:solidFill>
+                <a:latin typeface="Calibri" panose="020F0502020204030204" pitchFamily="34" charset="0"/>
+                <a:cs typeface="Calibri" panose="020F0502020204030204" pitchFamily="34" charset="0"/>
+              </a:rPr>
+              <a:t>ermöglicht</a:t>
+            </a:r>
+            <a:r>
+              <a:rPr lang="en-US" sz="1400" dirty="0">
+                <a:solidFill>
+                  <a:schemeClr val="tx1">
+                    <a:lumMod val="85000"/>
+                    <a:lumOff val="15000"/>
+                  </a:schemeClr>
+                </a:solidFill>
+                <a:latin typeface="Calibri" panose="020F0502020204030204" pitchFamily="34" charset="0"/>
+                <a:cs typeface="Calibri" panose="020F0502020204030204" pitchFamily="34" charset="0"/>
+              </a:rPr>
+              <a:t> </a:t>
+            </a:r>
+            <a:r>
+              <a:rPr lang="en-US" sz="1400" dirty="0" err="1">
+                <a:solidFill>
+                  <a:schemeClr val="tx1">
+                    <a:lumMod val="85000"/>
+                    <a:lumOff val="15000"/>
+                  </a:schemeClr>
+                </a:solidFill>
+                <a:latin typeface="Calibri" panose="020F0502020204030204" pitchFamily="34" charset="0"/>
+                <a:cs typeface="Calibri" panose="020F0502020204030204" pitchFamily="34" charset="0"/>
+              </a:rPr>
+              <a:t>eine</a:t>
+            </a:r>
+            <a:r>
+              <a:rPr lang="en-US" sz="1400" dirty="0">
+                <a:solidFill>
+                  <a:schemeClr val="tx1">
+                    <a:lumMod val="85000"/>
+                    <a:lumOff val="15000"/>
+                  </a:schemeClr>
+                </a:solidFill>
+                <a:latin typeface="Calibri" panose="020F0502020204030204" pitchFamily="34" charset="0"/>
+                <a:cs typeface="Calibri" panose="020F0502020204030204" pitchFamily="34" charset="0"/>
+              </a:rPr>
+              <a:t> </a:t>
+            </a:r>
+            <a:r>
+              <a:rPr lang="en-US" sz="1400" dirty="0" err="1">
+                <a:solidFill>
+                  <a:schemeClr val="tx1">
+                    <a:lumMod val="85000"/>
+                    <a:lumOff val="15000"/>
+                  </a:schemeClr>
+                </a:solidFill>
+                <a:latin typeface="Calibri" panose="020F0502020204030204" pitchFamily="34" charset="0"/>
+                <a:cs typeface="Calibri" panose="020F0502020204030204" pitchFamily="34" charset="0"/>
+              </a:rPr>
+              <a:t>effiziente</a:t>
+            </a:r>
+            <a:r>
+              <a:rPr lang="en-US" sz="1400" dirty="0">
+                <a:solidFill>
+                  <a:schemeClr val="tx1">
+                    <a:lumMod val="85000"/>
+                    <a:lumOff val="15000"/>
+                  </a:schemeClr>
+                </a:solidFill>
+                <a:latin typeface="Calibri" panose="020F0502020204030204" pitchFamily="34" charset="0"/>
+                <a:cs typeface="Calibri" panose="020F0502020204030204" pitchFamily="34" charset="0"/>
+              </a:rPr>
+              <a:t> </a:t>
+            </a:r>
+            <a:r>
+              <a:rPr lang="en-US" sz="1400" dirty="0" err="1">
+                <a:solidFill>
+                  <a:schemeClr val="tx1">
+                    <a:lumMod val="85000"/>
+                    <a:lumOff val="15000"/>
+                  </a:schemeClr>
+                </a:solidFill>
+                <a:latin typeface="Calibri" panose="020F0502020204030204" pitchFamily="34" charset="0"/>
+                <a:cs typeface="Calibri" panose="020F0502020204030204" pitchFamily="34" charset="0"/>
+              </a:rPr>
+              <a:t>Zuweisung</a:t>
+            </a:r>
+            <a:r>
+              <a:rPr lang="en-US" sz="1400" dirty="0">
+                <a:solidFill>
+                  <a:schemeClr val="tx1">
+                    <a:lumMod val="85000"/>
+                    <a:lumOff val="15000"/>
+                  </a:schemeClr>
+                </a:solidFill>
+                <a:latin typeface="Calibri" panose="020F0502020204030204" pitchFamily="34" charset="0"/>
+                <a:cs typeface="Calibri" panose="020F0502020204030204" pitchFamily="34" charset="0"/>
+              </a:rPr>
+              <a:t> von </a:t>
+            </a:r>
+            <a:r>
+              <a:rPr lang="en-US" sz="1400" dirty="0" err="1">
+                <a:solidFill>
+                  <a:schemeClr val="tx1">
+                    <a:lumMod val="85000"/>
+                    <a:lumOff val="15000"/>
+                  </a:schemeClr>
+                </a:solidFill>
+                <a:latin typeface="Calibri" panose="020F0502020204030204" pitchFamily="34" charset="0"/>
+                <a:cs typeface="Calibri" panose="020F0502020204030204" pitchFamily="34" charset="0"/>
+              </a:rPr>
+              <a:t>Parkplätzen</a:t>
+            </a:r>
+            <a:r>
+              <a:rPr lang="en-US" sz="1400" dirty="0">
+                <a:solidFill>
+                  <a:schemeClr val="tx1">
+                    <a:lumMod val="85000"/>
+                    <a:lumOff val="15000"/>
+                  </a:schemeClr>
+                </a:solidFill>
+                <a:latin typeface="Calibri" panose="020F0502020204030204" pitchFamily="34" charset="0"/>
+                <a:cs typeface="Calibri" panose="020F0502020204030204" pitchFamily="34" charset="0"/>
+              </a:rPr>
+              <a:t> , </a:t>
+            </a:r>
+            <a:r>
+              <a:rPr lang="en-US" sz="1400" dirty="0" err="1">
+                <a:solidFill>
+                  <a:schemeClr val="tx1">
+                    <a:lumMod val="85000"/>
+                    <a:lumOff val="15000"/>
+                  </a:schemeClr>
+                </a:solidFill>
+                <a:latin typeface="Calibri" panose="020F0502020204030204" pitchFamily="34" charset="0"/>
+                <a:cs typeface="Calibri" panose="020F0502020204030204" pitchFamily="34" charset="0"/>
+              </a:rPr>
+              <a:t>wodurch</a:t>
+            </a:r>
+            <a:r>
+              <a:rPr lang="en-US" sz="1400" dirty="0">
+                <a:solidFill>
+                  <a:schemeClr val="tx1">
+                    <a:lumMod val="85000"/>
+                    <a:lumOff val="15000"/>
+                  </a:schemeClr>
+                </a:solidFill>
+                <a:latin typeface="Calibri" panose="020F0502020204030204" pitchFamily="34" charset="0"/>
+                <a:cs typeface="Calibri" panose="020F0502020204030204" pitchFamily="34" charset="0"/>
+              </a:rPr>
+              <a:t> </a:t>
+            </a:r>
+            <a:r>
+              <a:rPr lang="en-US" sz="1400" dirty="0" err="1">
+                <a:solidFill>
+                  <a:schemeClr val="tx1">
+                    <a:lumMod val="85000"/>
+                    <a:lumOff val="15000"/>
+                  </a:schemeClr>
+                </a:solidFill>
+                <a:latin typeface="Calibri" panose="020F0502020204030204" pitchFamily="34" charset="0"/>
+                <a:cs typeface="Calibri" panose="020F0502020204030204" pitchFamily="34" charset="0"/>
+              </a:rPr>
+              <a:t>Leerstände</a:t>
+            </a:r>
+            <a:r>
+              <a:rPr lang="en-US" sz="1400" dirty="0">
+                <a:solidFill>
+                  <a:schemeClr val="tx1">
+                    <a:lumMod val="85000"/>
+                    <a:lumOff val="15000"/>
+                  </a:schemeClr>
+                </a:solidFill>
+                <a:latin typeface="Calibri" panose="020F0502020204030204" pitchFamily="34" charset="0"/>
+                <a:cs typeface="Calibri" panose="020F0502020204030204" pitchFamily="34" charset="0"/>
+              </a:rPr>
+              <a:t> </a:t>
+            </a:r>
+            <a:r>
+              <a:rPr lang="en-US" sz="1400" dirty="0" err="1">
+                <a:solidFill>
+                  <a:schemeClr val="tx1">
+                    <a:lumMod val="85000"/>
+                    <a:lumOff val="15000"/>
+                  </a:schemeClr>
+                </a:solidFill>
+                <a:latin typeface="Calibri" panose="020F0502020204030204" pitchFamily="34" charset="0"/>
+                <a:cs typeface="Calibri" panose="020F0502020204030204" pitchFamily="34" charset="0"/>
+              </a:rPr>
+              <a:t>minimiert</a:t>
+            </a:r>
+            <a:r>
+              <a:rPr lang="en-US" sz="1400" dirty="0">
+                <a:solidFill>
+                  <a:schemeClr val="tx1">
+                    <a:lumMod val="85000"/>
+                    <a:lumOff val="15000"/>
+                  </a:schemeClr>
+                </a:solidFill>
+                <a:latin typeface="Calibri" panose="020F0502020204030204" pitchFamily="34" charset="0"/>
+                <a:cs typeface="Calibri" panose="020F0502020204030204" pitchFamily="34" charset="0"/>
+              </a:rPr>
+              <a:t> und die </a:t>
+            </a:r>
+            <a:r>
+              <a:rPr lang="en-US" sz="1400" dirty="0" err="1">
+                <a:solidFill>
+                  <a:schemeClr val="tx1">
+                    <a:lumMod val="85000"/>
+                    <a:lumOff val="15000"/>
+                  </a:schemeClr>
+                </a:solidFill>
+                <a:latin typeface="Calibri" panose="020F0502020204030204" pitchFamily="34" charset="0"/>
+                <a:cs typeface="Calibri" panose="020F0502020204030204" pitchFamily="34" charset="0"/>
+              </a:rPr>
+              <a:t>Auslastung</a:t>
+            </a:r>
+            <a:r>
+              <a:rPr lang="en-US" sz="1400" dirty="0">
+                <a:solidFill>
+                  <a:schemeClr val="tx1">
+                    <a:lumMod val="85000"/>
+                    <a:lumOff val="15000"/>
+                  </a:schemeClr>
+                </a:solidFill>
+                <a:latin typeface="Calibri" panose="020F0502020204030204" pitchFamily="34" charset="0"/>
+                <a:cs typeface="Calibri" panose="020F0502020204030204" pitchFamily="34" charset="0"/>
+              </a:rPr>
+              <a:t> </a:t>
+            </a:r>
+            <a:r>
+              <a:rPr lang="en-US" sz="1400" dirty="0" err="1">
+                <a:solidFill>
+                  <a:schemeClr val="tx1">
+                    <a:lumMod val="85000"/>
+                    <a:lumOff val="15000"/>
+                  </a:schemeClr>
+                </a:solidFill>
+                <a:latin typeface="Calibri" panose="020F0502020204030204" pitchFamily="34" charset="0"/>
+                <a:cs typeface="Calibri" panose="020F0502020204030204" pitchFamily="34" charset="0"/>
+              </a:rPr>
+              <a:t>optimiert</a:t>
+            </a:r>
+            <a:r>
+              <a:rPr lang="en-US" sz="1400" dirty="0">
+                <a:solidFill>
+                  <a:schemeClr val="tx1">
+                    <a:lumMod val="85000"/>
+                    <a:lumOff val="15000"/>
+                  </a:schemeClr>
+                </a:solidFill>
+                <a:latin typeface="Calibri" panose="020F0502020204030204" pitchFamily="34" charset="0"/>
+                <a:cs typeface="Calibri" panose="020F0502020204030204" pitchFamily="34" charset="0"/>
+              </a:rPr>
+              <a:t> </a:t>
+            </a:r>
+            <a:r>
+              <a:rPr lang="en-US" sz="1400" dirty="0" err="1">
+                <a:solidFill>
+                  <a:schemeClr val="tx1">
+                    <a:lumMod val="85000"/>
+                    <a:lumOff val="15000"/>
+                  </a:schemeClr>
+                </a:solidFill>
+                <a:latin typeface="Calibri" panose="020F0502020204030204" pitchFamily="34" charset="0"/>
+                <a:cs typeface="Calibri" panose="020F0502020204030204" pitchFamily="34" charset="0"/>
+              </a:rPr>
+              <a:t>wird</a:t>
+            </a:r>
+            <a:r>
+              <a:rPr lang="en-US" sz="1400" dirty="0">
+                <a:solidFill>
+                  <a:schemeClr val="tx1">
+                    <a:lumMod val="85000"/>
+                    <a:lumOff val="15000"/>
+                  </a:schemeClr>
+                </a:solidFill>
+                <a:latin typeface="Calibri" panose="020F0502020204030204" pitchFamily="34" charset="0"/>
+                <a:cs typeface="Calibri" panose="020F0502020204030204" pitchFamily="34" charset="0"/>
+              </a:rPr>
+              <a:t>. </a:t>
+            </a:r>
+          </a:p>
+          <a:p>
+            <a:pPr algn="l">
+              <a:lnSpc>
+                <a:spcPct val="90000"/>
+              </a:lnSpc>
+            </a:pPr>
+            <a:r>
+              <a:rPr lang="en-US" sz="1400" dirty="0">
+                <a:solidFill>
+                  <a:schemeClr val="tx1">
+                    <a:lumMod val="85000"/>
+                    <a:lumOff val="15000"/>
+                  </a:schemeClr>
+                </a:solidFill>
+                <a:latin typeface="Calibri" panose="020F0502020204030204" pitchFamily="34" charset="0"/>
+                <a:cs typeface="Calibri" panose="020F0502020204030204" pitchFamily="34" charset="0"/>
+              </a:rPr>
+              <a:t>Die Zeit , in </a:t>
+            </a:r>
+            <a:r>
+              <a:rPr lang="en-US" sz="1400" dirty="0" err="1">
+                <a:solidFill>
+                  <a:schemeClr val="tx1">
+                    <a:lumMod val="85000"/>
+                    <a:lumOff val="15000"/>
+                  </a:schemeClr>
+                </a:solidFill>
+                <a:latin typeface="Calibri" panose="020F0502020204030204" pitchFamily="34" charset="0"/>
+                <a:cs typeface="Calibri" panose="020F0502020204030204" pitchFamily="34" charset="0"/>
+              </a:rPr>
+              <a:t>denen</a:t>
+            </a:r>
+            <a:r>
+              <a:rPr lang="en-US" sz="1400" dirty="0">
+                <a:solidFill>
+                  <a:schemeClr val="tx1">
+                    <a:lumMod val="85000"/>
+                    <a:lumOff val="15000"/>
+                  </a:schemeClr>
+                </a:solidFill>
+                <a:latin typeface="Calibri" panose="020F0502020204030204" pitchFamily="34" charset="0"/>
+                <a:cs typeface="Calibri" panose="020F0502020204030204" pitchFamily="34" charset="0"/>
+              </a:rPr>
+              <a:t> </a:t>
+            </a:r>
+            <a:r>
+              <a:rPr lang="en-US" sz="1400" dirty="0" err="1">
+                <a:solidFill>
+                  <a:schemeClr val="tx1">
+                    <a:lumMod val="85000"/>
+                    <a:lumOff val="15000"/>
+                  </a:schemeClr>
+                </a:solidFill>
+                <a:latin typeface="Calibri" panose="020F0502020204030204" pitchFamily="34" charset="0"/>
+                <a:cs typeface="Calibri" panose="020F0502020204030204" pitchFamily="34" charset="0"/>
+              </a:rPr>
+              <a:t>Fahrer</a:t>
+            </a:r>
+            <a:r>
+              <a:rPr lang="en-US" sz="1400" dirty="0">
+                <a:solidFill>
+                  <a:schemeClr val="tx1">
+                    <a:lumMod val="85000"/>
+                    <a:lumOff val="15000"/>
+                  </a:schemeClr>
+                </a:solidFill>
+                <a:latin typeface="Calibri" panose="020F0502020204030204" pitchFamily="34" charset="0"/>
+                <a:cs typeface="Calibri" panose="020F0502020204030204" pitchFamily="34" charset="0"/>
+              </a:rPr>
+              <a:t> </a:t>
+            </a:r>
+            <a:r>
+              <a:rPr lang="en-US" sz="1400" dirty="0" err="1">
+                <a:solidFill>
+                  <a:schemeClr val="tx1">
+                    <a:lumMod val="85000"/>
+                    <a:lumOff val="15000"/>
+                  </a:schemeClr>
+                </a:solidFill>
+                <a:latin typeface="Calibri" panose="020F0502020204030204" pitchFamily="34" charset="0"/>
+                <a:cs typeface="Calibri" panose="020F0502020204030204" pitchFamily="34" charset="0"/>
+              </a:rPr>
+              <a:t>endlose</a:t>
+            </a:r>
+            <a:r>
+              <a:rPr lang="en-US" sz="1400" dirty="0">
+                <a:solidFill>
+                  <a:schemeClr val="tx1">
+                    <a:lumMod val="85000"/>
+                    <a:lumOff val="15000"/>
+                  </a:schemeClr>
+                </a:solidFill>
+                <a:latin typeface="Calibri" panose="020F0502020204030204" pitchFamily="34" charset="0"/>
+                <a:cs typeface="Calibri" panose="020F0502020204030204" pitchFamily="34" charset="0"/>
+              </a:rPr>
+              <a:t> </a:t>
+            </a:r>
+            <a:r>
+              <a:rPr lang="en-US" sz="1400" dirty="0" err="1">
+                <a:solidFill>
+                  <a:schemeClr val="tx1">
+                    <a:lumMod val="85000"/>
+                    <a:lumOff val="15000"/>
+                  </a:schemeClr>
+                </a:solidFill>
+                <a:latin typeface="Calibri" panose="020F0502020204030204" pitchFamily="34" charset="0"/>
+                <a:cs typeface="Calibri" panose="020F0502020204030204" pitchFamily="34" charset="0"/>
+              </a:rPr>
+              <a:t>Runden</a:t>
+            </a:r>
+            <a:r>
+              <a:rPr lang="en-US" sz="1400" dirty="0">
+                <a:solidFill>
+                  <a:schemeClr val="tx1">
+                    <a:lumMod val="85000"/>
+                    <a:lumOff val="15000"/>
+                  </a:schemeClr>
+                </a:solidFill>
+                <a:latin typeface="Calibri" panose="020F0502020204030204" pitchFamily="34" charset="0"/>
+                <a:cs typeface="Calibri" panose="020F0502020204030204" pitchFamily="34" charset="0"/>
+              </a:rPr>
+              <a:t> um </a:t>
+            </a:r>
+            <a:r>
+              <a:rPr lang="en-US" sz="1400" dirty="0" err="1">
+                <a:solidFill>
+                  <a:schemeClr val="tx1">
+                    <a:lumMod val="85000"/>
+                    <a:lumOff val="15000"/>
+                  </a:schemeClr>
+                </a:solidFill>
+                <a:latin typeface="Calibri" panose="020F0502020204030204" pitchFamily="34" charset="0"/>
+                <a:cs typeface="Calibri" panose="020F0502020204030204" pitchFamily="34" charset="0"/>
+              </a:rPr>
+              <a:t>Parkhäuser</a:t>
+            </a:r>
+            <a:r>
+              <a:rPr lang="en-US" sz="1400" dirty="0">
+                <a:solidFill>
+                  <a:schemeClr val="tx1">
+                    <a:lumMod val="85000"/>
+                    <a:lumOff val="15000"/>
+                  </a:schemeClr>
+                </a:solidFill>
+                <a:latin typeface="Calibri" panose="020F0502020204030204" pitchFamily="34" charset="0"/>
+                <a:cs typeface="Calibri" panose="020F0502020204030204" pitchFamily="34" charset="0"/>
+              </a:rPr>
+              <a:t> </a:t>
+            </a:r>
+            <a:r>
+              <a:rPr lang="en-US" sz="1400" dirty="0" err="1">
+                <a:solidFill>
+                  <a:schemeClr val="tx1">
+                    <a:lumMod val="85000"/>
+                    <a:lumOff val="15000"/>
+                  </a:schemeClr>
+                </a:solidFill>
+                <a:latin typeface="Calibri" panose="020F0502020204030204" pitchFamily="34" charset="0"/>
+                <a:cs typeface="Calibri" panose="020F0502020204030204" pitchFamily="34" charset="0"/>
+              </a:rPr>
+              <a:t>drehen</a:t>
+            </a:r>
+            <a:r>
+              <a:rPr lang="en-US" sz="1400" dirty="0">
+                <a:solidFill>
+                  <a:schemeClr val="tx1">
+                    <a:lumMod val="85000"/>
+                    <a:lumOff val="15000"/>
+                  </a:schemeClr>
+                </a:solidFill>
+                <a:latin typeface="Calibri" panose="020F0502020204030204" pitchFamily="34" charset="0"/>
+                <a:cs typeface="Calibri" panose="020F0502020204030204" pitchFamily="34" charset="0"/>
+              </a:rPr>
+              <a:t> , </a:t>
+            </a:r>
+            <a:r>
+              <a:rPr lang="en-US" sz="1400" dirty="0" err="1">
+                <a:solidFill>
+                  <a:schemeClr val="tx1">
+                    <a:lumMod val="85000"/>
+                    <a:lumOff val="15000"/>
+                  </a:schemeClr>
+                </a:solidFill>
+                <a:latin typeface="Calibri" panose="020F0502020204030204" pitchFamily="34" charset="0"/>
+                <a:cs typeface="Calibri" panose="020F0502020204030204" pitchFamily="34" charset="0"/>
+              </a:rPr>
+              <a:t>werden</a:t>
+            </a:r>
+            <a:r>
+              <a:rPr lang="en-US" sz="1400" dirty="0">
+                <a:solidFill>
+                  <a:schemeClr val="tx1">
+                    <a:lumMod val="85000"/>
+                    <a:lumOff val="15000"/>
+                  </a:schemeClr>
+                </a:solidFill>
+                <a:latin typeface="Calibri" panose="020F0502020204030204" pitchFamily="34" charset="0"/>
+                <a:cs typeface="Calibri" panose="020F0502020204030204" pitchFamily="34" charset="0"/>
+              </a:rPr>
+              <a:t> </a:t>
+            </a:r>
+            <a:r>
+              <a:rPr lang="en-US" sz="1400" dirty="0" err="1">
+                <a:solidFill>
+                  <a:schemeClr val="tx1">
+                    <a:lumMod val="85000"/>
+                    <a:lumOff val="15000"/>
+                  </a:schemeClr>
+                </a:solidFill>
+                <a:latin typeface="Calibri" panose="020F0502020204030204" pitchFamily="34" charset="0"/>
+                <a:cs typeface="Calibri" panose="020F0502020204030204" pitchFamily="34" charset="0"/>
+              </a:rPr>
+              <a:t>dadruch</a:t>
+            </a:r>
+            <a:r>
+              <a:rPr lang="en-US" sz="1400" dirty="0">
+                <a:solidFill>
+                  <a:schemeClr val="tx1">
+                    <a:lumMod val="85000"/>
+                    <a:lumOff val="15000"/>
+                  </a:schemeClr>
+                </a:solidFill>
+                <a:latin typeface="Calibri" panose="020F0502020204030204" pitchFamily="34" charset="0"/>
+                <a:cs typeface="Calibri" panose="020F0502020204030204" pitchFamily="34" charset="0"/>
+              </a:rPr>
+              <a:t> </a:t>
+            </a:r>
+            <a:r>
+              <a:rPr lang="en-US" sz="1400" dirty="0" err="1">
+                <a:solidFill>
+                  <a:schemeClr val="tx1">
+                    <a:lumMod val="85000"/>
+                    <a:lumOff val="15000"/>
+                  </a:schemeClr>
+                </a:solidFill>
+                <a:latin typeface="Calibri" panose="020F0502020204030204" pitchFamily="34" charset="0"/>
+                <a:cs typeface="Calibri" panose="020F0502020204030204" pitchFamily="34" charset="0"/>
+              </a:rPr>
+              <a:t>vermieden</a:t>
+            </a:r>
+            <a:r>
+              <a:rPr lang="en-US" sz="1400" dirty="0">
+                <a:solidFill>
+                  <a:schemeClr val="tx1">
+                    <a:lumMod val="85000"/>
+                    <a:lumOff val="15000"/>
+                  </a:schemeClr>
+                </a:solidFill>
+                <a:latin typeface="Calibri" panose="020F0502020204030204" pitchFamily="34" charset="0"/>
+                <a:cs typeface="Calibri" panose="020F0502020204030204" pitchFamily="34" charset="0"/>
+              </a:rPr>
+              <a:t> .</a:t>
+            </a:r>
+            <a:br>
+              <a:rPr lang="en-US" sz="1400" dirty="0">
+                <a:solidFill>
+                  <a:schemeClr val="tx1">
+                    <a:lumMod val="85000"/>
+                    <a:lumOff val="15000"/>
+                  </a:schemeClr>
+                </a:solidFill>
+              </a:rPr>
+            </a:br>
+            <a:endParaRPr lang="en-US" sz="1400" dirty="0">
+              <a:solidFill>
+                <a:schemeClr val="tx1">
+                  <a:lumMod val="85000"/>
+                  <a:lumOff val="15000"/>
+                </a:schemeClr>
+              </a:solidFill>
+            </a:endParaRPr>
+          </a:p>
+        </p:txBody>
+      </p:sp>
+      <p:pic>
+        <p:nvPicPr>
+          <p:cNvPr id="6" name="Bildplatzhalter 5" descr="Ein Bild, das Handy, Auto, draußen enthält.&#10;&#10;Automatisch generierte Beschreibung">
+            <a:extLst>
+              <a:ext uri="{FF2B5EF4-FFF2-40B4-BE49-F238E27FC236}">
+                <a16:creationId xmlns:a16="http://schemas.microsoft.com/office/drawing/2014/main" id="{97647A6A-6CD6-BECC-07DE-0129B531FEBC}"/>
+              </a:ext>
+            </a:extLst>
+          </p:cNvPr>
+          <p:cNvPicPr>
+            <a:picLocks noGrp="1" noChangeAspect="1"/>
+          </p:cNvPicPr>
+          <p:nvPr>
+            <p:ph type="pic" idx="1"/>
+          </p:nvPr>
+        </p:nvPicPr>
+        <p:blipFill rotWithShape="1">
+          <a:blip r:embed="rId2"/>
+          <a:srcRect l="11985" r="33059"/>
+          <a:stretch/>
+        </p:blipFill>
+        <p:spPr>
+          <a:xfrm>
+            <a:off x="4654296" y="10"/>
+            <a:ext cx="7537704" cy="6857990"/>
+          </a:xfrm>
+          <a:prstGeom prst="rect">
+            <a:avLst/>
+          </a:prstGeom>
+        </p:spPr>
+      </p:pic>
+    </p:spTree>
+    <p:extLst>
+      <p:ext uri="{BB962C8B-B14F-4D97-AF65-F5344CB8AC3E}">
+        <p14:creationId xmlns:p14="http://schemas.microsoft.com/office/powerpoint/2010/main" val="1622423189"/>
+      </p:ext>
+    </p:extLst>
+  </p:cSld>
+  <p:clrMapOvr>
+    <a:masterClrMapping/>
+  </p:clrMapOvr>
+</p:sld>
+</file>
+
+<file path=ppt/slides/slide31.xml><?xml version="1.0" encoding="utf-8"?>
+<p:sld xmlns:a="http://schemas.openxmlformats.org/drawingml/2006/main" xmlns:r="http://schemas.openxmlformats.org/officeDocument/2006/relationships" xmlns:p="http://schemas.openxmlformats.org/presentationml/2006/main">
+  <p:cSld>
+    <p:bg>
+      <p:bgPr>
+        <a:solidFill>
+          <a:schemeClr val="bg1">
+            <a:lumMod val="95000"/>
+          </a:schemeClr>
+        </a:solidFill>
+        <a:effectLst/>
+      </p:bgPr>
+    </p:bg>
+    <p:spTree>
+      <p:nvGrpSpPr>
+        <p:cNvPr id="1" name=""/>
+        <p:cNvGrpSpPr/>
+        <p:nvPr/>
+      </p:nvGrpSpPr>
+      <p:grpSpPr>
+        <a:xfrm>
+          <a:off x="0" y="0"/>
+          <a:ext cx="0" cy="0"/>
+          <a:chOff x="0" y="0"/>
+          <a:chExt cx="0" cy="0"/>
+        </a:xfrm>
+      </p:grpSpPr>
+      <p:sp>
+        <p:nvSpPr>
+          <p:cNvPr id="2" name="Titel 1">
+            <a:extLst>
+              <a:ext uri="{FF2B5EF4-FFF2-40B4-BE49-F238E27FC236}">
+                <a16:creationId xmlns:a16="http://schemas.microsoft.com/office/drawing/2014/main" id="{34C53C5E-6C5F-7B48-7DD9-BFCB50961592}"/>
+              </a:ext>
+            </a:extLst>
+          </p:cNvPr>
+          <p:cNvSpPr>
+            <a:spLocks noGrp="1"/>
+          </p:cNvSpPr>
+          <p:nvPr>
+            <p:ph type="title"/>
+          </p:nvPr>
+        </p:nvSpPr>
+        <p:spPr>
+          <a:xfrm>
+            <a:off x="804670" y="978776"/>
+            <a:ext cx="3044953" cy="1174991"/>
+          </a:xfrm>
+        </p:spPr>
+        <p:txBody>
+          <a:bodyPr vert="horz" lIns="182880" tIns="182880" rIns="182880" bIns="182880" rtlCol="0" anchor="ctr">
+            <a:normAutofit/>
+          </a:bodyPr>
+          <a:lstStyle/>
+          <a:p>
+            <a:br>
+              <a:rPr lang="en-US" sz="1700" dirty="0"/>
+            </a:br>
+            <a:r>
+              <a:rPr lang="en-US" sz="1700" dirty="0" err="1"/>
+              <a:t>Benachrichtigung</a:t>
+            </a:r>
+            <a:br>
+              <a:rPr lang="en-US" sz="1700" dirty="0"/>
+            </a:br>
+            <a:endParaRPr lang="en-US" sz="1700" dirty="0"/>
+          </a:p>
+        </p:txBody>
+      </p:sp>
+      <p:sp>
+        <p:nvSpPr>
+          <p:cNvPr id="4" name="Textplatzhalter 3">
+            <a:extLst>
+              <a:ext uri="{FF2B5EF4-FFF2-40B4-BE49-F238E27FC236}">
+                <a16:creationId xmlns:a16="http://schemas.microsoft.com/office/drawing/2014/main" id="{22FB3E28-923F-ECE5-AEE8-68321AC49040}"/>
+              </a:ext>
+            </a:extLst>
+          </p:cNvPr>
+          <p:cNvSpPr>
+            <a:spLocks noGrp="1"/>
+          </p:cNvSpPr>
+          <p:nvPr>
+            <p:ph type="body" sz="half" idx="2"/>
+          </p:nvPr>
+        </p:nvSpPr>
+        <p:spPr>
+          <a:xfrm>
+            <a:off x="804670" y="2640692"/>
+            <a:ext cx="3044952" cy="3255252"/>
+          </a:xfrm>
+        </p:spPr>
+        <p:txBody>
+          <a:bodyPr vert="horz" lIns="91440" tIns="45720" rIns="91440" bIns="45720" rtlCol="0">
+            <a:normAutofit/>
+          </a:bodyPr>
+          <a:lstStyle/>
+          <a:p>
+            <a:pPr algn="l">
+              <a:lnSpc>
+                <a:spcPct val="90000"/>
+              </a:lnSpc>
+            </a:pPr>
+            <a:r>
+              <a:rPr lang="en-US" sz="1400" dirty="0">
+                <a:solidFill>
+                  <a:schemeClr val="tx1">
+                    <a:lumMod val="85000"/>
+                    <a:lumOff val="15000"/>
+                  </a:schemeClr>
+                </a:solidFill>
+                <a:latin typeface="Calibri" panose="020F0502020204030204" pitchFamily="34" charset="0"/>
+                <a:cs typeface="Calibri" panose="020F0502020204030204" pitchFamily="34" charset="0"/>
+              </a:rPr>
+              <a:t>Die </a:t>
+            </a:r>
+            <a:r>
+              <a:rPr lang="en-US" sz="1400" dirty="0" err="1">
+                <a:solidFill>
+                  <a:schemeClr val="tx1">
+                    <a:lumMod val="85000"/>
+                    <a:lumOff val="15000"/>
+                  </a:schemeClr>
+                </a:solidFill>
+                <a:latin typeface="Calibri" panose="020F0502020204030204" pitchFamily="34" charset="0"/>
+                <a:cs typeface="Calibri" panose="020F0502020204030204" pitchFamily="34" charset="0"/>
+              </a:rPr>
+              <a:t>Benachrichtigungsfunktion</a:t>
+            </a:r>
+            <a:r>
+              <a:rPr lang="en-US" sz="1400" dirty="0">
+                <a:solidFill>
+                  <a:schemeClr val="tx1">
+                    <a:lumMod val="85000"/>
+                    <a:lumOff val="15000"/>
+                  </a:schemeClr>
+                </a:solidFill>
+                <a:latin typeface="Calibri" panose="020F0502020204030204" pitchFamily="34" charset="0"/>
+                <a:cs typeface="Calibri" panose="020F0502020204030204" pitchFamily="34" charset="0"/>
+              </a:rPr>
+              <a:t> </a:t>
+            </a:r>
+            <a:r>
+              <a:rPr lang="en-US" sz="1400" dirty="0" err="1">
+                <a:solidFill>
+                  <a:schemeClr val="tx1">
+                    <a:lumMod val="85000"/>
+                    <a:lumOff val="15000"/>
+                  </a:schemeClr>
+                </a:solidFill>
+                <a:latin typeface="Calibri" panose="020F0502020204030204" pitchFamily="34" charset="0"/>
+                <a:cs typeface="Calibri" panose="020F0502020204030204" pitchFamily="34" charset="0"/>
+              </a:rPr>
+              <a:t>informiert</a:t>
+            </a:r>
+            <a:r>
+              <a:rPr lang="en-US" sz="1400" dirty="0">
+                <a:solidFill>
+                  <a:schemeClr val="tx1">
+                    <a:lumMod val="85000"/>
+                    <a:lumOff val="15000"/>
+                  </a:schemeClr>
+                </a:solidFill>
+                <a:latin typeface="Calibri" panose="020F0502020204030204" pitchFamily="34" charset="0"/>
+                <a:cs typeface="Calibri" panose="020F0502020204030204" pitchFamily="34" charset="0"/>
+              </a:rPr>
+              <a:t> die </a:t>
+            </a:r>
+            <a:r>
+              <a:rPr lang="en-US" sz="1400" dirty="0" err="1">
+                <a:solidFill>
+                  <a:schemeClr val="tx1">
+                    <a:lumMod val="85000"/>
+                    <a:lumOff val="15000"/>
+                  </a:schemeClr>
+                </a:solidFill>
+                <a:latin typeface="Calibri" panose="020F0502020204030204" pitchFamily="34" charset="0"/>
+                <a:cs typeface="Calibri" panose="020F0502020204030204" pitchFamily="34" charset="0"/>
+              </a:rPr>
+              <a:t>Nutzer</a:t>
+            </a:r>
+            <a:r>
+              <a:rPr lang="en-US" sz="1400" dirty="0">
+                <a:solidFill>
+                  <a:schemeClr val="tx1">
+                    <a:lumMod val="85000"/>
+                    <a:lumOff val="15000"/>
+                  </a:schemeClr>
+                </a:solidFill>
+                <a:latin typeface="Calibri" panose="020F0502020204030204" pitchFamily="34" charset="0"/>
+                <a:cs typeface="Calibri" panose="020F0502020204030204" pitchFamily="34" charset="0"/>
+              </a:rPr>
+              <a:t> </a:t>
+            </a:r>
+            <a:r>
+              <a:rPr lang="en-US" sz="1400" dirty="0" err="1">
+                <a:solidFill>
+                  <a:schemeClr val="tx1">
+                    <a:lumMod val="85000"/>
+                    <a:lumOff val="15000"/>
+                  </a:schemeClr>
+                </a:solidFill>
+                <a:latin typeface="Calibri" panose="020F0502020204030204" pitchFamily="34" charset="0"/>
+                <a:cs typeface="Calibri" panose="020F0502020204030204" pitchFamily="34" charset="0"/>
+              </a:rPr>
+              <a:t>über</a:t>
+            </a:r>
+            <a:r>
+              <a:rPr lang="en-US" sz="1400" dirty="0">
+                <a:solidFill>
+                  <a:schemeClr val="tx1">
+                    <a:lumMod val="85000"/>
+                    <a:lumOff val="15000"/>
+                  </a:schemeClr>
+                </a:solidFill>
+                <a:latin typeface="Calibri" panose="020F0502020204030204" pitchFamily="34" charset="0"/>
+                <a:cs typeface="Calibri" panose="020F0502020204030204" pitchFamily="34" charset="0"/>
+              </a:rPr>
+              <a:t> den </a:t>
+            </a:r>
+            <a:r>
+              <a:rPr lang="en-US" sz="1400" dirty="0" err="1">
+                <a:solidFill>
+                  <a:schemeClr val="tx1">
+                    <a:lumMod val="85000"/>
+                    <a:lumOff val="15000"/>
+                  </a:schemeClr>
+                </a:solidFill>
+                <a:latin typeface="Calibri" panose="020F0502020204030204" pitchFamily="34" charset="0"/>
+                <a:cs typeface="Calibri" panose="020F0502020204030204" pitchFamily="34" charset="0"/>
+              </a:rPr>
+              <a:t>Ablauf</a:t>
+            </a:r>
+            <a:r>
+              <a:rPr lang="en-US" sz="1400" dirty="0">
+                <a:solidFill>
+                  <a:schemeClr val="tx1">
+                    <a:lumMod val="85000"/>
+                    <a:lumOff val="15000"/>
+                  </a:schemeClr>
+                </a:solidFill>
+                <a:latin typeface="Calibri" panose="020F0502020204030204" pitchFamily="34" charset="0"/>
+                <a:cs typeface="Calibri" panose="020F0502020204030204" pitchFamily="34" charset="0"/>
+              </a:rPr>
+              <a:t> </a:t>
+            </a:r>
+            <a:r>
+              <a:rPr lang="en-US" sz="1400" dirty="0" err="1">
+                <a:solidFill>
+                  <a:schemeClr val="tx1">
+                    <a:lumMod val="85000"/>
+                    <a:lumOff val="15000"/>
+                  </a:schemeClr>
+                </a:solidFill>
+                <a:latin typeface="Calibri" panose="020F0502020204030204" pitchFamily="34" charset="0"/>
+                <a:cs typeface="Calibri" panose="020F0502020204030204" pitchFamily="34" charset="0"/>
+              </a:rPr>
+              <a:t>iherer</a:t>
+            </a:r>
+            <a:r>
+              <a:rPr lang="en-US" sz="1400" dirty="0">
+                <a:solidFill>
+                  <a:schemeClr val="tx1">
+                    <a:lumMod val="85000"/>
+                    <a:lumOff val="15000"/>
+                  </a:schemeClr>
+                </a:solidFill>
+                <a:latin typeface="Calibri" panose="020F0502020204030204" pitchFamily="34" charset="0"/>
+                <a:cs typeface="Calibri" panose="020F0502020204030204" pitchFamily="34" charset="0"/>
+              </a:rPr>
+              <a:t> </a:t>
+            </a:r>
+            <a:r>
+              <a:rPr lang="en-US" sz="1400" dirty="0" err="1">
+                <a:solidFill>
+                  <a:schemeClr val="tx1">
+                    <a:lumMod val="85000"/>
+                    <a:lumOff val="15000"/>
+                  </a:schemeClr>
+                </a:solidFill>
+                <a:latin typeface="Calibri" panose="020F0502020204030204" pitchFamily="34" charset="0"/>
+                <a:cs typeface="Calibri" panose="020F0502020204030204" pitchFamily="34" charset="0"/>
+              </a:rPr>
+              <a:t>Parkplatzreservierung</a:t>
+            </a:r>
+            <a:r>
+              <a:rPr lang="en-US" sz="1400" dirty="0">
+                <a:solidFill>
+                  <a:schemeClr val="tx1">
+                    <a:lumMod val="85000"/>
+                    <a:lumOff val="15000"/>
+                  </a:schemeClr>
+                </a:solidFill>
+                <a:latin typeface="Calibri" panose="020F0502020204030204" pitchFamily="34" charset="0"/>
+                <a:cs typeface="Calibri" panose="020F0502020204030204" pitchFamily="34" charset="0"/>
+              </a:rPr>
+              <a:t> und </a:t>
+            </a:r>
+            <a:r>
+              <a:rPr lang="en-US" sz="1400" dirty="0" err="1">
+                <a:solidFill>
+                  <a:schemeClr val="tx1">
+                    <a:lumMod val="85000"/>
+                    <a:lumOff val="15000"/>
+                  </a:schemeClr>
+                </a:solidFill>
+                <a:latin typeface="Calibri" panose="020F0502020204030204" pitchFamily="34" charset="0"/>
+                <a:cs typeface="Calibri" panose="020F0502020204030204" pitchFamily="34" charset="0"/>
+              </a:rPr>
+              <a:t>liefert</a:t>
+            </a:r>
+            <a:r>
+              <a:rPr lang="en-US" sz="1400" dirty="0">
+                <a:solidFill>
+                  <a:schemeClr val="tx1">
+                    <a:lumMod val="85000"/>
+                    <a:lumOff val="15000"/>
+                  </a:schemeClr>
+                </a:solidFill>
+                <a:latin typeface="Calibri" panose="020F0502020204030204" pitchFamily="34" charset="0"/>
+                <a:cs typeface="Calibri" panose="020F0502020204030204" pitchFamily="34" charset="0"/>
+              </a:rPr>
+              <a:t> </a:t>
+            </a:r>
+            <a:r>
+              <a:rPr lang="en-US" sz="1400" dirty="0" err="1">
+                <a:solidFill>
+                  <a:schemeClr val="tx1">
+                    <a:lumMod val="85000"/>
+                    <a:lumOff val="15000"/>
+                  </a:schemeClr>
+                </a:solidFill>
+                <a:latin typeface="Calibri" panose="020F0502020204030204" pitchFamily="34" charset="0"/>
+                <a:cs typeface="Calibri" panose="020F0502020204030204" pitchFamily="34" charset="0"/>
+              </a:rPr>
+              <a:t>während</a:t>
+            </a:r>
+            <a:r>
+              <a:rPr lang="en-US" sz="1400" dirty="0">
+                <a:solidFill>
+                  <a:schemeClr val="tx1">
+                    <a:lumMod val="85000"/>
+                    <a:lumOff val="15000"/>
+                  </a:schemeClr>
+                </a:solidFill>
+                <a:latin typeface="Calibri" panose="020F0502020204030204" pitchFamily="34" charset="0"/>
+                <a:cs typeface="Calibri" panose="020F0502020204030204" pitchFamily="34" charset="0"/>
+              </a:rPr>
+              <a:t> der </a:t>
+            </a:r>
+            <a:r>
+              <a:rPr lang="en-US" sz="1400" dirty="0" err="1">
+                <a:solidFill>
+                  <a:schemeClr val="tx1">
+                    <a:lumMod val="85000"/>
+                    <a:lumOff val="15000"/>
+                  </a:schemeClr>
+                </a:solidFill>
+                <a:latin typeface="Calibri" panose="020F0502020204030204" pitchFamily="34" charset="0"/>
+                <a:cs typeface="Calibri" panose="020F0502020204030204" pitchFamily="34" charset="0"/>
+              </a:rPr>
+              <a:t>Fahrt</a:t>
+            </a:r>
+            <a:r>
+              <a:rPr lang="en-US" sz="1400" dirty="0">
+                <a:solidFill>
+                  <a:schemeClr val="tx1">
+                    <a:lumMod val="85000"/>
+                    <a:lumOff val="15000"/>
+                  </a:schemeClr>
+                </a:solidFill>
+                <a:latin typeface="Calibri" panose="020F0502020204030204" pitchFamily="34" charset="0"/>
+                <a:cs typeface="Calibri" panose="020F0502020204030204" pitchFamily="34" charset="0"/>
+              </a:rPr>
+              <a:t> </a:t>
+            </a:r>
+            <a:r>
+              <a:rPr lang="en-US" sz="1400" dirty="0" err="1">
+                <a:solidFill>
+                  <a:schemeClr val="tx1">
+                    <a:lumMod val="85000"/>
+                    <a:lumOff val="15000"/>
+                  </a:schemeClr>
+                </a:solidFill>
+                <a:latin typeface="Calibri" panose="020F0502020204030204" pitchFamily="34" charset="0"/>
+                <a:cs typeface="Calibri" panose="020F0502020204030204" pitchFamily="34" charset="0"/>
+              </a:rPr>
+              <a:t>relevante</a:t>
+            </a:r>
+            <a:r>
+              <a:rPr lang="en-US" sz="1400" dirty="0">
+                <a:solidFill>
+                  <a:schemeClr val="tx1">
+                    <a:lumMod val="85000"/>
+                    <a:lumOff val="15000"/>
+                  </a:schemeClr>
+                </a:solidFill>
+                <a:latin typeface="Calibri" panose="020F0502020204030204" pitchFamily="34" charset="0"/>
+                <a:cs typeface="Calibri" panose="020F0502020204030204" pitchFamily="34" charset="0"/>
+              </a:rPr>
+              <a:t> </a:t>
+            </a:r>
+            <a:r>
+              <a:rPr lang="en-US" sz="1400" dirty="0" err="1">
+                <a:solidFill>
+                  <a:schemeClr val="tx1">
+                    <a:lumMod val="85000"/>
+                    <a:lumOff val="15000"/>
+                  </a:schemeClr>
+                </a:solidFill>
+                <a:latin typeface="Calibri" panose="020F0502020204030204" pitchFamily="34" charset="0"/>
+                <a:cs typeface="Calibri" panose="020F0502020204030204" pitchFamily="34" charset="0"/>
+              </a:rPr>
+              <a:t>InFormationen</a:t>
+            </a:r>
+            <a:r>
+              <a:rPr lang="en-US" sz="1400" dirty="0">
+                <a:solidFill>
+                  <a:schemeClr val="tx1">
+                    <a:lumMod val="85000"/>
+                    <a:lumOff val="15000"/>
+                  </a:schemeClr>
+                </a:solidFill>
+                <a:latin typeface="Calibri" panose="020F0502020204030204" pitchFamily="34" charset="0"/>
+                <a:cs typeface="Calibri" panose="020F0502020204030204" pitchFamily="34" charset="0"/>
+              </a:rPr>
+              <a:t> </a:t>
+            </a:r>
+            <a:r>
+              <a:rPr lang="en-US" sz="1400" dirty="0" err="1">
+                <a:solidFill>
+                  <a:schemeClr val="tx1">
+                    <a:lumMod val="85000"/>
+                    <a:lumOff val="15000"/>
+                  </a:schemeClr>
+                </a:solidFill>
+                <a:latin typeface="Calibri" panose="020F0502020204030204" pitchFamily="34" charset="0"/>
+                <a:cs typeface="Calibri" panose="020F0502020204030204" pitchFamily="34" charset="0"/>
+              </a:rPr>
+              <a:t>wie</a:t>
+            </a:r>
+            <a:r>
+              <a:rPr lang="en-US" sz="1400" dirty="0">
+                <a:solidFill>
+                  <a:schemeClr val="tx1">
+                    <a:lumMod val="85000"/>
+                    <a:lumOff val="15000"/>
+                  </a:schemeClr>
+                </a:solidFill>
+                <a:latin typeface="Calibri" panose="020F0502020204030204" pitchFamily="34" charset="0"/>
+                <a:cs typeface="Calibri" panose="020F0502020204030204" pitchFamily="34" charset="0"/>
+              </a:rPr>
+              <a:t> </a:t>
+            </a:r>
+            <a:r>
+              <a:rPr lang="en-US" sz="1400" dirty="0" err="1">
+                <a:solidFill>
+                  <a:schemeClr val="tx1">
+                    <a:lumMod val="85000"/>
+                    <a:lumOff val="15000"/>
+                  </a:schemeClr>
+                </a:solidFill>
+                <a:latin typeface="Calibri" panose="020F0502020204030204" pitchFamily="34" charset="0"/>
+                <a:cs typeface="Calibri" panose="020F0502020204030204" pitchFamily="34" charset="0"/>
+              </a:rPr>
+              <a:t>Verkehrslage</a:t>
+            </a:r>
+            <a:r>
+              <a:rPr lang="en-US" sz="1400" dirty="0">
+                <a:solidFill>
+                  <a:schemeClr val="tx1">
+                    <a:lumMod val="85000"/>
+                    <a:lumOff val="15000"/>
+                  </a:schemeClr>
+                </a:solidFill>
+                <a:latin typeface="Calibri" panose="020F0502020204030204" pitchFamily="34" charset="0"/>
+                <a:cs typeface="Calibri" panose="020F0502020204030204" pitchFamily="34" charset="0"/>
+              </a:rPr>
+              <a:t> </a:t>
+            </a:r>
+            <a:r>
+              <a:rPr lang="en-US" sz="1400" dirty="0" err="1">
+                <a:solidFill>
+                  <a:schemeClr val="tx1">
+                    <a:lumMod val="85000"/>
+                    <a:lumOff val="15000"/>
+                  </a:schemeClr>
+                </a:solidFill>
+                <a:latin typeface="Calibri" panose="020F0502020204030204" pitchFamily="34" charset="0"/>
+                <a:cs typeface="Calibri" panose="020F0502020204030204" pitchFamily="34" charset="0"/>
+              </a:rPr>
+              <a:t>oder</a:t>
+            </a:r>
+            <a:r>
+              <a:rPr lang="en-US" sz="1400" dirty="0">
+                <a:solidFill>
+                  <a:schemeClr val="tx1">
+                    <a:lumMod val="85000"/>
+                    <a:lumOff val="15000"/>
+                  </a:schemeClr>
+                </a:solidFill>
+                <a:latin typeface="Calibri" panose="020F0502020204030204" pitchFamily="34" charset="0"/>
+                <a:cs typeface="Calibri" panose="020F0502020204030204" pitchFamily="34" charset="0"/>
+              </a:rPr>
+              <a:t> alternative </a:t>
+            </a:r>
+            <a:r>
+              <a:rPr lang="en-US" sz="1400" dirty="0" err="1">
+                <a:solidFill>
+                  <a:schemeClr val="tx1">
+                    <a:lumMod val="85000"/>
+                    <a:lumOff val="15000"/>
+                  </a:schemeClr>
+                </a:solidFill>
+                <a:latin typeface="Calibri" panose="020F0502020204030204" pitchFamily="34" charset="0"/>
+                <a:cs typeface="Calibri" panose="020F0502020204030204" pitchFamily="34" charset="0"/>
+              </a:rPr>
+              <a:t>Parkmöglichkeiten</a:t>
+            </a:r>
+            <a:r>
+              <a:rPr lang="en-US" sz="1400" dirty="0">
+                <a:solidFill>
+                  <a:schemeClr val="tx1">
+                    <a:lumMod val="85000"/>
+                    <a:lumOff val="15000"/>
+                  </a:schemeClr>
+                </a:solidFill>
+                <a:latin typeface="Calibri" panose="020F0502020204030204" pitchFamily="34" charset="0"/>
+                <a:cs typeface="Calibri" panose="020F0502020204030204" pitchFamily="34" charset="0"/>
+              </a:rPr>
+              <a:t>.</a:t>
+            </a:r>
+          </a:p>
+          <a:p>
+            <a:pPr algn="l">
+              <a:lnSpc>
+                <a:spcPct val="90000"/>
+              </a:lnSpc>
+            </a:pPr>
+            <a:r>
+              <a:rPr lang="en-US" sz="1400" dirty="0">
+                <a:solidFill>
+                  <a:schemeClr val="tx1">
+                    <a:lumMod val="85000"/>
+                    <a:lumOff val="15000"/>
+                  </a:schemeClr>
+                </a:solidFill>
+                <a:latin typeface="Calibri" panose="020F0502020204030204" pitchFamily="34" charset="0"/>
+                <a:cs typeface="Calibri" panose="020F0502020204030204" pitchFamily="34" charset="0"/>
+              </a:rPr>
+              <a:t>Dies </a:t>
+            </a:r>
+            <a:r>
+              <a:rPr lang="en-US" sz="1400" dirty="0" err="1">
+                <a:solidFill>
+                  <a:schemeClr val="tx1">
+                    <a:lumMod val="85000"/>
+                    <a:lumOff val="15000"/>
+                  </a:schemeClr>
+                </a:solidFill>
+                <a:latin typeface="Calibri" panose="020F0502020204030204" pitchFamily="34" charset="0"/>
+                <a:cs typeface="Calibri" panose="020F0502020204030204" pitchFamily="34" charset="0"/>
+              </a:rPr>
+              <a:t>erhöht</a:t>
+            </a:r>
+            <a:r>
+              <a:rPr lang="en-US" sz="1400" dirty="0">
+                <a:solidFill>
+                  <a:schemeClr val="tx1">
+                    <a:lumMod val="85000"/>
+                    <a:lumOff val="15000"/>
+                  </a:schemeClr>
+                </a:solidFill>
+                <a:latin typeface="Calibri" panose="020F0502020204030204" pitchFamily="34" charset="0"/>
+                <a:cs typeface="Calibri" panose="020F0502020204030204" pitchFamily="34" charset="0"/>
+              </a:rPr>
+              <a:t> die </a:t>
+            </a:r>
+            <a:r>
+              <a:rPr lang="en-US" sz="1400" dirty="0" err="1">
+                <a:solidFill>
+                  <a:schemeClr val="tx1">
+                    <a:lumMod val="85000"/>
+                    <a:lumOff val="15000"/>
+                  </a:schemeClr>
+                </a:solidFill>
+                <a:latin typeface="Calibri" panose="020F0502020204030204" pitchFamily="34" charset="0"/>
+                <a:cs typeface="Calibri" panose="020F0502020204030204" pitchFamily="34" charset="0"/>
+              </a:rPr>
+              <a:t>Flexibilliät</a:t>
+            </a:r>
+            <a:r>
+              <a:rPr lang="en-US" sz="1400" dirty="0">
+                <a:solidFill>
+                  <a:schemeClr val="tx1">
+                    <a:lumMod val="85000"/>
+                    <a:lumOff val="15000"/>
+                  </a:schemeClr>
+                </a:solidFill>
+                <a:latin typeface="Calibri" panose="020F0502020204030204" pitchFamily="34" charset="0"/>
+                <a:cs typeface="Calibri" panose="020F0502020204030204" pitchFamily="34" charset="0"/>
+              </a:rPr>
+              <a:t> und </a:t>
+            </a:r>
+            <a:r>
+              <a:rPr lang="en-US" sz="1400" dirty="0" err="1">
+                <a:solidFill>
+                  <a:schemeClr val="tx1">
+                    <a:lumMod val="85000"/>
+                    <a:lumOff val="15000"/>
+                  </a:schemeClr>
+                </a:solidFill>
+                <a:latin typeface="Calibri" panose="020F0502020204030204" pitchFamily="34" charset="0"/>
+                <a:cs typeface="Calibri" panose="020F0502020204030204" pitchFamily="34" charset="0"/>
+              </a:rPr>
+              <a:t>Effizienz</a:t>
+            </a:r>
+            <a:r>
+              <a:rPr lang="en-US" sz="1400" dirty="0">
+                <a:solidFill>
+                  <a:schemeClr val="tx1">
+                    <a:lumMod val="85000"/>
+                    <a:lumOff val="15000"/>
+                  </a:schemeClr>
+                </a:solidFill>
+                <a:latin typeface="Calibri" panose="020F0502020204030204" pitchFamily="34" charset="0"/>
+                <a:cs typeface="Calibri" panose="020F0502020204030204" pitchFamily="34" charset="0"/>
+              </a:rPr>
+              <a:t> </a:t>
+            </a:r>
+            <a:r>
+              <a:rPr lang="en-US" sz="1400" dirty="0" err="1">
+                <a:solidFill>
+                  <a:schemeClr val="tx1">
+                    <a:lumMod val="85000"/>
+                    <a:lumOff val="15000"/>
+                  </a:schemeClr>
+                </a:solidFill>
+                <a:latin typeface="Calibri" panose="020F0502020204030204" pitchFamily="34" charset="0"/>
+                <a:cs typeface="Calibri" panose="020F0502020204030204" pitchFamily="34" charset="0"/>
+              </a:rPr>
+              <a:t>im</a:t>
+            </a:r>
+            <a:r>
+              <a:rPr lang="en-US" sz="1400" dirty="0">
+                <a:solidFill>
+                  <a:schemeClr val="tx1">
+                    <a:lumMod val="85000"/>
+                    <a:lumOff val="15000"/>
+                  </a:schemeClr>
+                </a:solidFill>
+                <a:latin typeface="Calibri" panose="020F0502020204030204" pitchFamily="34" charset="0"/>
+                <a:cs typeface="Calibri" panose="020F0502020204030204" pitchFamily="34" charset="0"/>
+              </a:rPr>
+              <a:t> </a:t>
+            </a:r>
+            <a:r>
+              <a:rPr lang="en-US" sz="1400" dirty="0" err="1">
+                <a:solidFill>
+                  <a:schemeClr val="tx1">
+                    <a:lumMod val="85000"/>
+                    <a:lumOff val="15000"/>
+                  </a:schemeClr>
+                </a:solidFill>
+                <a:latin typeface="Calibri" panose="020F0502020204030204" pitchFamily="34" charset="0"/>
+                <a:cs typeface="Calibri" panose="020F0502020204030204" pitchFamily="34" charset="0"/>
+              </a:rPr>
+              <a:t>Parkplatzmanagement</a:t>
+            </a:r>
+            <a:r>
+              <a:rPr lang="en-US" sz="1400" dirty="0">
+                <a:solidFill>
+                  <a:schemeClr val="tx1">
+                    <a:lumMod val="85000"/>
+                    <a:lumOff val="15000"/>
+                  </a:schemeClr>
+                </a:solidFill>
+                <a:latin typeface="Calibri" panose="020F0502020204030204" pitchFamily="34" charset="0"/>
+                <a:cs typeface="Calibri" panose="020F0502020204030204" pitchFamily="34" charset="0"/>
+              </a:rPr>
+              <a:t> , </a:t>
+            </a:r>
+            <a:r>
+              <a:rPr lang="en-US" sz="1400" dirty="0" err="1">
+                <a:solidFill>
+                  <a:schemeClr val="tx1">
+                    <a:lumMod val="85000"/>
+                    <a:lumOff val="15000"/>
+                  </a:schemeClr>
+                </a:solidFill>
+                <a:latin typeface="Calibri" panose="020F0502020204030204" pitchFamily="34" charset="0"/>
+                <a:cs typeface="Calibri" panose="020F0502020204030204" pitchFamily="34" charset="0"/>
+              </a:rPr>
+              <a:t>indem</a:t>
+            </a:r>
+            <a:r>
+              <a:rPr lang="en-US" sz="1400" dirty="0">
+                <a:solidFill>
+                  <a:schemeClr val="tx1">
+                    <a:lumMod val="85000"/>
+                    <a:lumOff val="15000"/>
+                  </a:schemeClr>
+                </a:solidFill>
+                <a:latin typeface="Calibri" panose="020F0502020204030204" pitchFamily="34" charset="0"/>
+                <a:cs typeface="Calibri" panose="020F0502020204030204" pitchFamily="34" charset="0"/>
+              </a:rPr>
+              <a:t> </a:t>
+            </a:r>
+            <a:r>
+              <a:rPr lang="en-US" sz="1400" dirty="0" err="1">
+                <a:solidFill>
+                  <a:schemeClr val="tx1">
+                    <a:lumMod val="85000"/>
+                    <a:lumOff val="15000"/>
+                  </a:schemeClr>
+                </a:solidFill>
+                <a:latin typeface="Calibri" panose="020F0502020204030204" pitchFamily="34" charset="0"/>
+                <a:cs typeface="Calibri" panose="020F0502020204030204" pitchFamily="34" charset="0"/>
+              </a:rPr>
+              <a:t>Fahrer</a:t>
+            </a:r>
+            <a:r>
+              <a:rPr lang="en-US" sz="1400" dirty="0">
+                <a:solidFill>
+                  <a:schemeClr val="tx1">
+                    <a:lumMod val="85000"/>
+                    <a:lumOff val="15000"/>
+                  </a:schemeClr>
+                </a:solidFill>
+                <a:latin typeface="Calibri" panose="020F0502020204030204" pitchFamily="34" charset="0"/>
+                <a:cs typeface="Calibri" panose="020F0502020204030204" pitchFamily="34" charset="0"/>
+              </a:rPr>
+              <a:t> </a:t>
+            </a:r>
+            <a:r>
+              <a:rPr lang="en-US" sz="1400" dirty="0" err="1">
+                <a:solidFill>
+                  <a:schemeClr val="tx1">
+                    <a:lumMod val="85000"/>
+                    <a:lumOff val="15000"/>
+                  </a:schemeClr>
+                </a:solidFill>
+                <a:latin typeface="Calibri" panose="020F0502020204030204" pitchFamily="34" charset="0"/>
+                <a:cs typeface="Calibri" panose="020F0502020204030204" pitchFamily="34" charset="0"/>
+              </a:rPr>
+              <a:t>rechtzeitig</a:t>
+            </a:r>
+            <a:r>
+              <a:rPr lang="en-US" sz="1400" dirty="0">
+                <a:solidFill>
+                  <a:schemeClr val="tx1">
+                    <a:lumMod val="85000"/>
+                    <a:lumOff val="15000"/>
+                  </a:schemeClr>
+                </a:solidFill>
+                <a:latin typeface="Calibri" panose="020F0502020204030204" pitchFamily="34" charset="0"/>
+                <a:cs typeface="Calibri" panose="020F0502020204030204" pitchFamily="34" charset="0"/>
+              </a:rPr>
+              <a:t> </a:t>
+            </a:r>
+            <a:r>
+              <a:rPr lang="en-US" sz="1400" dirty="0" err="1">
+                <a:solidFill>
+                  <a:schemeClr val="tx1">
+                    <a:lumMod val="85000"/>
+                    <a:lumOff val="15000"/>
+                  </a:schemeClr>
+                </a:solidFill>
+                <a:latin typeface="Calibri" panose="020F0502020204030204" pitchFamily="34" charset="0"/>
+                <a:cs typeface="Calibri" panose="020F0502020204030204" pitchFamily="34" charset="0"/>
+              </a:rPr>
+              <a:t>reagieren</a:t>
+            </a:r>
+            <a:r>
+              <a:rPr lang="en-US" sz="1400" dirty="0">
+                <a:solidFill>
+                  <a:schemeClr val="tx1">
+                    <a:lumMod val="85000"/>
+                    <a:lumOff val="15000"/>
+                  </a:schemeClr>
+                </a:solidFill>
+                <a:latin typeface="Calibri" panose="020F0502020204030204" pitchFamily="34" charset="0"/>
+                <a:cs typeface="Calibri" panose="020F0502020204030204" pitchFamily="34" charset="0"/>
+              </a:rPr>
+              <a:t> </a:t>
+            </a:r>
+            <a:r>
+              <a:rPr lang="en-US" sz="1400" dirty="0" err="1">
+                <a:solidFill>
+                  <a:schemeClr val="tx1">
+                    <a:lumMod val="85000"/>
+                    <a:lumOff val="15000"/>
+                  </a:schemeClr>
+                </a:solidFill>
+                <a:latin typeface="Calibri" panose="020F0502020204030204" pitchFamily="34" charset="0"/>
+                <a:cs typeface="Calibri" panose="020F0502020204030204" pitchFamily="34" charset="0"/>
+              </a:rPr>
+              <a:t>können</a:t>
+            </a:r>
+            <a:r>
+              <a:rPr lang="en-US" sz="1400" dirty="0">
+                <a:solidFill>
+                  <a:schemeClr val="tx1">
+                    <a:lumMod val="85000"/>
+                    <a:lumOff val="15000"/>
+                  </a:schemeClr>
+                </a:solidFill>
+                <a:latin typeface="Calibri" panose="020F0502020204030204" pitchFamily="34" charset="0"/>
+                <a:cs typeface="Calibri" panose="020F0502020204030204" pitchFamily="34" charset="0"/>
+              </a:rPr>
+              <a:t>.</a:t>
+            </a:r>
+          </a:p>
+        </p:txBody>
+      </p:sp>
+      <p:pic>
+        <p:nvPicPr>
+          <p:cNvPr id="6" name="Bildplatzhalter 5" descr="Ein Bild, das Landfahrzeug, Auto, Rad, draußen enthält.&#10;&#10;Automatisch generierte Beschreibung">
+            <a:extLst>
+              <a:ext uri="{FF2B5EF4-FFF2-40B4-BE49-F238E27FC236}">
+                <a16:creationId xmlns:a16="http://schemas.microsoft.com/office/drawing/2014/main" id="{635E8CF4-C5DE-A88F-6AD7-CE3CAE96DA17}"/>
+              </a:ext>
+            </a:extLst>
+          </p:cNvPr>
+          <p:cNvPicPr>
+            <a:picLocks noGrp="1" noChangeAspect="1"/>
+          </p:cNvPicPr>
+          <p:nvPr>
+            <p:ph type="pic" idx="1"/>
+          </p:nvPr>
+        </p:nvPicPr>
+        <p:blipFill rotWithShape="1">
+          <a:blip r:embed="rId2"/>
+          <a:srcRect l="12454" r="13907" b="2"/>
+          <a:stretch/>
+        </p:blipFill>
+        <p:spPr>
+          <a:xfrm>
+            <a:off x="4654296" y="10"/>
+            <a:ext cx="7537704" cy="6857990"/>
+          </a:xfrm>
+          <a:prstGeom prst="rect">
+            <a:avLst/>
+          </a:prstGeom>
+        </p:spPr>
+      </p:pic>
+    </p:spTree>
+    <p:extLst>
+      <p:ext uri="{BB962C8B-B14F-4D97-AF65-F5344CB8AC3E}">
+        <p14:creationId xmlns:p14="http://schemas.microsoft.com/office/powerpoint/2010/main" val="3462504774"/>
+      </p:ext>
+    </p:extLst>
+  </p:cSld>
+  <p:clrMapOvr>
+    <a:masterClrMapping/>
+  </p:clrMapOvr>
+</p:sld>
+</file>
+
+<file path=ppt/slides/slide32.xml><?xml version="1.0" encoding="utf-8"?>
+<p:sld xmlns:a="http://schemas.openxmlformats.org/drawingml/2006/main" xmlns:r="http://schemas.openxmlformats.org/officeDocument/2006/relationships" xmlns:p="http://schemas.openxmlformats.org/presentationml/2006/main">
+  <p:cSld>
+    <p:bg>
+      <p:bgPr>
+        <a:solidFill>
+          <a:schemeClr val="bg1">
+            <a:lumMod val="95000"/>
+          </a:schemeClr>
+        </a:solidFill>
+        <a:effectLst/>
+      </p:bgPr>
+    </p:bg>
+    <p:spTree>
+      <p:nvGrpSpPr>
+        <p:cNvPr id="1" name=""/>
+        <p:cNvGrpSpPr/>
+        <p:nvPr/>
+      </p:nvGrpSpPr>
+      <p:grpSpPr>
+        <a:xfrm>
+          <a:off x="0" y="0"/>
+          <a:ext cx="0" cy="0"/>
+          <a:chOff x="0" y="0"/>
+          <a:chExt cx="0" cy="0"/>
+        </a:xfrm>
+      </p:grpSpPr>
+      <p:sp>
+        <p:nvSpPr>
+          <p:cNvPr id="2" name="Titel 1">
+            <a:extLst>
+              <a:ext uri="{FF2B5EF4-FFF2-40B4-BE49-F238E27FC236}">
+                <a16:creationId xmlns:a16="http://schemas.microsoft.com/office/drawing/2014/main" id="{63EA728D-EFA0-F1D5-E158-F845ECCF6841}"/>
+              </a:ext>
+            </a:extLst>
+          </p:cNvPr>
+          <p:cNvSpPr>
+            <a:spLocks noGrp="1"/>
+          </p:cNvSpPr>
+          <p:nvPr>
+            <p:ph type="title"/>
+          </p:nvPr>
+        </p:nvSpPr>
+        <p:spPr>
+          <a:xfrm>
+            <a:off x="804670" y="978776"/>
+            <a:ext cx="3044953" cy="1174991"/>
+          </a:xfrm>
+        </p:spPr>
+        <p:txBody>
+          <a:bodyPr vert="horz" lIns="182880" tIns="182880" rIns="182880" bIns="182880" rtlCol="0" anchor="ctr">
+            <a:normAutofit/>
+          </a:bodyPr>
+          <a:lstStyle/>
+          <a:p>
+            <a:br>
+              <a:rPr lang="en-US" sz="1700" dirty="0"/>
+            </a:br>
+            <a:r>
+              <a:rPr lang="en-US" sz="1700" dirty="0" err="1"/>
+              <a:t>Zusammenfassung</a:t>
+            </a:r>
+            <a:br>
+              <a:rPr lang="en-US" sz="1700" dirty="0"/>
+            </a:br>
+            <a:endParaRPr lang="en-US" sz="1700" dirty="0"/>
+          </a:p>
+        </p:txBody>
+      </p:sp>
+      <p:sp>
+        <p:nvSpPr>
+          <p:cNvPr id="4" name="Textplatzhalter 3">
+            <a:extLst>
+              <a:ext uri="{FF2B5EF4-FFF2-40B4-BE49-F238E27FC236}">
+                <a16:creationId xmlns:a16="http://schemas.microsoft.com/office/drawing/2014/main" id="{BD272873-3DB9-F5A0-BD4A-CE3278152610}"/>
+              </a:ext>
+            </a:extLst>
+          </p:cNvPr>
+          <p:cNvSpPr>
+            <a:spLocks noGrp="1"/>
+          </p:cNvSpPr>
+          <p:nvPr>
+            <p:ph type="body" sz="half" idx="2"/>
+          </p:nvPr>
+        </p:nvSpPr>
+        <p:spPr>
+          <a:xfrm>
+            <a:off x="804670" y="2640692"/>
+            <a:ext cx="3044952" cy="3255252"/>
+          </a:xfrm>
+        </p:spPr>
+        <p:txBody>
+          <a:bodyPr vert="horz" lIns="91440" tIns="45720" rIns="91440" bIns="45720" rtlCol="0">
+            <a:noAutofit/>
+          </a:bodyPr>
+          <a:lstStyle/>
+          <a:p>
+            <a:pPr algn="l">
+              <a:lnSpc>
+                <a:spcPct val="90000"/>
+              </a:lnSpc>
+            </a:pPr>
+            <a:r>
+              <a:rPr lang="en-US" sz="1400" dirty="0">
+                <a:solidFill>
+                  <a:schemeClr val="tx1">
+                    <a:lumMod val="85000"/>
+                    <a:lumOff val="15000"/>
+                  </a:schemeClr>
+                </a:solidFill>
+                <a:latin typeface="Calibri" panose="020F0502020204030204" pitchFamily="34" charset="0"/>
+                <a:cs typeface="Calibri" panose="020F0502020204030204" pitchFamily="34" charset="0"/>
+              </a:rPr>
+              <a:t>Die </a:t>
+            </a:r>
+            <a:r>
+              <a:rPr lang="en-US" sz="1400" dirty="0" err="1">
+                <a:solidFill>
+                  <a:schemeClr val="tx1">
+                    <a:lumMod val="85000"/>
+                    <a:lumOff val="15000"/>
+                  </a:schemeClr>
+                </a:solidFill>
+                <a:latin typeface="Calibri" panose="020F0502020204030204" pitchFamily="34" charset="0"/>
+                <a:cs typeface="Calibri" panose="020F0502020204030204" pitchFamily="34" charset="0"/>
+              </a:rPr>
+              <a:t>smarte</a:t>
+            </a:r>
+            <a:r>
+              <a:rPr lang="en-US" sz="1400" dirty="0">
+                <a:solidFill>
+                  <a:schemeClr val="tx1">
+                    <a:lumMod val="85000"/>
+                    <a:lumOff val="15000"/>
+                  </a:schemeClr>
+                </a:solidFill>
+                <a:latin typeface="Calibri" panose="020F0502020204030204" pitchFamily="34" charset="0"/>
+                <a:cs typeface="Calibri" panose="020F0502020204030204" pitchFamily="34" charset="0"/>
+              </a:rPr>
+              <a:t> </a:t>
+            </a:r>
+            <a:r>
+              <a:rPr lang="en-US" sz="1400" dirty="0" err="1">
+                <a:solidFill>
+                  <a:schemeClr val="tx1">
+                    <a:lumMod val="85000"/>
+                    <a:lumOff val="15000"/>
+                  </a:schemeClr>
+                </a:solidFill>
+                <a:latin typeface="Calibri" panose="020F0502020204030204" pitchFamily="34" charset="0"/>
+                <a:cs typeface="Calibri" panose="020F0502020204030204" pitchFamily="34" charset="0"/>
+              </a:rPr>
+              <a:t>Parkplatzlösung</a:t>
+            </a:r>
+            <a:r>
+              <a:rPr lang="en-US" sz="1400" dirty="0">
+                <a:solidFill>
+                  <a:schemeClr val="tx1">
+                    <a:lumMod val="85000"/>
+                    <a:lumOff val="15000"/>
+                  </a:schemeClr>
+                </a:solidFill>
+                <a:latin typeface="Calibri" panose="020F0502020204030204" pitchFamily="34" charset="0"/>
+                <a:cs typeface="Calibri" panose="020F0502020204030204" pitchFamily="34" charset="0"/>
+              </a:rPr>
+              <a:t> </a:t>
+            </a:r>
+            <a:r>
+              <a:rPr lang="en-US" sz="1400" dirty="0" err="1">
+                <a:solidFill>
+                  <a:schemeClr val="tx1">
+                    <a:lumMod val="85000"/>
+                    <a:lumOff val="15000"/>
+                  </a:schemeClr>
+                </a:solidFill>
+                <a:latin typeface="Calibri" panose="020F0502020204030204" pitchFamily="34" charset="0"/>
+                <a:cs typeface="Calibri" panose="020F0502020204030204" pitchFamily="34" charset="0"/>
+              </a:rPr>
+              <a:t>mit</a:t>
+            </a:r>
+            <a:r>
+              <a:rPr lang="en-US" sz="1400" dirty="0">
+                <a:solidFill>
+                  <a:schemeClr val="tx1">
+                    <a:lumMod val="85000"/>
+                    <a:lumOff val="15000"/>
+                  </a:schemeClr>
+                </a:solidFill>
+                <a:latin typeface="Calibri" panose="020F0502020204030204" pitchFamily="34" charset="0"/>
+                <a:cs typeface="Calibri" panose="020F0502020204030204" pitchFamily="34" charset="0"/>
+              </a:rPr>
+              <a:t> dem </a:t>
+            </a:r>
+            <a:r>
+              <a:rPr lang="en-US" sz="1400" dirty="0" err="1">
+                <a:solidFill>
+                  <a:schemeClr val="tx1">
+                    <a:lumMod val="85000"/>
+                    <a:lumOff val="15000"/>
+                  </a:schemeClr>
+                </a:solidFill>
+                <a:latin typeface="Calibri" panose="020F0502020204030204" pitchFamily="34" charset="0"/>
+                <a:cs typeface="Calibri" panose="020F0502020204030204" pitchFamily="34" charset="0"/>
+              </a:rPr>
+              <a:t>Schwerpunkten</a:t>
+            </a:r>
+            <a:r>
+              <a:rPr lang="en-US" sz="1400" dirty="0">
+                <a:solidFill>
+                  <a:schemeClr val="tx1">
+                    <a:lumMod val="85000"/>
+                    <a:lumOff val="15000"/>
+                  </a:schemeClr>
+                </a:solidFill>
+                <a:latin typeface="Calibri" panose="020F0502020204030204" pitchFamily="34" charset="0"/>
+                <a:cs typeface="Calibri" panose="020F0502020204030204" pitchFamily="34" charset="0"/>
+              </a:rPr>
+              <a:t> </a:t>
+            </a:r>
+            <a:r>
+              <a:rPr lang="en-US" sz="1400" dirty="0" err="1">
+                <a:solidFill>
+                  <a:schemeClr val="tx1">
+                    <a:lumMod val="85000"/>
+                    <a:lumOff val="15000"/>
+                  </a:schemeClr>
+                </a:solidFill>
+                <a:latin typeface="Calibri" panose="020F0502020204030204" pitchFamily="34" charset="0"/>
+                <a:cs typeface="Calibri" panose="020F0502020204030204" pitchFamily="34" charset="0"/>
+              </a:rPr>
+              <a:t>Reservierung</a:t>
+            </a:r>
+            <a:r>
+              <a:rPr lang="en-US" sz="1400" dirty="0">
+                <a:solidFill>
+                  <a:schemeClr val="tx1">
+                    <a:lumMod val="85000"/>
+                    <a:lumOff val="15000"/>
+                  </a:schemeClr>
+                </a:solidFill>
+                <a:latin typeface="Calibri" panose="020F0502020204030204" pitchFamily="34" charset="0"/>
+                <a:cs typeface="Calibri" panose="020F0502020204030204" pitchFamily="34" charset="0"/>
+              </a:rPr>
+              <a:t> , Navigation und </a:t>
+            </a:r>
+            <a:r>
+              <a:rPr lang="en-US" sz="1400" dirty="0" err="1">
+                <a:solidFill>
+                  <a:schemeClr val="tx1">
+                    <a:lumMod val="85000"/>
+                    <a:lumOff val="15000"/>
+                  </a:schemeClr>
+                </a:solidFill>
+                <a:latin typeface="Calibri" panose="020F0502020204030204" pitchFamily="34" charset="0"/>
+                <a:cs typeface="Calibri" panose="020F0502020204030204" pitchFamily="34" charset="0"/>
+              </a:rPr>
+              <a:t>Verfügbarkeit</a:t>
+            </a:r>
+            <a:r>
+              <a:rPr lang="en-US" sz="1400" dirty="0">
+                <a:solidFill>
+                  <a:schemeClr val="tx1">
+                    <a:lumMod val="85000"/>
+                    <a:lumOff val="15000"/>
+                  </a:schemeClr>
+                </a:solidFill>
+                <a:latin typeface="Calibri" panose="020F0502020204030204" pitchFamily="34" charset="0"/>
+                <a:cs typeface="Calibri" panose="020F0502020204030204" pitchFamily="34" charset="0"/>
+              </a:rPr>
+              <a:t> </a:t>
+            </a:r>
+            <a:r>
+              <a:rPr lang="en-US" sz="1400" dirty="0" err="1">
+                <a:solidFill>
+                  <a:schemeClr val="tx1">
+                    <a:lumMod val="85000"/>
+                    <a:lumOff val="15000"/>
+                  </a:schemeClr>
+                </a:solidFill>
+                <a:latin typeface="Calibri" panose="020F0502020204030204" pitchFamily="34" charset="0"/>
+                <a:cs typeface="Calibri" panose="020F0502020204030204" pitchFamily="34" charset="0"/>
+              </a:rPr>
+              <a:t>bietet</a:t>
+            </a:r>
+            <a:r>
+              <a:rPr lang="en-US" sz="1400" dirty="0">
+                <a:solidFill>
+                  <a:schemeClr val="tx1">
+                    <a:lumMod val="85000"/>
+                    <a:lumOff val="15000"/>
+                  </a:schemeClr>
+                </a:solidFill>
+                <a:latin typeface="Calibri" panose="020F0502020204030204" pitchFamily="34" charset="0"/>
+                <a:cs typeface="Calibri" panose="020F0502020204030204" pitchFamily="34" charset="0"/>
+              </a:rPr>
+              <a:t> </a:t>
+            </a:r>
+            <a:r>
+              <a:rPr lang="en-US" sz="1400" dirty="0" err="1">
+                <a:solidFill>
+                  <a:schemeClr val="tx1">
+                    <a:lumMod val="85000"/>
+                    <a:lumOff val="15000"/>
+                  </a:schemeClr>
+                </a:solidFill>
+                <a:latin typeface="Calibri" panose="020F0502020204030204" pitchFamily="34" charset="0"/>
+                <a:cs typeface="Calibri" panose="020F0502020204030204" pitchFamily="34" charset="0"/>
+              </a:rPr>
+              <a:t>eine</a:t>
+            </a:r>
+            <a:r>
+              <a:rPr lang="en-US" sz="1400" dirty="0">
+                <a:solidFill>
+                  <a:schemeClr val="tx1">
+                    <a:lumMod val="85000"/>
+                    <a:lumOff val="15000"/>
+                  </a:schemeClr>
+                </a:solidFill>
+                <a:latin typeface="Calibri" panose="020F0502020204030204" pitchFamily="34" charset="0"/>
+                <a:cs typeface="Calibri" panose="020F0502020204030204" pitchFamily="34" charset="0"/>
+              </a:rPr>
+              <a:t> </a:t>
+            </a:r>
+            <a:r>
+              <a:rPr lang="en-US" sz="1400" dirty="0" err="1">
+                <a:solidFill>
+                  <a:schemeClr val="tx1">
+                    <a:lumMod val="85000"/>
+                    <a:lumOff val="15000"/>
+                  </a:schemeClr>
+                </a:solidFill>
+                <a:latin typeface="Calibri" panose="020F0502020204030204" pitchFamily="34" charset="0"/>
+                <a:cs typeface="Calibri" panose="020F0502020204030204" pitchFamily="34" charset="0"/>
+              </a:rPr>
+              <a:t>Antwort</a:t>
+            </a:r>
+            <a:r>
+              <a:rPr lang="en-US" sz="1400" dirty="0">
+                <a:solidFill>
+                  <a:schemeClr val="tx1">
+                    <a:lumMod val="85000"/>
+                    <a:lumOff val="15000"/>
+                  </a:schemeClr>
+                </a:solidFill>
+                <a:latin typeface="Calibri" panose="020F0502020204030204" pitchFamily="34" charset="0"/>
+                <a:cs typeface="Calibri" panose="020F0502020204030204" pitchFamily="34" charset="0"/>
+              </a:rPr>
+              <a:t> auf das </a:t>
+            </a:r>
+            <a:r>
+              <a:rPr lang="en-US" sz="1400" dirty="0" err="1">
+                <a:solidFill>
+                  <a:schemeClr val="tx1">
+                    <a:lumMod val="85000"/>
+                    <a:lumOff val="15000"/>
+                  </a:schemeClr>
+                </a:solidFill>
+                <a:latin typeface="Calibri" panose="020F0502020204030204" pitchFamily="34" charset="0"/>
+                <a:cs typeface="Calibri" panose="020F0502020204030204" pitchFamily="34" charset="0"/>
+              </a:rPr>
+              <a:t>wachsende</a:t>
+            </a:r>
+            <a:r>
+              <a:rPr lang="en-US" sz="1400" dirty="0">
+                <a:solidFill>
+                  <a:schemeClr val="tx1">
+                    <a:lumMod val="85000"/>
+                    <a:lumOff val="15000"/>
+                  </a:schemeClr>
+                </a:solidFill>
+                <a:latin typeface="Calibri" panose="020F0502020204030204" pitchFamily="34" charset="0"/>
+                <a:cs typeface="Calibri" panose="020F0502020204030204" pitchFamily="34" charset="0"/>
+              </a:rPr>
+              <a:t> Problem des </a:t>
+            </a:r>
+            <a:r>
+              <a:rPr lang="en-US" sz="1400" dirty="0" err="1">
+                <a:solidFill>
+                  <a:schemeClr val="tx1">
+                    <a:lumMod val="85000"/>
+                    <a:lumOff val="15000"/>
+                  </a:schemeClr>
+                </a:solidFill>
+                <a:latin typeface="Calibri" panose="020F0502020204030204" pitchFamily="34" charset="0"/>
+                <a:cs typeface="Calibri" panose="020F0502020204030204" pitchFamily="34" charset="0"/>
+              </a:rPr>
+              <a:t>Parkplatzmangels</a:t>
+            </a:r>
+            <a:r>
+              <a:rPr lang="en-US" sz="1400" dirty="0">
+                <a:solidFill>
+                  <a:schemeClr val="tx1">
+                    <a:lumMod val="85000"/>
+                    <a:lumOff val="15000"/>
+                  </a:schemeClr>
+                </a:solidFill>
+                <a:latin typeface="Calibri" panose="020F0502020204030204" pitchFamily="34" charset="0"/>
+                <a:cs typeface="Calibri" panose="020F0502020204030204" pitchFamily="34" charset="0"/>
+              </a:rPr>
+              <a:t> in </a:t>
+            </a:r>
+            <a:r>
+              <a:rPr lang="en-US" sz="1400" dirty="0" err="1">
+                <a:solidFill>
+                  <a:schemeClr val="tx1">
+                    <a:lumMod val="85000"/>
+                    <a:lumOff val="15000"/>
+                  </a:schemeClr>
+                </a:solidFill>
+                <a:latin typeface="Calibri" panose="020F0502020204030204" pitchFamily="34" charset="0"/>
+                <a:cs typeface="Calibri" panose="020F0502020204030204" pitchFamily="34" charset="0"/>
+              </a:rPr>
+              <a:t>Städten</a:t>
+            </a:r>
+            <a:r>
+              <a:rPr lang="en-US" sz="1400" dirty="0">
+                <a:solidFill>
+                  <a:schemeClr val="tx1">
+                    <a:lumMod val="85000"/>
+                    <a:lumOff val="15000"/>
+                  </a:schemeClr>
+                </a:solidFill>
+                <a:latin typeface="Calibri" panose="020F0502020204030204" pitchFamily="34" charset="0"/>
+                <a:cs typeface="Calibri" panose="020F0502020204030204" pitchFamily="34" charset="0"/>
+              </a:rPr>
+              <a:t> und </a:t>
+            </a:r>
+            <a:r>
+              <a:rPr lang="en-US" sz="1400" dirty="0" err="1">
+                <a:solidFill>
+                  <a:schemeClr val="tx1">
+                    <a:lumMod val="85000"/>
+                    <a:lumOff val="15000"/>
+                  </a:schemeClr>
+                </a:solidFill>
+                <a:latin typeface="Calibri" panose="020F0502020204030204" pitchFamily="34" charset="0"/>
+                <a:cs typeface="Calibri" panose="020F0502020204030204" pitchFamily="34" charset="0"/>
+              </a:rPr>
+              <a:t>urbanen</a:t>
+            </a:r>
+            <a:r>
+              <a:rPr lang="en-US" sz="1400" dirty="0">
+                <a:solidFill>
+                  <a:schemeClr val="tx1">
+                    <a:lumMod val="85000"/>
+                    <a:lumOff val="15000"/>
+                  </a:schemeClr>
+                </a:solidFill>
+                <a:latin typeface="Calibri" panose="020F0502020204030204" pitchFamily="34" charset="0"/>
+                <a:cs typeface="Calibri" panose="020F0502020204030204" pitchFamily="34" charset="0"/>
+              </a:rPr>
+              <a:t> </a:t>
+            </a:r>
+            <a:r>
+              <a:rPr lang="en-US" sz="1400" dirty="0" err="1">
+                <a:solidFill>
+                  <a:schemeClr val="tx1">
+                    <a:lumMod val="85000"/>
+                    <a:lumOff val="15000"/>
+                  </a:schemeClr>
+                </a:solidFill>
+                <a:latin typeface="Calibri" panose="020F0502020204030204" pitchFamily="34" charset="0"/>
+                <a:cs typeface="Calibri" panose="020F0502020204030204" pitchFamily="34" charset="0"/>
+              </a:rPr>
+              <a:t>Gebieten</a:t>
+            </a:r>
+            <a:r>
+              <a:rPr lang="en-US" sz="1400" dirty="0">
+                <a:solidFill>
+                  <a:schemeClr val="tx1">
+                    <a:lumMod val="85000"/>
+                    <a:lumOff val="15000"/>
+                  </a:schemeClr>
+                </a:solidFill>
+                <a:latin typeface="Calibri" panose="020F0502020204030204" pitchFamily="34" charset="0"/>
+                <a:cs typeface="Calibri" panose="020F0502020204030204" pitchFamily="34" charset="0"/>
+              </a:rPr>
+              <a:t>.</a:t>
+            </a:r>
+          </a:p>
+          <a:p>
+            <a:pPr algn="l">
+              <a:lnSpc>
+                <a:spcPct val="90000"/>
+              </a:lnSpc>
+            </a:pPr>
+            <a:r>
+              <a:rPr lang="en-US" sz="1400" dirty="0" err="1">
+                <a:solidFill>
+                  <a:schemeClr val="tx1">
+                    <a:lumMod val="85000"/>
+                    <a:lumOff val="15000"/>
+                  </a:schemeClr>
+                </a:solidFill>
+                <a:latin typeface="Calibri" panose="020F0502020204030204" pitchFamily="34" charset="0"/>
+                <a:cs typeface="Calibri" panose="020F0502020204030204" pitchFamily="34" charset="0"/>
+              </a:rPr>
+              <a:t>Mit</a:t>
+            </a:r>
+            <a:r>
+              <a:rPr lang="en-US" sz="1400" dirty="0">
+                <a:solidFill>
+                  <a:schemeClr val="tx1">
+                    <a:lumMod val="85000"/>
+                    <a:lumOff val="15000"/>
+                  </a:schemeClr>
+                </a:solidFill>
+                <a:latin typeface="Calibri" panose="020F0502020204030204" pitchFamily="34" charset="0"/>
+                <a:cs typeface="Calibri" panose="020F0502020204030204" pitchFamily="34" charset="0"/>
+              </a:rPr>
+              <a:t> </a:t>
+            </a:r>
+            <a:r>
+              <a:rPr lang="en-US" sz="1400" dirty="0" err="1">
+                <a:solidFill>
+                  <a:schemeClr val="tx1">
+                    <a:lumMod val="85000"/>
+                    <a:lumOff val="15000"/>
+                  </a:schemeClr>
+                </a:solidFill>
+                <a:latin typeface="Calibri" panose="020F0502020204030204" pitchFamily="34" charset="0"/>
+                <a:cs typeface="Calibri" panose="020F0502020204030204" pitchFamily="34" charset="0"/>
+              </a:rPr>
+              <a:t>dieser</a:t>
+            </a:r>
+            <a:r>
+              <a:rPr lang="en-US" sz="1400" dirty="0">
+                <a:solidFill>
+                  <a:schemeClr val="tx1">
+                    <a:lumMod val="85000"/>
+                    <a:lumOff val="15000"/>
+                  </a:schemeClr>
+                </a:solidFill>
+                <a:latin typeface="Calibri" panose="020F0502020204030204" pitchFamily="34" charset="0"/>
+                <a:cs typeface="Calibri" panose="020F0502020204030204" pitchFamily="34" charset="0"/>
+              </a:rPr>
+              <a:t> </a:t>
+            </a:r>
+            <a:r>
+              <a:rPr lang="en-US" sz="1400" dirty="0" err="1">
+                <a:solidFill>
+                  <a:schemeClr val="tx1">
+                    <a:lumMod val="85000"/>
+                    <a:lumOff val="15000"/>
+                  </a:schemeClr>
+                </a:solidFill>
+                <a:latin typeface="Calibri" panose="020F0502020204030204" pitchFamily="34" charset="0"/>
+                <a:cs typeface="Calibri" panose="020F0502020204030204" pitchFamily="34" charset="0"/>
+              </a:rPr>
+              <a:t>innovativen</a:t>
+            </a:r>
+            <a:r>
+              <a:rPr lang="en-US" sz="1400" dirty="0">
+                <a:solidFill>
+                  <a:schemeClr val="tx1">
+                    <a:lumMod val="85000"/>
+                    <a:lumOff val="15000"/>
+                  </a:schemeClr>
+                </a:solidFill>
+                <a:latin typeface="Calibri" panose="020F0502020204030204" pitchFamily="34" charset="0"/>
+                <a:cs typeface="Calibri" panose="020F0502020204030204" pitchFamily="34" charset="0"/>
+              </a:rPr>
+              <a:t> </a:t>
+            </a:r>
+            <a:r>
+              <a:rPr lang="en-US" sz="1400" dirty="0" err="1">
+                <a:solidFill>
+                  <a:schemeClr val="tx1">
+                    <a:lumMod val="85000"/>
+                    <a:lumOff val="15000"/>
+                  </a:schemeClr>
+                </a:solidFill>
+                <a:latin typeface="Calibri" panose="020F0502020204030204" pitchFamily="34" charset="0"/>
+                <a:cs typeface="Calibri" panose="020F0502020204030204" pitchFamily="34" charset="0"/>
+              </a:rPr>
+              <a:t>Technologie</a:t>
+            </a:r>
+            <a:r>
+              <a:rPr lang="en-US" sz="1400" dirty="0">
+                <a:solidFill>
+                  <a:schemeClr val="tx1">
+                    <a:lumMod val="85000"/>
+                    <a:lumOff val="15000"/>
+                  </a:schemeClr>
+                </a:solidFill>
+                <a:latin typeface="Calibri" panose="020F0502020204030204" pitchFamily="34" charset="0"/>
+                <a:cs typeface="Calibri" panose="020F0502020204030204" pitchFamily="34" charset="0"/>
+              </a:rPr>
+              <a:t> </a:t>
+            </a:r>
+            <a:r>
+              <a:rPr lang="en-US" sz="1400" dirty="0" err="1">
+                <a:solidFill>
+                  <a:schemeClr val="tx1">
+                    <a:lumMod val="85000"/>
+                    <a:lumOff val="15000"/>
+                  </a:schemeClr>
+                </a:solidFill>
+                <a:latin typeface="Calibri" panose="020F0502020204030204" pitchFamily="34" charset="0"/>
+                <a:cs typeface="Calibri" panose="020F0502020204030204" pitchFamily="34" charset="0"/>
+              </a:rPr>
+              <a:t>wird</a:t>
+            </a:r>
+            <a:r>
+              <a:rPr lang="en-US" sz="1400" dirty="0">
+                <a:solidFill>
+                  <a:schemeClr val="tx1">
+                    <a:lumMod val="85000"/>
+                    <a:lumOff val="15000"/>
+                  </a:schemeClr>
+                </a:solidFill>
+                <a:latin typeface="Calibri" panose="020F0502020204030204" pitchFamily="34" charset="0"/>
+                <a:cs typeface="Calibri" panose="020F0502020204030204" pitchFamily="34" charset="0"/>
+              </a:rPr>
+              <a:t> </a:t>
+            </a:r>
+            <a:r>
+              <a:rPr lang="en-US" sz="1400" dirty="0" err="1">
+                <a:solidFill>
+                  <a:schemeClr val="tx1">
+                    <a:lumMod val="85000"/>
+                    <a:lumOff val="15000"/>
+                  </a:schemeClr>
+                </a:solidFill>
+                <a:latin typeface="Calibri" panose="020F0502020204030204" pitchFamily="34" charset="0"/>
+                <a:cs typeface="Calibri" panose="020F0502020204030204" pitchFamily="34" charset="0"/>
+              </a:rPr>
+              <a:t>nicht</a:t>
+            </a:r>
+            <a:r>
+              <a:rPr lang="en-US" sz="1400" dirty="0">
+                <a:solidFill>
+                  <a:schemeClr val="tx1">
+                    <a:lumMod val="85000"/>
+                    <a:lumOff val="15000"/>
+                  </a:schemeClr>
+                </a:solidFill>
+                <a:latin typeface="Calibri" panose="020F0502020204030204" pitchFamily="34" charset="0"/>
+                <a:cs typeface="Calibri" panose="020F0502020204030204" pitchFamily="34" charset="0"/>
+              </a:rPr>
+              <a:t> </a:t>
+            </a:r>
+            <a:r>
+              <a:rPr lang="en-US" sz="1400" dirty="0" err="1">
+                <a:solidFill>
+                  <a:schemeClr val="tx1">
+                    <a:lumMod val="85000"/>
+                    <a:lumOff val="15000"/>
+                  </a:schemeClr>
+                </a:solidFill>
+                <a:latin typeface="Calibri" panose="020F0502020204030204" pitchFamily="34" charset="0"/>
+                <a:cs typeface="Calibri" panose="020F0502020204030204" pitchFamily="34" charset="0"/>
+              </a:rPr>
+              <a:t>nur</a:t>
+            </a:r>
+            <a:r>
+              <a:rPr lang="en-US" sz="1400" dirty="0">
+                <a:solidFill>
+                  <a:schemeClr val="tx1">
+                    <a:lumMod val="85000"/>
+                    <a:lumOff val="15000"/>
+                  </a:schemeClr>
+                </a:solidFill>
+                <a:latin typeface="Calibri" panose="020F0502020204030204" pitchFamily="34" charset="0"/>
+                <a:cs typeface="Calibri" panose="020F0502020204030204" pitchFamily="34" charset="0"/>
+              </a:rPr>
+              <a:t> der </a:t>
+            </a:r>
+            <a:r>
+              <a:rPr lang="en-US" sz="1400" dirty="0" err="1">
+                <a:solidFill>
+                  <a:schemeClr val="tx1">
+                    <a:lumMod val="85000"/>
+                    <a:lumOff val="15000"/>
+                  </a:schemeClr>
+                </a:solidFill>
+                <a:latin typeface="Calibri" panose="020F0502020204030204" pitchFamily="34" charset="0"/>
+                <a:cs typeface="Calibri" panose="020F0502020204030204" pitchFamily="34" charset="0"/>
+              </a:rPr>
+              <a:t>Alltag</a:t>
+            </a:r>
+            <a:r>
+              <a:rPr lang="en-US" sz="1400" dirty="0">
+                <a:solidFill>
+                  <a:schemeClr val="tx1">
+                    <a:lumMod val="85000"/>
+                    <a:lumOff val="15000"/>
+                  </a:schemeClr>
+                </a:solidFill>
+                <a:latin typeface="Calibri" panose="020F0502020204030204" pitchFamily="34" charset="0"/>
+                <a:cs typeface="Calibri" panose="020F0502020204030204" pitchFamily="34" charset="0"/>
+              </a:rPr>
+              <a:t> der </a:t>
+            </a:r>
+            <a:r>
+              <a:rPr lang="en-US" sz="1400" dirty="0" err="1">
+                <a:solidFill>
+                  <a:schemeClr val="tx1">
+                    <a:lumMod val="85000"/>
+                    <a:lumOff val="15000"/>
+                  </a:schemeClr>
+                </a:solidFill>
+                <a:latin typeface="Calibri" panose="020F0502020204030204" pitchFamily="34" charset="0"/>
+                <a:cs typeface="Calibri" panose="020F0502020204030204" pitchFamily="34" charset="0"/>
+              </a:rPr>
+              <a:t>Fahrer</a:t>
+            </a:r>
+            <a:r>
+              <a:rPr lang="en-US" sz="1400" dirty="0">
+                <a:solidFill>
+                  <a:schemeClr val="tx1">
+                    <a:lumMod val="85000"/>
+                    <a:lumOff val="15000"/>
+                  </a:schemeClr>
+                </a:solidFill>
+                <a:latin typeface="Calibri" panose="020F0502020204030204" pitchFamily="34" charset="0"/>
+                <a:cs typeface="Calibri" panose="020F0502020204030204" pitchFamily="34" charset="0"/>
+              </a:rPr>
+              <a:t> </a:t>
+            </a:r>
+            <a:r>
+              <a:rPr lang="en-US" sz="1400" dirty="0" err="1">
+                <a:solidFill>
+                  <a:schemeClr val="tx1">
+                    <a:lumMod val="85000"/>
+                    <a:lumOff val="15000"/>
+                  </a:schemeClr>
+                </a:solidFill>
+                <a:latin typeface="Calibri" panose="020F0502020204030204" pitchFamily="34" charset="0"/>
+                <a:cs typeface="Calibri" panose="020F0502020204030204" pitchFamily="34" charset="0"/>
+              </a:rPr>
+              <a:t>erleichert</a:t>
+            </a:r>
+            <a:r>
+              <a:rPr lang="en-US" sz="1400" dirty="0">
+                <a:solidFill>
+                  <a:schemeClr val="tx1">
+                    <a:lumMod val="85000"/>
+                    <a:lumOff val="15000"/>
+                  </a:schemeClr>
+                </a:solidFill>
+                <a:latin typeface="Calibri" panose="020F0502020204030204" pitchFamily="34" charset="0"/>
+                <a:cs typeface="Calibri" panose="020F0502020204030204" pitchFamily="34" charset="0"/>
+              </a:rPr>
+              <a:t> , </a:t>
+            </a:r>
+            <a:r>
+              <a:rPr lang="en-US" sz="1400" dirty="0" err="1">
+                <a:solidFill>
+                  <a:schemeClr val="tx1">
+                    <a:lumMod val="85000"/>
+                    <a:lumOff val="15000"/>
+                  </a:schemeClr>
+                </a:solidFill>
+                <a:latin typeface="Calibri" panose="020F0502020204030204" pitchFamily="34" charset="0"/>
+                <a:cs typeface="Calibri" panose="020F0502020204030204" pitchFamily="34" charset="0"/>
+              </a:rPr>
+              <a:t>sondern</a:t>
+            </a:r>
+            <a:r>
+              <a:rPr lang="en-US" sz="1400" dirty="0">
+                <a:solidFill>
+                  <a:schemeClr val="tx1">
+                    <a:lumMod val="85000"/>
+                    <a:lumOff val="15000"/>
+                  </a:schemeClr>
+                </a:solidFill>
+                <a:latin typeface="Calibri" panose="020F0502020204030204" pitchFamily="34" charset="0"/>
+                <a:cs typeface="Calibri" panose="020F0502020204030204" pitchFamily="34" charset="0"/>
+              </a:rPr>
+              <a:t> </a:t>
+            </a:r>
+            <a:r>
+              <a:rPr lang="en-US" sz="1400" dirty="0" err="1">
+                <a:solidFill>
+                  <a:schemeClr val="tx1">
+                    <a:lumMod val="85000"/>
+                    <a:lumOff val="15000"/>
+                  </a:schemeClr>
+                </a:solidFill>
+                <a:latin typeface="Calibri" panose="020F0502020204030204" pitchFamily="34" charset="0"/>
+                <a:cs typeface="Calibri" panose="020F0502020204030204" pitchFamily="34" charset="0"/>
+              </a:rPr>
+              <a:t>auch</a:t>
+            </a:r>
+            <a:r>
+              <a:rPr lang="en-US" sz="1400" dirty="0">
+                <a:solidFill>
+                  <a:schemeClr val="tx1">
+                    <a:lumMod val="85000"/>
+                    <a:lumOff val="15000"/>
+                  </a:schemeClr>
+                </a:solidFill>
+                <a:latin typeface="Calibri" panose="020F0502020204030204" pitchFamily="34" charset="0"/>
+                <a:cs typeface="Calibri" panose="020F0502020204030204" pitchFamily="34" charset="0"/>
+              </a:rPr>
+              <a:t> der </a:t>
+            </a:r>
+            <a:r>
+              <a:rPr lang="en-US" sz="1400" dirty="0" err="1">
+                <a:solidFill>
+                  <a:schemeClr val="tx1">
+                    <a:lumMod val="85000"/>
+                    <a:lumOff val="15000"/>
+                  </a:schemeClr>
+                </a:solidFill>
+                <a:latin typeface="Calibri" panose="020F0502020204030204" pitchFamily="34" charset="0"/>
+                <a:cs typeface="Calibri" panose="020F0502020204030204" pitchFamily="34" charset="0"/>
+              </a:rPr>
+              <a:t>Verkehrsfluss</a:t>
+            </a:r>
+            <a:r>
+              <a:rPr lang="en-US" sz="1400" dirty="0">
+                <a:solidFill>
+                  <a:schemeClr val="tx1">
+                    <a:lumMod val="85000"/>
+                    <a:lumOff val="15000"/>
+                  </a:schemeClr>
+                </a:solidFill>
+                <a:latin typeface="Calibri" panose="020F0502020204030204" pitchFamily="34" charset="0"/>
+                <a:cs typeface="Calibri" panose="020F0502020204030204" pitchFamily="34" charset="0"/>
+              </a:rPr>
+              <a:t> in den </a:t>
+            </a:r>
+            <a:r>
+              <a:rPr lang="en-US" sz="1400" dirty="0" err="1">
+                <a:solidFill>
+                  <a:schemeClr val="tx1">
+                    <a:lumMod val="85000"/>
+                    <a:lumOff val="15000"/>
+                  </a:schemeClr>
+                </a:solidFill>
+                <a:latin typeface="Calibri" panose="020F0502020204030204" pitchFamily="34" charset="0"/>
+                <a:cs typeface="Calibri" panose="020F0502020204030204" pitchFamily="34" charset="0"/>
+              </a:rPr>
+              <a:t>Städten</a:t>
+            </a:r>
+            <a:r>
+              <a:rPr lang="en-US" sz="1400" dirty="0">
+                <a:solidFill>
+                  <a:schemeClr val="tx1">
+                    <a:lumMod val="85000"/>
+                    <a:lumOff val="15000"/>
+                  </a:schemeClr>
+                </a:solidFill>
+                <a:latin typeface="Calibri" panose="020F0502020204030204" pitchFamily="34" charset="0"/>
+                <a:cs typeface="Calibri" panose="020F0502020204030204" pitchFamily="34" charset="0"/>
+              </a:rPr>
+              <a:t> </a:t>
+            </a:r>
+            <a:r>
+              <a:rPr lang="en-US" sz="1400" dirty="0" err="1">
+                <a:solidFill>
+                  <a:schemeClr val="tx1">
+                    <a:lumMod val="85000"/>
+                    <a:lumOff val="15000"/>
+                  </a:schemeClr>
+                </a:solidFill>
+                <a:latin typeface="Calibri" panose="020F0502020204030204" pitchFamily="34" charset="0"/>
+                <a:cs typeface="Calibri" panose="020F0502020204030204" pitchFamily="34" charset="0"/>
+              </a:rPr>
+              <a:t>verbessert</a:t>
+            </a:r>
+            <a:r>
+              <a:rPr lang="en-US" sz="1400" dirty="0">
+                <a:solidFill>
+                  <a:schemeClr val="tx1">
+                    <a:lumMod val="85000"/>
+                    <a:lumOff val="15000"/>
+                  </a:schemeClr>
+                </a:solidFill>
+                <a:latin typeface="Calibri" panose="020F0502020204030204" pitchFamily="34" charset="0"/>
+                <a:cs typeface="Calibri" panose="020F0502020204030204" pitchFamily="34" charset="0"/>
+              </a:rPr>
+              <a:t>.</a:t>
+            </a:r>
+          </a:p>
+          <a:p>
+            <a:pPr algn="l">
+              <a:lnSpc>
+                <a:spcPct val="90000"/>
+              </a:lnSpc>
+            </a:pPr>
+            <a:endParaRPr lang="en-US" sz="1600" dirty="0">
+              <a:solidFill>
+                <a:schemeClr val="tx1">
+                  <a:lumMod val="85000"/>
+                  <a:lumOff val="15000"/>
+                </a:schemeClr>
+              </a:solidFill>
+            </a:endParaRPr>
+          </a:p>
+        </p:txBody>
+      </p:sp>
+      <p:pic>
+        <p:nvPicPr>
+          <p:cNvPr id="6" name="Bildplatzhalter 5" descr="Ein Bild, das Fahrzeug, Landfahrzeug, Auto, Decke enthält.&#10;&#10;Automatisch generierte Beschreibung">
+            <a:extLst>
+              <a:ext uri="{FF2B5EF4-FFF2-40B4-BE49-F238E27FC236}">
+                <a16:creationId xmlns:a16="http://schemas.microsoft.com/office/drawing/2014/main" id="{8BADD702-25E4-C4D3-B10C-0F4135ACBF36}"/>
+              </a:ext>
+            </a:extLst>
+          </p:cNvPr>
+          <p:cNvPicPr>
+            <a:picLocks noGrp="1" noChangeAspect="1"/>
+          </p:cNvPicPr>
+          <p:nvPr>
+            <p:ph type="pic" idx="1"/>
+          </p:nvPr>
+        </p:nvPicPr>
+        <p:blipFill rotWithShape="1">
+          <a:blip r:embed="rId2"/>
+          <a:srcRect l="12270" r="21508" b="-1"/>
+          <a:stretch/>
+        </p:blipFill>
+        <p:spPr>
+          <a:xfrm>
+            <a:off x="4654296" y="10"/>
+            <a:ext cx="7537704" cy="6857990"/>
+          </a:xfrm>
+          <a:prstGeom prst="rect">
+            <a:avLst/>
+          </a:prstGeom>
+        </p:spPr>
+      </p:pic>
+    </p:spTree>
+    <p:extLst>
+      <p:ext uri="{BB962C8B-B14F-4D97-AF65-F5344CB8AC3E}">
+        <p14:creationId xmlns:p14="http://schemas.microsoft.com/office/powerpoint/2010/main" val="2820582977"/>
+      </p:ext>
+    </p:extLst>
+  </p:cSld>
+  <p:clrMapOvr>
+    <a:masterClrMapping/>
+  </p:clrMapOvr>
+</p:sld>
+</file>
+
+<file path=ppt/slides/slide33.xml><?xml version="1.0" encoding="utf-8"?>
+<p:sld xmlns:a="http://schemas.openxmlformats.org/drawingml/2006/main" xmlns:r="http://schemas.openxmlformats.org/officeDocument/2006/relationships" xmlns:p="http://schemas.openxmlformats.org/presentationml/2006/main">
+  <p:cSld>
+    <p:bg>
+      <p:bgPr>
+        <a:solidFill>
+          <a:schemeClr val="bg1">
+            <a:lumMod val="95000"/>
+          </a:schemeClr>
+        </a:solidFill>
+        <a:effectLst/>
+      </p:bgPr>
+    </p:bg>
+    <p:spTree>
+      <p:nvGrpSpPr>
+        <p:cNvPr id="1" name=""/>
+        <p:cNvGrpSpPr/>
+        <p:nvPr/>
+      </p:nvGrpSpPr>
+      <p:grpSpPr>
+        <a:xfrm>
+          <a:off x="0" y="0"/>
+          <a:ext cx="0" cy="0"/>
+          <a:chOff x="0" y="0"/>
+          <a:chExt cx="0" cy="0"/>
+        </a:xfrm>
+      </p:grpSpPr>
+      <p:sp>
+        <p:nvSpPr>
+          <p:cNvPr id="2" name="Titel 1">
+            <a:extLst>
+              <a:ext uri="{FF2B5EF4-FFF2-40B4-BE49-F238E27FC236}">
+                <a16:creationId xmlns:a16="http://schemas.microsoft.com/office/drawing/2014/main" id="{63EA728D-EFA0-F1D5-E158-F845ECCF6841}"/>
+              </a:ext>
+            </a:extLst>
+          </p:cNvPr>
+          <p:cNvSpPr>
+            <a:spLocks noGrp="1"/>
+          </p:cNvSpPr>
+          <p:nvPr>
+            <p:ph type="title"/>
+          </p:nvPr>
+        </p:nvSpPr>
+        <p:spPr>
+          <a:xfrm>
+            <a:off x="804670" y="978776"/>
+            <a:ext cx="3044953" cy="1174991"/>
+          </a:xfrm>
+        </p:spPr>
+        <p:txBody>
+          <a:bodyPr vert="horz" lIns="182880" tIns="182880" rIns="182880" bIns="182880" rtlCol="0" anchor="ctr">
+            <a:normAutofit/>
+          </a:bodyPr>
+          <a:lstStyle/>
+          <a:p>
+            <a:br>
+              <a:rPr lang="en-US" sz="1700" dirty="0"/>
+            </a:br>
+            <a:r>
+              <a:rPr lang="en-US" sz="1700" dirty="0" err="1"/>
+              <a:t>Zusammenfassung</a:t>
+            </a:r>
+            <a:br>
+              <a:rPr lang="en-US" sz="1700" dirty="0"/>
+            </a:br>
+            <a:endParaRPr lang="en-US" sz="1700" dirty="0"/>
+          </a:p>
+        </p:txBody>
+      </p:sp>
+      <p:sp>
+        <p:nvSpPr>
+          <p:cNvPr id="4" name="Textplatzhalter 3">
+            <a:extLst>
+              <a:ext uri="{FF2B5EF4-FFF2-40B4-BE49-F238E27FC236}">
+                <a16:creationId xmlns:a16="http://schemas.microsoft.com/office/drawing/2014/main" id="{BD272873-3DB9-F5A0-BD4A-CE3278152610}"/>
+              </a:ext>
+            </a:extLst>
+          </p:cNvPr>
+          <p:cNvSpPr>
+            <a:spLocks noGrp="1"/>
+          </p:cNvSpPr>
+          <p:nvPr>
+            <p:ph type="body" sz="half" idx="2"/>
+          </p:nvPr>
+        </p:nvSpPr>
+        <p:spPr>
+          <a:xfrm>
+            <a:off x="804670" y="2640692"/>
+            <a:ext cx="3044952" cy="3255252"/>
+          </a:xfrm>
+        </p:spPr>
+        <p:txBody>
+          <a:bodyPr vert="horz" lIns="91440" tIns="45720" rIns="91440" bIns="45720" rtlCol="0">
+            <a:noAutofit/>
+          </a:bodyPr>
+          <a:lstStyle/>
+          <a:p>
+            <a:pPr algn="l">
+              <a:lnSpc>
+                <a:spcPct val="90000"/>
+              </a:lnSpc>
+            </a:pPr>
+            <a:r>
+              <a:rPr lang="en-US" sz="1400" dirty="0" err="1">
+                <a:solidFill>
+                  <a:schemeClr val="tx1">
+                    <a:lumMod val="85000"/>
+                    <a:lumOff val="15000"/>
+                  </a:schemeClr>
+                </a:solidFill>
+              </a:rPr>
+              <a:t>Durch</a:t>
+            </a:r>
+            <a:r>
+              <a:rPr lang="en-US" sz="1400" dirty="0">
+                <a:solidFill>
+                  <a:schemeClr val="tx1">
+                    <a:lumMod val="85000"/>
+                    <a:lumOff val="15000"/>
+                  </a:schemeClr>
+                </a:solidFill>
+              </a:rPr>
+              <a:t> die </a:t>
+            </a:r>
+            <a:r>
+              <a:rPr lang="en-US" sz="1400" dirty="0" err="1">
+                <a:solidFill>
+                  <a:schemeClr val="tx1">
+                    <a:lumMod val="85000"/>
+                    <a:lumOff val="15000"/>
+                  </a:schemeClr>
+                </a:solidFill>
+              </a:rPr>
+              <a:t>Intelligenten</a:t>
+            </a:r>
+            <a:r>
+              <a:rPr lang="en-US" sz="1400" dirty="0">
+                <a:solidFill>
+                  <a:schemeClr val="tx1">
+                    <a:lumMod val="85000"/>
+                    <a:lumOff val="15000"/>
+                  </a:schemeClr>
+                </a:solidFill>
+              </a:rPr>
+              <a:t> </a:t>
+            </a:r>
+            <a:r>
+              <a:rPr lang="en-US" sz="1400" dirty="0" err="1">
+                <a:solidFill>
+                  <a:schemeClr val="tx1">
+                    <a:lumMod val="85000"/>
+                    <a:lumOff val="15000"/>
+                  </a:schemeClr>
+                </a:solidFill>
+              </a:rPr>
+              <a:t>Funktionen</a:t>
+            </a:r>
+            <a:r>
+              <a:rPr lang="en-US" sz="1400" dirty="0">
+                <a:solidFill>
+                  <a:schemeClr val="tx1">
+                    <a:lumMod val="85000"/>
+                    <a:lumOff val="15000"/>
+                  </a:schemeClr>
+                </a:solidFill>
+              </a:rPr>
+              <a:t> der smarten </a:t>
+            </a:r>
+            <a:r>
+              <a:rPr lang="en-US" sz="1400" dirty="0" err="1">
+                <a:solidFill>
+                  <a:schemeClr val="tx1">
+                    <a:lumMod val="85000"/>
+                    <a:lumOff val="15000"/>
+                  </a:schemeClr>
+                </a:solidFill>
+              </a:rPr>
+              <a:t>Parkplatzlösung</a:t>
+            </a:r>
+            <a:r>
+              <a:rPr lang="en-US" sz="1400" dirty="0">
+                <a:solidFill>
+                  <a:schemeClr val="tx1">
+                    <a:lumMod val="85000"/>
+                    <a:lumOff val="15000"/>
+                  </a:schemeClr>
+                </a:solidFill>
+              </a:rPr>
+              <a:t> </a:t>
+            </a:r>
+            <a:r>
+              <a:rPr lang="en-US" sz="1400" dirty="0" err="1">
+                <a:solidFill>
+                  <a:schemeClr val="tx1">
+                    <a:lumMod val="85000"/>
+                    <a:lumOff val="15000"/>
+                  </a:schemeClr>
+                </a:solidFill>
+              </a:rPr>
+              <a:t>wird</a:t>
+            </a:r>
+            <a:r>
+              <a:rPr lang="en-US" sz="1400" dirty="0">
+                <a:solidFill>
+                  <a:schemeClr val="tx1">
+                    <a:lumMod val="85000"/>
+                    <a:lumOff val="15000"/>
+                  </a:schemeClr>
+                </a:solidFill>
+              </a:rPr>
+              <a:t> der </a:t>
+            </a:r>
+            <a:r>
+              <a:rPr lang="en-US" sz="1400" dirty="0" err="1">
+                <a:solidFill>
+                  <a:schemeClr val="tx1">
+                    <a:lumMod val="85000"/>
+                    <a:lumOff val="15000"/>
+                  </a:schemeClr>
+                </a:solidFill>
+              </a:rPr>
+              <a:t>Verkehrsfluss</a:t>
+            </a:r>
+            <a:r>
+              <a:rPr lang="en-US" sz="1400" dirty="0">
+                <a:solidFill>
+                  <a:schemeClr val="tx1">
+                    <a:lumMod val="85000"/>
+                    <a:lumOff val="15000"/>
+                  </a:schemeClr>
+                </a:solidFill>
+              </a:rPr>
+              <a:t> </a:t>
+            </a:r>
+            <a:r>
+              <a:rPr lang="en-US" sz="1400" dirty="0" err="1">
+                <a:solidFill>
+                  <a:schemeClr val="tx1">
+                    <a:lumMod val="85000"/>
+                    <a:lumOff val="15000"/>
+                  </a:schemeClr>
+                </a:solidFill>
+              </a:rPr>
+              <a:t>optimiert</a:t>
+            </a:r>
+            <a:r>
+              <a:rPr lang="en-US" sz="1400" dirty="0">
+                <a:solidFill>
+                  <a:schemeClr val="tx1">
+                    <a:lumMod val="85000"/>
+                    <a:lumOff val="15000"/>
+                  </a:schemeClr>
+                </a:solidFill>
+              </a:rPr>
+              <a:t> , da </a:t>
+            </a:r>
+            <a:r>
+              <a:rPr lang="en-US" sz="1400" dirty="0" err="1">
+                <a:solidFill>
+                  <a:schemeClr val="tx1">
+                    <a:lumMod val="85000"/>
+                    <a:lumOff val="15000"/>
+                  </a:schemeClr>
+                </a:solidFill>
+              </a:rPr>
+              <a:t>Fahrer</a:t>
+            </a:r>
+            <a:r>
+              <a:rPr lang="en-US" sz="1400" dirty="0">
+                <a:solidFill>
+                  <a:schemeClr val="tx1">
+                    <a:lumMod val="85000"/>
+                    <a:lumOff val="15000"/>
+                  </a:schemeClr>
+                </a:solidFill>
+              </a:rPr>
+              <a:t> schnell und </a:t>
+            </a:r>
+            <a:r>
+              <a:rPr lang="en-US" sz="1400" dirty="0" err="1">
+                <a:solidFill>
+                  <a:schemeClr val="tx1">
+                    <a:lumMod val="85000"/>
+                    <a:lumOff val="15000"/>
+                  </a:schemeClr>
+                </a:solidFill>
+              </a:rPr>
+              <a:t>stressfrei</a:t>
+            </a:r>
+            <a:r>
+              <a:rPr lang="en-US" sz="1400" dirty="0">
+                <a:solidFill>
+                  <a:schemeClr val="tx1">
+                    <a:lumMod val="85000"/>
+                    <a:lumOff val="15000"/>
+                  </a:schemeClr>
+                </a:solidFill>
+              </a:rPr>
+              <a:t> </a:t>
+            </a:r>
+            <a:r>
+              <a:rPr lang="en-US" sz="1400" dirty="0" err="1">
+                <a:solidFill>
+                  <a:schemeClr val="tx1">
+                    <a:lumMod val="85000"/>
+                    <a:lumOff val="15000"/>
+                  </a:schemeClr>
+                </a:solidFill>
+              </a:rPr>
+              <a:t>zu</a:t>
+            </a:r>
+            <a:r>
+              <a:rPr lang="en-US" sz="1400" dirty="0">
+                <a:solidFill>
+                  <a:schemeClr val="tx1">
+                    <a:lumMod val="85000"/>
+                    <a:lumOff val="15000"/>
+                  </a:schemeClr>
+                </a:solidFill>
+              </a:rPr>
+              <a:t> </a:t>
+            </a:r>
+            <a:r>
+              <a:rPr lang="en-US" sz="1400" dirty="0" err="1">
+                <a:solidFill>
+                  <a:schemeClr val="tx1">
+                    <a:lumMod val="85000"/>
+                    <a:lumOff val="15000"/>
+                  </a:schemeClr>
+                </a:solidFill>
+              </a:rPr>
+              <a:t>verfügbaren</a:t>
+            </a:r>
+            <a:r>
+              <a:rPr lang="en-US" sz="1400" dirty="0">
+                <a:solidFill>
+                  <a:schemeClr val="tx1">
+                    <a:lumMod val="85000"/>
+                    <a:lumOff val="15000"/>
+                  </a:schemeClr>
+                </a:solidFill>
+              </a:rPr>
+              <a:t>  </a:t>
+            </a:r>
+            <a:r>
+              <a:rPr lang="en-US" sz="1400" dirty="0" err="1">
+                <a:solidFill>
+                  <a:schemeClr val="tx1">
+                    <a:lumMod val="85000"/>
+                    <a:lumOff val="15000"/>
+                  </a:schemeClr>
+                </a:solidFill>
+              </a:rPr>
+              <a:t>Parkplätzen</a:t>
+            </a:r>
+            <a:r>
+              <a:rPr lang="en-US" sz="1400" dirty="0">
+                <a:solidFill>
+                  <a:schemeClr val="tx1">
+                    <a:lumMod val="85000"/>
+                    <a:lumOff val="15000"/>
+                  </a:schemeClr>
+                </a:solidFill>
+              </a:rPr>
+              <a:t> </a:t>
+            </a:r>
+            <a:r>
+              <a:rPr lang="en-US" sz="1400" dirty="0" err="1">
+                <a:solidFill>
+                  <a:schemeClr val="tx1">
+                    <a:lumMod val="85000"/>
+                    <a:lumOff val="15000"/>
+                  </a:schemeClr>
+                </a:solidFill>
+              </a:rPr>
+              <a:t>geführt</a:t>
+            </a:r>
+            <a:r>
+              <a:rPr lang="en-US" sz="1400" dirty="0">
+                <a:solidFill>
+                  <a:schemeClr val="tx1">
+                    <a:lumMod val="85000"/>
+                    <a:lumOff val="15000"/>
+                  </a:schemeClr>
+                </a:solidFill>
+              </a:rPr>
+              <a:t> </a:t>
+            </a:r>
+            <a:r>
+              <a:rPr lang="en-US" sz="1400" dirty="0" err="1">
+                <a:solidFill>
+                  <a:schemeClr val="tx1">
+                    <a:lumMod val="85000"/>
+                    <a:lumOff val="15000"/>
+                  </a:schemeClr>
+                </a:solidFill>
+              </a:rPr>
+              <a:t>werden</a:t>
+            </a:r>
+            <a:r>
+              <a:rPr lang="en-US" sz="1400" dirty="0">
+                <a:solidFill>
+                  <a:schemeClr val="tx1">
+                    <a:lumMod val="85000"/>
+                    <a:lumOff val="15000"/>
+                  </a:schemeClr>
+                </a:solidFill>
+              </a:rPr>
+              <a:t>.</a:t>
+            </a:r>
+          </a:p>
+          <a:p>
+            <a:pPr algn="l">
+              <a:lnSpc>
+                <a:spcPct val="90000"/>
+              </a:lnSpc>
+            </a:pPr>
+            <a:endParaRPr lang="en-US" sz="1400" dirty="0">
+              <a:solidFill>
+                <a:schemeClr val="tx1">
+                  <a:lumMod val="85000"/>
+                  <a:lumOff val="15000"/>
+                </a:schemeClr>
+              </a:solidFill>
+            </a:endParaRPr>
+          </a:p>
+          <a:p>
+            <a:pPr algn="l">
+              <a:lnSpc>
+                <a:spcPct val="90000"/>
+              </a:lnSpc>
+            </a:pPr>
+            <a:r>
+              <a:rPr lang="de-DE" sz="1400" b="0" i="0" dirty="0">
+                <a:solidFill>
+                  <a:schemeClr val="tx1"/>
+                </a:solidFill>
+                <a:effectLst/>
+                <a:latin typeface="+mj-lt"/>
+              </a:rPr>
+              <a:t>Das System optimiert die Parkplatznutzung, spart Raum und schützt somit Grünflächen und verhilft zu einem </a:t>
+            </a:r>
+            <a:r>
+              <a:rPr lang="de-DE" sz="1400" b="0" i="0" dirty="0" err="1">
+                <a:solidFill>
+                  <a:schemeClr val="tx1"/>
+                </a:solidFill>
+                <a:effectLst/>
+                <a:latin typeface="+mj-lt"/>
+              </a:rPr>
+              <a:t>niedriegeren</a:t>
+            </a:r>
+            <a:r>
+              <a:rPr lang="de-DE" sz="1400" b="0" i="0" dirty="0">
+                <a:solidFill>
+                  <a:schemeClr val="tx1"/>
+                </a:solidFill>
+                <a:effectLst/>
+                <a:latin typeface="+mj-lt"/>
+              </a:rPr>
+              <a:t> CO2 </a:t>
+            </a:r>
+            <a:r>
+              <a:rPr lang="de-DE" sz="1400" b="0" i="0" dirty="0" err="1">
+                <a:solidFill>
+                  <a:schemeClr val="tx1"/>
+                </a:solidFill>
+                <a:effectLst/>
+                <a:latin typeface="+mj-lt"/>
+              </a:rPr>
+              <a:t>ausstoß</a:t>
+            </a:r>
+            <a:endParaRPr lang="en-US" sz="1400" dirty="0">
+              <a:solidFill>
+                <a:schemeClr val="tx1"/>
+              </a:solidFill>
+              <a:latin typeface="+mj-lt"/>
+            </a:endParaRPr>
+          </a:p>
+          <a:p>
+            <a:pPr algn="l">
+              <a:lnSpc>
+                <a:spcPct val="90000"/>
+              </a:lnSpc>
+            </a:pPr>
+            <a:endParaRPr lang="en-US" sz="1600" dirty="0">
+              <a:solidFill>
+                <a:schemeClr val="tx1">
+                  <a:lumMod val="85000"/>
+                  <a:lumOff val="15000"/>
+                </a:schemeClr>
+              </a:solidFill>
+            </a:endParaRPr>
+          </a:p>
+        </p:txBody>
+      </p:sp>
+      <p:pic>
+        <p:nvPicPr>
+          <p:cNvPr id="6" name="Bildplatzhalter 5" descr="Ein Bild, das Fahrzeug, Landfahrzeug, Auto, Decke enthält.&#10;&#10;Automatisch generierte Beschreibung">
+            <a:extLst>
+              <a:ext uri="{FF2B5EF4-FFF2-40B4-BE49-F238E27FC236}">
+                <a16:creationId xmlns:a16="http://schemas.microsoft.com/office/drawing/2014/main" id="{8BADD702-25E4-C4D3-B10C-0F4135ACBF36}"/>
+              </a:ext>
+            </a:extLst>
+          </p:cNvPr>
+          <p:cNvPicPr>
+            <a:picLocks noGrp="1" noChangeAspect="1"/>
+          </p:cNvPicPr>
+          <p:nvPr>
+            <p:ph type="pic" idx="1"/>
+          </p:nvPr>
+        </p:nvPicPr>
+        <p:blipFill rotWithShape="1">
+          <a:blip r:embed="rId2"/>
+          <a:srcRect l="12270" r="21508" b="-1"/>
+          <a:stretch/>
+        </p:blipFill>
+        <p:spPr>
+          <a:xfrm>
+            <a:off x="4654296" y="10"/>
+            <a:ext cx="7537704" cy="6857990"/>
+          </a:xfrm>
+          <a:prstGeom prst="rect">
+            <a:avLst/>
+          </a:prstGeom>
+        </p:spPr>
+      </p:pic>
+    </p:spTree>
+    <p:extLst>
+      <p:ext uri="{BB962C8B-B14F-4D97-AF65-F5344CB8AC3E}">
+        <p14:creationId xmlns:p14="http://schemas.microsoft.com/office/powerpoint/2010/main" val="3688364677"/>
       </p:ext>
     </p:extLst>
   </p:cSld>
